--- a/FinalProject.pptx
+++ b/FinalProject.pptx
@@ -121,6 +121,11 @@
       </a:defRPr>
     </a:lvl9pPr>
   </p:defaultTextStyle>
+  <p:extLst>
+    <p:ext uri="{EFAFB233-063F-42B5-8137-9DF3F51BA10A}">
+      <p15:sldGuideLst xmlns:p15="http://schemas.microsoft.com/office/powerpoint/2012/main"/>
+    </p:ext>
+  </p:extLst>
 </p:presentation>
 </file>
 
@@ -4306,6 +4311,77 @@
           <a:chExt cx="0" cy="0"/>
         </a:xfrm>
       </p:grpSpPr>
+      <p:sp>
+        <p:nvSpPr>
+          <p:cNvPr id="2" name="TextBox 1">
+            <a:extLst>
+              <a:ext uri="{FF2B5EF4-FFF2-40B4-BE49-F238E27FC236}">
+                <a16:creationId xmlns:a16="http://schemas.microsoft.com/office/drawing/2014/main" id="{9F67D46F-81C5-4AFF-A1C3-8BE1E9B125BE}"/>
+              </a:ext>
+            </a:extLst>
+          </p:cNvPr>
+          <p:cNvSpPr txBox="1"/>
+          <p:nvPr/>
+        </p:nvSpPr>
+        <p:spPr>
+          <a:xfrm>
+            <a:off x="252382" y="277586"/>
+            <a:ext cx="8542723" cy="369332"/>
+          </a:xfrm>
+          <a:prstGeom prst="rect">
+            <a:avLst/>
+          </a:prstGeom>
+          <a:noFill/>
+        </p:spPr>
+        <p:txBody>
+          <a:bodyPr wrap="none" rtlCol="0">
+            <a:spAutoFit/>
+          </a:bodyPr>
+          <a:lstStyle/>
+          <a:p>
+            <a:r>
+              <a:rPr lang="ko-KR" altLang="en-US" dirty="0" err="1"/>
+              <a:t>나이브</a:t>
+            </a:r>
+            <a:r>
+              <a:rPr lang="ko-KR" altLang="en-US" dirty="0"/>
+              <a:t> </a:t>
+            </a:r>
+            <a:r>
+              <a:rPr lang="ko-KR" altLang="en-US" dirty="0" err="1"/>
+              <a:t>베이즈</a:t>
+            </a:r>
+            <a:r>
+              <a:rPr lang="ko-KR" altLang="en-US" dirty="0"/>
+              <a:t> 분류기</a:t>
+            </a:r>
+            <a:r>
+              <a:rPr lang="en-US" altLang="ko-KR" dirty="0"/>
+              <a:t> – </a:t>
+            </a:r>
+            <a:r>
+              <a:rPr lang="ko-KR" altLang="en-US" dirty="0"/>
+              <a:t>지하철 인접 여부</a:t>
+            </a:r>
+            <a:r>
+              <a:rPr lang="en-US" altLang="ko-KR" dirty="0"/>
+              <a:t>, </a:t>
+            </a:r>
+            <a:r>
+              <a:rPr lang="ko-KR" altLang="en-US" dirty="0"/>
+              <a:t>초중고</a:t>
+            </a:r>
+            <a:r>
+              <a:rPr lang="en-US" altLang="ko-KR" dirty="0"/>
+              <a:t>, </a:t>
+            </a:r>
+            <a:r>
+              <a:rPr lang="ko-KR" altLang="en-US" dirty="0"/>
+              <a:t>학교 수에 따른 이용건수 예측</a:t>
+            </a:r>
+          </a:p>
+        </p:txBody>
+      </p:sp>
     </p:spTree>
     <p:extLst>
       <p:ext uri="{BB962C8B-B14F-4D97-AF65-F5344CB8AC3E}">

--- a/FinalProject.pptx
+++ b/FinalProject.pptx
@@ -5,24 +5,29 @@
     <p:sldMasterId id="2147483648" r:id="rId1"/>
   </p:sldMasterIdLst>
   <p:sldIdLst>
-    <p:sldId id="256" r:id="rId2"/>
-    <p:sldId id="257" r:id="rId3"/>
-    <p:sldId id="258" r:id="rId4"/>
-    <p:sldId id="259" r:id="rId5"/>
-    <p:sldId id="260" r:id="rId6"/>
-    <p:sldId id="261" r:id="rId7"/>
-    <p:sldId id="262" r:id="rId8"/>
-    <p:sldId id="268" r:id="rId9"/>
-    <p:sldId id="269" r:id="rId10"/>
-    <p:sldId id="270" r:id="rId11"/>
-    <p:sldId id="271" r:id="rId12"/>
-    <p:sldId id="272" r:id="rId13"/>
-    <p:sldId id="273" r:id="rId14"/>
-    <p:sldId id="263" r:id="rId15"/>
-    <p:sldId id="264" r:id="rId16"/>
-    <p:sldId id="265" r:id="rId17"/>
-    <p:sldId id="266" r:id="rId18"/>
-    <p:sldId id="267" r:id="rId19"/>
+    <p:sldId id="264" r:id="rId2"/>
+    <p:sldId id="275" r:id="rId3"/>
+    <p:sldId id="274" r:id="rId4"/>
+    <p:sldId id="276" r:id="rId5"/>
+    <p:sldId id="277" r:id="rId6"/>
+    <p:sldId id="256" r:id="rId7"/>
+    <p:sldId id="257" r:id="rId8"/>
+    <p:sldId id="258" r:id="rId9"/>
+    <p:sldId id="259" r:id="rId10"/>
+    <p:sldId id="260" r:id="rId11"/>
+    <p:sldId id="278" r:id="rId12"/>
+    <p:sldId id="263" r:id="rId13"/>
+    <p:sldId id="261" r:id="rId14"/>
+    <p:sldId id="262" r:id="rId15"/>
+    <p:sldId id="268" r:id="rId16"/>
+    <p:sldId id="269" r:id="rId17"/>
+    <p:sldId id="270" r:id="rId18"/>
+    <p:sldId id="271" r:id="rId19"/>
+    <p:sldId id="272" r:id="rId20"/>
+    <p:sldId id="273" r:id="rId21"/>
+    <p:sldId id="265" r:id="rId22"/>
+    <p:sldId id="266" r:id="rId23"/>
+    <p:sldId id="267" r:id="rId24"/>
   </p:sldIdLst>
   <p:sldSz cx="12192000" cy="6858000"/>
   <p:notesSz cx="6858000" cy="9144000"/>
@@ -3343,40 +3348,118 @@
           <a:chExt cx="0" cy="0"/>
         </a:xfrm>
       </p:grpSpPr>
-      <p:pic>
-        <p:nvPicPr>
-          <p:cNvPr id="5" name="그림 4">
-            <a:extLst>
-              <a:ext uri="{FF2B5EF4-FFF2-40B4-BE49-F238E27FC236}">
-                <a16:creationId xmlns:a16="http://schemas.microsoft.com/office/drawing/2014/main" id="{E27856C0-AE43-4A05-A7FE-EE51732C8778}"/>
-              </a:ext>
-            </a:extLst>
-          </p:cNvPr>
-          <p:cNvPicPr>
-            <a:picLocks noChangeAspect="1"/>
-          </p:cNvPicPr>
-          <p:nvPr/>
-        </p:nvPicPr>
-        <p:blipFill>
-          <a:blip r:embed="rId2"/>
-          <a:stretch>
-            <a:fillRect/>
-          </a:stretch>
-        </p:blipFill>
-        <p:spPr>
-          <a:xfrm>
-            <a:off x="1817473" y="0"/>
-            <a:ext cx="8557054" cy="6858000"/>
-          </a:xfrm>
-          <a:prstGeom prst="rect">
-            <a:avLst/>
-          </a:prstGeom>
-        </p:spPr>
-      </p:pic>
+      <p:sp>
+        <p:nvSpPr>
+          <p:cNvPr id="2" name="제목 1">
+            <a:extLst>
+              <a:ext uri="{FF2B5EF4-FFF2-40B4-BE49-F238E27FC236}">
+                <a16:creationId xmlns:a16="http://schemas.microsoft.com/office/drawing/2014/main" id="{1134938D-5FBB-45D9-B176-63124701E34C}"/>
+              </a:ext>
+            </a:extLst>
+          </p:cNvPr>
+          <p:cNvSpPr>
+            <a:spLocks noGrp="1"/>
+          </p:cNvSpPr>
+          <p:nvPr>
+            <p:ph type="ctrTitle"/>
+          </p:nvPr>
+        </p:nvSpPr>
+        <p:spPr>
+          <a:xfrm>
+            <a:off x="535021" y="1122363"/>
+            <a:ext cx="11108987" cy="2387600"/>
+          </a:xfrm>
+        </p:spPr>
+        <p:txBody>
+          <a:bodyPr>
+            <a:normAutofit fontScale="90000"/>
+          </a:bodyPr>
+          <a:lstStyle/>
+          <a:p>
+            <a:r>
+              <a:rPr lang="ko-KR" altLang="en-US" dirty="0"/>
+              <a:t>서울시 공공자전거 데이터 분석 및 타 지역 공공자전거 도입 시</a:t>
+            </a:r>
+            <a:r>
+              <a:rPr lang="en-US" altLang="ko-KR" dirty="0"/>
+              <a:t>, </a:t>
+            </a:r>
+            <a:r>
+              <a:rPr lang="ko-KR" altLang="en-US" dirty="0"/>
+              <a:t>수요 예측 모델</a:t>
+            </a:r>
+          </a:p>
+        </p:txBody>
+      </p:sp>
+      <p:sp>
+        <p:nvSpPr>
+          <p:cNvPr id="3" name="부제목 2">
+            <a:extLst>
+              <a:ext uri="{FF2B5EF4-FFF2-40B4-BE49-F238E27FC236}">
+                <a16:creationId xmlns:a16="http://schemas.microsoft.com/office/drawing/2014/main" id="{F57559F5-6878-4388-8FED-A8E3353D3330}"/>
+              </a:ext>
+            </a:extLst>
+          </p:cNvPr>
+          <p:cNvSpPr>
+            <a:spLocks noGrp="1"/>
+          </p:cNvSpPr>
+          <p:nvPr>
+            <p:ph type="subTitle" idx="1"/>
+          </p:nvPr>
+        </p:nvSpPr>
+        <p:spPr>
+          <a:xfrm>
+            <a:off x="4228289" y="6030119"/>
+            <a:ext cx="9144000" cy="1655762"/>
+          </a:xfrm>
+        </p:spPr>
+        <p:txBody>
+          <a:bodyPr/>
+          <a:lstStyle/>
+          <a:p>
+            <a:r>
+              <a:rPr lang="ko-KR" altLang="en-US" dirty="0"/>
+              <a:t>팀</a:t>
+            </a:r>
+            <a:r>
+              <a:rPr lang="en-US" altLang="ko-KR" dirty="0"/>
+              <a:t>4 – </a:t>
+            </a:r>
+            <a:r>
+              <a:rPr lang="ko-KR" altLang="en-US" dirty="0"/>
+              <a:t>김규리</a:t>
+            </a:r>
+            <a:r>
+              <a:rPr lang="en-US" altLang="ko-KR" dirty="0"/>
+              <a:t>, </a:t>
+            </a:r>
+            <a:r>
+              <a:rPr lang="ko-KR" altLang="en-US" dirty="0"/>
+              <a:t>김나연</a:t>
+            </a:r>
+            <a:r>
+              <a:rPr lang="en-US" altLang="ko-KR" dirty="0"/>
+              <a:t>, </a:t>
+            </a:r>
+            <a:r>
+              <a:rPr lang="ko-KR" altLang="en-US" dirty="0"/>
+              <a:t>이은비</a:t>
+            </a:r>
+            <a:r>
+              <a:rPr lang="en-US" altLang="ko-KR" dirty="0"/>
+              <a:t>, </a:t>
+            </a:r>
+            <a:r>
+              <a:rPr lang="ko-KR" altLang="en-US" dirty="0"/>
+              <a:t>조수빈</a:t>
+            </a:r>
+          </a:p>
+        </p:txBody>
+      </p:sp>
     </p:spTree>
     <p:extLst>
       <p:ext uri="{BB962C8B-B14F-4D97-AF65-F5344CB8AC3E}">
-        <p14:creationId xmlns:p14="http://schemas.microsoft.com/office/powerpoint/2010/main" val="1736172062"/>
+        <p14:creationId xmlns:p14="http://schemas.microsoft.com/office/powerpoint/2010/main" val="182824904"/>
       </p:ext>
     </p:extLst>
   </p:cSld>
@@ -3403,139 +3486,12 @@
           <a:chExt cx="0" cy="0"/>
         </a:xfrm>
       </p:grpSpPr>
-      <p:sp>
-        <p:nvSpPr>
-          <p:cNvPr id="4" name="TextBox 3">
-            <a:extLst>
-              <a:ext uri="{FF2B5EF4-FFF2-40B4-BE49-F238E27FC236}">
-                <a16:creationId xmlns:a16="http://schemas.microsoft.com/office/drawing/2014/main" id="{10D75921-CD8E-4C85-90CC-4B046F37C46F}"/>
-              </a:ext>
-            </a:extLst>
-          </p:cNvPr>
-          <p:cNvSpPr txBox="1"/>
-          <p:nvPr/>
-        </p:nvSpPr>
-        <p:spPr>
-          <a:xfrm>
-            <a:off x="252382" y="277586"/>
-            <a:ext cx="8444941" cy="369332"/>
-          </a:xfrm>
-          <a:prstGeom prst="rect">
-            <a:avLst/>
-          </a:prstGeom>
-          <a:noFill/>
-        </p:spPr>
-        <p:txBody>
-          <a:bodyPr wrap="none" rtlCol="0">
-            <a:spAutoFit/>
-          </a:bodyPr>
-          <a:lstStyle/>
-          <a:p>
-            <a:r>
-              <a:rPr lang="ko-KR" altLang="en-US" dirty="0"/>
-              <a:t>다중회귀모델</a:t>
-            </a:r>
-            <a:r>
-              <a:rPr lang="en-US" altLang="ko-KR" dirty="0"/>
-              <a:t>(2) – </a:t>
-            </a:r>
-            <a:r>
-              <a:rPr lang="ko-KR" altLang="en-US" dirty="0"/>
-              <a:t>사업체</a:t>
-            </a:r>
-            <a:r>
-              <a:rPr lang="en-US" altLang="ko-KR" dirty="0"/>
-              <a:t>(</a:t>
-            </a:r>
-            <a:r>
-              <a:rPr lang="ko-KR" altLang="en-US" dirty="0"/>
-              <a:t>대기업</a:t>
-            </a:r>
-            <a:r>
-              <a:rPr lang="en-US" altLang="ko-KR" dirty="0"/>
-              <a:t>), </a:t>
-            </a:r>
-            <a:r>
-              <a:rPr lang="ko-KR" altLang="en-US" dirty="0"/>
-              <a:t>지하철</a:t>
-            </a:r>
-            <a:r>
-              <a:rPr lang="en-US" altLang="ko-KR" dirty="0"/>
-              <a:t>, </a:t>
-            </a:r>
-            <a:r>
-              <a:rPr lang="ko-KR" altLang="en-US" dirty="0"/>
-              <a:t>초중고</a:t>
-            </a:r>
-            <a:r>
-              <a:rPr lang="en-US" altLang="ko-KR" dirty="0"/>
-              <a:t>, </a:t>
-            </a:r>
-            <a:r>
-              <a:rPr lang="ko-KR" altLang="en-US" dirty="0"/>
-              <a:t>학교 수에 따른 이용건수 예측</a:t>
-            </a:r>
-          </a:p>
-        </p:txBody>
-      </p:sp>
-      <p:sp>
-        <p:nvSpPr>
-          <p:cNvPr id="7" name="TextBox 6">
-            <a:extLst>
-              <a:ext uri="{FF2B5EF4-FFF2-40B4-BE49-F238E27FC236}">
-                <a16:creationId xmlns:a16="http://schemas.microsoft.com/office/drawing/2014/main" id="{F21128A4-8959-4B58-965C-62BD9C603B8D}"/>
-              </a:ext>
-            </a:extLst>
-          </p:cNvPr>
-          <p:cNvSpPr txBox="1"/>
-          <p:nvPr/>
-        </p:nvSpPr>
-        <p:spPr>
-          <a:xfrm>
-            <a:off x="453118" y="4138612"/>
-            <a:ext cx="2189767" cy="369332"/>
-          </a:xfrm>
-          <a:prstGeom prst="rect">
-            <a:avLst/>
-          </a:prstGeom>
-          <a:noFill/>
-        </p:spPr>
-        <p:txBody>
-          <a:bodyPr wrap="none" rtlCol="0">
-            <a:spAutoFit/>
-          </a:bodyPr>
-          <a:lstStyle/>
-          <a:p>
-            <a:r>
-              <a:rPr lang="en-US" altLang="ko-KR" dirty="0"/>
-              <a:t>Validation</a:t>
-            </a:r>
-            <a:r>
-              <a:rPr lang="ko-KR" altLang="en-US" dirty="0"/>
-              <a:t> </a:t>
-            </a:r>
-            <a:r>
-              <a:rPr lang="en-US" altLang="ko-KR" dirty="0"/>
-              <a:t>Data</a:t>
-            </a:r>
-            <a:r>
-              <a:rPr lang="ko-KR" altLang="en-US" dirty="0"/>
-              <a:t> </a:t>
-            </a:r>
-            <a:r>
-              <a:rPr lang="en-US" altLang="ko-KR" dirty="0"/>
-              <a:t>Set</a:t>
-            </a:r>
-            <a:endParaRPr lang="ko-KR" altLang="en-US" dirty="0"/>
-          </a:p>
-        </p:txBody>
-      </p:sp>
       <p:pic>
         <p:nvPicPr>
-          <p:cNvPr id="5" name="그림 4">
-            <a:extLst>
-              <a:ext uri="{FF2B5EF4-FFF2-40B4-BE49-F238E27FC236}">
-                <a16:creationId xmlns:a16="http://schemas.microsoft.com/office/drawing/2014/main" id="{99722A03-11A1-453A-9562-A3AAE14F4A13}"/>
+          <p:cNvPr id="3" name="그림 2">
+            <a:extLst>
+              <a:ext uri="{FF2B5EF4-FFF2-40B4-BE49-F238E27FC236}">
+                <a16:creationId xmlns:a16="http://schemas.microsoft.com/office/drawing/2014/main" id="{6414F8DF-6058-44A8-9396-554BDE25586A}"/>
               </a:ext>
             </a:extLst>
           </p:cNvPr>
@@ -3552,48 +3508,72 @@
         </p:blipFill>
         <p:spPr>
           <a:xfrm>
-            <a:off x="453118" y="854477"/>
-            <a:ext cx="5229225" cy="3076575"/>
+            <a:off x="2365695" y="397484"/>
+            <a:ext cx="7949718" cy="6460515"/>
           </a:xfrm>
           <a:prstGeom prst="rect">
             <a:avLst/>
           </a:prstGeom>
         </p:spPr>
       </p:pic>
-      <p:pic>
-        <p:nvPicPr>
-          <p:cNvPr id="9" name="그림 8">
-            <a:extLst>
-              <a:ext uri="{FF2B5EF4-FFF2-40B4-BE49-F238E27FC236}">
-                <a16:creationId xmlns:a16="http://schemas.microsoft.com/office/drawing/2014/main" id="{78AC69EE-2C0C-4D64-9186-7CEF6A5711CA}"/>
-              </a:ext>
-            </a:extLst>
-          </p:cNvPr>
-          <p:cNvPicPr>
-            <a:picLocks noChangeAspect="1"/>
-          </p:cNvPicPr>
+      <p:sp>
+        <p:nvSpPr>
+          <p:cNvPr id="4" name="제목 1">
+            <a:extLst>
+              <a:ext uri="{FF2B5EF4-FFF2-40B4-BE49-F238E27FC236}">
+                <a16:creationId xmlns:a16="http://schemas.microsoft.com/office/drawing/2014/main" id="{6AC85305-8534-4F17-A56A-39AB3D9721F1}"/>
+              </a:ext>
+            </a:extLst>
+          </p:cNvPr>
+          <p:cNvSpPr txBox="1">
+            <a:spLocks/>
+          </p:cNvSpPr>
           <p:nvPr/>
-        </p:nvPicPr>
-        <p:blipFill>
-          <a:blip r:embed="rId3"/>
-          <a:stretch>
-            <a:fillRect/>
-          </a:stretch>
-        </p:blipFill>
-        <p:spPr>
-          <a:xfrm>
-            <a:off x="453118" y="4570639"/>
-            <a:ext cx="7924800" cy="2009775"/>
+        </p:nvSpPr>
+        <p:spPr>
+          <a:xfrm>
+            <a:off x="0" y="-483625"/>
+            <a:ext cx="11603342" cy="886297"/>
           </a:xfrm>
           <a:prstGeom prst="rect">
             <a:avLst/>
           </a:prstGeom>
         </p:spPr>
-      </p:pic>
+        <p:txBody>
+          <a:bodyPr vert="horz" lIns="91440" tIns="45720" rIns="91440" bIns="45720" rtlCol="0" anchor="b">
+            <a:normAutofit/>
+          </a:bodyPr>
+          <a:lstStyle>
+            <a:lvl1pPr algn="ctr" defTabSz="914400" rtl="0" eaLnBrk="1" latinLnBrk="1" hangingPunct="1">
+              <a:lnSpc>
+                <a:spcPct val="90000"/>
+              </a:lnSpc>
+              <a:spcBef>
+                <a:spcPct val="0"/>
+              </a:spcBef>
+              <a:buNone/>
+              <a:defRPr sz="6000" kern="1200">
+                <a:solidFill>
+                  <a:schemeClr val="tx1"/>
+                </a:solidFill>
+                <a:latin typeface="+mj-lt"/>
+                <a:ea typeface="+mj-ea"/>
+                <a:cs typeface="+mj-cs"/>
+              </a:defRPr>
+            </a:lvl1pPr>
+          </a:lstStyle>
+          <a:p>
+            <a:r>
+              <a:rPr lang="ko-KR" altLang="en-US" sz="1800" dirty="0"/>
+              <a:t>출근시간과 퇴근시간 강서구의 이용현황</a:t>
+            </a:r>
+          </a:p>
+        </p:txBody>
+      </p:sp>
     </p:spTree>
     <p:extLst>
       <p:ext uri="{BB962C8B-B14F-4D97-AF65-F5344CB8AC3E}">
-        <p14:creationId xmlns:p14="http://schemas.microsoft.com/office/powerpoint/2010/main" val="2371106402"/>
+        <p14:creationId xmlns:p14="http://schemas.microsoft.com/office/powerpoint/2010/main" val="4286215009"/>
       </p:ext>
     </p:extLst>
   </p:cSld>
@@ -3622,215 +3602,480 @@
       </p:grpSpPr>
       <p:sp>
         <p:nvSpPr>
-          <p:cNvPr id="4" name="TextBox 3">
-            <a:extLst>
-              <a:ext uri="{FF2B5EF4-FFF2-40B4-BE49-F238E27FC236}">
-                <a16:creationId xmlns:a16="http://schemas.microsoft.com/office/drawing/2014/main" id="{D042CEA9-21C3-462F-82B2-FAEA23D288FF}"/>
-              </a:ext>
-            </a:extLst>
-          </p:cNvPr>
-          <p:cNvSpPr txBox="1"/>
-          <p:nvPr/>
-        </p:nvSpPr>
-        <p:spPr>
-          <a:xfrm>
-            <a:off x="283708" y="438933"/>
-            <a:ext cx="1655390" cy="369332"/>
-          </a:xfrm>
-          <a:prstGeom prst="rect">
-            <a:avLst/>
-          </a:prstGeom>
-          <a:noFill/>
-        </p:spPr>
-        <p:txBody>
-          <a:bodyPr wrap="none" rtlCol="0">
-            <a:spAutoFit/>
+          <p:cNvPr id="2" name="제목 1">
+            <a:extLst>
+              <a:ext uri="{FF2B5EF4-FFF2-40B4-BE49-F238E27FC236}">
+                <a16:creationId xmlns:a16="http://schemas.microsoft.com/office/drawing/2014/main" id="{51CDFE0C-9717-4219-8184-E8317CC9B340}"/>
+              </a:ext>
+            </a:extLst>
+          </p:cNvPr>
+          <p:cNvSpPr>
+            <a:spLocks noGrp="1"/>
+          </p:cNvSpPr>
+          <p:nvPr>
+            <p:ph type="title"/>
+          </p:nvPr>
+        </p:nvSpPr>
+        <p:spPr>
+          <a:xfrm>
+            <a:off x="261487" y="159391"/>
+            <a:ext cx="10515600" cy="831158"/>
+          </a:xfrm>
+        </p:spPr>
+        <p:txBody>
+          <a:bodyPr>
+            <a:normAutofit/>
           </a:bodyPr>
           <a:lstStyle/>
           <a:p>
             <a:r>
-              <a:rPr lang="en-US" altLang="ko-KR" dirty="0"/>
-              <a:t>Train</a:t>
-            </a:r>
-            <a:r>
-              <a:rPr lang="ko-KR" altLang="en-US" dirty="0"/>
-              <a:t> </a:t>
-            </a:r>
-            <a:r>
-              <a:rPr lang="en-US" altLang="ko-KR" dirty="0"/>
-              <a:t>Data</a:t>
-            </a:r>
-            <a:r>
-              <a:rPr lang="ko-KR" altLang="en-US" dirty="0"/>
-              <a:t> </a:t>
-            </a:r>
-            <a:r>
-              <a:rPr lang="en-US" altLang="ko-KR" dirty="0"/>
-              <a:t>Set</a:t>
-            </a:r>
-            <a:endParaRPr lang="ko-KR" altLang="en-US" dirty="0"/>
-          </a:p>
-        </p:txBody>
-      </p:sp>
-      <p:pic>
-        <p:nvPicPr>
-          <p:cNvPr id="6" name="그림 5">
-            <a:extLst>
-              <a:ext uri="{FF2B5EF4-FFF2-40B4-BE49-F238E27FC236}">
-                <a16:creationId xmlns:a16="http://schemas.microsoft.com/office/drawing/2014/main" id="{334BF8AC-3E92-444F-9CD1-F451D8F8993D}"/>
-              </a:ext>
-            </a:extLst>
-          </p:cNvPr>
-          <p:cNvPicPr>
-            <a:picLocks noChangeAspect="1"/>
-          </p:cNvPicPr>
-          <p:nvPr/>
-        </p:nvPicPr>
-        <p:blipFill>
-          <a:blip r:embed="rId2"/>
-          <a:stretch>
-            <a:fillRect/>
-          </a:stretch>
-        </p:blipFill>
-        <p:spPr>
-          <a:xfrm>
-            <a:off x="464003" y="3820886"/>
-            <a:ext cx="5810250" cy="285750"/>
-          </a:xfrm>
-          <a:prstGeom prst="rect">
-            <a:avLst/>
-          </a:prstGeom>
-        </p:spPr>
-      </p:pic>
-      <p:sp>
-        <p:nvSpPr>
-          <p:cNvPr id="9" name="TextBox 8">
-            <a:extLst>
-              <a:ext uri="{FF2B5EF4-FFF2-40B4-BE49-F238E27FC236}">
-                <a16:creationId xmlns:a16="http://schemas.microsoft.com/office/drawing/2014/main" id="{596F50DA-952A-452D-BA73-D1DDDC9DB276}"/>
-              </a:ext>
-            </a:extLst>
-          </p:cNvPr>
-          <p:cNvSpPr txBox="1"/>
-          <p:nvPr/>
-        </p:nvSpPr>
-        <p:spPr>
-          <a:xfrm>
-            <a:off x="283708" y="3296722"/>
-            <a:ext cx="3199915" cy="369332"/>
-          </a:xfrm>
-          <a:prstGeom prst="rect">
-            <a:avLst/>
-          </a:prstGeom>
-          <a:noFill/>
-        </p:spPr>
-        <p:txBody>
-          <a:bodyPr wrap="none" rtlCol="0">
-            <a:spAutoFit/>
+              <a:rPr lang="ko-KR" altLang="en-US" sz="4000" dirty="0"/>
+              <a:t>데이터 모델링</a:t>
+            </a:r>
+          </a:p>
+        </p:txBody>
+      </p:sp>
+      <p:sp>
+        <p:nvSpPr>
+          <p:cNvPr id="3" name="텍스트 개체 틀 2">
+            <a:extLst>
+              <a:ext uri="{FF2B5EF4-FFF2-40B4-BE49-F238E27FC236}">
+                <a16:creationId xmlns:a16="http://schemas.microsoft.com/office/drawing/2014/main" id="{1214D45E-DC01-4186-B63A-4C2163AC45D5}"/>
+              </a:ext>
+            </a:extLst>
+          </p:cNvPr>
+          <p:cNvSpPr>
+            <a:spLocks noGrp="1"/>
+          </p:cNvSpPr>
+          <p:nvPr>
+            <p:ph type="body" idx="1"/>
+          </p:nvPr>
+        </p:nvSpPr>
+        <p:spPr>
+          <a:xfrm>
+            <a:off x="261487" y="1086029"/>
+            <a:ext cx="11038484" cy="5423827"/>
+          </a:xfrm>
+        </p:spPr>
+        <p:txBody>
+          <a:bodyPr>
+            <a:normAutofit lnSpcReduction="10000"/>
           </a:bodyPr>
           <a:lstStyle/>
           <a:p>
-            <a:r>
-              <a:rPr lang="ko-KR" altLang="en-US" dirty="0"/>
-              <a:t>새로운 데이터를 이용한 예측</a:t>
-            </a:r>
-          </a:p>
-        </p:txBody>
-      </p:sp>
-      <p:pic>
-        <p:nvPicPr>
-          <p:cNvPr id="5" name="그림 4">
-            <a:extLst>
-              <a:ext uri="{FF2B5EF4-FFF2-40B4-BE49-F238E27FC236}">
-                <a16:creationId xmlns:a16="http://schemas.microsoft.com/office/drawing/2014/main" id="{277E37F8-4A11-4465-B868-369DEA91CFD6}"/>
-              </a:ext>
-            </a:extLst>
-          </p:cNvPr>
-          <p:cNvPicPr>
-            <a:picLocks noChangeAspect="1"/>
-          </p:cNvPicPr>
-          <p:nvPr/>
-        </p:nvPicPr>
-        <p:blipFill>
-          <a:blip r:embed="rId3"/>
-          <a:stretch>
-            <a:fillRect/>
-          </a:stretch>
-        </p:blipFill>
-        <p:spPr>
-          <a:xfrm>
-            <a:off x="283708" y="844271"/>
-            <a:ext cx="8124825" cy="1990725"/>
-          </a:xfrm>
-          <a:prstGeom prst="rect">
-            <a:avLst/>
-          </a:prstGeom>
-        </p:spPr>
-      </p:pic>
-      <p:pic>
-        <p:nvPicPr>
-          <p:cNvPr id="10" name="그림 9">
-            <a:extLst>
-              <a:ext uri="{FF2B5EF4-FFF2-40B4-BE49-F238E27FC236}">
-                <a16:creationId xmlns:a16="http://schemas.microsoft.com/office/drawing/2014/main" id="{D5BC004A-CA19-42BC-BF86-0D38250BF06B}"/>
-              </a:ext>
-            </a:extLst>
-          </p:cNvPr>
-          <p:cNvPicPr>
-            <a:picLocks noChangeAspect="1"/>
-          </p:cNvPicPr>
-          <p:nvPr/>
-        </p:nvPicPr>
-        <p:blipFill>
-          <a:blip r:embed="rId4"/>
-          <a:stretch>
-            <a:fillRect/>
-          </a:stretch>
-        </p:blipFill>
-        <p:spPr>
-          <a:xfrm>
-            <a:off x="6274253" y="2860432"/>
-            <a:ext cx="5072429" cy="3462778"/>
-          </a:xfrm>
-          <a:prstGeom prst="rect">
-            <a:avLst/>
-          </a:prstGeom>
-        </p:spPr>
-      </p:pic>
-      <p:pic>
-        <p:nvPicPr>
-          <p:cNvPr id="12" name="그림 11">
-            <a:extLst>
-              <a:ext uri="{FF2B5EF4-FFF2-40B4-BE49-F238E27FC236}">
-                <a16:creationId xmlns:a16="http://schemas.microsoft.com/office/drawing/2014/main" id="{38A1890D-D6ED-4848-80C9-C4AA21A78FAC}"/>
-              </a:ext>
-            </a:extLst>
-          </p:cNvPr>
-          <p:cNvPicPr>
-            <a:picLocks noChangeAspect="1"/>
-          </p:cNvPicPr>
-          <p:nvPr/>
-        </p:nvPicPr>
-        <p:blipFill>
-          <a:blip r:embed="rId5"/>
-          <a:stretch>
-            <a:fillRect/>
-          </a:stretch>
-        </p:blipFill>
-        <p:spPr>
-          <a:xfrm>
-            <a:off x="464003" y="4255228"/>
-            <a:ext cx="5248275" cy="1038225"/>
-          </a:xfrm>
-          <a:prstGeom prst="rect">
-            <a:avLst/>
-          </a:prstGeom>
-        </p:spPr>
-      </p:pic>
+            <a:pPr marL="457200" indent="-457200">
+              <a:buAutoNum type="arabicPeriod"/>
+            </a:pPr>
+            <a:r>
+              <a:rPr lang="ko-KR" altLang="en-US" dirty="0" err="1"/>
+              <a:t>나이브</a:t>
+            </a:r>
+            <a:r>
+              <a:rPr lang="ko-KR" altLang="en-US" dirty="0"/>
+              <a:t> </a:t>
+            </a:r>
+            <a:r>
+              <a:rPr lang="ko-KR" altLang="en-US" dirty="0" err="1"/>
+              <a:t>베이즈</a:t>
+            </a:r>
+            <a:r>
+              <a:rPr lang="ko-KR" altLang="en-US" dirty="0"/>
+              <a:t> 분류기</a:t>
+            </a:r>
+            <a:endParaRPr lang="en-US" altLang="ko-KR" dirty="0"/>
+          </a:p>
+          <a:p>
+            <a:pPr marL="914400" lvl="1" indent="-457200">
+              <a:buAutoNum type="arabicPeriod"/>
+            </a:pPr>
+            <a:r>
+              <a:rPr lang="ko-KR" altLang="en-US" dirty="0"/>
+              <a:t>사용 목적</a:t>
+            </a:r>
+            <a:r>
+              <a:rPr lang="en-US" altLang="ko-KR" dirty="0"/>
+              <a:t>: </a:t>
+            </a:r>
+            <a:r>
+              <a:rPr lang="ko-KR" altLang="en-US" dirty="0"/>
+              <a:t>대여소의 위치</a:t>
+            </a:r>
+            <a:r>
+              <a:rPr lang="en-US" altLang="ko-KR" dirty="0"/>
+              <a:t>(</a:t>
+            </a:r>
+            <a:r>
+              <a:rPr lang="ko-KR" altLang="en-US" dirty="0"/>
+              <a:t>자치구</a:t>
+            </a:r>
+            <a:r>
+              <a:rPr lang="en-US" altLang="ko-KR" dirty="0"/>
+              <a:t>)</a:t>
+            </a:r>
+            <a:r>
+              <a:rPr lang="ko-KR" altLang="en-US" dirty="0"/>
+              <a:t>와 이용건수를 바탕으로 해당 대여소가 지하철 인근에 위치해 있는가를 살펴보기 위함이다</a:t>
+            </a:r>
+            <a:r>
+              <a:rPr lang="en-US" altLang="ko-KR" dirty="0"/>
+              <a:t>.</a:t>
+            </a:r>
+          </a:p>
+          <a:p>
+            <a:pPr marL="914400" lvl="1" indent="-457200">
+              <a:buAutoNum type="arabicPeriod"/>
+            </a:pPr>
+            <a:r>
+              <a:rPr lang="ko-KR" altLang="en-US" dirty="0"/>
+              <a:t>종속 변수</a:t>
+            </a:r>
+            <a:r>
+              <a:rPr lang="en-US" altLang="ko-KR" dirty="0"/>
+              <a:t>: </a:t>
+            </a:r>
+            <a:r>
+              <a:rPr lang="ko-KR" altLang="en-US" dirty="0"/>
+              <a:t>지하철 인근 여부</a:t>
+            </a:r>
+            <a:endParaRPr lang="en-US" altLang="ko-KR" dirty="0"/>
+          </a:p>
+          <a:p>
+            <a:pPr marL="457200" indent="-457200">
+              <a:buAutoNum type="arabicPeriod"/>
+            </a:pPr>
+            <a:r>
+              <a:rPr lang="ko-KR" altLang="en-US" dirty="0"/>
+              <a:t>다중선형회귀모델</a:t>
+            </a:r>
+            <a:endParaRPr lang="en-US" altLang="ko-KR" dirty="0"/>
+          </a:p>
+          <a:p>
+            <a:pPr marL="914400" lvl="1" indent="-457200">
+              <a:buAutoNum type="arabicPeriod"/>
+            </a:pPr>
+            <a:r>
+              <a:rPr lang="ko-KR" altLang="en-US" dirty="0"/>
+              <a:t>사용 목적</a:t>
+            </a:r>
+            <a:r>
+              <a:rPr lang="en-US" altLang="ko-KR" dirty="0"/>
+              <a:t>: </a:t>
+            </a:r>
+            <a:r>
+              <a:rPr lang="ko-KR" altLang="en-US" dirty="0"/>
+              <a:t>타 지역에서 공공자전거 도입 시</a:t>
+            </a:r>
+            <a:r>
+              <a:rPr lang="en-US" altLang="ko-KR" dirty="0"/>
+              <a:t>, </a:t>
+            </a:r>
+            <a:r>
+              <a:rPr lang="ko-KR" altLang="en-US" dirty="0"/>
+              <a:t>고려해야 할 특징과 그에 따른 수요 예측</a:t>
+            </a:r>
+            <a:endParaRPr lang="en-US" altLang="ko-KR" dirty="0"/>
+          </a:p>
+          <a:p>
+            <a:pPr marL="914400" lvl="1" indent="-457200">
+              <a:buAutoNum type="arabicPeriod"/>
+            </a:pPr>
+            <a:r>
+              <a:rPr lang="ko-KR" altLang="en-US" dirty="0"/>
+              <a:t>모델</a:t>
+            </a:r>
+            <a:r>
+              <a:rPr lang="en-US" altLang="ko-KR" dirty="0"/>
+              <a:t>(1)</a:t>
+            </a:r>
+          </a:p>
+          <a:p>
+            <a:pPr marL="1371600" lvl="2" indent="-457200">
+              <a:buAutoNum type="arabicPeriod"/>
+            </a:pPr>
+            <a:r>
+              <a:rPr lang="ko-KR" altLang="en-US" dirty="0"/>
+              <a:t>독립 변수</a:t>
+            </a:r>
+            <a:r>
+              <a:rPr lang="en-US" altLang="ko-KR" dirty="0"/>
+              <a:t>: </a:t>
+            </a:r>
+            <a:r>
+              <a:rPr lang="ko-KR" altLang="en-US" dirty="0"/>
+              <a:t>자치구별 지하철 역 개수</a:t>
+            </a:r>
+            <a:r>
+              <a:rPr lang="en-US" altLang="ko-KR" dirty="0"/>
+              <a:t>, </a:t>
+            </a:r>
+            <a:r>
+              <a:rPr lang="ko-KR" altLang="en-US" dirty="0"/>
+              <a:t>자치구별</a:t>
+            </a:r>
+            <a:r>
+              <a:rPr lang="en-US" altLang="ko-KR" dirty="0"/>
+              <a:t> </a:t>
+            </a:r>
+            <a:r>
+              <a:rPr lang="ko-KR" altLang="en-US" dirty="0"/>
+              <a:t>학교</a:t>
+            </a:r>
+            <a:r>
+              <a:rPr lang="en-US" altLang="ko-KR" dirty="0"/>
+              <a:t>(</a:t>
+            </a:r>
+            <a:r>
+              <a:rPr lang="ko-KR" altLang="en-US" dirty="0"/>
+              <a:t>초중고</a:t>
+            </a:r>
+            <a:r>
+              <a:rPr lang="en-US" altLang="ko-KR" dirty="0"/>
+              <a:t>) </a:t>
+            </a:r>
+            <a:r>
+              <a:rPr lang="ko-KR" altLang="en-US" dirty="0"/>
+              <a:t>수</a:t>
+            </a:r>
+            <a:r>
+              <a:rPr lang="en-US" altLang="ko-KR" dirty="0"/>
+              <a:t>, </a:t>
+            </a:r>
+            <a:r>
+              <a:rPr lang="ko-KR" altLang="en-US" dirty="0"/>
+              <a:t>자치구별 대학교 수</a:t>
+            </a:r>
+            <a:endParaRPr lang="en-US" altLang="ko-KR" dirty="0"/>
+          </a:p>
+          <a:p>
+            <a:pPr marL="1371600" lvl="2" indent="-457200">
+              <a:buAutoNum type="arabicPeriod"/>
+            </a:pPr>
+            <a:r>
+              <a:rPr lang="ko-KR" altLang="en-US" dirty="0"/>
+              <a:t>종속 변수</a:t>
+            </a:r>
+            <a:r>
+              <a:rPr lang="en-US" altLang="ko-KR" dirty="0"/>
+              <a:t>: </a:t>
+            </a:r>
+            <a:r>
+              <a:rPr lang="ko-KR" altLang="en-US" dirty="0"/>
+              <a:t>이용 건수</a:t>
+            </a:r>
+            <a:endParaRPr lang="en-US" altLang="ko-KR" dirty="0"/>
+          </a:p>
+          <a:p>
+            <a:pPr marL="914400" lvl="1" indent="-457200">
+              <a:buAutoNum type="arabicPeriod"/>
+            </a:pPr>
+            <a:r>
+              <a:rPr lang="ko-KR" altLang="en-US" dirty="0"/>
+              <a:t>모델</a:t>
+            </a:r>
+            <a:r>
+              <a:rPr lang="en-US" altLang="ko-KR" dirty="0"/>
+              <a:t>(2)</a:t>
+            </a:r>
+          </a:p>
+          <a:p>
+            <a:pPr marL="1371600" lvl="2" indent="-457200">
+              <a:buAutoNum type="arabicPeriod"/>
+            </a:pPr>
+            <a:r>
+              <a:rPr lang="ko-KR" altLang="en-US" dirty="0"/>
+              <a:t>독립 변수</a:t>
+            </a:r>
+            <a:r>
+              <a:rPr lang="en-US" altLang="ko-KR" dirty="0"/>
+              <a:t>: </a:t>
+            </a:r>
+            <a:r>
+              <a:rPr lang="ko-KR" altLang="en-US" dirty="0"/>
+              <a:t>자치구별 지하철 역 개수</a:t>
+            </a:r>
+            <a:r>
+              <a:rPr lang="en-US" altLang="ko-KR" dirty="0"/>
+              <a:t>, </a:t>
+            </a:r>
+            <a:r>
+              <a:rPr lang="ko-KR" altLang="en-US" dirty="0"/>
+              <a:t>자치구별</a:t>
+            </a:r>
+            <a:r>
+              <a:rPr lang="en-US" altLang="ko-KR" dirty="0"/>
+              <a:t> </a:t>
+            </a:r>
+            <a:r>
+              <a:rPr lang="ko-KR" altLang="en-US" dirty="0"/>
+              <a:t>학교</a:t>
+            </a:r>
+            <a:r>
+              <a:rPr lang="en-US" altLang="ko-KR" dirty="0"/>
+              <a:t>(</a:t>
+            </a:r>
+            <a:r>
+              <a:rPr lang="ko-KR" altLang="en-US" dirty="0"/>
+              <a:t>초중고</a:t>
+            </a:r>
+            <a:r>
+              <a:rPr lang="en-US" altLang="ko-KR" dirty="0"/>
+              <a:t>) </a:t>
+            </a:r>
+            <a:r>
+              <a:rPr lang="ko-KR" altLang="en-US" dirty="0"/>
+              <a:t>수</a:t>
+            </a:r>
+            <a:r>
+              <a:rPr lang="en-US" altLang="ko-KR" dirty="0"/>
+              <a:t>, </a:t>
+            </a:r>
+            <a:r>
+              <a:rPr lang="ko-KR" altLang="en-US" dirty="0"/>
+              <a:t>자치구별 대학교 수</a:t>
+            </a:r>
+            <a:r>
+              <a:rPr lang="en-US" altLang="ko-KR" dirty="0"/>
+              <a:t>, </a:t>
+            </a:r>
+            <a:r>
+              <a:rPr lang="ko-KR" altLang="en-US" dirty="0"/>
+              <a:t>자치구별 대기업 종사자수</a:t>
+            </a:r>
+            <a:endParaRPr lang="en-US" altLang="ko-KR" dirty="0"/>
+          </a:p>
+          <a:p>
+            <a:pPr marL="1371600" lvl="2" indent="-457200">
+              <a:buAutoNum type="arabicPeriod"/>
+            </a:pPr>
+            <a:r>
+              <a:rPr lang="ko-KR" altLang="en-US" dirty="0"/>
+              <a:t>종속 변수</a:t>
+            </a:r>
+            <a:r>
+              <a:rPr lang="en-US" altLang="ko-KR" dirty="0"/>
+              <a:t>: </a:t>
+            </a:r>
+            <a:r>
+              <a:rPr lang="ko-KR" altLang="en-US" dirty="0"/>
+              <a:t>이용 건수</a:t>
+            </a:r>
+            <a:endParaRPr lang="en-US" altLang="ko-KR" dirty="0"/>
+          </a:p>
+          <a:p>
+            <a:pPr marL="914400" lvl="1" indent="-457200">
+              <a:buAutoNum type="arabicPeriod"/>
+            </a:pPr>
+            <a:r>
+              <a:rPr lang="ko-KR" altLang="en-US" dirty="0"/>
+              <a:t>모델</a:t>
+            </a:r>
+            <a:r>
+              <a:rPr lang="en-US" altLang="ko-KR" dirty="0"/>
+              <a:t>(3)</a:t>
+            </a:r>
+          </a:p>
+          <a:p>
+            <a:pPr marL="1371600" lvl="2" indent="-457200">
+              <a:buAutoNum type="arabicPeriod"/>
+            </a:pPr>
+            <a:r>
+              <a:rPr lang="ko-KR" altLang="en-US" dirty="0"/>
+              <a:t>독립 변수</a:t>
+            </a:r>
+            <a:r>
+              <a:rPr lang="en-US" altLang="ko-KR" dirty="0"/>
+              <a:t>: </a:t>
+            </a:r>
+            <a:r>
+              <a:rPr lang="ko-KR" altLang="en-US" dirty="0"/>
+              <a:t>자치구별 지하철 역 개수</a:t>
+            </a:r>
+            <a:r>
+              <a:rPr lang="en-US" altLang="ko-KR" dirty="0"/>
+              <a:t>, </a:t>
+            </a:r>
+            <a:r>
+              <a:rPr lang="ko-KR" altLang="en-US" dirty="0"/>
+              <a:t>자치구별</a:t>
+            </a:r>
+            <a:r>
+              <a:rPr lang="en-US" altLang="ko-KR" dirty="0"/>
+              <a:t> </a:t>
+            </a:r>
+            <a:r>
+              <a:rPr lang="ko-KR" altLang="en-US" dirty="0"/>
+              <a:t>학교</a:t>
+            </a:r>
+            <a:r>
+              <a:rPr lang="en-US" altLang="ko-KR" dirty="0"/>
+              <a:t>(</a:t>
+            </a:r>
+            <a:r>
+              <a:rPr lang="ko-KR" altLang="en-US" dirty="0"/>
+              <a:t>초중고</a:t>
+            </a:r>
+            <a:r>
+              <a:rPr lang="en-US" altLang="ko-KR" dirty="0"/>
+              <a:t>) </a:t>
+            </a:r>
+            <a:r>
+              <a:rPr lang="ko-KR" altLang="en-US" dirty="0"/>
+              <a:t>수</a:t>
+            </a:r>
+            <a:r>
+              <a:rPr lang="en-US" altLang="ko-KR" dirty="0"/>
+              <a:t>, </a:t>
+            </a:r>
+            <a:r>
+              <a:rPr lang="ko-KR" altLang="en-US" dirty="0"/>
+              <a:t>자치구별 대학교 수</a:t>
+            </a:r>
+            <a:r>
+              <a:rPr lang="en-US" altLang="ko-KR" dirty="0"/>
+              <a:t>, </a:t>
+            </a:r>
+            <a:r>
+              <a:rPr lang="ko-KR" altLang="en-US" dirty="0"/>
+              <a:t>자치구별 중소기업 종사자수</a:t>
+            </a:r>
+            <a:endParaRPr lang="en-US" altLang="ko-KR" dirty="0"/>
+          </a:p>
+          <a:p>
+            <a:pPr marL="1371600" lvl="2" indent="-457200">
+              <a:buAutoNum type="arabicPeriod"/>
+            </a:pPr>
+            <a:r>
+              <a:rPr lang="ko-KR" altLang="en-US" dirty="0"/>
+              <a:t>종속 변수</a:t>
+            </a:r>
+            <a:r>
+              <a:rPr lang="en-US" altLang="ko-KR" dirty="0"/>
+              <a:t>: </a:t>
+            </a:r>
+            <a:r>
+              <a:rPr lang="ko-KR" altLang="en-US" dirty="0"/>
+              <a:t>이용 건수</a:t>
+            </a:r>
+            <a:endParaRPr lang="en-US" altLang="ko-KR" dirty="0"/>
+          </a:p>
+          <a:p>
+            <a:pPr marL="914400" lvl="1" indent="-457200">
+              <a:buAutoNum type="arabicPeriod"/>
+            </a:pPr>
+            <a:endParaRPr lang="en-US" altLang="ko-KR" dirty="0"/>
+          </a:p>
+          <a:p>
+            <a:pPr marL="914400" lvl="1" indent="-457200">
+              <a:buAutoNum type="arabicPeriod"/>
+            </a:pPr>
+            <a:endParaRPr lang="ko-KR" altLang="en-US" dirty="0"/>
+          </a:p>
+        </p:txBody>
+      </p:sp>
     </p:spTree>
     <p:extLst>
       <p:ext uri="{BB962C8B-B14F-4D97-AF65-F5344CB8AC3E}">
-        <p14:creationId xmlns:p14="http://schemas.microsoft.com/office/powerpoint/2010/main" val="1036602053"/>
+        <p14:creationId xmlns:p14="http://schemas.microsoft.com/office/powerpoint/2010/main" val="1762662325"/>
       </p:ext>
     </p:extLst>
   </p:cSld>
@@ -3859,10 +4104,10 @@
       </p:grpSpPr>
       <p:sp>
         <p:nvSpPr>
-          <p:cNvPr id="4" name="TextBox 3">
-            <a:extLst>
-              <a:ext uri="{FF2B5EF4-FFF2-40B4-BE49-F238E27FC236}">
-                <a16:creationId xmlns:a16="http://schemas.microsoft.com/office/drawing/2014/main" id="{10D75921-CD8E-4C85-90CC-4B046F37C46F}"/>
+          <p:cNvPr id="2" name="TextBox 1">
+            <a:extLst>
+              <a:ext uri="{FF2B5EF4-FFF2-40B4-BE49-F238E27FC236}">
+                <a16:creationId xmlns:a16="http://schemas.microsoft.com/office/drawing/2014/main" id="{9F67D46F-81C5-4AFF-A1C3-8BE1E9B125BE}"/>
               </a:ext>
             </a:extLst>
           </p:cNvPr>
@@ -3872,7 +4117,7 @@
         <p:spPr>
           <a:xfrm>
             <a:off x="252382" y="277586"/>
-            <a:ext cx="8757526" cy="369332"/>
+            <a:ext cx="6317755" cy="369332"/>
           </a:xfrm>
           <a:prstGeom prst="rect">
             <a:avLst/>
@@ -3886,32 +4131,28 @@
           <a:lstStyle/>
           <a:p>
             <a:r>
-              <a:rPr lang="ko-KR" altLang="en-US" dirty="0"/>
-              <a:t>다중회귀모델</a:t>
-            </a:r>
-            <a:r>
-              <a:rPr lang="en-US" altLang="ko-KR" dirty="0"/>
-              <a:t>(3) – </a:t>
-            </a:r>
-            <a:r>
-              <a:rPr lang="ko-KR" altLang="en-US" dirty="0"/>
-              <a:t>사업체</a:t>
-            </a:r>
-            <a:r>
-              <a:rPr lang="en-US" altLang="ko-KR" dirty="0"/>
-              <a:t>(</a:t>
-            </a:r>
-            <a:r>
-              <a:rPr lang="ko-KR" altLang="en-US" dirty="0"/>
-              <a:t>중소기업</a:t>
-            </a:r>
-            <a:r>
-              <a:rPr lang="en-US" altLang="ko-KR" dirty="0"/>
-              <a:t>), </a:t>
-            </a:r>
-            <a:r>
-              <a:rPr lang="ko-KR" altLang="en-US" dirty="0"/>
-              <a:t>지하철</a:t>
+              <a:rPr lang="ko-KR" altLang="en-US" dirty="0" err="1"/>
+              <a:t>나이브</a:t>
+            </a:r>
+            <a:r>
+              <a:rPr lang="ko-KR" altLang="en-US" dirty="0"/>
+              <a:t> </a:t>
+            </a:r>
+            <a:r>
+              <a:rPr lang="ko-KR" altLang="en-US" dirty="0" err="1"/>
+              <a:t>베이즈</a:t>
+            </a:r>
+            <a:r>
+              <a:rPr lang="ko-KR" altLang="en-US" dirty="0"/>
+              <a:t> 분류기</a:t>
+            </a:r>
+            <a:r>
+              <a:rPr lang="en-US" altLang="ko-KR" dirty="0"/>
+              <a:t> – </a:t>
+            </a:r>
+            <a:r>
+              <a:rPr lang="ko-KR" altLang="en-US" dirty="0"/>
+              <a:t>지하철 인접 여부</a:t>
             </a:r>
             <a:r>
               <a:rPr lang="en-US" altLang="ko-KR" dirty="0"/>
@@ -3919,77 +4160,17 @@
             </a:r>
             <a:r>
               <a:rPr lang="ko-KR" altLang="en-US" dirty="0"/>
-              <a:t>초중고</a:t>
-            </a:r>
-            <a:r>
-              <a:rPr lang="en-US" altLang="ko-KR" dirty="0"/>
-              <a:t>, </a:t>
-            </a:r>
-            <a:r>
-              <a:rPr lang="ko-KR" altLang="en-US" dirty="0"/>
-              <a:t>학교 수에 따른 이용건수 예측</a:t>
-            </a:r>
-          </a:p>
-        </p:txBody>
-      </p:sp>
-      <p:sp>
-        <p:nvSpPr>
-          <p:cNvPr id="7" name="TextBox 6">
-            <a:extLst>
-              <a:ext uri="{FF2B5EF4-FFF2-40B4-BE49-F238E27FC236}">
-                <a16:creationId xmlns:a16="http://schemas.microsoft.com/office/drawing/2014/main" id="{F21128A4-8959-4B58-965C-62BD9C603B8D}"/>
-              </a:ext>
-            </a:extLst>
-          </p:cNvPr>
-          <p:cNvSpPr txBox="1"/>
-          <p:nvPr/>
-        </p:nvSpPr>
-        <p:spPr>
-          <a:xfrm>
-            <a:off x="453118" y="4138612"/>
-            <a:ext cx="2189767" cy="369332"/>
-          </a:xfrm>
-          <a:prstGeom prst="rect">
-            <a:avLst/>
-          </a:prstGeom>
-          <a:noFill/>
-        </p:spPr>
-        <p:txBody>
-          <a:bodyPr wrap="none" rtlCol="0">
-            <a:spAutoFit/>
-          </a:bodyPr>
-          <a:lstStyle/>
-          <a:p>
-            <a:r>
-              <a:rPr lang="en-US" altLang="ko-KR" dirty="0"/>
-              <a:t>Validation</a:t>
-            </a:r>
-            <a:r>
-              <a:rPr lang="ko-KR" altLang="en-US" dirty="0"/>
-              <a:t> </a:t>
-            </a:r>
-            <a:r>
-              <a:rPr lang="en-US" altLang="ko-KR" dirty="0"/>
-              <a:t>Data</a:t>
-            </a:r>
-            <a:r>
-              <a:rPr lang="ko-KR" altLang="en-US" dirty="0"/>
-              <a:t> </a:t>
-            </a:r>
-            <a:r>
-              <a:rPr lang="en-US" altLang="ko-KR" dirty="0"/>
-              <a:t>Set</a:t>
-            </a:r>
-            <a:endParaRPr lang="ko-KR" altLang="en-US" dirty="0"/>
+              <a:t>이용건수 분류기</a:t>
+            </a:r>
           </a:p>
         </p:txBody>
       </p:sp>
       <p:pic>
         <p:nvPicPr>
-          <p:cNvPr id="3" name="그림 2">
-            <a:extLst>
-              <a:ext uri="{FF2B5EF4-FFF2-40B4-BE49-F238E27FC236}">
-                <a16:creationId xmlns:a16="http://schemas.microsoft.com/office/drawing/2014/main" id="{BDC166F9-7159-41BF-A04D-4EA8060817AB}"/>
+          <p:cNvPr id="4" name="그림 3">
+            <a:extLst>
+              <a:ext uri="{FF2B5EF4-FFF2-40B4-BE49-F238E27FC236}">
+                <a16:creationId xmlns:a16="http://schemas.microsoft.com/office/drawing/2014/main" id="{7C4A0A6C-BD71-4966-869E-A453A05FDC8A}"/>
               </a:ext>
             </a:extLst>
           </p:cNvPr>
@@ -4006,8 +4187,8 @@
         </p:blipFill>
         <p:spPr>
           <a:xfrm>
-            <a:off x="453118" y="859240"/>
-            <a:ext cx="5610225" cy="3067050"/>
+            <a:off x="5938294" y="646918"/>
+            <a:ext cx="6253706" cy="4045999"/>
           </a:xfrm>
           <a:prstGeom prst="rect">
             <a:avLst/>
@@ -4016,10 +4197,10 @@
       </p:pic>
       <p:pic>
         <p:nvPicPr>
-          <p:cNvPr id="8" name="그림 7">
-            <a:extLst>
-              <a:ext uri="{FF2B5EF4-FFF2-40B4-BE49-F238E27FC236}">
-                <a16:creationId xmlns:a16="http://schemas.microsoft.com/office/drawing/2014/main" id="{3BF85C5F-0D06-46E8-AA67-383F98380F51}"/>
+          <p:cNvPr id="6" name="그림 5">
+            <a:extLst>
+              <a:ext uri="{FF2B5EF4-FFF2-40B4-BE49-F238E27FC236}">
+                <a16:creationId xmlns:a16="http://schemas.microsoft.com/office/drawing/2014/main" id="{21AB06DE-1EE9-4CDC-9604-179C085F2E0A}"/>
               </a:ext>
             </a:extLst>
           </p:cNvPr>
@@ -4036,18 +4217,114 @@
         </p:blipFill>
         <p:spPr>
           <a:xfrm>
-            <a:off x="453118" y="4589689"/>
-            <a:ext cx="7896225" cy="1990725"/>
+            <a:off x="252382" y="1191000"/>
+            <a:ext cx="5334744" cy="4134427"/>
           </a:xfrm>
           <a:prstGeom prst="rect">
             <a:avLst/>
           </a:prstGeom>
         </p:spPr>
       </p:pic>
+      <p:sp>
+        <p:nvSpPr>
+          <p:cNvPr id="7" name="TextBox 6">
+            <a:extLst>
+              <a:ext uri="{FF2B5EF4-FFF2-40B4-BE49-F238E27FC236}">
+                <a16:creationId xmlns:a16="http://schemas.microsoft.com/office/drawing/2014/main" id="{6602C029-6D24-4177-8B34-7E632F978BF0}"/>
+              </a:ext>
+            </a:extLst>
+          </p:cNvPr>
+          <p:cNvSpPr txBox="1"/>
+          <p:nvPr/>
+        </p:nvSpPr>
+        <p:spPr>
+          <a:xfrm>
+            <a:off x="252382" y="709833"/>
+            <a:ext cx="2189767" cy="369332"/>
+          </a:xfrm>
+          <a:prstGeom prst="rect">
+            <a:avLst/>
+          </a:prstGeom>
+          <a:noFill/>
+        </p:spPr>
+        <p:txBody>
+          <a:bodyPr wrap="none" rtlCol="0">
+            <a:spAutoFit/>
+          </a:bodyPr>
+          <a:lstStyle/>
+          <a:p>
+            <a:r>
+              <a:rPr lang="en-US" altLang="ko-KR" dirty="0"/>
+              <a:t>Validation</a:t>
+            </a:r>
+            <a:r>
+              <a:rPr lang="ko-KR" altLang="en-US" dirty="0"/>
+              <a:t> </a:t>
+            </a:r>
+            <a:r>
+              <a:rPr lang="en-US" altLang="ko-KR" dirty="0"/>
+              <a:t>Data</a:t>
+            </a:r>
+            <a:r>
+              <a:rPr lang="ko-KR" altLang="en-US" dirty="0"/>
+              <a:t> </a:t>
+            </a:r>
+            <a:r>
+              <a:rPr lang="en-US" altLang="ko-KR" dirty="0"/>
+              <a:t>Set</a:t>
+            </a:r>
+            <a:endParaRPr lang="ko-KR" altLang="en-US" dirty="0"/>
+          </a:p>
+        </p:txBody>
+      </p:sp>
+      <p:sp>
+        <p:nvSpPr>
+          <p:cNvPr id="8" name="TextBox 7">
+            <a:extLst>
+              <a:ext uri="{FF2B5EF4-FFF2-40B4-BE49-F238E27FC236}">
+                <a16:creationId xmlns:a16="http://schemas.microsoft.com/office/drawing/2014/main" id="{9564AB04-1721-4C3B-A8D4-5871693E7DEB}"/>
+              </a:ext>
+            </a:extLst>
+          </p:cNvPr>
+          <p:cNvSpPr txBox="1"/>
+          <p:nvPr/>
+        </p:nvSpPr>
+        <p:spPr>
+          <a:xfrm>
+            <a:off x="6436467" y="5140761"/>
+            <a:ext cx="4730782" cy="369332"/>
+          </a:xfrm>
+          <a:prstGeom prst="rect">
+            <a:avLst/>
+          </a:prstGeom>
+          <a:noFill/>
+        </p:spPr>
+        <p:txBody>
+          <a:bodyPr wrap="none" rtlCol="0">
+            <a:spAutoFit/>
+          </a:bodyPr>
+          <a:lstStyle/>
+          <a:p>
+            <a:r>
+              <a:rPr lang="en-US" altLang="ko-KR" dirty="0"/>
+              <a:t>..</a:t>
+            </a:r>
+            <a:r>
+              <a:rPr lang="ko-KR" altLang="en-US" dirty="0"/>
+              <a:t>결과를 뭐라고 쓰죠</a:t>
+            </a:r>
+            <a:r>
+              <a:rPr lang="en-US" altLang="ko-KR" dirty="0"/>
+              <a:t>???????????????????????</a:t>
+            </a:r>
+            <a:endParaRPr lang="ko-KR" altLang="en-US" dirty="0"/>
+          </a:p>
+        </p:txBody>
+      </p:sp>
     </p:spTree>
     <p:extLst>
       <p:ext uri="{BB962C8B-B14F-4D97-AF65-F5344CB8AC3E}">
-        <p14:creationId xmlns:p14="http://schemas.microsoft.com/office/powerpoint/2010/main" val="714430964"/>
+        <p14:creationId xmlns:p14="http://schemas.microsoft.com/office/powerpoint/2010/main" val="947133303"/>
       </p:ext>
     </p:extLst>
   </p:cSld>
@@ -4074,99 +4351,12 @@
           <a:chExt cx="0" cy="0"/>
         </a:xfrm>
       </p:grpSpPr>
-      <p:sp>
-        <p:nvSpPr>
-          <p:cNvPr id="4" name="TextBox 3">
-            <a:extLst>
-              <a:ext uri="{FF2B5EF4-FFF2-40B4-BE49-F238E27FC236}">
-                <a16:creationId xmlns:a16="http://schemas.microsoft.com/office/drawing/2014/main" id="{D042CEA9-21C3-462F-82B2-FAEA23D288FF}"/>
-              </a:ext>
-            </a:extLst>
-          </p:cNvPr>
-          <p:cNvSpPr txBox="1"/>
-          <p:nvPr/>
-        </p:nvSpPr>
-        <p:spPr>
-          <a:xfrm>
-            <a:off x="283708" y="438933"/>
-            <a:ext cx="1655390" cy="369332"/>
-          </a:xfrm>
-          <a:prstGeom prst="rect">
-            <a:avLst/>
-          </a:prstGeom>
-          <a:noFill/>
-        </p:spPr>
-        <p:txBody>
-          <a:bodyPr wrap="none" rtlCol="0">
-            <a:spAutoFit/>
-          </a:bodyPr>
-          <a:lstStyle/>
-          <a:p>
-            <a:r>
-              <a:rPr lang="en-US" altLang="ko-KR" dirty="0"/>
-              <a:t>Train</a:t>
-            </a:r>
-            <a:r>
-              <a:rPr lang="ko-KR" altLang="en-US" dirty="0"/>
-              <a:t> </a:t>
-            </a:r>
-            <a:r>
-              <a:rPr lang="en-US" altLang="ko-KR" dirty="0"/>
-              <a:t>Data</a:t>
-            </a:r>
-            <a:r>
-              <a:rPr lang="ko-KR" altLang="en-US" dirty="0"/>
-              <a:t> </a:t>
-            </a:r>
-            <a:r>
-              <a:rPr lang="en-US" altLang="ko-KR" dirty="0"/>
-              <a:t>Set</a:t>
-            </a:r>
-            <a:endParaRPr lang="ko-KR" altLang="en-US" dirty="0"/>
-          </a:p>
-        </p:txBody>
-      </p:sp>
-      <p:sp>
-        <p:nvSpPr>
-          <p:cNvPr id="9" name="TextBox 8">
-            <a:extLst>
-              <a:ext uri="{FF2B5EF4-FFF2-40B4-BE49-F238E27FC236}">
-                <a16:creationId xmlns:a16="http://schemas.microsoft.com/office/drawing/2014/main" id="{596F50DA-952A-452D-BA73-D1DDDC9DB276}"/>
-              </a:ext>
-            </a:extLst>
-          </p:cNvPr>
-          <p:cNvSpPr txBox="1"/>
-          <p:nvPr/>
-        </p:nvSpPr>
-        <p:spPr>
-          <a:xfrm>
-            <a:off x="283708" y="3296722"/>
-            <a:ext cx="3199915" cy="369332"/>
-          </a:xfrm>
-          <a:prstGeom prst="rect">
-            <a:avLst/>
-          </a:prstGeom>
-          <a:noFill/>
-        </p:spPr>
-        <p:txBody>
-          <a:bodyPr wrap="none" rtlCol="0">
-            <a:spAutoFit/>
-          </a:bodyPr>
-          <a:lstStyle/>
-          <a:p>
-            <a:r>
-              <a:rPr lang="ko-KR" altLang="en-US" dirty="0"/>
-              <a:t>새로운 데이터를 이용한 예측</a:t>
-            </a:r>
-          </a:p>
-        </p:txBody>
-      </p:sp>
       <p:pic>
         <p:nvPicPr>
           <p:cNvPr id="3" name="그림 2">
             <a:extLst>
               <a:ext uri="{FF2B5EF4-FFF2-40B4-BE49-F238E27FC236}">
-                <a16:creationId xmlns:a16="http://schemas.microsoft.com/office/drawing/2014/main" id="{3C647293-A2F6-457E-9FA7-7F59C0251E01}"/>
+                <a16:creationId xmlns:a16="http://schemas.microsoft.com/office/drawing/2014/main" id="{0249A3F0-F856-4730-9269-99EC31B8A65B}"/>
               </a:ext>
             </a:extLst>
           </p:cNvPr>
@@ -4183,20 +4373,79 @@
         </p:blipFill>
         <p:spPr>
           <a:xfrm>
-            <a:off x="283708" y="3757246"/>
-            <a:ext cx="6743700" cy="304800"/>
+            <a:off x="453118" y="890587"/>
+            <a:ext cx="4819650" cy="3248025"/>
           </a:xfrm>
           <a:prstGeom prst="rect">
             <a:avLst/>
           </a:prstGeom>
         </p:spPr>
       </p:pic>
+      <p:sp>
+        <p:nvSpPr>
+          <p:cNvPr id="4" name="TextBox 3">
+            <a:extLst>
+              <a:ext uri="{FF2B5EF4-FFF2-40B4-BE49-F238E27FC236}">
+                <a16:creationId xmlns:a16="http://schemas.microsoft.com/office/drawing/2014/main" id="{10D75921-CD8E-4C85-90CC-4B046F37C46F}"/>
+              </a:ext>
+            </a:extLst>
+          </p:cNvPr>
+          <p:cNvSpPr txBox="1"/>
+          <p:nvPr/>
+        </p:nvSpPr>
+        <p:spPr>
+          <a:xfrm>
+            <a:off x="252382" y="277586"/>
+            <a:ext cx="6867586" cy="369332"/>
+          </a:xfrm>
+          <a:prstGeom prst="rect">
+            <a:avLst/>
+          </a:prstGeom>
+          <a:noFill/>
+        </p:spPr>
+        <p:txBody>
+          <a:bodyPr wrap="none" rtlCol="0">
+            <a:spAutoFit/>
+          </a:bodyPr>
+          <a:lstStyle/>
+          <a:p>
+            <a:r>
+              <a:rPr lang="ko-KR" altLang="en-US" dirty="0"/>
+              <a:t>다중회귀모델</a:t>
+            </a:r>
+            <a:r>
+              <a:rPr lang="en-US" altLang="ko-KR" dirty="0"/>
+              <a:t>(1) – </a:t>
+            </a:r>
+            <a:r>
+              <a:rPr lang="ko-KR" altLang="en-US" dirty="0"/>
+              <a:t>지하철</a:t>
+            </a:r>
+            <a:r>
+              <a:rPr lang="en-US" altLang="ko-KR" dirty="0"/>
+              <a:t>, </a:t>
+            </a:r>
+            <a:r>
+              <a:rPr lang="ko-KR" altLang="en-US" dirty="0"/>
+              <a:t>초중고</a:t>
+            </a:r>
+            <a:r>
+              <a:rPr lang="en-US" altLang="ko-KR" dirty="0"/>
+              <a:t>, </a:t>
+            </a:r>
+            <a:r>
+              <a:rPr lang="ko-KR" altLang="en-US" dirty="0"/>
+              <a:t>학교 수에 따른 이용건수 예측</a:t>
+            </a:r>
+          </a:p>
+        </p:txBody>
+      </p:sp>
       <p:pic>
         <p:nvPicPr>
-          <p:cNvPr id="8" name="그림 7">
-            <a:extLst>
-              <a:ext uri="{FF2B5EF4-FFF2-40B4-BE49-F238E27FC236}">
-                <a16:creationId xmlns:a16="http://schemas.microsoft.com/office/drawing/2014/main" id="{F9D2CBA0-18AD-4193-8FBF-22D85668BA7E}"/>
+          <p:cNvPr id="6" name="그림 5">
+            <a:extLst>
+              <a:ext uri="{FF2B5EF4-FFF2-40B4-BE49-F238E27FC236}">
+                <a16:creationId xmlns:a16="http://schemas.microsoft.com/office/drawing/2014/main" id="{820C3986-7AB6-4803-A775-366AF742D2FE}"/>
               </a:ext>
             </a:extLst>
           </p:cNvPr>
@@ -4213,78 +4462,70 @@
         </p:blipFill>
         <p:spPr>
           <a:xfrm>
-            <a:off x="283708" y="808265"/>
-            <a:ext cx="7943850" cy="2038350"/>
+            <a:off x="453118" y="4561896"/>
+            <a:ext cx="7896225" cy="2133600"/>
           </a:xfrm>
           <a:prstGeom prst="rect">
             <a:avLst/>
           </a:prstGeom>
         </p:spPr>
       </p:pic>
-      <p:pic>
-        <p:nvPicPr>
-          <p:cNvPr id="13" name="그림 12">
-            <a:extLst>
-              <a:ext uri="{FF2B5EF4-FFF2-40B4-BE49-F238E27FC236}">
-                <a16:creationId xmlns:a16="http://schemas.microsoft.com/office/drawing/2014/main" id="{8FFC5848-231F-432B-9606-8EDABCFE5738}"/>
-              </a:ext>
-            </a:extLst>
-          </p:cNvPr>
-          <p:cNvPicPr>
-            <a:picLocks noChangeAspect="1"/>
-          </p:cNvPicPr>
+      <p:sp>
+        <p:nvSpPr>
+          <p:cNvPr id="7" name="TextBox 6">
+            <a:extLst>
+              <a:ext uri="{FF2B5EF4-FFF2-40B4-BE49-F238E27FC236}">
+                <a16:creationId xmlns:a16="http://schemas.microsoft.com/office/drawing/2014/main" id="{F21128A4-8959-4B58-965C-62BD9C603B8D}"/>
+              </a:ext>
+            </a:extLst>
+          </p:cNvPr>
+          <p:cNvSpPr txBox="1"/>
           <p:nvPr/>
-        </p:nvPicPr>
-        <p:blipFill>
-          <a:blip r:embed="rId4"/>
-          <a:stretch>
-            <a:fillRect/>
-          </a:stretch>
-        </p:blipFill>
-        <p:spPr>
-          <a:xfrm>
-            <a:off x="7229632" y="3481388"/>
-            <a:ext cx="4948603" cy="3356028"/>
+        </p:nvSpPr>
+        <p:spPr>
+          <a:xfrm>
+            <a:off x="453118" y="4138612"/>
+            <a:ext cx="2189767" cy="369332"/>
           </a:xfrm>
           <a:prstGeom prst="rect">
             <a:avLst/>
           </a:prstGeom>
-        </p:spPr>
-      </p:pic>
-      <p:pic>
-        <p:nvPicPr>
-          <p:cNvPr id="15" name="그림 14">
-            <a:extLst>
-              <a:ext uri="{FF2B5EF4-FFF2-40B4-BE49-F238E27FC236}">
-                <a16:creationId xmlns:a16="http://schemas.microsoft.com/office/drawing/2014/main" id="{B9C1B9EC-4E44-4B55-A869-59B8B151A76C}"/>
-              </a:ext>
-            </a:extLst>
-          </p:cNvPr>
-          <p:cNvPicPr>
-            <a:picLocks noChangeAspect="1"/>
-          </p:cNvPicPr>
-          <p:nvPr/>
-        </p:nvPicPr>
-        <p:blipFill>
-          <a:blip r:embed="rId5"/>
-          <a:stretch>
-            <a:fillRect/>
-          </a:stretch>
-        </p:blipFill>
-        <p:spPr>
-          <a:xfrm>
-            <a:off x="283708" y="4153238"/>
-            <a:ext cx="4105275" cy="914400"/>
-          </a:xfrm>
-          <a:prstGeom prst="rect">
-            <a:avLst/>
-          </a:prstGeom>
-        </p:spPr>
-      </p:pic>
+          <a:noFill/>
+        </p:spPr>
+        <p:txBody>
+          <a:bodyPr wrap="none" rtlCol="0">
+            <a:spAutoFit/>
+          </a:bodyPr>
+          <a:lstStyle/>
+          <a:p>
+            <a:r>
+              <a:rPr lang="en-US" altLang="ko-KR" dirty="0"/>
+              <a:t>Validation</a:t>
+            </a:r>
+            <a:r>
+              <a:rPr lang="ko-KR" altLang="en-US" dirty="0"/>
+              <a:t> </a:t>
+            </a:r>
+            <a:r>
+              <a:rPr lang="en-US" altLang="ko-KR" dirty="0"/>
+              <a:t>Data</a:t>
+            </a:r>
+            <a:r>
+              <a:rPr lang="ko-KR" altLang="en-US" dirty="0"/>
+              <a:t> </a:t>
+            </a:r>
+            <a:r>
+              <a:rPr lang="en-US" altLang="ko-KR" dirty="0"/>
+              <a:t>Set</a:t>
+            </a:r>
+            <a:endParaRPr lang="ko-KR" altLang="en-US" dirty="0"/>
+          </a:p>
+        </p:txBody>
+      </p:sp>
     </p:spTree>
     <p:extLst>
       <p:ext uri="{BB962C8B-B14F-4D97-AF65-F5344CB8AC3E}">
-        <p14:creationId xmlns:p14="http://schemas.microsoft.com/office/powerpoint/2010/main" val="2924882313"/>
+        <p14:creationId xmlns:p14="http://schemas.microsoft.com/office/powerpoint/2010/main" val="1026053927"/>
       </p:ext>
     </p:extLst>
   </p:cSld>
@@ -4311,12 +4552,42 @@
           <a:chExt cx="0" cy="0"/>
         </a:xfrm>
       </p:grpSpPr>
-      <p:sp>
-        <p:nvSpPr>
-          <p:cNvPr id="2" name="TextBox 1">
-            <a:extLst>
-              <a:ext uri="{FF2B5EF4-FFF2-40B4-BE49-F238E27FC236}">
-                <a16:creationId xmlns:a16="http://schemas.microsoft.com/office/drawing/2014/main" id="{9F67D46F-81C5-4AFF-A1C3-8BE1E9B125BE}"/>
+      <p:pic>
+        <p:nvPicPr>
+          <p:cNvPr id="3" name="그림 2">
+            <a:extLst>
+              <a:ext uri="{FF2B5EF4-FFF2-40B4-BE49-F238E27FC236}">
+                <a16:creationId xmlns:a16="http://schemas.microsoft.com/office/drawing/2014/main" id="{D2026394-8571-4BF7-9333-319BF0B6386F}"/>
+              </a:ext>
+            </a:extLst>
+          </p:cNvPr>
+          <p:cNvPicPr>
+            <a:picLocks noChangeAspect="1"/>
+          </p:cNvPicPr>
+          <p:nvPr/>
+        </p:nvPicPr>
+        <p:blipFill>
+          <a:blip r:embed="rId2"/>
+          <a:stretch>
+            <a:fillRect/>
+          </a:stretch>
+        </p:blipFill>
+        <p:spPr>
+          <a:xfrm>
+            <a:off x="283708" y="808265"/>
+            <a:ext cx="7934325" cy="1943100"/>
+          </a:xfrm>
+          <a:prstGeom prst="rect">
+            <a:avLst/>
+          </a:prstGeom>
+        </p:spPr>
+      </p:pic>
+      <p:sp>
+        <p:nvSpPr>
+          <p:cNvPr id="4" name="TextBox 3">
+            <a:extLst>
+              <a:ext uri="{FF2B5EF4-FFF2-40B4-BE49-F238E27FC236}">
+                <a16:creationId xmlns:a16="http://schemas.microsoft.com/office/drawing/2014/main" id="{D042CEA9-21C3-462F-82B2-FAEA23D288FF}"/>
               </a:ext>
             </a:extLst>
           </p:cNvPr>
@@ -4325,8 +4596,8 @@
         </p:nvSpPr>
         <p:spPr>
           <a:xfrm>
-            <a:off x="252382" y="277586"/>
-            <a:ext cx="8542723" cy="369332"/>
+            <a:off x="283708" y="438933"/>
+            <a:ext cx="1655390" cy="369332"/>
           </a:xfrm>
           <a:prstGeom prst="rect">
             <a:avLst/>
@@ -4340,44 +4611,120 @@
           <a:lstStyle/>
           <a:p>
             <a:r>
-              <a:rPr lang="ko-KR" altLang="en-US" dirty="0" err="1"/>
-              <a:t>나이브</a:t>
+              <a:rPr lang="en-US" altLang="ko-KR" dirty="0"/>
+              <a:t>Train</a:t>
             </a:r>
             <a:r>
               <a:rPr lang="ko-KR" altLang="en-US" dirty="0"/>
               <a:t> </a:t>
             </a:r>
             <a:r>
-              <a:rPr lang="ko-KR" altLang="en-US" dirty="0" err="1"/>
-              <a:t>베이즈</a:t>
-            </a:r>
-            <a:r>
-              <a:rPr lang="ko-KR" altLang="en-US" dirty="0"/>
-              <a:t> 분류기</a:t>
-            </a:r>
-            <a:r>
-              <a:rPr lang="en-US" altLang="ko-KR" dirty="0"/>
-              <a:t> – </a:t>
-            </a:r>
-            <a:r>
-              <a:rPr lang="ko-KR" altLang="en-US" dirty="0"/>
-              <a:t>지하철 인접 여부</a:t>
-            </a:r>
-            <a:r>
-              <a:rPr lang="en-US" altLang="ko-KR" dirty="0"/>
-              <a:t>, </a:t>
-            </a:r>
-            <a:r>
-              <a:rPr lang="ko-KR" altLang="en-US" dirty="0"/>
-              <a:t>초중고</a:t>
-            </a:r>
-            <a:r>
-              <a:rPr lang="en-US" altLang="ko-KR" dirty="0"/>
-              <a:t>, </a:t>
-            </a:r>
-            <a:r>
-              <a:rPr lang="ko-KR" altLang="en-US" dirty="0"/>
-              <a:t>학교 수에 따른 이용건수 예측</a:t>
+              <a:rPr lang="en-US" altLang="ko-KR" dirty="0"/>
+              <a:t>Data</a:t>
+            </a:r>
+            <a:r>
+              <a:rPr lang="ko-KR" altLang="en-US" dirty="0"/>
+              <a:t> </a:t>
+            </a:r>
+            <a:r>
+              <a:rPr lang="en-US" altLang="ko-KR" dirty="0"/>
+              <a:t>Set</a:t>
+            </a:r>
+            <a:endParaRPr lang="ko-KR" altLang="en-US" dirty="0"/>
+          </a:p>
+        </p:txBody>
+      </p:sp>
+      <p:pic>
+        <p:nvPicPr>
+          <p:cNvPr id="6" name="그림 5">
+            <a:extLst>
+              <a:ext uri="{FF2B5EF4-FFF2-40B4-BE49-F238E27FC236}">
+                <a16:creationId xmlns:a16="http://schemas.microsoft.com/office/drawing/2014/main" id="{334BF8AC-3E92-444F-9CD1-F451D8F8993D}"/>
+              </a:ext>
+            </a:extLst>
+          </p:cNvPr>
+          <p:cNvPicPr>
+            <a:picLocks noChangeAspect="1"/>
+          </p:cNvPicPr>
+          <p:nvPr/>
+        </p:nvPicPr>
+        <p:blipFill>
+          <a:blip r:embed="rId3"/>
+          <a:stretch>
+            <a:fillRect/>
+          </a:stretch>
+        </p:blipFill>
+        <p:spPr>
+          <a:xfrm>
+            <a:off x="464003" y="3820886"/>
+            <a:ext cx="5810250" cy="285750"/>
+          </a:xfrm>
+          <a:prstGeom prst="rect">
+            <a:avLst/>
+          </a:prstGeom>
+        </p:spPr>
+      </p:pic>
+      <p:pic>
+        <p:nvPicPr>
+          <p:cNvPr id="8" name="그림 7">
+            <a:extLst>
+              <a:ext uri="{FF2B5EF4-FFF2-40B4-BE49-F238E27FC236}">
+                <a16:creationId xmlns:a16="http://schemas.microsoft.com/office/drawing/2014/main" id="{5606040D-A99E-46BA-A894-27D0BEA2DB3D}"/>
+              </a:ext>
+            </a:extLst>
+          </p:cNvPr>
+          <p:cNvPicPr>
+            <a:picLocks noChangeAspect="1"/>
+          </p:cNvPicPr>
+          <p:nvPr/>
+        </p:nvPicPr>
+        <p:blipFill>
+          <a:blip r:embed="rId4"/>
+          <a:stretch>
+            <a:fillRect/>
+          </a:stretch>
+        </p:blipFill>
+        <p:spPr>
+          <a:xfrm>
+            <a:off x="464003" y="4211411"/>
+            <a:ext cx="4257675" cy="981075"/>
+          </a:xfrm>
+          <a:prstGeom prst="rect">
+            <a:avLst/>
+          </a:prstGeom>
+        </p:spPr>
+      </p:pic>
+      <p:sp>
+        <p:nvSpPr>
+          <p:cNvPr id="9" name="TextBox 8">
+            <a:extLst>
+              <a:ext uri="{FF2B5EF4-FFF2-40B4-BE49-F238E27FC236}">
+                <a16:creationId xmlns:a16="http://schemas.microsoft.com/office/drawing/2014/main" id="{596F50DA-952A-452D-BA73-D1DDDC9DB276}"/>
+              </a:ext>
+            </a:extLst>
+          </p:cNvPr>
+          <p:cNvSpPr txBox="1"/>
+          <p:nvPr/>
+        </p:nvSpPr>
+        <p:spPr>
+          <a:xfrm>
+            <a:off x="283708" y="3296722"/>
+            <a:ext cx="3199915" cy="369332"/>
+          </a:xfrm>
+          <a:prstGeom prst="rect">
+            <a:avLst/>
+          </a:prstGeom>
+          <a:noFill/>
+        </p:spPr>
+        <p:txBody>
+          <a:bodyPr wrap="none" rtlCol="0">
+            <a:spAutoFit/>
+          </a:bodyPr>
+          <a:lstStyle/>
+          <a:p>
+            <a:r>
+              <a:rPr lang="ko-KR" altLang="en-US" dirty="0"/>
+              <a:t>새로운 데이터를 이용한 예측</a:t>
             </a:r>
           </a:p>
         </p:txBody>
@@ -4385,7 +4732,7 @@
     </p:spTree>
     <p:extLst>
       <p:ext uri="{BB962C8B-B14F-4D97-AF65-F5344CB8AC3E}">
-        <p14:creationId xmlns:p14="http://schemas.microsoft.com/office/powerpoint/2010/main" val="947133303"/>
+        <p14:creationId xmlns:p14="http://schemas.microsoft.com/office/powerpoint/2010/main" val="2285756010"/>
       </p:ext>
     </p:extLst>
   </p:cSld>
@@ -4412,10 +4759,181 @@
           <a:chExt cx="0" cy="0"/>
         </a:xfrm>
       </p:grpSpPr>
+      <p:pic>
+        <p:nvPicPr>
+          <p:cNvPr id="3" name="그림 2">
+            <a:extLst>
+              <a:ext uri="{FF2B5EF4-FFF2-40B4-BE49-F238E27FC236}">
+                <a16:creationId xmlns:a16="http://schemas.microsoft.com/office/drawing/2014/main" id="{0249A3F0-F856-4730-9269-99EC31B8A65B}"/>
+              </a:ext>
+            </a:extLst>
+          </p:cNvPr>
+          <p:cNvPicPr>
+            <a:picLocks noChangeAspect="1"/>
+          </p:cNvPicPr>
+          <p:nvPr/>
+        </p:nvPicPr>
+        <p:blipFill>
+          <a:blip r:embed="rId2"/>
+          <a:stretch>
+            <a:fillRect/>
+          </a:stretch>
+        </p:blipFill>
+        <p:spPr>
+          <a:xfrm>
+            <a:off x="453118" y="890587"/>
+            <a:ext cx="4819650" cy="3248025"/>
+          </a:xfrm>
+          <a:prstGeom prst="rect">
+            <a:avLst/>
+          </a:prstGeom>
+        </p:spPr>
+      </p:pic>
+      <p:sp>
+        <p:nvSpPr>
+          <p:cNvPr id="4" name="TextBox 3">
+            <a:extLst>
+              <a:ext uri="{FF2B5EF4-FFF2-40B4-BE49-F238E27FC236}">
+                <a16:creationId xmlns:a16="http://schemas.microsoft.com/office/drawing/2014/main" id="{10D75921-CD8E-4C85-90CC-4B046F37C46F}"/>
+              </a:ext>
+            </a:extLst>
+          </p:cNvPr>
+          <p:cNvSpPr txBox="1"/>
+          <p:nvPr/>
+        </p:nvSpPr>
+        <p:spPr>
+          <a:xfrm>
+            <a:off x="252382" y="277586"/>
+            <a:ext cx="6867586" cy="369332"/>
+          </a:xfrm>
+          <a:prstGeom prst="rect">
+            <a:avLst/>
+          </a:prstGeom>
+          <a:noFill/>
+        </p:spPr>
+        <p:txBody>
+          <a:bodyPr wrap="none" rtlCol="0">
+            <a:spAutoFit/>
+          </a:bodyPr>
+          <a:lstStyle/>
+          <a:p>
+            <a:r>
+              <a:rPr lang="ko-KR" altLang="en-US" dirty="0"/>
+              <a:t>다중회귀모델</a:t>
+            </a:r>
+            <a:r>
+              <a:rPr lang="en-US" altLang="ko-KR" dirty="0"/>
+              <a:t>(1) – </a:t>
+            </a:r>
+            <a:r>
+              <a:rPr lang="ko-KR" altLang="en-US" dirty="0"/>
+              <a:t>지하철</a:t>
+            </a:r>
+            <a:r>
+              <a:rPr lang="en-US" altLang="ko-KR" dirty="0"/>
+              <a:t>, </a:t>
+            </a:r>
+            <a:r>
+              <a:rPr lang="ko-KR" altLang="en-US" dirty="0"/>
+              <a:t>초중고</a:t>
+            </a:r>
+            <a:r>
+              <a:rPr lang="en-US" altLang="ko-KR" dirty="0"/>
+              <a:t>, </a:t>
+            </a:r>
+            <a:r>
+              <a:rPr lang="ko-KR" altLang="en-US" dirty="0"/>
+              <a:t>학교 수에 따른 이용건수 예측</a:t>
+            </a:r>
+          </a:p>
+        </p:txBody>
+      </p:sp>
+      <p:pic>
+        <p:nvPicPr>
+          <p:cNvPr id="6" name="그림 5">
+            <a:extLst>
+              <a:ext uri="{FF2B5EF4-FFF2-40B4-BE49-F238E27FC236}">
+                <a16:creationId xmlns:a16="http://schemas.microsoft.com/office/drawing/2014/main" id="{820C3986-7AB6-4803-A775-366AF742D2FE}"/>
+              </a:ext>
+            </a:extLst>
+          </p:cNvPr>
+          <p:cNvPicPr>
+            <a:picLocks noChangeAspect="1"/>
+          </p:cNvPicPr>
+          <p:nvPr/>
+        </p:nvPicPr>
+        <p:blipFill>
+          <a:blip r:embed="rId3"/>
+          <a:stretch>
+            <a:fillRect/>
+          </a:stretch>
+        </p:blipFill>
+        <p:spPr>
+          <a:xfrm>
+            <a:off x="453118" y="4561896"/>
+            <a:ext cx="7896225" cy="2133600"/>
+          </a:xfrm>
+          <a:prstGeom prst="rect">
+            <a:avLst/>
+          </a:prstGeom>
+        </p:spPr>
+      </p:pic>
+      <p:sp>
+        <p:nvSpPr>
+          <p:cNvPr id="7" name="TextBox 6">
+            <a:extLst>
+              <a:ext uri="{FF2B5EF4-FFF2-40B4-BE49-F238E27FC236}">
+                <a16:creationId xmlns:a16="http://schemas.microsoft.com/office/drawing/2014/main" id="{F21128A4-8959-4B58-965C-62BD9C603B8D}"/>
+              </a:ext>
+            </a:extLst>
+          </p:cNvPr>
+          <p:cNvSpPr txBox="1"/>
+          <p:nvPr/>
+        </p:nvSpPr>
+        <p:spPr>
+          <a:xfrm>
+            <a:off x="453118" y="4138612"/>
+            <a:ext cx="2189767" cy="369332"/>
+          </a:xfrm>
+          <a:prstGeom prst="rect">
+            <a:avLst/>
+          </a:prstGeom>
+          <a:noFill/>
+        </p:spPr>
+        <p:txBody>
+          <a:bodyPr wrap="none" rtlCol="0">
+            <a:spAutoFit/>
+          </a:bodyPr>
+          <a:lstStyle/>
+          <a:p>
+            <a:r>
+              <a:rPr lang="en-US" altLang="ko-KR" dirty="0"/>
+              <a:t>Validation</a:t>
+            </a:r>
+            <a:r>
+              <a:rPr lang="ko-KR" altLang="en-US" dirty="0"/>
+              <a:t> </a:t>
+            </a:r>
+            <a:r>
+              <a:rPr lang="en-US" altLang="ko-KR" dirty="0"/>
+              <a:t>Data</a:t>
+            </a:r>
+            <a:r>
+              <a:rPr lang="ko-KR" altLang="en-US" dirty="0"/>
+              <a:t> </a:t>
+            </a:r>
+            <a:r>
+              <a:rPr lang="en-US" altLang="ko-KR" dirty="0"/>
+              <a:t>Set</a:t>
+            </a:r>
+            <a:endParaRPr lang="ko-KR" altLang="en-US" dirty="0"/>
+          </a:p>
+        </p:txBody>
+      </p:sp>
     </p:spTree>
     <p:extLst>
       <p:ext uri="{BB962C8B-B14F-4D97-AF65-F5344CB8AC3E}">
-        <p14:creationId xmlns:p14="http://schemas.microsoft.com/office/powerpoint/2010/main" val="182824904"/>
+        <p14:creationId xmlns:p14="http://schemas.microsoft.com/office/powerpoint/2010/main" val="998940151"/>
       </p:ext>
     </p:extLst>
   </p:cSld>
@@ -4426,6 +4944,1239 @@
 </file>
 
 <file path=ppt/slides/slide16.xml><?xml version="1.0" encoding="utf-8"?>
+<p:sld xmlns:a="http://schemas.openxmlformats.org/drawingml/2006/main" xmlns:r="http://schemas.openxmlformats.org/officeDocument/2006/relationships" xmlns:p="http://schemas.openxmlformats.org/presentationml/2006/main">
+  <p:cSld>
+    <p:spTree>
+      <p:nvGrpSpPr>
+        <p:cNvPr id="1" name=""/>
+        <p:cNvGrpSpPr/>
+        <p:nvPr/>
+      </p:nvGrpSpPr>
+      <p:grpSpPr>
+        <a:xfrm>
+          <a:off x="0" y="0"/>
+          <a:ext cx="0" cy="0"/>
+          <a:chOff x="0" y="0"/>
+          <a:chExt cx="0" cy="0"/>
+        </a:xfrm>
+      </p:grpSpPr>
+      <p:pic>
+        <p:nvPicPr>
+          <p:cNvPr id="3" name="그림 2">
+            <a:extLst>
+              <a:ext uri="{FF2B5EF4-FFF2-40B4-BE49-F238E27FC236}">
+                <a16:creationId xmlns:a16="http://schemas.microsoft.com/office/drawing/2014/main" id="{D2026394-8571-4BF7-9333-319BF0B6386F}"/>
+              </a:ext>
+            </a:extLst>
+          </p:cNvPr>
+          <p:cNvPicPr>
+            <a:picLocks noChangeAspect="1"/>
+          </p:cNvPicPr>
+          <p:nvPr/>
+        </p:nvPicPr>
+        <p:blipFill>
+          <a:blip r:embed="rId2"/>
+          <a:stretch>
+            <a:fillRect/>
+          </a:stretch>
+        </p:blipFill>
+        <p:spPr>
+          <a:xfrm>
+            <a:off x="283708" y="808265"/>
+            <a:ext cx="7934325" cy="1943100"/>
+          </a:xfrm>
+          <a:prstGeom prst="rect">
+            <a:avLst/>
+          </a:prstGeom>
+        </p:spPr>
+      </p:pic>
+      <p:sp>
+        <p:nvSpPr>
+          <p:cNvPr id="4" name="TextBox 3">
+            <a:extLst>
+              <a:ext uri="{FF2B5EF4-FFF2-40B4-BE49-F238E27FC236}">
+                <a16:creationId xmlns:a16="http://schemas.microsoft.com/office/drawing/2014/main" id="{D042CEA9-21C3-462F-82B2-FAEA23D288FF}"/>
+              </a:ext>
+            </a:extLst>
+          </p:cNvPr>
+          <p:cNvSpPr txBox="1"/>
+          <p:nvPr/>
+        </p:nvSpPr>
+        <p:spPr>
+          <a:xfrm>
+            <a:off x="283708" y="438933"/>
+            <a:ext cx="1655390" cy="369332"/>
+          </a:xfrm>
+          <a:prstGeom prst="rect">
+            <a:avLst/>
+          </a:prstGeom>
+          <a:noFill/>
+        </p:spPr>
+        <p:txBody>
+          <a:bodyPr wrap="none" rtlCol="0">
+            <a:spAutoFit/>
+          </a:bodyPr>
+          <a:lstStyle/>
+          <a:p>
+            <a:r>
+              <a:rPr lang="en-US" altLang="ko-KR" dirty="0"/>
+              <a:t>Train</a:t>
+            </a:r>
+            <a:r>
+              <a:rPr lang="ko-KR" altLang="en-US" dirty="0"/>
+              <a:t> </a:t>
+            </a:r>
+            <a:r>
+              <a:rPr lang="en-US" altLang="ko-KR" dirty="0"/>
+              <a:t>Data</a:t>
+            </a:r>
+            <a:r>
+              <a:rPr lang="ko-KR" altLang="en-US" dirty="0"/>
+              <a:t> </a:t>
+            </a:r>
+            <a:r>
+              <a:rPr lang="en-US" altLang="ko-KR" dirty="0"/>
+              <a:t>Set</a:t>
+            </a:r>
+            <a:endParaRPr lang="ko-KR" altLang="en-US" dirty="0"/>
+          </a:p>
+        </p:txBody>
+      </p:sp>
+      <p:pic>
+        <p:nvPicPr>
+          <p:cNvPr id="8" name="그림 7">
+            <a:extLst>
+              <a:ext uri="{FF2B5EF4-FFF2-40B4-BE49-F238E27FC236}">
+                <a16:creationId xmlns:a16="http://schemas.microsoft.com/office/drawing/2014/main" id="{5606040D-A99E-46BA-A894-27D0BEA2DB3D}"/>
+              </a:ext>
+            </a:extLst>
+          </p:cNvPr>
+          <p:cNvPicPr>
+            <a:picLocks noChangeAspect="1"/>
+          </p:cNvPicPr>
+          <p:nvPr/>
+        </p:nvPicPr>
+        <p:blipFill>
+          <a:blip r:embed="rId3"/>
+          <a:stretch>
+            <a:fillRect/>
+          </a:stretch>
+        </p:blipFill>
+        <p:spPr>
+          <a:xfrm>
+            <a:off x="464003" y="4211411"/>
+            <a:ext cx="4257675" cy="981075"/>
+          </a:xfrm>
+          <a:prstGeom prst="rect">
+            <a:avLst/>
+          </a:prstGeom>
+        </p:spPr>
+      </p:pic>
+      <p:sp>
+        <p:nvSpPr>
+          <p:cNvPr id="9" name="TextBox 8">
+            <a:extLst>
+              <a:ext uri="{FF2B5EF4-FFF2-40B4-BE49-F238E27FC236}">
+                <a16:creationId xmlns:a16="http://schemas.microsoft.com/office/drawing/2014/main" id="{596F50DA-952A-452D-BA73-D1DDDC9DB276}"/>
+              </a:ext>
+            </a:extLst>
+          </p:cNvPr>
+          <p:cNvSpPr txBox="1"/>
+          <p:nvPr/>
+        </p:nvSpPr>
+        <p:spPr>
+          <a:xfrm>
+            <a:off x="283708" y="3296722"/>
+            <a:ext cx="3199915" cy="369332"/>
+          </a:xfrm>
+          <a:prstGeom prst="rect">
+            <a:avLst/>
+          </a:prstGeom>
+          <a:noFill/>
+        </p:spPr>
+        <p:txBody>
+          <a:bodyPr wrap="none" rtlCol="0">
+            <a:spAutoFit/>
+          </a:bodyPr>
+          <a:lstStyle/>
+          <a:p>
+            <a:r>
+              <a:rPr lang="ko-KR" altLang="en-US" dirty="0"/>
+              <a:t>새로운 데이터를 이용한 예측</a:t>
+            </a:r>
+          </a:p>
+        </p:txBody>
+      </p:sp>
+      <p:pic>
+        <p:nvPicPr>
+          <p:cNvPr id="5" name="그림 4">
+            <a:extLst>
+              <a:ext uri="{FF2B5EF4-FFF2-40B4-BE49-F238E27FC236}">
+                <a16:creationId xmlns:a16="http://schemas.microsoft.com/office/drawing/2014/main" id="{DCFE24CB-6E1F-4A9C-A65E-BB5ED9BC0551}"/>
+              </a:ext>
+            </a:extLst>
+          </p:cNvPr>
+          <p:cNvPicPr>
+            <a:picLocks noChangeAspect="1"/>
+          </p:cNvPicPr>
+          <p:nvPr/>
+        </p:nvPicPr>
+        <p:blipFill>
+          <a:blip r:embed="rId4"/>
+          <a:stretch>
+            <a:fillRect/>
+          </a:stretch>
+        </p:blipFill>
+        <p:spPr>
+          <a:xfrm>
+            <a:off x="5087815" y="2751957"/>
+            <a:ext cx="5896708" cy="3721301"/>
+          </a:xfrm>
+          <a:prstGeom prst="rect">
+            <a:avLst/>
+          </a:prstGeom>
+        </p:spPr>
+      </p:pic>
+    </p:spTree>
+    <p:extLst>
+      <p:ext uri="{BB962C8B-B14F-4D97-AF65-F5344CB8AC3E}">
+        <p14:creationId xmlns:p14="http://schemas.microsoft.com/office/powerpoint/2010/main" val="3894632396"/>
+      </p:ext>
+    </p:extLst>
+  </p:cSld>
+  <p:clrMapOvr>
+    <a:masterClrMapping/>
+  </p:clrMapOvr>
+</p:sld>
+</file>
+
+<file path=ppt/slides/slide17.xml><?xml version="1.0" encoding="utf-8"?>
+<p:sld xmlns:a="http://schemas.openxmlformats.org/drawingml/2006/main" xmlns:r="http://schemas.openxmlformats.org/officeDocument/2006/relationships" xmlns:p="http://schemas.openxmlformats.org/presentationml/2006/main">
+  <p:cSld>
+    <p:spTree>
+      <p:nvGrpSpPr>
+        <p:cNvPr id="1" name=""/>
+        <p:cNvGrpSpPr/>
+        <p:nvPr/>
+      </p:nvGrpSpPr>
+      <p:grpSpPr>
+        <a:xfrm>
+          <a:off x="0" y="0"/>
+          <a:ext cx="0" cy="0"/>
+          <a:chOff x="0" y="0"/>
+          <a:chExt cx="0" cy="0"/>
+        </a:xfrm>
+      </p:grpSpPr>
+      <p:sp>
+        <p:nvSpPr>
+          <p:cNvPr id="4" name="TextBox 3">
+            <a:extLst>
+              <a:ext uri="{FF2B5EF4-FFF2-40B4-BE49-F238E27FC236}">
+                <a16:creationId xmlns:a16="http://schemas.microsoft.com/office/drawing/2014/main" id="{10D75921-CD8E-4C85-90CC-4B046F37C46F}"/>
+              </a:ext>
+            </a:extLst>
+          </p:cNvPr>
+          <p:cNvSpPr txBox="1"/>
+          <p:nvPr/>
+        </p:nvSpPr>
+        <p:spPr>
+          <a:xfrm>
+            <a:off x="252382" y="277586"/>
+            <a:ext cx="8444941" cy="369332"/>
+          </a:xfrm>
+          <a:prstGeom prst="rect">
+            <a:avLst/>
+          </a:prstGeom>
+          <a:noFill/>
+        </p:spPr>
+        <p:txBody>
+          <a:bodyPr wrap="none" rtlCol="0">
+            <a:spAutoFit/>
+          </a:bodyPr>
+          <a:lstStyle/>
+          <a:p>
+            <a:r>
+              <a:rPr lang="ko-KR" altLang="en-US" dirty="0"/>
+              <a:t>다중회귀모델</a:t>
+            </a:r>
+            <a:r>
+              <a:rPr lang="en-US" altLang="ko-KR" dirty="0"/>
+              <a:t>(2) – </a:t>
+            </a:r>
+            <a:r>
+              <a:rPr lang="ko-KR" altLang="en-US" dirty="0"/>
+              <a:t>사업체</a:t>
+            </a:r>
+            <a:r>
+              <a:rPr lang="en-US" altLang="ko-KR" dirty="0"/>
+              <a:t>(</a:t>
+            </a:r>
+            <a:r>
+              <a:rPr lang="ko-KR" altLang="en-US" dirty="0"/>
+              <a:t>대기업</a:t>
+            </a:r>
+            <a:r>
+              <a:rPr lang="en-US" altLang="ko-KR" dirty="0"/>
+              <a:t>), </a:t>
+            </a:r>
+            <a:r>
+              <a:rPr lang="ko-KR" altLang="en-US" dirty="0"/>
+              <a:t>지하철</a:t>
+            </a:r>
+            <a:r>
+              <a:rPr lang="en-US" altLang="ko-KR" dirty="0"/>
+              <a:t>, </a:t>
+            </a:r>
+            <a:r>
+              <a:rPr lang="ko-KR" altLang="en-US" dirty="0"/>
+              <a:t>초중고</a:t>
+            </a:r>
+            <a:r>
+              <a:rPr lang="en-US" altLang="ko-KR" dirty="0"/>
+              <a:t>, </a:t>
+            </a:r>
+            <a:r>
+              <a:rPr lang="ko-KR" altLang="en-US" dirty="0"/>
+              <a:t>학교 수에 따른 이용건수 예측</a:t>
+            </a:r>
+          </a:p>
+        </p:txBody>
+      </p:sp>
+      <p:sp>
+        <p:nvSpPr>
+          <p:cNvPr id="7" name="TextBox 6">
+            <a:extLst>
+              <a:ext uri="{FF2B5EF4-FFF2-40B4-BE49-F238E27FC236}">
+                <a16:creationId xmlns:a16="http://schemas.microsoft.com/office/drawing/2014/main" id="{F21128A4-8959-4B58-965C-62BD9C603B8D}"/>
+              </a:ext>
+            </a:extLst>
+          </p:cNvPr>
+          <p:cNvSpPr txBox="1"/>
+          <p:nvPr/>
+        </p:nvSpPr>
+        <p:spPr>
+          <a:xfrm>
+            <a:off x="453118" y="4138612"/>
+            <a:ext cx="2189767" cy="369332"/>
+          </a:xfrm>
+          <a:prstGeom prst="rect">
+            <a:avLst/>
+          </a:prstGeom>
+          <a:noFill/>
+        </p:spPr>
+        <p:txBody>
+          <a:bodyPr wrap="none" rtlCol="0">
+            <a:spAutoFit/>
+          </a:bodyPr>
+          <a:lstStyle/>
+          <a:p>
+            <a:r>
+              <a:rPr lang="en-US" altLang="ko-KR" dirty="0"/>
+              <a:t>Validation</a:t>
+            </a:r>
+            <a:r>
+              <a:rPr lang="ko-KR" altLang="en-US" dirty="0"/>
+              <a:t> </a:t>
+            </a:r>
+            <a:r>
+              <a:rPr lang="en-US" altLang="ko-KR" dirty="0"/>
+              <a:t>Data</a:t>
+            </a:r>
+            <a:r>
+              <a:rPr lang="ko-KR" altLang="en-US" dirty="0"/>
+              <a:t> </a:t>
+            </a:r>
+            <a:r>
+              <a:rPr lang="en-US" altLang="ko-KR" dirty="0"/>
+              <a:t>Set</a:t>
+            </a:r>
+            <a:endParaRPr lang="ko-KR" altLang="en-US" dirty="0"/>
+          </a:p>
+        </p:txBody>
+      </p:sp>
+      <p:pic>
+        <p:nvPicPr>
+          <p:cNvPr id="5" name="그림 4">
+            <a:extLst>
+              <a:ext uri="{FF2B5EF4-FFF2-40B4-BE49-F238E27FC236}">
+                <a16:creationId xmlns:a16="http://schemas.microsoft.com/office/drawing/2014/main" id="{99722A03-11A1-453A-9562-A3AAE14F4A13}"/>
+              </a:ext>
+            </a:extLst>
+          </p:cNvPr>
+          <p:cNvPicPr>
+            <a:picLocks noChangeAspect="1"/>
+          </p:cNvPicPr>
+          <p:nvPr/>
+        </p:nvPicPr>
+        <p:blipFill>
+          <a:blip r:embed="rId2"/>
+          <a:stretch>
+            <a:fillRect/>
+          </a:stretch>
+        </p:blipFill>
+        <p:spPr>
+          <a:xfrm>
+            <a:off x="453118" y="854477"/>
+            <a:ext cx="5229225" cy="3076575"/>
+          </a:xfrm>
+          <a:prstGeom prst="rect">
+            <a:avLst/>
+          </a:prstGeom>
+        </p:spPr>
+      </p:pic>
+      <p:pic>
+        <p:nvPicPr>
+          <p:cNvPr id="9" name="그림 8">
+            <a:extLst>
+              <a:ext uri="{FF2B5EF4-FFF2-40B4-BE49-F238E27FC236}">
+                <a16:creationId xmlns:a16="http://schemas.microsoft.com/office/drawing/2014/main" id="{78AC69EE-2C0C-4D64-9186-7CEF6A5711CA}"/>
+              </a:ext>
+            </a:extLst>
+          </p:cNvPr>
+          <p:cNvPicPr>
+            <a:picLocks noChangeAspect="1"/>
+          </p:cNvPicPr>
+          <p:nvPr/>
+        </p:nvPicPr>
+        <p:blipFill>
+          <a:blip r:embed="rId3"/>
+          <a:stretch>
+            <a:fillRect/>
+          </a:stretch>
+        </p:blipFill>
+        <p:spPr>
+          <a:xfrm>
+            <a:off x="453118" y="4570639"/>
+            <a:ext cx="7924800" cy="2009775"/>
+          </a:xfrm>
+          <a:prstGeom prst="rect">
+            <a:avLst/>
+          </a:prstGeom>
+        </p:spPr>
+      </p:pic>
+    </p:spTree>
+    <p:extLst>
+      <p:ext uri="{BB962C8B-B14F-4D97-AF65-F5344CB8AC3E}">
+        <p14:creationId xmlns:p14="http://schemas.microsoft.com/office/powerpoint/2010/main" val="2371106402"/>
+      </p:ext>
+    </p:extLst>
+  </p:cSld>
+  <p:clrMapOvr>
+    <a:masterClrMapping/>
+  </p:clrMapOvr>
+</p:sld>
+</file>
+
+<file path=ppt/slides/slide18.xml><?xml version="1.0" encoding="utf-8"?>
+<p:sld xmlns:a="http://schemas.openxmlformats.org/drawingml/2006/main" xmlns:r="http://schemas.openxmlformats.org/officeDocument/2006/relationships" xmlns:p="http://schemas.openxmlformats.org/presentationml/2006/main">
+  <p:cSld>
+    <p:spTree>
+      <p:nvGrpSpPr>
+        <p:cNvPr id="1" name=""/>
+        <p:cNvGrpSpPr/>
+        <p:nvPr/>
+      </p:nvGrpSpPr>
+      <p:grpSpPr>
+        <a:xfrm>
+          <a:off x="0" y="0"/>
+          <a:ext cx="0" cy="0"/>
+          <a:chOff x="0" y="0"/>
+          <a:chExt cx="0" cy="0"/>
+        </a:xfrm>
+      </p:grpSpPr>
+      <p:sp>
+        <p:nvSpPr>
+          <p:cNvPr id="4" name="TextBox 3">
+            <a:extLst>
+              <a:ext uri="{FF2B5EF4-FFF2-40B4-BE49-F238E27FC236}">
+                <a16:creationId xmlns:a16="http://schemas.microsoft.com/office/drawing/2014/main" id="{D042CEA9-21C3-462F-82B2-FAEA23D288FF}"/>
+              </a:ext>
+            </a:extLst>
+          </p:cNvPr>
+          <p:cNvSpPr txBox="1"/>
+          <p:nvPr/>
+        </p:nvSpPr>
+        <p:spPr>
+          <a:xfrm>
+            <a:off x="283708" y="438933"/>
+            <a:ext cx="1655390" cy="369332"/>
+          </a:xfrm>
+          <a:prstGeom prst="rect">
+            <a:avLst/>
+          </a:prstGeom>
+          <a:noFill/>
+        </p:spPr>
+        <p:txBody>
+          <a:bodyPr wrap="none" rtlCol="0">
+            <a:spAutoFit/>
+          </a:bodyPr>
+          <a:lstStyle/>
+          <a:p>
+            <a:r>
+              <a:rPr lang="en-US" altLang="ko-KR" dirty="0"/>
+              <a:t>Train</a:t>
+            </a:r>
+            <a:r>
+              <a:rPr lang="ko-KR" altLang="en-US" dirty="0"/>
+              <a:t> </a:t>
+            </a:r>
+            <a:r>
+              <a:rPr lang="en-US" altLang="ko-KR" dirty="0"/>
+              <a:t>Data</a:t>
+            </a:r>
+            <a:r>
+              <a:rPr lang="ko-KR" altLang="en-US" dirty="0"/>
+              <a:t> </a:t>
+            </a:r>
+            <a:r>
+              <a:rPr lang="en-US" altLang="ko-KR" dirty="0"/>
+              <a:t>Set</a:t>
+            </a:r>
+            <a:endParaRPr lang="ko-KR" altLang="en-US" dirty="0"/>
+          </a:p>
+        </p:txBody>
+      </p:sp>
+      <p:pic>
+        <p:nvPicPr>
+          <p:cNvPr id="6" name="그림 5">
+            <a:extLst>
+              <a:ext uri="{FF2B5EF4-FFF2-40B4-BE49-F238E27FC236}">
+                <a16:creationId xmlns:a16="http://schemas.microsoft.com/office/drawing/2014/main" id="{334BF8AC-3E92-444F-9CD1-F451D8F8993D}"/>
+              </a:ext>
+            </a:extLst>
+          </p:cNvPr>
+          <p:cNvPicPr>
+            <a:picLocks noChangeAspect="1"/>
+          </p:cNvPicPr>
+          <p:nvPr/>
+        </p:nvPicPr>
+        <p:blipFill>
+          <a:blip r:embed="rId2"/>
+          <a:stretch>
+            <a:fillRect/>
+          </a:stretch>
+        </p:blipFill>
+        <p:spPr>
+          <a:xfrm>
+            <a:off x="464003" y="3820886"/>
+            <a:ext cx="5810250" cy="285750"/>
+          </a:xfrm>
+          <a:prstGeom prst="rect">
+            <a:avLst/>
+          </a:prstGeom>
+        </p:spPr>
+      </p:pic>
+      <p:sp>
+        <p:nvSpPr>
+          <p:cNvPr id="9" name="TextBox 8">
+            <a:extLst>
+              <a:ext uri="{FF2B5EF4-FFF2-40B4-BE49-F238E27FC236}">
+                <a16:creationId xmlns:a16="http://schemas.microsoft.com/office/drawing/2014/main" id="{596F50DA-952A-452D-BA73-D1DDDC9DB276}"/>
+              </a:ext>
+            </a:extLst>
+          </p:cNvPr>
+          <p:cNvSpPr txBox="1"/>
+          <p:nvPr/>
+        </p:nvSpPr>
+        <p:spPr>
+          <a:xfrm>
+            <a:off x="283708" y="3296722"/>
+            <a:ext cx="3199915" cy="369332"/>
+          </a:xfrm>
+          <a:prstGeom prst="rect">
+            <a:avLst/>
+          </a:prstGeom>
+          <a:noFill/>
+        </p:spPr>
+        <p:txBody>
+          <a:bodyPr wrap="none" rtlCol="0">
+            <a:spAutoFit/>
+          </a:bodyPr>
+          <a:lstStyle/>
+          <a:p>
+            <a:r>
+              <a:rPr lang="ko-KR" altLang="en-US" dirty="0"/>
+              <a:t>새로운 데이터를 이용한 예측</a:t>
+            </a:r>
+          </a:p>
+        </p:txBody>
+      </p:sp>
+      <p:pic>
+        <p:nvPicPr>
+          <p:cNvPr id="5" name="그림 4">
+            <a:extLst>
+              <a:ext uri="{FF2B5EF4-FFF2-40B4-BE49-F238E27FC236}">
+                <a16:creationId xmlns:a16="http://schemas.microsoft.com/office/drawing/2014/main" id="{277E37F8-4A11-4465-B868-369DEA91CFD6}"/>
+              </a:ext>
+            </a:extLst>
+          </p:cNvPr>
+          <p:cNvPicPr>
+            <a:picLocks noChangeAspect="1"/>
+          </p:cNvPicPr>
+          <p:nvPr/>
+        </p:nvPicPr>
+        <p:blipFill>
+          <a:blip r:embed="rId3"/>
+          <a:stretch>
+            <a:fillRect/>
+          </a:stretch>
+        </p:blipFill>
+        <p:spPr>
+          <a:xfrm>
+            <a:off x="283708" y="844271"/>
+            <a:ext cx="8124825" cy="1990725"/>
+          </a:xfrm>
+          <a:prstGeom prst="rect">
+            <a:avLst/>
+          </a:prstGeom>
+        </p:spPr>
+      </p:pic>
+      <p:pic>
+        <p:nvPicPr>
+          <p:cNvPr id="10" name="그림 9">
+            <a:extLst>
+              <a:ext uri="{FF2B5EF4-FFF2-40B4-BE49-F238E27FC236}">
+                <a16:creationId xmlns:a16="http://schemas.microsoft.com/office/drawing/2014/main" id="{D5BC004A-CA19-42BC-BF86-0D38250BF06B}"/>
+              </a:ext>
+            </a:extLst>
+          </p:cNvPr>
+          <p:cNvPicPr>
+            <a:picLocks noChangeAspect="1"/>
+          </p:cNvPicPr>
+          <p:nvPr/>
+        </p:nvPicPr>
+        <p:blipFill>
+          <a:blip r:embed="rId4"/>
+          <a:stretch>
+            <a:fillRect/>
+          </a:stretch>
+        </p:blipFill>
+        <p:spPr>
+          <a:xfrm>
+            <a:off x="6274253" y="2860432"/>
+            <a:ext cx="5072429" cy="3462778"/>
+          </a:xfrm>
+          <a:prstGeom prst="rect">
+            <a:avLst/>
+          </a:prstGeom>
+        </p:spPr>
+      </p:pic>
+      <p:pic>
+        <p:nvPicPr>
+          <p:cNvPr id="12" name="그림 11">
+            <a:extLst>
+              <a:ext uri="{FF2B5EF4-FFF2-40B4-BE49-F238E27FC236}">
+                <a16:creationId xmlns:a16="http://schemas.microsoft.com/office/drawing/2014/main" id="{38A1890D-D6ED-4848-80C9-C4AA21A78FAC}"/>
+              </a:ext>
+            </a:extLst>
+          </p:cNvPr>
+          <p:cNvPicPr>
+            <a:picLocks noChangeAspect="1"/>
+          </p:cNvPicPr>
+          <p:nvPr/>
+        </p:nvPicPr>
+        <p:blipFill>
+          <a:blip r:embed="rId5"/>
+          <a:stretch>
+            <a:fillRect/>
+          </a:stretch>
+        </p:blipFill>
+        <p:spPr>
+          <a:xfrm>
+            <a:off x="464003" y="4255228"/>
+            <a:ext cx="5248275" cy="1038225"/>
+          </a:xfrm>
+          <a:prstGeom prst="rect">
+            <a:avLst/>
+          </a:prstGeom>
+        </p:spPr>
+      </p:pic>
+    </p:spTree>
+    <p:extLst>
+      <p:ext uri="{BB962C8B-B14F-4D97-AF65-F5344CB8AC3E}">
+        <p14:creationId xmlns:p14="http://schemas.microsoft.com/office/powerpoint/2010/main" val="1036602053"/>
+      </p:ext>
+    </p:extLst>
+  </p:cSld>
+  <p:clrMapOvr>
+    <a:masterClrMapping/>
+  </p:clrMapOvr>
+</p:sld>
+</file>
+
+<file path=ppt/slides/slide19.xml><?xml version="1.0" encoding="utf-8"?>
+<p:sld xmlns:a="http://schemas.openxmlformats.org/drawingml/2006/main" xmlns:r="http://schemas.openxmlformats.org/officeDocument/2006/relationships" xmlns:p="http://schemas.openxmlformats.org/presentationml/2006/main">
+  <p:cSld>
+    <p:spTree>
+      <p:nvGrpSpPr>
+        <p:cNvPr id="1" name=""/>
+        <p:cNvGrpSpPr/>
+        <p:nvPr/>
+      </p:nvGrpSpPr>
+      <p:grpSpPr>
+        <a:xfrm>
+          <a:off x="0" y="0"/>
+          <a:ext cx="0" cy="0"/>
+          <a:chOff x="0" y="0"/>
+          <a:chExt cx="0" cy="0"/>
+        </a:xfrm>
+      </p:grpSpPr>
+      <p:sp>
+        <p:nvSpPr>
+          <p:cNvPr id="4" name="TextBox 3">
+            <a:extLst>
+              <a:ext uri="{FF2B5EF4-FFF2-40B4-BE49-F238E27FC236}">
+                <a16:creationId xmlns:a16="http://schemas.microsoft.com/office/drawing/2014/main" id="{10D75921-CD8E-4C85-90CC-4B046F37C46F}"/>
+              </a:ext>
+            </a:extLst>
+          </p:cNvPr>
+          <p:cNvSpPr txBox="1"/>
+          <p:nvPr/>
+        </p:nvSpPr>
+        <p:spPr>
+          <a:xfrm>
+            <a:off x="252382" y="277586"/>
+            <a:ext cx="8757526" cy="369332"/>
+          </a:xfrm>
+          <a:prstGeom prst="rect">
+            <a:avLst/>
+          </a:prstGeom>
+          <a:noFill/>
+        </p:spPr>
+        <p:txBody>
+          <a:bodyPr wrap="none" rtlCol="0">
+            <a:spAutoFit/>
+          </a:bodyPr>
+          <a:lstStyle/>
+          <a:p>
+            <a:r>
+              <a:rPr lang="ko-KR" altLang="en-US" dirty="0"/>
+              <a:t>다중회귀모델</a:t>
+            </a:r>
+            <a:r>
+              <a:rPr lang="en-US" altLang="ko-KR" dirty="0"/>
+              <a:t>(3) – </a:t>
+            </a:r>
+            <a:r>
+              <a:rPr lang="ko-KR" altLang="en-US" dirty="0"/>
+              <a:t>사업체</a:t>
+            </a:r>
+            <a:r>
+              <a:rPr lang="en-US" altLang="ko-KR" dirty="0"/>
+              <a:t>(</a:t>
+            </a:r>
+            <a:r>
+              <a:rPr lang="ko-KR" altLang="en-US" dirty="0"/>
+              <a:t>중소기업</a:t>
+            </a:r>
+            <a:r>
+              <a:rPr lang="en-US" altLang="ko-KR" dirty="0"/>
+              <a:t>), </a:t>
+            </a:r>
+            <a:r>
+              <a:rPr lang="ko-KR" altLang="en-US" dirty="0"/>
+              <a:t>지하철</a:t>
+            </a:r>
+            <a:r>
+              <a:rPr lang="en-US" altLang="ko-KR" dirty="0"/>
+              <a:t>, </a:t>
+            </a:r>
+            <a:r>
+              <a:rPr lang="ko-KR" altLang="en-US" dirty="0"/>
+              <a:t>초중고</a:t>
+            </a:r>
+            <a:r>
+              <a:rPr lang="en-US" altLang="ko-KR" dirty="0"/>
+              <a:t>, </a:t>
+            </a:r>
+            <a:r>
+              <a:rPr lang="ko-KR" altLang="en-US" dirty="0"/>
+              <a:t>학교 수에 따른 이용건수 예측</a:t>
+            </a:r>
+          </a:p>
+        </p:txBody>
+      </p:sp>
+      <p:sp>
+        <p:nvSpPr>
+          <p:cNvPr id="7" name="TextBox 6">
+            <a:extLst>
+              <a:ext uri="{FF2B5EF4-FFF2-40B4-BE49-F238E27FC236}">
+                <a16:creationId xmlns:a16="http://schemas.microsoft.com/office/drawing/2014/main" id="{F21128A4-8959-4B58-965C-62BD9C603B8D}"/>
+              </a:ext>
+            </a:extLst>
+          </p:cNvPr>
+          <p:cNvSpPr txBox="1"/>
+          <p:nvPr/>
+        </p:nvSpPr>
+        <p:spPr>
+          <a:xfrm>
+            <a:off x="453118" y="4138612"/>
+            <a:ext cx="2189767" cy="369332"/>
+          </a:xfrm>
+          <a:prstGeom prst="rect">
+            <a:avLst/>
+          </a:prstGeom>
+          <a:noFill/>
+        </p:spPr>
+        <p:txBody>
+          <a:bodyPr wrap="none" rtlCol="0">
+            <a:spAutoFit/>
+          </a:bodyPr>
+          <a:lstStyle/>
+          <a:p>
+            <a:r>
+              <a:rPr lang="en-US" altLang="ko-KR" dirty="0"/>
+              <a:t>Validation</a:t>
+            </a:r>
+            <a:r>
+              <a:rPr lang="ko-KR" altLang="en-US" dirty="0"/>
+              <a:t> </a:t>
+            </a:r>
+            <a:r>
+              <a:rPr lang="en-US" altLang="ko-KR" dirty="0"/>
+              <a:t>Data</a:t>
+            </a:r>
+            <a:r>
+              <a:rPr lang="ko-KR" altLang="en-US" dirty="0"/>
+              <a:t> </a:t>
+            </a:r>
+            <a:r>
+              <a:rPr lang="en-US" altLang="ko-KR" dirty="0"/>
+              <a:t>Set</a:t>
+            </a:r>
+            <a:endParaRPr lang="ko-KR" altLang="en-US" dirty="0"/>
+          </a:p>
+        </p:txBody>
+      </p:sp>
+      <p:pic>
+        <p:nvPicPr>
+          <p:cNvPr id="3" name="그림 2">
+            <a:extLst>
+              <a:ext uri="{FF2B5EF4-FFF2-40B4-BE49-F238E27FC236}">
+                <a16:creationId xmlns:a16="http://schemas.microsoft.com/office/drawing/2014/main" id="{BDC166F9-7159-41BF-A04D-4EA8060817AB}"/>
+              </a:ext>
+            </a:extLst>
+          </p:cNvPr>
+          <p:cNvPicPr>
+            <a:picLocks noChangeAspect="1"/>
+          </p:cNvPicPr>
+          <p:nvPr/>
+        </p:nvPicPr>
+        <p:blipFill>
+          <a:blip r:embed="rId2"/>
+          <a:stretch>
+            <a:fillRect/>
+          </a:stretch>
+        </p:blipFill>
+        <p:spPr>
+          <a:xfrm>
+            <a:off x="453118" y="859240"/>
+            <a:ext cx="5610225" cy="3067050"/>
+          </a:xfrm>
+          <a:prstGeom prst="rect">
+            <a:avLst/>
+          </a:prstGeom>
+        </p:spPr>
+      </p:pic>
+      <p:pic>
+        <p:nvPicPr>
+          <p:cNvPr id="8" name="그림 7">
+            <a:extLst>
+              <a:ext uri="{FF2B5EF4-FFF2-40B4-BE49-F238E27FC236}">
+                <a16:creationId xmlns:a16="http://schemas.microsoft.com/office/drawing/2014/main" id="{3BF85C5F-0D06-46E8-AA67-383F98380F51}"/>
+              </a:ext>
+            </a:extLst>
+          </p:cNvPr>
+          <p:cNvPicPr>
+            <a:picLocks noChangeAspect="1"/>
+          </p:cNvPicPr>
+          <p:nvPr/>
+        </p:nvPicPr>
+        <p:blipFill>
+          <a:blip r:embed="rId3"/>
+          <a:stretch>
+            <a:fillRect/>
+          </a:stretch>
+        </p:blipFill>
+        <p:spPr>
+          <a:xfrm>
+            <a:off x="453118" y="4589689"/>
+            <a:ext cx="7896225" cy="1990725"/>
+          </a:xfrm>
+          <a:prstGeom prst="rect">
+            <a:avLst/>
+          </a:prstGeom>
+        </p:spPr>
+      </p:pic>
+    </p:spTree>
+    <p:extLst>
+      <p:ext uri="{BB962C8B-B14F-4D97-AF65-F5344CB8AC3E}">
+        <p14:creationId xmlns:p14="http://schemas.microsoft.com/office/powerpoint/2010/main" val="714430964"/>
+      </p:ext>
+    </p:extLst>
+  </p:cSld>
+  <p:clrMapOvr>
+    <a:masterClrMapping/>
+  </p:clrMapOvr>
+</p:sld>
+</file>
+
+<file path=ppt/slides/slide2.xml><?xml version="1.0" encoding="utf-8"?>
+<p:sld xmlns:a="http://schemas.openxmlformats.org/drawingml/2006/main" xmlns:r="http://schemas.openxmlformats.org/officeDocument/2006/relationships" xmlns:p="http://schemas.openxmlformats.org/presentationml/2006/main">
+  <p:cSld>
+    <p:spTree>
+      <p:nvGrpSpPr>
+        <p:cNvPr id="1" name=""/>
+        <p:cNvGrpSpPr/>
+        <p:nvPr/>
+      </p:nvGrpSpPr>
+      <p:grpSpPr>
+        <a:xfrm>
+          <a:off x="0" y="0"/>
+          <a:ext cx="0" cy="0"/>
+          <a:chOff x="0" y="0"/>
+          <a:chExt cx="0" cy="0"/>
+        </a:xfrm>
+      </p:grpSpPr>
+      <p:sp>
+        <p:nvSpPr>
+          <p:cNvPr id="2" name="제목 1">
+            <a:extLst>
+              <a:ext uri="{FF2B5EF4-FFF2-40B4-BE49-F238E27FC236}">
+                <a16:creationId xmlns:a16="http://schemas.microsoft.com/office/drawing/2014/main" id="{4B1E919C-A6BF-4769-AF9B-12643C830D9A}"/>
+              </a:ext>
+            </a:extLst>
+          </p:cNvPr>
+          <p:cNvSpPr>
+            <a:spLocks noGrp="1"/>
+          </p:cNvSpPr>
+          <p:nvPr>
+            <p:ph type="title"/>
+          </p:nvPr>
+        </p:nvSpPr>
+        <p:spPr/>
+        <p:txBody>
+          <a:bodyPr/>
+          <a:lstStyle/>
+          <a:p>
+            <a:r>
+              <a:rPr lang="ko-KR" altLang="en-US" dirty="0"/>
+              <a:t>목차</a:t>
+            </a:r>
+          </a:p>
+        </p:txBody>
+      </p:sp>
+      <p:sp>
+        <p:nvSpPr>
+          <p:cNvPr id="3" name="내용 개체 틀 2">
+            <a:extLst>
+              <a:ext uri="{FF2B5EF4-FFF2-40B4-BE49-F238E27FC236}">
+                <a16:creationId xmlns:a16="http://schemas.microsoft.com/office/drawing/2014/main" id="{1C6ADA4E-B71C-4106-BE4F-7F5D8CC1A270}"/>
+              </a:ext>
+            </a:extLst>
+          </p:cNvPr>
+          <p:cNvSpPr>
+            <a:spLocks noGrp="1"/>
+          </p:cNvSpPr>
+          <p:nvPr>
+            <p:ph idx="1"/>
+          </p:nvPr>
+        </p:nvSpPr>
+        <p:spPr/>
+        <p:txBody>
+          <a:bodyPr/>
+          <a:lstStyle/>
+          <a:p>
+            <a:r>
+              <a:rPr lang="ko-KR" altLang="en-US" dirty="0"/>
+              <a:t>주제 선정 및 이유</a:t>
+            </a:r>
+            <a:endParaRPr lang="en-US" altLang="ko-KR" dirty="0"/>
+          </a:p>
+          <a:p>
+            <a:r>
+              <a:rPr lang="ko-KR" altLang="en-US" dirty="0"/>
+              <a:t>데이터 소개</a:t>
+            </a:r>
+            <a:endParaRPr lang="en-US" altLang="ko-KR" dirty="0"/>
+          </a:p>
+          <a:p>
+            <a:r>
+              <a:rPr lang="ko-KR" altLang="en-US" dirty="0"/>
+              <a:t>데이터 </a:t>
+            </a:r>
+            <a:r>
+              <a:rPr lang="ko-KR" altLang="en-US" dirty="0" err="1"/>
+              <a:t>전처리</a:t>
+            </a:r>
+            <a:endParaRPr lang="en-US" altLang="ko-KR" dirty="0"/>
+          </a:p>
+          <a:p>
+            <a:r>
+              <a:rPr lang="ko-KR" altLang="en-US" dirty="0"/>
+              <a:t>데이터 탐색</a:t>
+            </a:r>
+            <a:endParaRPr lang="en-US" altLang="ko-KR" dirty="0"/>
+          </a:p>
+          <a:p>
+            <a:r>
+              <a:rPr lang="ko-KR" altLang="en-US" dirty="0"/>
+              <a:t>데이터 모델링 및 성능 평가</a:t>
+            </a:r>
+          </a:p>
+        </p:txBody>
+      </p:sp>
+    </p:spTree>
+    <p:extLst>
+      <p:ext uri="{BB962C8B-B14F-4D97-AF65-F5344CB8AC3E}">
+        <p14:creationId xmlns:p14="http://schemas.microsoft.com/office/powerpoint/2010/main" val="1220958501"/>
+      </p:ext>
+    </p:extLst>
+  </p:cSld>
+  <p:clrMapOvr>
+    <a:masterClrMapping/>
+  </p:clrMapOvr>
+</p:sld>
+</file>
+
+<file path=ppt/slides/slide20.xml><?xml version="1.0" encoding="utf-8"?>
+<p:sld xmlns:a="http://schemas.openxmlformats.org/drawingml/2006/main" xmlns:r="http://schemas.openxmlformats.org/officeDocument/2006/relationships" xmlns:p="http://schemas.openxmlformats.org/presentationml/2006/main">
+  <p:cSld>
+    <p:spTree>
+      <p:nvGrpSpPr>
+        <p:cNvPr id="1" name=""/>
+        <p:cNvGrpSpPr/>
+        <p:nvPr/>
+      </p:nvGrpSpPr>
+      <p:grpSpPr>
+        <a:xfrm>
+          <a:off x="0" y="0"/>
+          <a:ext cx="0" cy="0"/>
+          <a:chOff x="0" y="0"/>
+          <a:chExt cx="0" cy="0"/>
+        </a:xfrm>
+      </p:grpSpPr>
+      <p:sp>
+        <p:nvSpPr>
+          <p:cNvPr id="4" name="TextBox 3">
+            <a:extLst>
+              <a:ext uri="{FF2B5EF4-FFF2-40B4-BE49-F238E27FC236}">
+                <a16:creationId xmlns:a16="http://schemas.microsoft.com/office/drawing/2014/main" id="{D042CEA9-21C3-462F-82B2-FAEA23D288FF}"/>
+              </a:ext>
+            </a:extLst>
+          </p:cNvPr>
+          <p:cNvSpPr txBox="1"/>
+          <p:nvPr/>
+        </p:nvSpPr>
+        <p:spPr>
+          <a:xfrm>
+            <a:off x="283708" y="438933"/>
+            <a:ext cx="1655390" cy="369332"/>
+          </a:xfrm>
+          <a:prstGeom prst="rect">
+            <a:avLst/>
+          </a:prstGeom>
+          <a:noFill/>
+        </p:spPr>
+        <p:txBody>
+          <a:bodyPr wrap="none" rtlCol="0">
+            <a:spAutoFit/>
+          </a:bodyPr>
+          <a:lstStyle/>
+          <a:p>
+            <a:r>
+              <a:rPr lang="en-US" altLang="ko-KR" dirty="0"/>
+              <a:t>Train</a:t>
+            </a:r>
+            <a:r>
+              <a:rPr lang="ko-KR" altLang="en-US" dirty="0"/>
+              <a:t> </a:t>
+            </a:r>
+            <a:r>
+              <a:rPr lang="en-US" altLang="ko-KR" dirty="0"/>
+              <a:t>Data</a:t>
+            </a:r>
+            <a:r>
+              <a:rPr lang="ko-KR" altLang="en-US" dirty="0"/>
+              <a:t> </a:t>
+            </a:r>
+            <a:r>
+              <a:rPr lang="en-US" altLang="ko-KR" dirty="0"/>
+              <a:t>Set</a:t>
+            </a:r>
+            <a:endParaRPr lang="ko-KR" altLang="en-US" dirty="0"/>
+          </a:p>
+        </p:txBody>
+      </p:sp>
+      <p:sp>
+        <p:nvSpPr>
+          <p:cNvPr id="9" name="TextBox 8">
+            <a:extLst>
+              <a:ext uri="{FF2B5EF4-FFF2-40B4-BE49-F238E27FC236}">
+                <a16:creationId xmlns:a16="http://schemas.microsoft.com/office/drawing/2014/main" id="{596F50DA-952A-452D-BA73-D1DDDC9DB276}"/>
+              </a:ext>
+            </a:extLst>
+          </p:cNvPr>
+          <p:cNvSpPr txBox="1"/>
+          <p:nvPr/>
+        </p:nvSpPr>
+        <p:spPr>
+          <a:xfrm>
+            <a:off x="283708" y="3296722"/>
+            <a:ext cx="3199915" cy="369332"/>
+          </a:xfrm>
+          <a:prstGeom prst="rect">
+            <a:avLst/>
+          </a:prstGeom>
+          <a:noFill/>
+        </p:spPr>
+        <p:txBody>
+          <a:bodyPr wrap="none" rtlCol="0">
+            <a:spAutoFit/>
+          </a:bodyPr>
+          <a:lstStyle/>
+          <a:p>
+            <a:r>
+              <a:rPr lang="ko-KR" altLang="en-US" dirty="0"/>
+              <a:t>새로운 데이터를 이용한 예측</a:t>
+            </a:r>
+          </a:p>
+        </p:txBody>
+      </p:sp>
+      <p:pic>
+        <p:nvPicPr>
+          <p:cNvPr id="3" name="그림 2">
+            <a:extLst>
+              <a:ext uri="{FF2B5EF4-FFF2-40B4-BE49-F238E27FC236}">
+                <a16:creationId xmlns:a16="http://schemas.microsoft.com/office/drawing/2014/main" id="{3C647293-A2F6-457E-9FA7-7F59C0251E01}"/>
+              </a:ext>
+            </a:extLst>
+          </p:cNvPr>
+          <p:cNvPicPr>
+            <a:picLocks noChangeAspect="1"/>
+          </p:cNvPicPr>
+          <p:nvPr/>
+        </p:nvPicPr>
+        <p:blipFill>
+          <a:blip r:embed="rId2"/>
+          <a:stretch>
+            <a:fillRect/>
+          </a:stretch>
+        </p:blipFill>
+        <p:spPr>
+          <a:xfrm>
+            <a:off x="283708" y="3757246"/>
+            <a:ext cx="6743700" cy="304800"/>
+          </a:xfrm>
+          <a:prstGeom prst="rect">
+            <a:avLst/>
+          </a:prstGeom>
+        </p:spPr>
+      </p:pic>
+      <p:pic>
+        <p:nvPicPr>
+          <p:cNvPr id="8" name="그림 7">
+            <a:extLst>
+              <a:ext uri="{FF2B5EF4-FFF2-40B4-BE49-F238E27FC236}">
+                <a16:creationId xmlns:a16="http://schemas.microsoft.com/office/drawing/2014/main" id="{F9D2CBA0-18AD-4193-8FBF-22D85668BA7E}"/>
+              </a:ext>
+            </a:extLst>
+          </p:cNvPr>
+          <p:cNvPicPr>
+            <a:picLocks noChangeAspect="1"/>
+          </p:cNvPicPr>
+          <p:nvPr/>
+        </p:nvPicPr>
+        <p:blipFill>
+          <a:blip r:embed="rId3"/>
+          <a:stretch>
+            <a:fillRect/>
+          </a:stretch>
+        </p:blipFill>
+        <p:spPr>
+          <a:xfrm>
+            <a:off x="283708" y="808265"/>
+            <a:ext cx="7943850" cy="2038350"/>
+          </a:xfrm>
+          <a:prstGeom prst="rect">
+            <a:avLst/>
+          </a:prstGeom>
+        </p:spPr>
+      </p:pic>
+      <p:pic>
+        <p:nvPicPr>
+          <p:cNvPr id="13" name="그림 12">
+            <a:extLst>
+              <a:ext uri="{FF2B5EF4-FFF2-40B4-BE49-F238E27FC236}">
+                <a16:creationId xmlns:a16="http://schemas.microsoft.com/office/drawing/2014/main" id="{8FFC5848-231F-432B-9606-8EDABCFE5738}"/>
+              </a:ext>
+            </a:extLst>
+          </p:cNvPr>
+          <p:cNvPicPr>
+            <a:picLocks noChangeAspect="1"/>
+          </p:cNvPicPr>
+          <p:nvPr/>
+        </p:nvPicPr>
+        <p:blipFill>
+          <a:blip r:embed="rId4"/>
+          <a:stretch>
+            <a:fillRect/>
+          </a:stretch>
+        </p:blipFill>
+        <p:spPr>
+          <a:xfrm>
+            <a:off x="7229632" y="3481388"/>
+            <a:ext cx="4948603" cy="3356028"/>
+          </a:xfrm>
+          <a:prstGeom prst="rect">
+            <a:avLst/>
+          </a:prstGeom>
+        </p:spPr>
+      </p:pic>
+      <p:pic>
+        <p:nvPicPr>
+          <p:cNvPr id="15" name="그림 14">
+            <a:extLst>
+              <a:ext uri="{FF2B5EF4-FFF2-40B4-BE49-F238E27FC236}">
+                <a16:creationId xmlns:a16="http://schemas.microsoft.com/office/drawing/2014/main" id="{B9C1B9EC-4E44-4B55-A869-59B8B151A76C}"/>
+              </a:ext>
+            </a:extLst>
+          </p:cNvPr>
+          <p:cNvPicPr>
+            <a:picLocks noChangeAspect="1"/>
+          </p:cNvPicPr>
+          <p:nvPr/>
+        </p:nvPicPr>
+        <p:blipFill>
+          <a:blip r:embed="rId5"/>
+          <a:stretch>
+            <a:fillRect/>
+          </a:stretch>
+        </p:blipFill>
+        <p:spPr>
+          <a:xfrm>
+            <a:off x="283708" y="4153238"/>
+            <a:ext cx="4105275" cy="914400"/>
+          </a:xfrm>
+          <a:prstGeom prst="rect">
+            <a:avLst/>
+          </a:prstGeom>
+        </p:spPr>
+      </p:pic>
+    </p:spTree>
+    <p:extLst>
+      <p:ext uri="{BB962C8B-B14F-4D97-AF65-F5344CB8AC3E}">
+        <p14:creationId xmlns:p14="http://schemas.microsoft.com/office/powerpoint/2010/main" val="2924882313"/>
+      </p:ext>
+    </p:extLst>
+  </p:cSld>
+  <p:clrMapOvr>
+    <a:masterClrMapping/>
+  </p:clrMapOvr>
+</p:sld>
+</file>
+
+<file path=ppt/slides/slide21.xml><?xml version="1.0" encoding="utf-8"?>
 <p:sld xmlns:a="http://schemas.openxmlformats.org/drawingml/2006/main" xmlns:r="http://schemas.openxmlformats.org/officeDocument/2006/relationships" xmlns:p="http://schemas.openxmlformats.org/presentationml/2006/main">
   <p:cSld>
     <p:spTree>
@@ -4455,7 +6206,7 @@
 </p:sld>
 </file>
 
-<file path=ppt/slides/slide17.xml><?xml version="1.0" encoding="utf-8"?>
+<file path=ppt/slides/slide22.xml><?xml version="1.0" encoding="utf-8"?>
 <p:sld xmlns:a="http://schemas.openxmlformats.org/drawingml/2006/main" xmlns:r="http://schemas.openxmlformats.org/officeDocument/2006/relationships" xmlns:p="http://schemas.openxmlformats.org/presentationml/2006/main">
   <p:cSld>
     <p:spTree>
@@ -4485,7 +6236,7 @@
 </p:sld>
 </file>
 
-<file path=ppt/slides/slide18.xml><?xml version="1.0" encoding="utf-8"?>
+<file path=ppt/slides/slide23.xml><?xml version="1.0" encoding="utf-8"?>
 <p:sld xmlns:a="http://schemas.openxmlformats.org/drawingml/2006/main" xmlns:r="http://schemas.openxmlformats.org/officeDocument/2006/relationships" xmlns:p="http://schemas.openxmlformats.org/presentationml/2006/main">
   <p:cSld>
     <p:spTree>
@@ -4515,66 +6266,6 @@
 </p:sld>
 </file>
 
-<file path=ppt/slides/slide2.xml><?xml version="1.0" encoding="utf-8"?>
-<p:sld xmlns:a="http://schemas.openxmlformats.org/drawingml/2006/main" xmlns:r="http://schemas.openxmlformats.org/officeDocument/2006/relationships" xmlns:p="http://schemas.openxmlformats.org/presentationml/2006/main">
-  <p:cSld>
-    <p:spTree>
-      <p:nvGrpSpPr>
-        <p:cNvPr id="1" name=""/>
-        <p:cNvGrpSpPr/>
-        <p:nvPr/>
-      </p:nvGrpSpPr>
-      <p:grpSpPr>
-        <a:xfrm>
-          <a:off x="0" y="0"/>
-          <a:ext cx="0" cy="0"/>
-          <a:chOff x="0" y="0"/>
-          <a:chExt cx="0" cy="0"/>
-        </a:xfrm>
-      </p:grpSpPr>
-      <p:pic>
-        <p:nvPicPr>
-          <p:cNvPr id="3" name="그림 2">
-            <a:extLst>
-              <a:ext uri="{FF2B5EF4-FFF2-40B4-BE49-F238E27FC236}">
-                <a16:creationId xmlns:a16="http://schemas.microsoft.com/office/drawing/2014/main" id="{A73E3A7E-A233-4F57-83A3-333040D5D7FE}"/>
-              </a:ext>
-            </a:extLst>
-          </p:cNvPr>
-          <p:cNvPicPr>
-            <a:picLocks noChangeAspect="1"/>
-          </p:cNvPicPr>
-          <p:nvPr/>
-        </p:nvPicPr>
-        <p:blipFill>
-          <a:blip r:embed="rId2"/>
-          <a:stretch>
-            <a:fillRect/>
-          </a:stretch>
-        </p:blipFill>
-        <p:spPr>
-          <a:xfrm>
-            <a:off x="1031749" y="0"/>
-            <a:ext cx="10128501" cy="6858000"/>
-          </a:xfrm>
-          <a:prstGeom prst="rect">
-            <a:avLst/>
-          </a:prstGeom>
-        </p:spPr>
-      </p:pic>
-    </p:spTree>
-    <p:extLst>
-      <p:ext uri="{BB962C8B-B14F-4D97-AF65-F5344CB8AC3E}">
-        <p14:creationId xmlns:p14="http://schemas.microsoft.com/office/powerpoint/2010/main" val="150136942"/>
-      </p:ext>
-    </p:extLst>
-  </p:cSld>
-  <p:clrMapOvr>
-    <a:masterClrMapping/>
-  </p:clrMapOvr>
-</p:sld>
-</file>
-
 <file path=ppt/slides/slide3.xml><?xml version="1.0" encoding="utf-8"?>
 <p:sld xmlns:a="http://schemas.openxmlformats.org/drawingml/2006/main" xmlns:r="http://schemas.openxmlformats.org/officeDocument/2006/relationships" xmlns:p="http://schemas.openxmlformats.org/presentationml/2006/main">
   <p:cSld>
@@ -4592,12 +6283,147 @@
           <a:chExt cx="0" cy="0"/>
         </a:xfrm>
       </p:grpSpPr>
+      <p:sp>
+        <p:nvSpPr>
+          <p:cNvPr id="2" name="제목 1">
+            <a:extLst>
+              <a:ext uri="{FF2B5EF4-FFF2-40B4-BE49-F238E27FC236}">
+                <a16:creationId xmlns:a16="http://schemas.microsoft.com/office/drawing/2014/main" id="{51CDFE0C-9717-4219-8184-E8317CC9B340}"/>
+              </a:ext>
+            </a:extLst>
+          </p:cNvPr>
+          <p:cNvSpPr>
+            <a:spLocks noGrp="1"/>
+          </p:cNvSpPr>
+          <p:nvPr>
+            <p:ph type="title"/>
+          </p:nvPr>
+        </p:nvSpPr>
+        <p:spPr>
+          <a:xfrm>
+            <a:off x="261487" y="159391"/>
+            <a:ext cx="10515600" cy="831158"/>
+          </a:xfrm>
+        </p:spPr>
+        <p:txBody>
+          <a:bodyPr>
+            <a:normAutofit/>
+          </a:bodyPr>
+          <a:lstStyle/>
+          <a:p>
+            <a:r>
+              <a:rPr lang="ko-KR" altLang="en-US" sz="4000" dirty="0"/>
+              <a:t>주제 선정 및 이유</a:t>
+            </a:r>
+          </a:p>
+        </p:txBody>
+      </p:sp>
+      <p:sp>
+        <p:nvSpPr>
+          <p:cNvPr id="3" name="텍스트 개체 틀 2">
+            <a:extLst>
+              <a:ext uri="{FF2B5EF4-FFF2-40B4-BE49-F238E27FC236}">
+                <a16:creationId xmlns:a16="http://schemas.microsoft.com/office/drawing/2014/main" id="{1214D45E-DC01-4186-B63A-4C2163AC45D5}"/>
+              </a:ext>
+            </a:extLst>
+          </p:cNvPr>
+          <p:cNvSpPr>
+            <a:spLocks noGrp="1"/>
+          </p:cNvSpPr>
+          <p:nvPr>
+            <p:ph type="body" idx="1"/>
+          </p:nvPr>
+        </p:nvSpPr>
+        <p:spPr>
+          <a:xfrm>
+            <a:off x="261487" y="1086030"/>
+            <a:ext cx="10515600" cy="1500187"/>
+          </a:xfrm>
+        </p:spPr>
+        <p:txBody>
+          <a:bodyPr/>
+          <a:lstStyle/>
+          <a:p>
+            <a:r>
+              <a:rPr lang="ko-KR" altLang="en-US" dirty="0"/>
+              <a:t>서울시 공공자전거 데이터 분석을 통해 타 지역 공공자전거 도입 시</a:t>
+            </a:r>
+            <a:r>
+              <a:rPr lang="en-US" altLang="ko-KR" dirty="0"/>
+              <a:t>, </a:t>
+            </a:r>
+            <a:r>
+              <a:rPr lang="ko-KR" altLang="en-US" dirty="0"/>
+              <a:t>수요를 예측할 수 있는 모델을 만들기 위함이다</a:t>
+            </a:r>
+            <a:r>
+              <a:rPr lang="en-US" altLang="ko-KR" dirty="0"/>
+              <a:t>.</a:t>
+            </a:r>
+            <a:endParaRPr lang="ko-KR" altLang="en-US" dirty="0"/>
+          </a:p>
+        </p:txBody>
+      </p:sp>
+      <p:sp>
+        <p:nvSpPr>
+          <p:cNvPr id="4" name="제목 1">
+            <a:extLst>
+              <a:ext uri="{FF2B5EF4-FFF2-40B4-BE49-F238E27FC236}">
+                <a16:creationId xmlns:a16="http://schemas.microsoft.com/office/drawing/2014/main" id="{B52FD1C6-2178-4F8B-ACDF-7A9B1636EB52}"/>
+              </a:ext>
+            </a:extLst>
+          </p:cNvPr>
+          <p:cNvSpPr txBox="1">
+            <a:spLocks/>
+          </p:cNvSpPr>
+          <p:nvPr/>
+        </p:nvSpPr>
+        <p:spPr>
+          <a:xfrm>
+            <a:off x="261487" y="2164360"/>
+            <a:ext cx="10515600" cy="723500"/>
+          </a:xfrm>
+          <a:prstGeom prst="rect">
+            <a:avLst/>
+          </a:prstGeom>
+        </p:spPr>
+        <p:txBody>
+          <a:bodyPr vert="horz" lIns="91440" tIns="45720" rIns="91440" bIns="45720" rtlCol="0" anchor="b">
+            <a:normAutofit/>
+          </a:bodyPr>
+          <a:lstStyle>
+            <a:lvl1pPr algn="l" defTabSz="914400" rtl="0" eaLnBrk="1" latinLnBrk="1" hangingPunct="1">
+              <a:lnSpc>
+                <a:spcPct val="90000"/>
+              </a:lnSpc>
+              <a:spcBef>
+                <a:spcPct val="0"/>
+              </a:spcBef>
+              <a:buNone/>
+              <a:defRPr sz="6000" kern="1200">
+                <a:solidFill>
+                  <a:schemeClr val="tx1"/>
+                </a:solidFill>
+                <a:latin typeface="+mj-lt"/>
+                <a:ea typeface="+mj-ea"/>
+                <a:cs typeface="+mj-cs"/>
+              </a:defRPr>
+            </a:lvl1pPr>
+          </a:lstStyle>
+          <a:p>
+            <a:r>
+              <a:rPr lang="ko-KR" altLang="en-US" sz="4000" dirty="0"/>
+              <a:t>데이터 소개</a:t>
+            </a:r>
+          </a:p>
+        </p:txBody>
+      </p:sp>
       <p:pic>
         <p:nvPicPr>
-          <p:cNvPr id="3" name="그림 2">
-            <a:extLst>
-              <a:ext uri="{FF2B5EF4-FFF2-40B4-BE49-F238E27FC236}">
-                <a16:creationId xmlns:a16="http://schemas.microsoft.com/office/drawing/2014/main" id="{58F0358D-201D-4047-823D-56410C3B0E1F}"/>
+          <p:cNvPr id="6" name="그림 5">
+            <a:extLst>
+              <a:ext uri="{FF2B5EF4-FFF2-40B4-BE49-F238E27FC236}">
+                <a16:creationId xmlns:a16="http://schemas.microsoft.com/office/drawing/2014/main" id="{4EE9DA51-A6FE-4604-BBD8-152EB30430D8}"/>
               </a:ext>
             </a:extLst>
           </p:cNvPr>
@@ -4614,18 +6440,139 @@
         </p:blipFill>
         <p:spPr>
           <a:xfrm>
-            <a:off x="964190" y="0"/>
-            <a:ext cx="10263620" cy="6858000"/>
+            <a:off x="385554" y="2983341"/>
+            <a:ext cx="4145100" cy="3157400"/>
           </a:xfrm>
           <a:prstGeom prst="rect">
             <a:avLst/>
           </a:prstGeom>
         </p:spPr>
       </p:pic>
+      <p:pic>
+        <p:nvPicPr>
+          <p:cNvPr id="8" name="그림 7">
+            <a:extLst>
+              <a:ext uri="{FF2B5EF4-FFF2-40B4-BE49-F238E27FC236}">
+                <a16:creationId xmlns:a16="http://schemas.microsoft.com/office/drawing/2014/main" id="{C89E9A24-7C72-40CB-8B38-2FB0A9A6A019}"/>
+              </a:ext>
+            </a:extLst>
+          </p:cNvPr>
+          <p:cNvPicPr>
+            <a:picLocks noChangeAspect="1"/>
+          </p:cNvPicPr>
+          <p:nvPr/>
+        </p:nvPicPr>
+        <p:blipFill>
+          <a:blip r:embed="rId3"/>
+          <a:stretch>
+            <a:fillRect/>
+          </a:stretch>
+        </p:blipFill>
+        <p:spPr>
+          <a:xfrm>
+            <a:off x="5700706" y="2983341"/>
+            <a:ext cx="2313262" cy="3157400"/>
+          </a:xfrm>
+          <a:prstGeom prst="rect">
+            <a:avLst/>
+          </a:prstGeom>
+        </p:spPr>
+      </p:pic>
+      <p:sp>
+        <p:nvSpPr>
+          <p:cNvPr id="9" name="TextBox 8">
+            <a:extLst>
+              <a:ext uri="{FF2B5EF4-FFF2-40B4-BE49-F238E27FC236}">
+                <a16:creationId xmlns:a16="http://schemas.microsoft.com/office/drawing/2014/main" id="{D60CF39F-2250-4903-9ECF-A1D081F173DC}"/>
+              </a:ext>
+            </a:extLst>
+          </p:cNvPr>
+          <p:cNvSpPr txBox="1"/>
+          <p:nvPr/>
+        </p:nvSpPr>
+        <p:spPr>
+          <a:xfrm>
+            <a:off x="765861" y="6311357"/>
+            <a:ext cx="3574379" cy="369332"/>
+          </a:xfrm>
+          <a:prstGeom prst="rect">
+            <a:avLst/>
+          </a:prstGeom>
+          <a:noFill/>
+        </p:spPr>
+        <p:txBody>
+          <a:bodyPr wrap="square" rtlCol="0">
+            <a:spAutoFit/>
+          </a:bodyPr>
+          <a:lstStyle/>
+          <a:p>
+            <a:r>
+              <a:rPr lang="en-US" altLang="ko-KR" dirty="0"/>
+              <a:t>Data1. </a:t>
+            </a:r>
+            <a:r>
+              <a:rPr lang="ko-KR" altLang="en-US" dirty="0"/>
+              <a:t>공공자전거 대여소 정보</a:t>
+            </a:r>
+          </a:p>
+        </p:txBody>
+      </p:sp>
+      <p:sp>
+        <p:nvSpPr>
+          <p:cNvPr id="10" name="TextBox 9">
+            <a:extLst>
+              <a:ext uri="{FF2B5EF4-FFF2-40B4-BE49-F238E27FC236}">
+                <a16:creationId xmlns:a16="http://schemas.microsoft.com/office/drawing/2014/main" id="{73B92159-F7F8-4092-BF5B-3800DCE82FF3}"/>
+              </a:ext>
+            </a:extLst>
+          </p:cNvPr>
+          <p:cNvSpPr txBox="1"/>
+          <p:nvPr/>
+        </p:nvSpPr>
+        <p:spPr>
+          <a:xfrm>
+            <a:off x="5322530" y="6311357"/>
+            <a:ext cx="4316419" cy="369332"/>
+          </a:xfrm>
+          <a:prstGeom prst="rect">
+            <a:avLst/>
+          </a:prstGeom>
+          <a:noFill/>
+        </p:spPr>
+        <p:txBody>
+          <a:bodyPr wrap="square" rtlCol="0">
+            <a:spAutoFit/>
+          </a:bodyPr>
+          <a:lstStyle/>
+          <a:p>
+            <a:r>
+              <a:rPr lang="en-US" altLang="ko-KR" dirty="0"/>
+              <a:t>Data2. </a:t>
+            </a:r>
+            <a:r>
+              <a:rPr lang="ko-KR" altLang="en-US" dirty="0"/>
+              <a:t>공공자전거 이용정보 </a:t>
+            </a:r>
+            <a:r>
+              <a:rPr lang="en-US" altLang="ko-KR" dirty="0"/>
+              <a:t>( </a:t>
+            </a:r>
+            <a:r>
+              <a:rPr lang="ko-KR" altLang="en-US" dirty="0"/>
+              <a:t>시간대별 </a:t>
+            </a:r>
+            <a:r>
+              <a:rPr lang="en-US" altLang="ko-KR" dirty="0"/>
+              <a:t>)</a:t>
+            </a:r>
+            <a:endParaRPr lang="ko-KR" altLang="en-US" dirty="0"/>
+          </a:p>
+        </p:txBody>
+      </p:sp>
     </p:spTree>
     <p:extLst>
       <p:ext uri="{BB962C8B-B14F-4D97-AF65-F5344CB8AC3E}">
-        <p14:creationId xmlns:p14="http://schemas.microsoft.com/office/powerpoint/2010/main" val="1523299041"/>
+        <p14:creationId xmlns:p14="http://schemas.microsoft.com/office/powerpoint/2010/main" val="480402636"/>
       </p:ext>
     </p:extLst>
   </p:cSld>
@@ -4657,7 +6604,7 @@
           <p:cNvPr id="3" name="그림 2">
             <a:extLst>
               <a:ext uri="{FF2B5EF4-FFF2-40B4-BE49-F238E27FC236}">
-                <a16:creationId xmlns:a16="http://schemas.microsoft.com/office/drawing/2014/main" id="{5F5C68E2-6312-4E00-A9AA-7D74AFE56B14}"/>
+                <a16:creationId xmlns:a16="http://schemas.microsoft.com/office/drawing/2014/main" id="{E13362F3-6C9C-472F-A303-0CAEBAB804ED}"/>
               </a:ext>
             </a:extLst>
           </p:cNvPr>
@@ -4674,18 +6621,203 @@
         </p:blipFill>
         <p:spPr>
           <a:xfrm>
-            <a:off x="1076346" y="0"/>
-            <a:ext cx="10039307" cy="6858000"/>
+            <a:off x="421539" y="374014"/>
+            <a:ext cx="4255276" cy="2451547"/>
           </a:xfrm>
           <a:prstGeom prst="rect">
             <a:avLst/>
           </a:prstGeom>
         </p:spPr>
       </p:pic>
+      <p:pic>
+        <p:nvPicPr>
+          <p:cNvPr id="5" name="그림 4">
+            <a:extLst>
+              <a:ext uri="{FF2B5EF4-FFF2-40B4-BE49-F238E27FC236}">
+                <a16:creationId xmlns:a16="http://schemas.microsoft.com/office/drawing/2014/main" id="{4A6798B2-91F8-4A20-93FB-E0B1A14E5CE8}"/>
+              </a:ext>
+            </a:extLst>
+          </p:cNvPr>
+          <p:cNvPicPr>
+            <a:picLocks noChangeAspect="1"/>
+          </p:cNvPicPr>
+          <p:nvPr/>
+        </p:nvPicPr>
+        <p:blipFill>
+          <a:blip r:embed="rId3"/>
+          <a:stretch>
+            <a:fillRect/>
+          </a:stretch>
+        </p:blipFill>
+        <p:spPr>
+          <a:xfrm>
+            <a:off x="7194209" y="336223"/>
+            <a:ext cx="3846177" cy="2451547"/>
+          </a:xfrm>
+          <a:prstGeom prst="rect">
+            <a:avLst/>
+          </a:prstGeom>
+        </p:spPr>
+      </p:pic>
+      <p:pic>
+        <p:nvPicPr>
+          <p:cNvPr id="7" name="그림 6">
+            <a:extLst>
+              <a:ext uri="{FF2B5EF4-FFF2-40B4-BE49-F238E27FC236}">
+                <a16:creationId xmlns:a16="http://schemas.microsoft.com/office/drawing/2014/main" id="{3AEE41A9-175A-48F9-9537-F62969364DDD}"/>
+              </a:ext>
+            </a:extLst>
+          </p:cNvPr>
+          <p:cNvPicPr>
+            <a:picLocks noChangeAspect="1"/>
+          </p:cNvPicPr>
+          <p:nvPr/>
+        </p:nvPicPr>
+        <p:blipFill>
+          <a:blip r:embed="rId4"/>
+          <a:stretch>
+            <a:fillRect/>
+          </a:stretch>
+        </p:blipFill>
+        <p:spPr>
+          <a:xfrm>
+            <a:off x="438501" y="3337289"/>
+            <a:ext cx="4238314" cy="2920899"/>
+          </a:xfrm>
+          <a:prstGeom prst="rect">
+            <a:avLst/>
+          </a:prstGeom>
+        </p:spPr>
+      </p:pic>
+      <p:sp>
+        <p:nvSpPr>
+          <p:cNvPr id="10" name="TextBox 9">
+            <a:extLst>
+              <a:ext uri="{FF2B5EF4-FFF2-40B4-BE49-F238E27FC236}">
+                <a16:creationId xmlns:a16="http://schemas.microsoft.com/office/drawing/2014/main" id="{BA44D485-C21D-4530-997D-2E3A7F3E2558}"/>
+              </a:ext>
+            </a:extLst>
+          </p:cNvPr>
+          <p:cNvSpPr txBox="1"/>
+          <p:nvPr/>
+        </p:nvSpPr>
+        <p:spPr>
+          <a:xfrm>
+            <a:off x="728766" y="2896759"/>
+            <a:ext cx="3640822" cy="369332"/>
+          </a:xfrm>
+          <a:prstGeom prst="rect">
+            <a:avLst/>
+          </a:prstGeom>
+          <a:noFill/>
+        </p:spPr>
+        <p:txBody>
+          <a:bodyPr wrap="square" rtlCol="0">
+            <a:spAutoFit/>
+          </a:bodyPr>
+          <a:lstStyle/>
+          <a:p>
+            <a:r>
+              <a:rPr lang="en-US" altLang="ko-KR" dirty="0"/>
+              <a:t>Data3. </a:t>
+            </a:r>
+            <a:r>
+              <a:rPr lang="ko-KR" altLang="en-US" dirty="0"/>
+              <a:t>지하철역 위도 경도 정보</a:t>
+            </a:r>
+          </a:p>
+        </p:txBody>
+      </p:sp>
+      <p:sp>
+        <p:nvSpPr>
+          <p:cNvPr id="11" name="TextBox 10">
+            <a:extLst>
+              <a:ext uri="{FF2B5EF4-FFF2-40B4-BE49-F238E27FC236}">
+                <a16:creationId xmlns:a16="http://schemas.microsoft.com/office/drawing/2014/main" id="{70402944-183A-4AE2-85C3-D007F0B17650}"/>
+              </a:ext>
+            </a:extLst>
+          </p:cNvPr>
+          <p:cNvSpPr txBox="1"/>
+          <p:nvPr/>
+        </p:nvSpPr>
+        <p:spPr>
+          <a:xfrm>
+            <a:off x="7104641" y="2896759"/>
+            <a:ext cx="4238314" cy="369332"/>
+          </a:xfrm>
+          <a:prstGeom prst="rect">
+            <a:avLst/>
+          </a:prstGeom>
+          <a:noFill/>
+        </p:spPr>
+        <p:txBody>
+          <a:bodyPr wrap="square" rtlCol="0">
+            <a:spAutoFit/>
+          </a:bodyPr>
+          <a:lstStyle/>
+          <a:p>
+            <a:r>
+              <a:rPr lang="en-US" altLang="ko-KR" dirty="0"/>
+              <a:t>Data4. </a:t>
+            </a:r>
+            <a:r>
+              <a:rPr lang="ko-KR" altLang="en-US" dirty="0"/>
+              <a:t>서울시 자치구별 고등학교 정보</a:t>
+            </a:r>
+          </a:p>
+        </p:txBody>
+      </p:sp>
+      <p:sp>
+        <p:nvSpPr>
+          <p:cNvPr id="12" name="TextBox 11">
+            <a:extLst>
+              <a:ext uri="{FF2B5EF4-FFF2-40B4-BE49-F238E27FC236}">
+                <a16:creationId xmlns:a16="http://schemas.microsoft.com/office/drawing/2014/main" id="{7F04B254-0BCC-4F0D-BE8F-7A009ED19EAC}"/>
+              </a:ext>
+            </a:extLst>
+          </p:cNvPr>
+          <p:cNvSpPr txBox="1"/>
+          <p:nvPr/>
+        </p:nvSpPr>
+        <p:spPr>
+          <a:xfrm>
+            <a:off x="438501" y="6346164"/>
+            <a:ext cx="4471333" cy="369332"/>
+          </a:xfrm>
+          <a:prstGeom prst="rect">
+            <a:avLst/>
+          </a:prstGeom>
+          <a:noFill/>
+        </p:spPr>
+        <p:txBody>
+          <a:bodyPr wrap="square" rtlCol="0">
+            <a:spAutoFit/>
+          </a:bodyPr>
+          <a:lstStyle/>
+          <a:p>
+            <a:r>
+              <a:rPr lang="en-US" altLang="ko-KR" dirty="0"/>
+              <a:t>Data5. </a:t>
+            </a:r>
+            <a:r>
+              <a:rPr lang="ko-KR" altLang="en-US" dirty="0"/>
+              <a:t>서울시 자치구별 </a:t>
+            </a:r>
+            <a:r>
+              <a:rPr lang="ko-KR" altLang="en-US" dirty="0" err="1"/>
+              <a:t>초중등학교</a:t>
+            </a:r>
+            <a:r>
+              <a:rPr lang="ko-KR" altLang="en-US" dirty="0"/>
+              <a:t> 정보</a:t>
+            </a:r>
+          </a:p>
+        </p:txBody>
+      </p:sp>
     </p:spTree>
     <p:extLst>
       <p:ext uri="{BB962C8B-B14F-4D97-AF65-F5344CB8AC3E}">
-        <p14:creationId xmlns:p14="http://schemas.microsoft.com/office/powerpoint/2010/main" val="1803266372"/>
+        <p14:creationId xmlns:p14="http://schemas.microsoft.com/office/powerpoint/2010/main" val="345180146"/>
       </p:ext>
     </p:extLst>
   </p:cSld>
@@ -4714,10 +6846,10 @@
       </p:grpSpPr>
       <p:pic>
         <p:nvPicPr>
-          <p:cNvPr id="3" name="그림 2">
-            <a:extLst>
-              <a:ext uri="{FF2B5EF4-FFF2-40B4-BE49-F238E27FC236}">
-                <a16:creationId xmlns:a16="http://schemas.microsoft.com/office/drawing/2014/main" id="{6414F8DF-6058-44A8-9396-554BDE25586A}"/>
+          <p:cNvPr id="2" name="그림 1">
+            <a:extLst>
+              <a:ext uri="{FF2B5EF4-FFF2-40B4-BE49-F238E27FC236}">
+                <a16:creationId xmlns:a16="http://schemas.microsoft.com/office/drawing/2014/main" id="{D3E6F32E-6DDF-48C4-B970-88E68AF9EBB9}"/>
               </a:ext>
             </a:extLst>
           </p:cNvPr>
@@ -4734,8 +6866,213 @@
         </p:blipFill>
         <p:spPr>
           <a:xfrm>
-            <a:off x="1876586" y="0"/>
-            <a:ext cx="8438827" cy="6858000"/>
+            <a:off x="489361" y="294887"/>
+            <a:ext cx="4657716" cy="2741928"/>
+          </a:xfrm>
+          <a:prstGeom prst="rect">
+            <a:avLst/>
+          </a:prstGeom>
+        </p:spPr>
+      </p:pic>
+      <p:pic>
+        <p:nvPicPr>
+          <p:cNvPr id="4" name="그림 3">
+            <a:extLst>
+              <a:ext uri="{FF2B5EF4-FFF2-40B4-BE49-F238E27FC236}">
+                <a16:creationId xmlns:a16="http://schemas.microsoft.com/office/drawing/2014/main" id="{CC1C5962-75EB-4BFC-AABE-22F0975702A3}"/>
+              </a:ext>
+            </a:extLst>
+          </p:cNvPr>
+          <p:cNvPicPr>
+            <a:picLocks noChangeAspect="1"/>
+          </p:cNvPicPr>
+          <p:nvPr/>
+        </p:nvPicPr>
+        <p:blipFill>
+          <a:blip r:embed="rId3"/>
+          <a:stretch>
+            <a:fillRect/>
+          </a:stretch>
+        </p:blipFill>
+        <p:spPr>
+          <a:xfrm>
+            <a:off x="7698822" y="294887"/>
+            <a:ext cx="2081601" cy="2741928"/>
+          </a:xfrm>
+          <a:prstGeom prst="rect">
+            <a:avLst/>
+          </a:prstGeom>
+        </p:spPr>
+      </p:pic>
+      <p:sp>
+        <p:nvSpPr>
+          <p:cNvPr id="5" name="TextBox 4">
+            <a:extLst>
+              <a:ext uri="{FF2B5EF4-FFF2-40B4-BE49-F238E27FC236}">
+                <a16:creationId xmlns:a16="http://schemas.microsoft.com/office/drawing/2014/main" id="{60743E75-799E-44CA-A0BE-8C8CC2B28933}"/>
+              </a:ext>
+            </a:extLst>
+          </p:cNvPr>
+          <p:cNvSpPr txBox="1"/>
+          <p:nvPr/>
+        </p:nvSpPr>
+        <p:spPr>
+          <a:xfrm>
+            <a:off x="671119" y="3194108"/>
+            <a:ext cx="4908599" cy="369332"/>
+          </a:xfrm>
+          <a:prstGeom prst="rect">
+            <a:avLst/>
+          </a:prstGeom>
+          <a:noFill/>
+        </p:spPr>
+        <p:txBody>
+          <a:bodyPr wrap="square" rtlCol="0">
+            <a:spAutoFit/>
+          </a:bodyPr>
+          <a:lstStyle/>
+          <a:p>
+            <a:r>
+              <a:rPr lang="en-US" altLang="ko-KR" dirty="0"/>
+              <a:t>Data6. </a:t>
+            </a:r>
+            <a:r>
+              <a:rPr lang="ko-KR" altLang="en-US" dirty="0"/>
+              <a:t>서울시 자치구별 대학교 정보</a:t>
+            </a:r>
+          </a:p>
+        </p:txBody>
+      </p:sp>
+      <p:sp>
+        <p:nvSpPr>
+          <p:cNvPr id="6" name="TextBox 5">
+            <a:extLst>
+              <a:ext uri="{FF2B5EF4-FFF2-40B4-BE49-F238E27FC236}">
+                <a16:creationId xmlns:a16="http://schemas.microsoft.com/office/drawing/2014/main" id="{73851AF5-E448-43D9-BABA-A33302602954}"/>
+              </a:ext>
+            </a:extLst>
+          </p:cNvPr>
+          <p:cNvSpPr txBox="1"/>
+          <p:nvPr/>
+        </p:nvSpPr>
+        <p:spPr>
+          <a:xfrm>
+            <a:off x="6669247" y="3194108"/>
+            <a:ext cx="4338148" cy="369332"/>
+          </a:xfrm>
+          <a:prstGeom prst="rect">
+            <a:avLst/>
+          </a:prstGeom>
+          <a:noFill/>
+        </p:spPr>
+        <p:txBody>
+          <a:bodyPr wrap="square" rtlCol="0">
+            <a:spAutoFit/>
+          </a:bodyPr>
+          <a:lstStyle/>
+          <a:p>
+            <a:r>
+              <a:rPr lang="en-US" altLang="ko-KR" dirty="0"/>
+              <a:t>Data7. </a:t>
+            </a:r>
+            <a:r>
+              <a:rPr lang="ko-KR" altLang="en-US" dirty="0"/>
+              <a:t>서울시 자치구별 </a:t>
+            </a:r>
+            <a:r>
+              <a:rPr lang="ko-KR" altLang="en-US" dirty="0" err="1"/>
+              <a:t>사업체수</a:t>
+            </a:r>
+            <a:r>
+              <a:rPr lang="ko-KR" altLang="en-US" dirty="0"/>
+              <a:t> 정보</a:t>
+            </a:r>
+          </a:p>
+        </p:txBody>
+      </p:sp>
+      <p:sp>
+        <p:nvSpPr>
+          <p:cNvPr id="7" name="제목 1">
+            <a:extLst>
+              <a:ext uri="{FF2B5EF4-FFF2-40B4-BE49-F238E27FC236}">
+                <a16:creationId xmlns:a16="http://schemas.microsoft.com/office/drawing/2014/main" id="{ADA1B621-5952-40F7-A92A-36F9B274FE3A}"/>
+              </a:ext>
+            </a:extLst>
+          </p:cNvPr>
+          <p:cNvSpPr txBox="1">
+            <a:spLocks/>
+          </p:cNvSpPr>
+          <p:nvPr/>
+        </p:nvSpPr>
+        <p:spPr>
+          <a:xfrm>
+            <a:off x="321918" y="3720733"/>
+            <a:ext cx="10515600" cy="723500"/>
+          </a:xfrm>
+          <a:prstGeom prst="rect">
+            <a:avLst/>
+          </a:prstGeom>
+        </p:spPr>
+        <p:txBody>
+          <a:bodyPr vert="horz" lIns="91440" tIns="45720" rIns="91440" bIns="45720" rtlCol="0" anchor="b">
+            <a:normAutofit/>
+          </a:bodyPr>
+          <a:lstStyle>
+            <a:lvl1pPr algn="l" defTabSz="914400" rtl="0" eaLnBrk="1" latinLnBrk="1" hangingPunct="1">
+              <a:lnSpc>
+                <a:spcPct val="90000"/>
+              </a:lnSpc>
+              <a:spcBef>
+                <a:spcPct val="0"/>
+              </a:spcBef>
+              <a:buNone/>
+              <a:defRPr sz="6000" kern="1200">
+                <a:solidFill>
+                  <a:schemeClr val="tx1"/>
+                </a:solidFill>
+                <a:latin typeface="+mj-lt"/>
+                <a:ea typeface="+mj-ea"/>
+                <a:cs typeface="+mj-cs"/>
+              </a:defRPr>
+            </a:lvl1pPr>
+          </a:lstStyle>
+          <a:p>
+            <a:r>
+              <a:rPr lang="ko-KR" altLang="en-US" sz="4000" dirty="0"/>
+              <a:t>데이터 </a:t>
+            </a:r>
+            <a:r>
+              <a:rPr lang="ko-KR" altLang="en-US" sz="4000" dirty="0" err="1"/>
+              <a:t>전처리</a:t>
+            </a:r>
+            <a:endParaRPr lang="ko-KR" altLang="en-US" sz="4000" dirty="0"/>
+          </a:p>
+        </p:txBody>
+      </p:sp>
+      <p:pic>
+        <p:nvPicPr>
+          <p:cNvPr id="10" name="그림 9">
+            <a:extLst>
+              <a:ext uri="{FF2B5EF4-FFF2-40B4-BE49-F238E27FC236}">
+                <a16:creationId xmlns:a16="http://schemas.microsoft.com/office/drawing/2014/main" id="{36C2EEB0-F24A-4693-BD3C-865295EDEFA8}"/>
+              </a:ext>
+            </a:extLst>
+          </p:cNvPr>
+          <p:cNvPicPr>
+            <a:picLocks noChangeAspect="1"/>
+          </p:cNvPicPr>
+          <p:nvPr/>
+        </p:nvPicPr>
+        <p:blipFill>
+          <a:blip r:embed="rId4"/>
+          <a:stretch>
+            <a:fillRect/>
+          </a:stretch>
+        </p:blipFill>
+        <p:spPr>
+          <a:xfrm>
+            <a:off x="5147077" y="4444233"/>
+            <a:ext cx="5506218" cy="2276793"/>
           </a:xfrm>
           <a:prstGeom prst="rect">
             <a:avLst/>
@@ -4745,7 +7082,7 @@
     </p:spTree>
     <p:extLst>
       <p:ext uri="{BB962C8B-B14F-4D97-AF65-F5344CB8AC3E}">
-        <p14:creationId xmlns:p14="http://schemas.microsoft.com/office/powerpoint/2010/main" val="4286215009"/>
+        <p14:creationId xmlns:p14="http://schemas.microsoft.com/office/powerpoint/2010/main" val="3665378503"/>
       </p:ext>
     </p:extLst>
   </p:cSld>
@@ -4774,10 +7111,10 @@
       </p:grpSpPr>
       <p:pic>
         <p:nvPicPr>
-          <p:cNvPr id="3" name="그림 2">
-            <a:extLst>
-              <a:ext uri="{FF2B5EF4-FFF2-40B4-BE49-F238E27FC236}">
-                <a16:creationId xmlns:a16="http://schemas.microsoft.com/office/drawing/2014/main" id="{0249A3F0-F856-4730-9269-99EC31B8A65B}"/>
+          <p:cNvPr id="5" name="그림 4">
+            <a:extLst>
+              <a:ext uri="{FF2B5EF4-FFF2-40B4-BE49-F238E27FC236}">
+                <a16:creationId xmlns:a16="http://schemas.microsoft.com/office/drawing/2014/main" id="{E27856C0-AE43-4A05-A7FE-EE51732C8778}"/>
               </a:ext>
             </a:extLst>
           </p:cNvPr>
@@ -4794,8 +7131,8 @@
         </p:blipFill>
         <p:spPr>
           <a:xfrm>
-            <a:off x="453118" y="890587"/>
-            <a:ext cx="4819650" cy="3248025"/>
+            <a:off x="4170916" y="448442"/>
+            <a:ext cx="7997512" cy="6409558"/>
           </a:xfrm>
           <a:prstGeom prst="rect">
             <a:avLst/>
@@ -4804,149 +7141,116 @@
       </p:pic>
       <p:sp>
         <p:nvSpPr>
-          <p:cNvPr id="4" name="TextBox 3">
-            <a:extLst>
-              <a:ext uri="{FF2B5EF4-FFF2-40B4-BE49-F238E27FC236}">
-                <a16:creationId xmlns:a16="http://schemas.microsoft.com/office/drawing/2014/main" id="{10D75921-CD8E-4C85-90CC-4B046F37C46F}"/>
-              </a:ext>
-            </a:extLst>
-          </p:cNvPr>
-          <p:cNvSpPr txBox="1"/>
+          <p:cNvPr id="3" name="제목 1">
+            <a:extLst>
+              <a:ext uri="{FF2B5EF4-FFF2-40B4-BE49-F238E27FC236}">
+                <a16:creationId xmlns:a16="http://schemas.microsoft.com/office/drawing/2014/main" id="{45F6BD27-7166-4E10-B60B-50CDE770106A}"/>
+              </a:ext>
+            </a:extLst>
+          </p:cNvPr>
+          <p:cNvSpPr txBox="1">
+            <a:spLocks/>
+          </p:cNvSpPr>
           <p:nvPr/>
         </p:nvSpPr>
         <p:spPr>
           <a:xfrm>
-            <a:off x="252382" y="277586"/>
-            <a:ext cx="6867586" cy="369332"/>
+            <a:off x="1867663" y="-483625"/>
+            <a:ext cx="11603342" cy="1000018"/>
           </a:xfrm>
           <a:prstGeom prst="rect">
             <a:avLst/>
           </a:prstGeom>
-          <a:noFill/>
-        </p:spPr>
-        <p:txBody>
-          <a:bodyPr wrap="none" rtlCol="0">
-            <a:spAutoFit/>
+        </p:spPr>
+        <p:txBody>
+          <a:bodyPr vert="horz" lIns="91440" tIns="45720" rIns="91440" bIns="45720" rtlCol="0" anchor="b">
+            <a:normAutofit/>
           </a:bodyPr>
-          <a:lstStyle/>
-          <a:p>
-            <a:r>
-              <a:rPr lang="ko-KR" altLang="en-US" dirty="0"/>
-              <a:t>다중회귀모델</a:t>
-            </a:r>
-            <a:r>
-              <a:rPr lang="en-US" altLang="ko-KR" dirty="0"/>
-              <a:t>(1) – </a:t>
-            </a:r>
-            <a:r>
-              <a:rPr lang="ko-KR" altLang="en-US" dirty="0"/>
-              <a:t>지하철</a:t>
-            </a:r>
-            <a:r>
-              <a:rPr lang="en-US" altLang="ko-KR" dirty="0"/>
-              <a:t>, </a:t>
-            </a:r>
-            <a:r>
-              <a:rPr lang="ko-KR" altLang="en-US" dirty="0"/>
-              <a:t>초중고</a:t>
-            </a:r>
-            <a:r>
-              <a:rPr lang="en-US" altLang="ko-KR" dirty="0"/>
-              <a:t>, </a:t>
-            </a:r>
-            <a:r>
-              <a:rPr lang="ko-KR" altLang="en-US" dirty="0"/>
-              <a:t>학교 수에 따른 이용건수 예측</a:t>
-            </a:r>
-          </a:p>
-        </p:txBody>
-      </p:sp>
-      <p:pic>
-        <p:nvPicPr>
-          <p:cNvPr id="6" name="그림 5">
-            <a:extLst>
-              <a:ext uri="{FF2B5EF4-FFF2-40B4-BE49-F238E27FC236}">
-                <a16:creationId xmlns:a16="http://schemas.microsoft.com/office/drawing/2014/main" id="{820C3986-7AB6-4803-A775-366AF742D2FE}"/>
-              </a:ext>
-            </a:extLst>
-          </p:cNvPr>
-          <p:cNvPicPr>
-            <a:picLocks noChangeAspect="1"/>
-          </p:cNvPicPr>
+          <a:lstStyle>
+            <a:lvl1pPr algn="ctr" defTabSz="914400" rtl="0" eaLnBrk="1" latinLnBrk="1" hangingPunct="1">
+              <a:lnSpc>
+                <a:spcPct val="90000"/>
+              </a:lnSpc>
+              <a:spcBef>
+                <a:spcPct val="0"/>
+              </a:spcBef>
+              <a:buNone/>
+              <a:defRPr sz="6000" kern="1200">
+                <a:solidFill>
+                  <a:schemeClr val="tx1"/>
+                </a:solidFill>
+                <a:latin typeface="+mj-lt"/>
+                <a:ea typeface="+mj-ea"/>
+                <a:cs typeface="+mj-cs"/>
+              </a:defRPr>
+            </a:lvl1pPr>
+          </a:lstStyle>
+          <a:p>
+            <a:r>
+              <a:rPr lang="ko-KR" altLang="en-US" sz="1800" dirty="0"/>
+              <a:t>서울시 대여소 분포와 이용건수 시각화</a:t>
+            </a:r>
+          </a:p>
+        </p:txBody>
+      </p:sp>
+      <p:sp>
+        <p:nvSpPr>
+          <p:cNvPr id="6" name="제목 1">
+            <a:extLst>
+              <a:ext uri="{FF2B5EF4-FFF2-40B4-BE49-F238E27FC236}">
+                <a16:creationId xmlns:a16="http://schemas.microsoft.com/office/drawing/2014/main" id="{89C202B1-A6CF-4FCD-B967-760D402C7B36}"/>
+              </a:ext>
+            </a:extLst>
+          </p:cNvPr>
+          <p:cNvSpPr txBox="1">
+            <a:spLocks/>
+          </p:cNvSpPr>
           <p:nvPr/>
-        </p:nvPicPr>
-        <p:blipFill>
-          <a:blip r:embed="rId3"/>
-          <a:stretch>
-            <a:fillRect/>
-          </a:stretch>
-        </p:blipFill>
-        <p:spPr>
-          <a:xfrm>
-            <a:off x="453118" y="4561896"/>
-            <a:ext cx="7896225" cy="2133600"/>
+        </p:nvSpPr>
+        <p:spPr>
+          <a:xfrm>
+            <a:off x="321918" y="3720733"/>
+            <a:ext cx="10515600" cy="723500"/>
           </a:xfrm>
           <a:prstGeom prst="rect">
             <a:avLst/>
           </a:prstGeom>
         </p:spPr>
-      </p:pic>
-      <p:sp>
-        <p:nvSpPr>
-          <p:cNvPr id="7" name="TextBox 6">
-            <a:extLst>
-              <a:ext uri="{FF2B5EF4-FFF2-40B4-BE49-F238E27FC236}">
-                <a16:creationId xmlns:a16="http://schemas.microsoft.com/office/drawing/2014/main" id="{F21128A4-8959-4B58-965C-62BD9C603B8D}"/>
-              </a:ext>
-            </a:extLst>
-          </p:cNvPr>
-          <p:cNvSpPr txBox="1"/>
-          <p:nvPr/>
-        </p:nvSpPr>
-        <p:spPr>
-          <a:xfrm>
-            <a:off x="453118" y="4138612"/>
-            <a:ext cx="2189767" cy="369332"/>
-          </a:xfrm>
-          <a:prstGeom prst="rect">
-            <a:avLst/>
-          </a:prstGeom>
-          <a:noFill/>
-        </p:spPr>
-        <p:txBody>
-          <a:bodyPr wrap="none" rtlCol="0">
-            <a:spAutoFit/>
+        <p:txBody>
+          <a:bodyPr vert="horz" lIns="91440" tIns="45720" rIns="91440" bIns="45720" rtlCol="0" anchor="b">
+            <a:normAutofit/>
           </a:bodyPr>
-          <a:lstStyle/>
-          <a:p>
-            <a:r>
-              <a:rPr lang="en-US" altLang="ko-KR" dirty="0"/>
-              <a:t>Validation</a:t>
-            </a:r>
-            <a:r>
-              <a:rPr lang="ko-KR" altLang="en-US" dirty="0"/>
-              <a:t> </a:t>
-            </a:r>
-            <a:r>
-              <a:rPr lang="en-US" altLang="ko-KR" dirty="0"/>
-              <a:t>Data</a:t>
-            </a:r>
-            <a:r>
-              <a:rPr lang="ko-KR" altLang="en-US" dirty="0"/>
-              <a:t> </a:t>
-            </a:r>
-            <a:r>
-              <a:rPr lang="en-US" altLang="ko-KR" dirty="0"/>
-              <a:t>Set</a:t>
-            </a:r>
-            <a:endParaRPr lang="ko-KR" altLang="en-US" dirty="0"/>
+          <a:lstStyle>
+            <a:lvl1pPr algn="l" defTabSz="914400" rtl="0" eaLnBrk="1" latinLnBrk="1" hangingPunct="1">
+              <a:lnSpc>
+                <a:spcPct val="90000"/>
+              </a:lnSpc>
+              <a:spcBef>
+                <a:spcPct val="0"/>
+              </a:spcBef>
+              <a:buNone/>
+              <a:defRPr sz="6000" kern="1200">
+                <a:solidFill>
+                  <a:schemeClr val="tx1"/>
+                </a:solidFill>
+                <a:latin typeface="+mj-lt"/>
+                <a:ea typeface="+mj-ea"/>
+                <a:cs typeface="+mj-cs"/>
+              </a:defRPr>
+            </a:lvl1pPr>
+          </a:lstStyle>
+          <a:p>
+            <a:r>
+              <a:rPr lang="ko-KR" altLang="en-US" sz="4000" dirty="0"/>
+              <a:t>데이터 탐색</a:t>
+            </a:r>
           </a:p>
         </p:txBody>
       </p:sp>
     </p:spTree>
     <p:extLst>
       <p:ext uri="{BB962C8B-B14F-4D97-AF65-F5344CB8AC3E}">
-        <p14:creationId xmlns:p14="http://schemas.microsoft.com/office/powerpoint/2010/main" val="1026053927"/>
+        <p14:creationId xmlns:p14="http://schemas.microsoft.com/office/powerpoint/2010/main" val="1736172062"/>
       </p:ext>
     </p:extLst>
   </p:cSld>
@@ -4978,7 +7282,7 @@
           <p:cNvPr id="3" name="그림 2">
             <a:extLst>
               <a:ext uri="{FF2B5EF4-FFF2-40B4-BE49-F238E27FC236}">
-                <a16:creationId xmlns:a16="http://schemas.microsoft.com/office/drawing/2014/main" id="{D2026394-8571-4BF7-9333-319BF0B6386F}"/>
+                <a16:creationId xmlns:a16="http://schemas.microsoft.com/office/drawing/2014/main" id="{A73E3A7E-A233-4F57-83A3-333040D5D7FE}"/>
               </a:ext>
             </a:extLst>
           </p:cNvPr>
@@ -4995,8 +7299,8 @@
         </p:blipFill>
         <p:spPr>
           <a:xfrm>
-            <a:off x="283708" y="808265"/>
-            <a:ext cx="7934325" cy="1943100"/>
+            <a:off x="1061890" y="444617"/>
+            <a:ext cx="9479561" cy="6418604"/>
           </a:xfrm>
           <a:prstGeom prst="rect">
             <a:avLst/>
@@ -5005,155 +7309,282 @@
       </p:pic>
       <p:sp>
         <p:nvSpPr>
-          <p:cNvPr id="4" name="TextBox 3">
-            <a:extLst>
-              <a:ext uri="{FF2B5EF4-FFF2-40B4-BE49-F238E27FC236}">
-                <a16:creationId xmlns:a16="http://schemas.microsoft.com/office/drawing/2014/main" id="{D042CEA9-21C3-462F-82B2-FAEA23D288FF}"/>
-              </a:ext>
-            </a:extLst>
-          </p:cNvPr>
-          <p:cNvSpPr txBox="1"/>
+          <p:cNvPr id="4" name="제목 1">
+            <a:extLst>
+              <a:ext uri="{FF2B5EF4-FFF2-40B4-BE49-F238E27FC236}">
+                <a16:creationId xmlns:a16="http://schemas.microsoft.com/office/drawing/2014/main" id="{29137DAE-9219-4683-B32B-9735ED9ADE16}"/>
+              </a:ext>
+            </a:extLst>
+          </p:cNvPr>
+          <p:cNvSpPr txBox="1">
+            <a:spLocks/>
+          </p:cNvSpPr>
           <p:nvPr/>
         </p:nvSpPr>
         <p:spPr>
           <a:xfrm>
-            <a:off x="283708" y="438933"/>
-            <a:ext cx="1655390" cy="369332"/>
+            <a:off x="0" y="-483625"/>
+            <a:ext cx="11603342" cy="928242"/>
           </a:xfrm>
           <a:prstGeom prst="rect">
             <a:avLst/>
           </a:prstGeom>
-          <a:noFill/>
-        </p:spPr>
-        <p:txBody>
-          <a:bodyPr wrap="none" rtlCol="0">
-            <a:spAutoFit/>
+        </p:spPr>
+        <p:txBody>
+          <a:bodyPr vert="horz" lIns="91440" tIns="45720" rIns="91440" bIns="45720" rtlCol="0" anchor="b">
+            <a:normAutofit/>
           </a:bodyPr>
-          <a:lstStyle/>
-          <a:p>
-            <a:r>
-              <a:rPr lang="en-US" altLang="ko-KR" dirty="0"/>
-              <a:t>Train</a:t>
-            </a:r>
-            <a:r>
-              <a:rPr lang="ko-KR" altLang="en-US" dirty="0"/>
-              <a:t> </a:t>
-            </a:r>
-            <a:r>
-              <a:rPr lang="en-US" altLang="ko-KR" dirty="0"/>
-              <a:t>Data</a:t>
-            </a:r>
-            <a:r>
-              <a:rPr lang="ko-KR" altLang="en-US" dirty="0"/>
-              <a:t> </a:t>
-            </a:r>
-            <a:r>
-              <a:rPr lang="en-US" altLang="ko-KR" dirty="0"/>
-              <a:t>Set</a:t>
-            </a:r>
-            <a:endParaRPr lang="ko-KR" altLang="en-US" dirty="0"/>
-          </a:p>
-        </p:txBody>
-      </p:sp>
-      <p:pic>
-        <p:nvPicPr>
-          <p:cNvPr id="6" name="그림 5">
-            <a:extLst>
-              <a:ext uri="{FF2B5EF4-FFF2-40B4-BE49-F238E27FC236}">
-                <a16:creationId xmlns:a16="http://schemas.microsoft.com/office/drawing/2014/main" id="{334BF8AC-3E92-444F-9CD1-F451D8F8993D}"/>
-              </a:ext>
-            </a:extLst>
-          </p:cNvPr>
-          <p:cNvPicPr>
-            <a:picLocks noChangeAspect="1"/>
-          </p:cNvPicPr>
+          <a:lstStyle>
+            <a:lvl1pPr algn="ctr" defTabSz="914400" rtl="0" eaLnBrk="1" latinLnBrk="1" hangingPunct="1">
+              <a:lnSpc>
+                <a:spcPct val="90000"/>
+              </a:lnSpc>
+              <a:spcBef>
+                <a:spcPct val="0"/>
+              </a:spcBef>
+              <a:buNone/>
+              <a:defRPr sz="6000" kern="1200">
+                <a:solidFill>
+                  <a:schemeClr val="tx1"/>
+                </a:solidFill>
+                <a:latin typeface="+mj-lt"/>
+                <a:ea typeface="+mj-ea"/>
+                <a:cs typeface="+mj-cs"/>
+              </a:defRPr>
+            </a:lvl1pPr>
+          </a:lstStyle>
+          <a:p>
+            <a:r>
+              <a:rPr lang="ko-KR" altLang="en-US" sz="1800" dirty="0"/>
+              <a:t>서울시 자치구별 이용건수 순위</a:t>
+            </a:r>
+          </a:p>
+        </p:txBody>
+      </p:sp>
+      <p:sp>
+        <p:nvSpPr>
+          <p:cNvPr id="6" name="텍스트 개체 틀 2">
+            <a:extLst>
+              <a:ext uri="{FF2B5EF4-FFF2-40B4-BE49-F238E27FC236}">
+                <a16:creationId xmlns:a16="http://schemas.microsoft.com/office/drawing/2014/main" id="{48F63DF5-B0B9-45B2-A935-CB21B5F4A1CD}"/>
+              </a:ext>
+            </a:extLst>
+          </p:cNvPr>
+          <p:cNvSpPr txBox="1">
+            <a:spLocks/>
+          </p:cNvSpPr>
           <p:nvPr/>
-        </p:nvPicPr>
-        <p:blipFill>
-          <a:blip r:embed="rId3"/>
-          <a:stretch>
-            <a:fillRect/>
-          </a:stretch>
-        </p:blipFill>
-        <p:spPr>
-          <a:xfrm>
-            <a:off x="464003" y="3820886"/>
-            <a:ext cx="5810250" cy="285750"/>
+        </p:nvSpPr>
+        <p:spPr>
+          <a:xfrm>
+            <a:off x="5627668" y="2903825"/>
+            <a:ext cx="6449313" cy="1012567"/>
           </a:xfrm>
           <a:prstGeom prst="rect">
             <a:avLst/>
           </a:prstGeom>
         </p:spPr>
-      </p:pic>
-      <p:pic>
-        <p:nvPicPr>
-          <p:cNvPr id="8" name="그림 7">
-            <a:extLst>
-              <a:ext uri="{FF2B5EF4-FFF2-40B4-BE49-F238E27FC236}">
-                <a16:creationId xmlns:a16="http://schemas.microsoft.com/office/drawing/2014/main" id="{5606040D-A99E-46BA-A894-27D0BEA2DB3D}"/>
-              </a:ext>
-            </a:extLst>
-          </p:cNvPr>
-          <p:cNvPicPr>
-            <a:picLocks noChangeAspect="1"/>
-          </p:cNvPicPr>
-          <p:nvPr/>
-        </p:nvPicPr>
-        <p:blipFill>
-          <a:blip r:embed="rId4"/>
-          <a:stretch>
-            <a:fillRect/>
-          </a:stretch>
-        </p:blipFill>
-        <p:spPr>
-          <a:xfrm>
-            <a:off x="464003" y="4211411"/>
-            <a:ext cx="4257675" cy="981075"/>
-          </a:xfrm>
-          <a:prstGeom prst="rect">
-            <a:avLst/>
-          </a:prstGeom>
-        </p:spPr>
-      </p:pic>
-      <p:sp>
-        <p:nvSpPr>
-          <p:cNvPr id="9" name="TextBox 8">
-            <a:extLst>
-              <a:ext uri="{FF2B5EF4-FFF2-40B4-BE49-F238E27FC236}">
-                <a16:creationId xmlns:a16="http://schemas.microsoft.com/office/drawing/2014/main" id="{596F50DA-952A-452D-BA73-D1DDDC9DB276}"/>
-              </a:ext>
-            </a:extLst>
-          </p:cNvPr>
-          <p:cNvSpPr txBox="1"/>
-          <p:nvPr/>
-        </p:nvSpPr>
-        <p:spPr>
-          <a:xfrm>
-            <a:off x="283708" y="3296722"/>
-            <a:ext cx="3199915" cy="369332"/>
-          </a:xfrm>
-          <a:prstGeom prst="rect">
-            <a:avLst/>
-          </a:prstGeom>
-          <a:noFill/>
-        </p:spPr>
-        <p:txBody>
-          <a:bodyPr wrap="none" rtlCol="0">
-            <a:spAutoFit/>
+        <p:txBody>
+          <a:bodyPr vert="horz" lIns="91440" tIns="45720" rIns="91440" bIns="45720" rtlCol="0">
+            <a:normAutofit/>
           </a:bodyPr>
-          <a:lstStyle/>
-          <a:p>
-            <a:r>
-              <a:rPr lang="ko-KR" altLang="en-US" dirty="0"/>
-              <a:t>새로운 데이터를 이용한 예측</a:t>
-            </a:r>
+          <a:lstStyle>
+            <a:lvl1pPr marL="0" indent="0" algn="ctr" defTabSz="914400" rtl="0" eaLnBrk="1" latinLnBrk="1" hangingPunct="1">
+              <a:lnSpc>
+                <a:spcPct val="90000"/>
+              </a:lnSpc>
+              <a:spcBef>
+                <a:spcPts val="1000"/>
+              </a:spcBef>
+              <a:buFont typeface="Arial" panose="020B0604020202020204" pitchFamily="34" charset="0"/>
+              <a:buNone/>
+              <a:defRPr sz="2400" kern="1200">
+                <a:solidFill>
+                  <a:schemeClr val="tx1"/>
+                </a:solidFill>
+                <a:latin typeface="+mn-lt"/>
+                <a:ea typeface="+mn-ea"/>
+                <a:cs typeface="+mn-cs"/>
+              </a:defRPr>
+            </a:lvl1pPr>
+            <a:lvl2pPr marL="457200" indent="0" algn="ctr" defTabSz="914400" rtl="0" eaLnBrk="1" latinLnBrk="1" hangingPunct="1">
+              <a:lnSpc>
+                <a:spcPct val="90000"/>
+              </a:lnSpc>
+              <a:spcBef>
+                <a:spcPts val="500"/>
+              </a:spcBef>
+              <a:buFont typeface="Arial" panose="020B0604020202020204" pitchFamily="34" charset="0"/>
+              <a:buNone/>
+              <a:defRPr sz="2000" kern="1200">
+                <a:solidFill>
+                  <a:schemeClr val="tx1"/>
+                </a:solidFill>
+                <a:latin typeface="+mn-lt"/>
+                <a:ea typeface="+mn-ea"/>
+                <a:cs typeface="+mn-cs"/>
+              </a:defRPr>
+            </a:lvl2pPr>
+            <a:lvl3pPr marL="914400" indent="0" algn="ctr" defTabSz="914400" rtl="0" eaLnBrk="1" latinLnBrk="1" hangingPunct="1">
+              <a:lnSpc>
+                <a:spcPct val="90000"/>
+              </a:lnSpc>
+              <a:spcBef>
+                <a:spcPts val="500"/>
+              </a:spcBef>
+              <a:buFont typeface="Arial" panose="020B0604020202020204" pitchFamily="34" charset="0"/>
+              <a:buNone/>
+              <a:defRPr sz="1800" kern="1200">
+                <a:solidFill>
+                  <a:schemeClr val="tx1"/>
+                </a:solidFill>
+                <a:latin typeface="+mn-lt"/>
+                <a:ea typeface="+mn-ea"/>
+                <a:cs typeface="+mn-cs"/>
+              </a:defRPr>
+            </a:lvl3pPr>
+            <a:lvl4pPr marL="1371600" indent="0" algn="ctr" defTabSz="914400" rtl="0" eaLnBrk="1" latinLnBrk="1" hangingPunct="1">
+              <a:lnSpc>
+                <a:spcPct val="90000"/>
+              </a:lnSpc>
+              <a:spcBef>
+                <a:spcPts val="500"/>
+              </a:spcBef>
+              <a:buFont typeface="Arial" panose="020B0604020202020204" pitchFamily="34" charset="0"/>
+              <a:buNone/>
+              <a:defRPr sz="1600" kern="1200">
+                <a:solidFill>
+                  <a:schemeClr val="tx1"/>
+                </a:solidFill>
+                <a:latin typeface="+mn-lt"/>
+                <a:ea typeface="+mn-ea"/>
+                <a:cs typeface="+mn-cs"/>
+              </a:defRPr>
+            </a:lvl4pPr>
+            <a:lvl5pPr marL="1828800" indent="0" algn="ctr" defTabSz="914400" rtl="0" eaLnBrk="1" latinLnBrk="1" hangingPunct="1">
+              <a:lnSpc>
+                <a:spcPct val="90000"/>
+              </a:lnSpc>
+              <a:spcBef>
+                <a:spcPts val="500"/>
+              </a:spcBef>
+              <a:buFont typeface="Arial" panose="020B0604020202020204" pitchFamily="34" charset="0"/>
+              <a:buNone/>
+              <a:defRPr sz="1600" kern="1200">
+                <a:solidFill>
+                  <a:schemeClr val="tx1"/>
+                </a:solidFill>
+                <a:latin typeface="+mn-lt"/>
+                <a:ea typeface="+mn-ea"/>
+                <a:cs typeface="+mn-cs"/>
+              </a:defRPr>
+            </a:lvl5pPr>
+            <a:lvl6pPr marL="2286000" indent="0" algn="ctr" defTabSz="914400" rtl="0" eaLnBrk="1" latinLnBrk="1" hangingPunct="1">
+              <a:lnSpc>
+                <a:spcPct val="90000"/>
+              </a:lnSpc>
+              <a:spcBef>
+                <a:spcPts val="500"/>
+              </a:spcBef>
+              <a:buFont typeface="Arial" panose="020B0604020202020204" pitchFamily="34" charset="0"/>
+              <a:buNone/>
+              <a:defRPr sz="1600" kern="1200">
+                <a:solidFill>
+                  <a:schemeClr val="tx1"/>
+                </a:solidFill>
+                <a:latin typeface="+mn-lt"/>
+                <a:ea typeface="+mn-ea"/>
+                <a:cs typeface="+mn-cs"/>
+              </a:defRPr>
+            </a:lvl6pPr>
+            <a:lvl7pPr marL="2743200" indent="0" algn="ctr" defTabSz="914400" rtl="0" eaLnBrk="1" latinLnBrk="1" hangingPunct="1">
+              <a:lnSpc>
+                <a:spcPct val="90000"/>
+              </a:lnSpc>
+              <a:spcBef>
+                <a:spcPts val="500"/>
+              </a:spcBef>
+              <a:buFont typeface="Arial" panose="020B0604020202020204" pitchFamily="34" charset="0"/>
+              <a:buNone/>
+              <a:defRPr sz="1600" kern="1200">
+                <a:solidFill>
+                  <a:schemeClr val="tx1"/>
+                </a:solidFill>
+                <a:latin typeface="+mn-lt"/>
+                <a:ea typeface="+mn-ea"/>
+                <a:cs typeface="+mn-cs"/>
+              </a:defRPr>
+            </a:lvl7pPr>
+            <a:lvl8pPr marL="3200400" indent="0" algn="ctr" defTabSz="914400" rtl="0" eaLnBrk="1" latinLnBrk="1" hangingPunct="1">
+              <a:lnSpc>
+                <a:spcPct val="90000"/>
+              </a:lnSpc>
+              <a:spcBef>
+                <a:spcPts val="500"/>
+              </a:spcBef>
+              <a:buFont typeface="Arial" panose="020B0604020202020204" pitchFamily="34" charset="0"/>
+              <a:buNone/>
+              <a:defRPr sz="1600" kern="1200">
+                <a:solidFill>
+                  <a:schemeClr val="tx1"/>
+                </a:solidFill>
+                <a:latin typeface="+mn-lt"/>
+                <a:ea typeface="+mn-ea"/>
+                <a:cs typeface="+mn-cs"/>
+              </a:defRPr>
+            </a:lvl8pPr>
+            <a:lvl9pPr marL="3657600" indent="0" algn="ctr" defTabSz="914400" rtl="0" eaLnBrk="1" latinLnBrk="1" hangingPunct="1">
+              <a:lnSpc>
+                <a:spcPct val="90000"/>
+              </a:lnSpc>
+              <a:spcBef>
+                <a:spcPts val="500"/>
+              </a:spcBef>
+              <a:buFont typeface="Arial" panose="020B0604020202020204" pitchFamily="34" charset="0"/>
+              <a:buNone/>
+              <a:defRPr sz="1600" kern="1200">
+                <a:solidFill>
+                  <a:schemeClr val="tx1"/>
+                </a:solidFill>
+                <a:latin typeface="+mn-lt"/>
+                <a:ea typeface="+mn-ea"/>
+                <a:cs typeface="+mn-cs"/>
+              </a:defRPr>
+            </a:lvl9pPr>
+          </a:lstStyle>
+          <a:p>
+            <a:r>
+              <a:rPr lang="ko-KR" altLang="en-US" sz="1800" dirty="0"/>
+              <a:t>공공자전거 이용 건수가 가장 많은 자치구는 </a:t>
+            </a:r>
+            <a:r>
+              <a:rPr lang="en-US" altLang="ko-KR" sz="1800" dirty="0"/>
+              <a:t>“</a:t>
+            </a:r>
+            <a:r>
+              <a:rPr lang="ko-KR" altLang="en-US" sz="1800" dirty="0"/>
+              <a:t>강서구</a:t>
+            </a:r>
+            <a:r>
+              <a:rPr lang="en-US" altLang="ko-KR" sz="1800" dirty="0"/>
+              <a:t>＂</a:t>
+            </a:r>
+            <a:r>
+              <a:rPr lang="ko-KR" altLang="en-US" sz="1800" dirty="0"/>
+              <a:t>이다</a:t>
+            </a:r>
+            <a:r>
+              <a:rPr lang="en-US" altLang="ko-KR" sz="1800" dirty="0"/>
+              <a:t>.</a:t>
+            </a:r>
+            <a:endParaRPr lang="ko-KR" altLang="en-US" sz="1800" dirty="0"/>
           </a:p>
         </p:txBody>
       </p:sp>
     </p:spTree>
     <p:extLst>
       <p:ext uri="{BB962C8B-B14F-4D97-AF65-F5344CB8AC3E}">
-        <p14:creationId xmlns:p14="http://schemas.microsoft.com/office/powerpoint/2010/main" val="2285756010"/>
+        <p14:creationId xmlns:p14="http://schemas.microsoft.com/office/powerpoint/2010/main" val="150136942"/>
       </p:ext>
     </p:extLst>
   </p:cSld>
@@ -5185,7 +7616,7 @@
           <p:cNvPr id="3" name="그림 2">
             <a:extLst>
               <a:ext uri="{FF2B5EF4-FFF2-40B4-BE49-F238E27FC236}">
-                <a16:creationId xmlns:a16="http://schemas.microsoft.com/office/drawing/2014/main" id="{0249A3F0-F856-4730-9269-99EC31B8A65B}"/>
+                <a16:creationId xmlns:a16="http://schemas.microsoft.com/office/drawing/2014/main" id="{58F0358D-201D-4047-823D-56410C3B0E1F}"/>
               </a:ext>
             </a:extLst>
           </p:cNvPr>
@@ -5202,8 +7633,8 @@
         </p:blipFill>
         <p:spPr>
           <a:xfrm>
-            <a:off x="453118" y="890587"/>
-            <a:ext cx="4819650" cy="3248025"/>
+            <a:off x="509693" y="492077"/>
+            <a:ext cx="9488322" cy="6339957"/>
           </a:xfrm>
           <a:prstGeom prst="rect">
             <a:avLst/>
@@ -5212,149 +7643,282 @@
       </p:pic>
       <p:sp>
         <p:nvSpPr>
-          <p:cNvPr id="4" name="TextBox 3">
-            <a:extLst>
-              <a:ext uri="{FF2B5EF4-FFF2-40B4-BE49-F238E27FC236}">
-                <a16:creationId xmlns:a16="http://schemas.microsoft.com/office/drawing/2014/main" id="{10D75921-CD8E-4C85-90CC-4B046F37C46F}"/>
-              </a:ext>
-            </a:extLst>
-          </p:cNvPr>
-          <p:cNvSpPr txBox="1"/>
+          <p:cNvPr id="4" name="제목 1">
+            <a:extLst>
+              <a:ext uri="{FF2B5EF4-FFF2-40B4-BE49-F238E27FC236}">
+                <a16:creationId xmlns:a16="http://schemas.microsoft.com/office/drawing/2014/main" id="{F78F5D1B-9166-4CF4-A1C1-297100F66E26}"/>
+              </a:ext>
+            </a:extLst>
+          </p:cNvPr>
+          <p:cNvSpPr txBox="1">
+            <a:spLocks/>
+          </p:cNvSpPr>
           <p:nvPr/>
         </p:nvSpPr>
         <p:spPr>
           <a:xfrm>
-            <a:off x="252382" y="277586"/>
-            <a:ext cx="6867586" cy="369332"/>
+            <a:off x="0" y="0"/>
+            <a:ext cx="11603342" cy="492077"/>
           </a:xfrm>
           <a:prstGeom prst="rect">
             <a:avLst/>
           </a:prstGeom>
-          <a:noFill/>
-        </p:spPr>
-        <p:txBody>
-          <a:bodyPr wrap="none" rtlCol="0">
-            <a:spAutoFit/>
+        </p:spPr>
+        <p:txBody>
+          <a:bodyPr vert="horz" lIns="91440" tIns="45720" rIns="91440" bIns="45720" rtlCol="0" anchor="b">
+            <a:normAutofit/>
           </a:bodyPr>
-          <a:lstStyle/>
-          <a:p>
-            <a:r>
-              <a:rPr lang="ko-KR" altLang="en-US" dirty="0"/>
-              <a:t>다중회귀모델</a:t>
-            </a:r>
-            <a:r>
-              <a:rPr lang="en-US" altLang="ko-KR" dirty="0"/>
-              <a:t>(1) – </a:t>
-            </a:r>
-            <a:r>
-              <a:rPr lang="ko-KR" altLang="en-US" dirty="0"/>
-              <a:t>지하철</a:t>
-            </a:r>
-            <a:r>
-              <a:rPr lang="en-US" altLang="ko-KR" dirty="0"/>
-              <a:t>, </a:t>
-            </a:r>
-            <a:r>
-              <a:rPr lang="ko-KR" altLang="en-US" dirty="0"/>
-              <a:t>초중고</a:t>
-            </a:r>
-            <a:r>
-              <a:rPr lang="en-US" altLang="ko-KR" dirty="0"/>
-              <a:t>, </a:t>
-            </a:r>
-            <a:r>
-              <a:rPr lang="ko-KR" altLang="en-US" dirty="0"/>
-              <a:t>학교 수에 따른 이용건수 예측</a:t>
-            </a:r>
-          </a:p>
-        </p:txBody>
-      </p:sp>
-      <p:pic>
-        <p:nvPicPr>
-          <p:cNvPr id="6" name="그림 5">
-            <a:extLst>
-              <a:ext uri="{FF2B5EF4-FFF2-40B4-BE49-F238E27FC236}">
-                <a16:creationId xmlns:a16="http://schemas.microsoft.com/office/drawing/2014/main" id="{820C3986-7AB6-4803-A775-366AF742D2FE}"/>
-              </a:ext>
-            </a:extLst>
-          </p:cNvPr>
-          <p:cNvPicPr>
-            <a:picLocks noChangeAspect="1"/>
-          </p:cNvPicPr>
+          <a:lstStyle>
+            <a:lvl1pPr algn="ctr" defTabSz="914400" rtl="0" eaLnBrk="1" latinLnBrk="1" hangingPunct="1">
+              <a:lnSpc>
+                <a:spcPct val="90000"/>
+              </a:lnSpc>
+              <a:spcBef>
+                <a:spcPct val="0"/>
+              </a:spcBef>
+              <a:buNone/>
+              <a:defRPr sz="6000" kern="1200">
+                <a:solidFill>
+                  <a:schemeClr val="tx1"/>
+                </a:solidFill>
+                <a:latin typeface="+mj-lt"/>
+                <a:ea typeface="+mj-ea"/>
+                <a:cs typeface="+mj-cs"/>
+              </a:defRPr>
+            </a:lvl1pPr>
+          </a:lstStyle>
+          <a:p>
+            <a:r>
+              <a:rPr lang="ko-KR" altLang="en-US" sz="1800" dirty="0"/>
+              <a:t>연령대별 이용건수</a:t>
+            </a:r>
+          </a:p>
+        </p:txBody>
+      </p:sp>
+      <p:sp>
+        <p:nvSpPr>
+          <p:cNvPr id="5" name="텍스트 개체 틀 2">
+            <a:extLst>
+              <a:ext uri="{FF2B5EF4-FFF2-40B4-BE49-F238E27FC236}">
+                <a16:creationId xmlns:a16="http://schemas.microsoft.com/office/drawing/2014/main" id="{4400255C-2CFE-40A4-BC5A-2FF0EE1C89DD}"/>
+              </a:ext>
+            </a:extLst>
+          </p:cNvPr>
+          <p:cNvSpPr txBox="1">
+            <a:spLocks/>
+          </p:cNvSpPr>
           <p:nvPr/>
-        </p:nvPicPr>
-        <p:blipFill>
-          <a:blip r:embed="rId3"/>
-          <a:stretch>
-            <a:fillRect/>
-          </a:stretch>
-        </p:blipFill>
-        <p:spPr>
-          <a:xfrm>
-            <a:off x="453118" y="4561896"/>
-            <a:ext cx="7896225" cy="2133600"/>
+        </p:nvSpPr>
+        <p:spPr>
+          <a:xfrm>
+            <a:off x="6096000" y="3093379"/>
+            <a:ext cx="5771625" cy="1500187"/>
           </a:xfrm>
           <a:prstGeom prst="rect">
             <a:avLst/>
           </a:prstGeom>
         </p:spPr>
-      </p:pic>
-      <p:sp>
-        <p:nvSpPr>
-          <p:cNvPr id="7" name="TextBox 6">
-            <a:extLst>
-              <a:ext uri="{FF2B5EF4-FFF2-40B4-BE49-F238E27FC236}">
-                <a16:creationId xmlns:a16="http://schemas.microsoft.com/office/drawing/2014/main" id="{F21128A4-8959-4B58-965C-62BD9C603B8D}"/>
-              </a:ext>
-            </a:extLst>
-          </p:cNvPr>
-          <p:cNvSpPr txBox="1"/>
-          <p:nvPr/>
-        </p:nvSpPr>
-        <p:spPr>
-          <a:xfrm>
-            <a:off x="453118" y="4138612"/>
-            <a:ext cx="2189767" cy="369332"/>
-          </a:xfrm>
-          <a:prstGeom prst="rect">
-            <a:avLst/>
-          </a:prstGeom>
-          <a:noFill/>
-        </p:spPr>
-        <p:txBody>
-          <a:bodyPr wrap="none" rtlCol="0">
-            <a:spAutoFit/>
+        <p:txBody>
+          <a:bodyPr vert="horz" lIns="91440" tIns="45720" rIns="91440" bIns="45720" rtlCol="0">
+            <a:normAutofit/>
           </a:bodyPr>
-          <a:lstStyle/>
-          <a:p>
-            <a:r>
-              <a:rPr lang="en-US" altLang="ko-KR" dirty="0"/>
-              <a:t>Validation</a:t>
-            </a:r>
-            <a:r>
-              <a:rPr lang="ko-KR" altLang="en-US" dirty="0"/>
-              <a:t> </a:t>
-            </a:r>
-            <a:r>
-              <a:rPr lang="en-US" altLang="ko-KR" dirty="0"/>
-              <a:t>Data</a:t>
-            </a:r>
-            <a:r>
-              <a:rPr lang="ko-KR" altLang="en-US" dirty="0"/>
-              <a:t> </a:t>
-            </a:r>
-            <a:r>
-              <a:rPr lang="en-US" altLang="ko-KR" dirty="0"/>
-              <a:t>Set</a:t>
-            </a:r>
-            <a:endParaRPr lang="ko-KR" altLang="en-US" dirty="0"/>
+          <a:lstStyle>
+            <a:lvl1pPr marL="0" indent="0" algn="ctr" defTabSz="914400" rtl="0" eaLnBrk="1" latinLnBrk="1" hangingPunct="1">
+              <a:lnSpc>
+                <a:spcPct val="90000"/>
+              </a:lnSpc>
+              <a:spcBef>
+                <a:spcPts val="1000"/>
+              </a:spcBef>
+              <a:buFont typeface="Arial" panose="020B0604020202020204" pitchFamily="34" charset="0"/>
+              <a:buNone/>
+              <a:defRPr sz="2400" kern="1200">
+                <a:solidFill>
+                  <a:schemeClr val="tx1"/>
+                </a:solidFill>
+                <a:latin typeface="+mn-lt"/>
+                <a:ea typeface="+mn-ea"/>
+                <a:cs typeface="+mn-cs"/>
+              </a:defRPr>
+            </a:lvl1pPr>
+            <a:lvl2pPr marL="457200" indent="0" algn="ctr" defTabSz="914400" rtl="0" eaLnBrk="1" latinLnBrk="1" hangingPunct="1">
+              <a:lnSpc>
+                <a:spcPct val="90000"/>
+              </a:lnSpc>
+              <a:spcBef>
+                <a:spcPts val="500"/>
+              </a:spcBef>
+              <a:buFont typeface="Arial" panose="020B0604020202020204" pitchFamily="34" charset="0"/>
+              <a:buNone/>
+              <a:defRPr sz="2000" kern="1200">
+                <a:solidFill>
+                  <a:schemeClr val="tx1"/>
+                </a:solidFill>
+                <a:latin typeface="+mn-lt"/>
+                <a:ea typeface="+mn-ea"/>
+                <a:cs typeface="+mn-cs"/>
+              </a:defRPr>
+            </a:lvl2pPr>
+            <a:lvl3pPr marL="914400" indent="0" algn="ctr" defTabSz="914400" rtl="0" eaLnBrk="1" latinLnBrk="1" hangingPunct="1">
+              <a:lnSpc>
+                <a:spcPct val="90000"/>
+              </a:lnSpc>
+              <a:spcBef>
+                <a:spcPts val="500"/>
+              </a:spcBef>
+              <a:buFont typeface="Arial" panose="020B0604020202020204" pitchFamily="34" charset="0"/>
+              <a:buNone/>
+              <a:defRPr sz="1800" kern="1200">
+                <a:solidFill>
+                  <a:schemeClr val="tx1"/>
+                </a:solidFill>
+                <a:latin typeface="+mn-lt"/>
+                <a:ea typeface="+mn-ea"/>
+                <a:cs typeface="+mn-cs"/>
+              </a:defRPr>
+            </a:lvl3pPr>
+            <a:lvl4pPr marL="1371600" indent="0" algn="ctr" defTabSz="914400" rtl="0" eaLnBrk="1" latinLnBrk="1" hangingPunct="1">
+              <a:lnSpc>
+                <a:spcPct val="90000"/>
+              </a:lnSpc>
+              <a:spcBef>
+                <a:spcPts val="500"/>
+              </a:spcBef>
+              <a:buFont typeface="Arial" panose="020B0604020202020204" pitchFamily="34" charset="0"/>
+              <a:buNone/>
+              <a:defRPr sz="1600" kern="1200">
+                <a:solidFill>
+                  <a:schemeClr val="tx1"/>
+                </a:solidFill>
+                <a:latin typeface="+mn-lt"/>
+                <a:ea typeface="+mn-ea"/>
+                <a:cs typeface="+mn-cs"/>
+              </a:defRPr>
+            </a:lvl4pPr>
+            <a:lvl5pPr marL="1828800" indent="0" algn="ctr" defTabSz="914400" rtl="0" eaLnBrk="1" latinLnBrk="1" hangingPunct="1">
+              <a:lnSpc>
+                <a:spcPct val="90000"/>
+              </a:lnSpc>
+              <a:spcBef>
+                <a:spcPts val="500"/>
+              </a:spcBef>
+              <a:buFont typeface="Arial" panose="020B0604020202020204" pitchFamily="34" charset="0"/>
+              <a:buNone/>
+              <a:defRPr sz="1600" kern="1200">
+                <a:solidFill>
+                  <a:schemeClr val="tx1"/>
+                </a:solidFill>
+                <a:latin typeface="+mn-lt"/>
+                <a:ea typeface="+mn-ea"/>
+                <a:cs typeface="+mn-cs"/>
+              </a:defRPr>
+            </a:lvl5pPr>
+            <a:lvl6pPr marL="2286000" indent="0" algn="ctr" defTabSz="914400" rtl="0" eaLnBrk="1" latinLnBrk="1" hangingPunct="1">
+              <a:lnSpc>
+                <a:spcPct val="90000"/>
+              </a:lnSpc>
+              <a:spcBef>
+                <a:spcPts val="500"/>
+              </a:spcBef>
+              <a:buFont typeface="Arial" panose="020B0604020202020204" pitchFamily="34" charset="0"/>
+              <a:buNone/>
+              <a:defRPr sz="1600" kern="1200">
+                <a:solidFill>
+                  <a:schemeClr val="tx1"/>
+                </a:solidFill>
+                <a:latin typeface="+mn-lt"/>
+                <a:ea typeface="+mn-ea"/>
+                <a:cs typeface="+mn-cs"/>
+              </a:defRPr>
+            </a:lvl6pPr>
+            <a:lvl7pPr marL="2743200" indent="0" algn="ctr" defTabSz="914400" rtl="0" eaLnBrk="1" latinLnBrk="1" hangingPunct="1">
+              <a:lnSpc>
+                <a:spcPct val="90000"/>
+              </a:lnSpc>
+              <a:spcBef>
+                <a:spcPts val="500"/>
+              </a:spcBef>
+              <a:buFont typeface="Arial" panose="020B0604020202020204" pitchFamily="34" charset="0"/>
+              <a:buNone/>
+              <a:defRPr sz="1600" kern="1200">
+                <a:solidFill>
+                  <a:schemeClr val="tx1"/>
+                </a:solidFill>
+                <a:latin typeface="+mn-lt"/>
+                <a:ea typeface="+mn-ea"/>
+                <a:cs typeface="+mn-cs"/>
+              </a:defRPr>
+            </a:lvl7pPr>
+            <a:lvl8pPr marL="3200400" indent="0" algn="ctr" defTabSz="914400" rtl="0" eaLnBrk="1" latinLnBrk="1" hangingPunct="1">
+              <a:lnSpc>
+                <a:spcPct val="90000"/>
+              </a:lnSpc>
+              <a:spcBef>
+                <a:spcPts val="500"/>
+              </a:spcBef>
+              <a:buFont typeface="Arial" panose="020B0604020202020204" pitchFamily="34" charset="0"/>
+              <a:buNone/>
+              <a:defRPr sz="1600" kern="1200">
+                <a:solidFill>
+                  <a:schemeClr val="tx1"/>
+                </a:solidFill>
+                <a:latin typeface="+mn-lt"/>
+                <a:ea typeface="+mn-ea"/>
+                <a:cs typeface="+mn-cs"/>
+              </a:defRPr>
+            </a:lvl8pPr>
+            <a:lvl9pPr marL="3657600" indent="0" algn="ctr" defTabSz="914400" rtl="0" eaLnBrk="1" latinLnBrk="1" hangingPunct="1">
+              <a:lnSpc>
+                <a:spcPct val="90000"/>
+              </a:lnSpc>
+              <a:spcBef>
+                <a:spcPts val="500"/>
+              </a:spcBef>
+              <a:buFont typeface="Arial" panose="020B0604020202020204" pitchFamily="34" charset="0"/>
+              <a:buNone/>
+              <a:defRPr sz="1600" kern="1200">
+                <a:solidFill>
+                  <a:schemeClr val="tx1"/>
+                </a:solidFill>
+                <a:latin typeface="+mn-lt"/>
+                <a:ea typeface="+mn-ea"/>
+                <a:cs typeface="+mn-cs"/>
+              </a:defRPr>
+            </a:lvl9pPr>
+          </a:lstStyle>
+          <a:p>
+            <a:r>
+              <a:rPr lang="ko-KR" altLang="en-US" sz="1800" dirty="0"/>
+              <a:t>가장 많은 이용률을 보인 연령대는 </a:t>
+            </a:r>
+            <a:r>
+              <a:rPr lang="en-US" altLang="ko-KR" sz="1800" dirty="0"/>
+              <a:t>20</a:t>
+            </a:r>
+            <a:r>
+              <a:rPr lang="ko-KR" altLang="en-US" sz="1800" dirty="0"/>
+              <a:t>대와 </a:t>
+            </a:r>
+            <a:r>
+              <a:rPr lang="en-US" altLang="ko-KR" sz="1800" dirty="0"/>
+              <a:t>30</a:t>
+            </a:r>
+            <a:r>
+              <a:rPr lang="ko-KR" altLang="en-US" sz="1800" dirty="0"/>
+              <a:t>대이다</a:t>
+            </a:r>
+            <a:r>
+              <a:rPr lang="en-US" altLang="ko-KR" sz="1800" dirty="0"/>
+              <a:t>.</a:t>
+            </a:r>
+            <a:endParaRPr lang="ko-KR" altLang="en-US" sz="1800" dirty="0"/>
           </a:p>
         </p:txBody>
       </p:sp>
     </p:spTree>
     <p:extLst>
       <p:ext uri="{BB962C8B-B14F-4D97-AF65-F5344CB8AC3E}">
-        <p14:creationId xmlns:p14="http://schemas.microsoft.com/office/powerpoint/2010/main" val="998940151"/>
+        <p14:creationId xmlns:p14="http://schemas.microsoft.com/office/powerpoint/2010/main" val="1523299041"/>
       </p:ext>
     </p:extLst>
   </p:cSld>
@@ -5386,7 +7950,7 @@
           <p:cNvPr id="3" name="그림 2">
             <a:extLst>
               <a:ext uri="{FF2B5EF4-FFF2-40B4-BE49-F238E27FC236}">
-                <a16:creationId xmlns:a16="http://schemas.microsoft.com/office/drawing/2014/main" id="{D2026394-8571-4BF7-9333-319BF0B6386F}"/>
+                <a16:creationId xmlns:a16="http://schemas.microsoft.com/office/drawing/2014/main" id="{5F5C68E2-6312-4E00-A9AA-7D74AFE56B14}"/>
               </a:ext>
             </a:extLst>
           </p:cNvPr>
@@ -5403,8 +7967,8 @@
         </p:blipFill>
         <p:spPr>
           <a:xfrm>
-            <a:off x="283708" y="808265"/>
-            <a:ext cx="7934325" cy="1943100"/>
+            <a:off x="2555374" y="414068"/>
+            <a:ext cx="9562898" cy="6532557"/>
           </a:xfrm>
           <a:prstGeom prst="rect">
             <a:avLst/>
@@ -5413,155 +7977,310 @@
       </p:pic>
       <p:sp>
         <p:nvSpPr>
-          <p:cNvPr id="4" name="TextBox 3">
-            <a:extLst>
-              <a:ext uri="{FF2B5EF4-FFF2-40B4-BE49-F238E27FC236}">
-                <a16:creationId xmlns:a16="http://schemas.microsoft.com/office/drawing/2014/main" id="{D042CEA9-21C3-462F-82B2-FAEA23D288FF}"/>
-              </a:ext>
-            </a:extLst>
-          </p:cNvPr>
-          <p:cNvSpPr txBox="1"/>
+          <p:cNvPr id="4" name="제목 1">
+            <a:extLst>
+              <a:ext uri="{FF2B5EF4-FFF2-40B4-BE49-F238E27FC236}">
+                <a16:creationId xmlns:a16="http://schemas.microsoft.com/office/drawing/2014/main" id="{5228AA49-72B5-4122-9B20-31BF8639E981}"/>
+              </a:ext>
+            </a:extLst>
+          </p:cNvPr>
+          <p:cNvSpPr txBox="1">
+            <a:spLocks/>
+          </p:cNvSpPr>
           <p:nvPr/>
         </p:nvSpPr>
         <p:spPr>
           <a:xfrm>
-            <a:off x="283708" y="438933"/>
-            <a:ext cx="1655390" cy="369332"/>
+            <a:off x="-1" y="-483625"/>
+            <a:ext cx="12023387" cy="897693"/>
           </a:xfrm>
           <a:prstGeom prst="rect">
             <a:avLst/>
           </a:prstGeom>
-          <a:noFill/>
-        </p:spPr>
-        <p:txBody>
-          <a:bodyPr wrap="none" rtlCol="0">
-            <a:spAutoFit/>
+        </p:spPr>
+        <p:txBody>
+          <a:bodyPr vert="horz" lIns="91440" tIns="45720" rIns="91440" bIns="45720" rtlCol="0" anchor="b">
+            <a:normAutofit/>
           </a:bodyPr>
-          <a:lstStyle/>
-          <a:p>
-            <a:r>
-              <a:rPr lang="en-US" altLang="ko-KR" dirty="0"/>
-              <a:t>Train</a:t>
-            </a:r>
-            <a:r>
-              <a:rPr lang="ko-KR" altLang="en-US" dirty="0"/>
-              <a:t> </a:t>
-            </a:r>
-            <a:r>
-              <a:rPr lang="en-US" altLang="ko-KR" dirty="0"/>
-              <a:t>Data</a:t>
-            </a:r>
-            <a:r>
-              <a:rPr lang="ko-KR" altLang="en-US" dirty="0"/>
-              <a:t> </a:t>
-            </a:r>
-            <a:r>
-              <a:rPr lang="en-US" altLang="ko-KR" dirty="0"/>
-              <a:t>Set</a:t>
-            </a:r>
-            <a:endParaRPr lang="ko-KR" altLang="en-US" dirty="0"/>
-          </a:p>
-        </p:txBody>
-      </p:sp>
-      <p:pic>
-        <p:nvPicPr>
-          <p:cNvPr id="8" name="그림 7">
-            <a:extLst>
-              <a:ext uri="{FF2B5EF4-FFF2-40B4-BE49-F238E27FC236}">
-                <a16:creationId xmlns:a16="http://schemas.microsoft.com/office/drawing/2014/main" id="{5606040D-A99E-46BA-A894-27D0BEA2DB3D}"/>
-              </a:ext>
-            </a:extLst>
-          </p:cNvPr>
-          <p:cNvPicPr>
-            <a:picLocks noChangeAspect="1"/>
-          </p:cNvPicPr>
+          <a:lstStyle>
+            <a:lvl1pPr algn="ctr" defTabSz="914400" rtl="0" eaLnBrk="1" latinLnBrk="1" hangingPunct="1">
+              <a:lnSpc>
+                <a:spcPct val="90000"/>
+              </a:lnSpc>
+              <a:spcBef>
+                <a:spcPct val="0"/>
+              </a:spcBef>
+              <a:buNone/>
+              <a:defRPr sz="6000" kern="1200">
+                <a:solidFill>
+                  <a:schemeClr val="tx1"/>
+                </a:solidFill>
+                <a:latin typeface="+mj-lt"/>
+                <a:ea typeface="+mj-ea"/>
+                <a:cs typeface="+mj-cs"/>
+              </a:defRPr>
+            </a:lvl1pPr>
+          </a:lstStyle>
+          <a:p>
+            <a:r>
+              <a:rPr lang="ko-KR" altLang="en-US" sz="1800" dirty="0"/>
+              <a:t>이용건수 </a:t>
+            </a:r>
+            <a:r>
+              <a:rPr lang="en-US" altLang="ko-KR" sz="1800" dirty="0"/>
+              <a:t>TOP 10</a:t>
+            </a:r>
+            <a:r>
+              <a:rPr lang="ko-KR" altLang="en-US" sz="1800" dirty="0"/>
+              <a:t>의 자치구별 </a:t>
+            </a:r>
+            <a:r>
+              <a:rPr lang="en-US" altLang="ko-KR" sz="1800" dirty="0"/>
+              <a:t>+ </a:t>
+            </a:r>
+            <a:r>
+              <a:rPr lang="ko-KR" altLang="en-US" sz="1800" dirty="0"/>
+              <a:t>시간대별 이용현황</a:t>
+            </a:r>
+          </a:p>
+        </p:txBody>
+      </p:sp>
+      <p:sp>
+        <p:nvSpPr>
+          <p:cNvPr id="5" name="텍스트 개체 틀 2">
+            <a:extLst>
+              <a:ext uri="{FF2B5EF4-FFF2-40B4-BE49-F238E27FC236}">
+                <a16:creationId xmlns:a16="http://schemas.microsoft.com/office/drawing/2014/main" id="{3DD1EB2A-23ED-4D35-A426-CFEB418C0D72}"/>
+              </a:ext>
+            </a:extLst>
+          </p:cNvPr>
+          <p:cNvSpPr txBox="1">
+            <a:spLocks/>
+          </p:cNvSpPr>
           <p:nvPr/>
-        </p:nvPicPr>
-        <p:blipFill>
-          <a:blip r:embed="rId3"/>
-          <a:stretch>
-            <a:fillRect/>
-          </a:stretch>
-        </p:blipFill>
-        <p:spPr>
-          <a:xfrm>
-            <a:off x="464003" y="4211411"/>
-            <a:ext cx="4257675" cy="981075"/>
+        </p:nvSpPr>
+        <p:spPr>
+          <a:xfrm>
+            <a:off x="89510" y="1864168"/>
+            <a:ext cx="3550837" cy="1500187"/>
           </a:xfrm>
           <a:prstGeom prst="rect">
             <a:avLst/>
           </a:prstGeom>
         </p:spPr>
-      </p:pic>
-      <p:sp>
-        <p:nvSpPr>
-          <p:cNvPr id="9" name="TextBox 8">
-            <a:extLst>
-              <a:ext uri="{FF2B5EF4-FFF2-40B4-BE49-F238E27FC236}">
-                <a16:creationId xmlns:a16="http://schemas.microsoft.com/office/drawing/2014/main" id="{596F50DA-952A-452D-BA73-D1DDDC9DB276}"/>
-              </a:ext>
-            </a:extLst>
-          </p:cNvPr>
-          <p:cNvSpPr txBox="1"/>
-          <p:nvPr/>
-        </p:nvSpPr>
-        <p:spPr>
-          <a:xfrm>
-            <a:off x="283708" y="3296722"/>
-            <a:ext cx="3199915" cy="369332"/>
-          </a:xfrm>
-          <a:prstGeom prst="rect">
-            <a:avLst/>
-          </a:prstGeom>
-          <a:noFill/>
-        </p:spPr>
-        <p:txBody>
-          <a:bodyPr wrap="none" rtlCol="0">
-            <a:spAutoFit/>
+        <p:txBody>
+          <a:bodyPr vert="horz" lIns="91440" tIns="45720" rIns="91440" bIns="45720" rtlCol="0">
+            <a:normAutofit/>
           </a:bodyPr>
-          <a:lstStyle/>
-          <a:p>
-            <a:r>
-              <a:rPr lang="ko-KR" altLang="en-US" dirty="0"/>
-              <a:t>새로운 데이터를 이용한 예측</a:t>
-            </a:r>
-          </a:p>
-        </p:txBody>
-      </p:sp>
-      <p:pic>
-        <p:nvPicPr>
-          <p:cNvPr id="5" name="그림 4">
-            <a:extLst>
-              <a:ext uri="{FF2B5EF4-FFF2-40B4-BE49-F238E27FC236}">
-                <a16:creationId xmlns:a16="http://schemas.microsoft.com/office/drawing/2014/main" id="{DCFE24CB-6E1F-4A9C-A65E-BB5ED9BC0551}"/>
-              </a:ext>
-            </a:extLst>
-          </p:cNvPr>
-          <p:cNvPicPr>
-            <a:picLocks noChangeAspect="1"/>
-          </p:cNvPicPr>
-          <p:nvPr/>
-        </p:nvPicPr>
-        <p:blipFill>
-          <a:blip r:embed="rId4"/>
-          <a:stretch>
-            <a:fillRect/>
-          </a:stretch>
-        </p:blipFill>
-        <p:spPr>
-          <a:xfrm>
-            <a:off x="5087815" y="2751957"/>
-            <a:ext cx="5896708" cy="3721301"/>
-          </a:xfrm>
-          <a:prstGeom prst="rect">
-            <a:avLst/>
-          </a:prstGeom>
-        </p:spPr>
-      </p:pic>
+          <a:lstStyle>
+            <a:lvl1pPr marL="0" indent="0" algn="ctr" defTabSz="914400" rtl="0" eaLnBrk="1" latinLnBrk="1" hangingPunct="1">
+              <a:lnSpc>
+                <a:spcPct val="90000"/>
+              </a:lnSpc>
+              <a:spcBef>
+                <a:spcPts val="1000"/>
+              </a:spcBef>
+              <a:buFont typeface="Arial" panose="020B0604020202020204" pitchFamily="34" charset="0"/>
+              <a:buNone/>
+              <a:defRPr sz="2400" kern="1200">
+                <a:solidFill>
+                  <a:schemeClr val="tx1"/>
+                </a:solidFill>
+                <a:latin typeface="+mn-lt"/>
+                <a:ea typeface="+mn-ea"/>
+                <a:cs typeface="+mn-cs"/>
+              </a:defRPr>
+            </a:lvl1pPr>
+            <a:lvl2pPr marL="457200" indent="0" algn="ctr" defTabSz="914400" rtl="0" eaLnBrk="1" latinLnBrk="1" hangingPunct="1">
+              <a:lnSpc>
+                <a:spcPct val="90000"/>
+              </a:lnSpc>
+              <a:spcBef>
+                <a:spcPts val="500"/>
+              </a:spcBef>
+              <a:buFont typeface="Arial" panose="020B0604020202020204" pitchFamily="34" charset="0"/>
+              <a:buNone/>
+              <a:defRPr sz="2000" kern="1200">
+                <a:solidFill>
+                  <a:schemeClr val="tx1"/>
+                </a:solidFill>
+                <a:latin typeface="+mn-lt"/>
+                <a:ea typeface="+mn-ea"/>
+                <a:cs typeface="+mn-cs"/>
+              </a:defRPr>
+            </a:lvl2pPr>
+            <a:lvl3pPr marL="914400" indent="0" algn="ctr" defTabSz="914400" rtl="0" eaLnBrk="1" latinLnBrk="1" hangingPunct="1">
+              <a:lnSpc>
+                <a:spcPct val="90000"/>
+              </a:lnSpc>
+              <a:spcBef>
+                <a:spcPts val="500"/>
+              </a:spcBef>
+              <a:buFont typeface="Arial" panose="020B0604020202020204" pitchFamily="34" charset="0"/>
+              <a:buNone/>
+              <a:defRPr sz="1800" kern="1200">
+                <a:solidFill>
+                  <a:schemeClr val="tx1"/>
+                </a:solidFill>
+                <a:latin typeface="+mn-lt"/>
+                <a:ea typeface="+mn-ea"/>
+                <a:cs typeface="+mn-cs"/>
+              </a:defRPr>
+            </a:lvl3pPr>
+            <a:lvl4pPr marL="1371600" indent="0" algn="ctr" defTabSz="914400" rtl="0" eaLnBrk="1" latinLnBrk="1" hangingPunct="1">
+              <a:lnSpc>
+                <a:spcPct val="90000"/>
+              </a:lnSpc>
+              <a:spcBef>
+                <a:spcPts val="500"/>
+              </a:spcBef>
+              <a:buFont typeface="Arial" panose="020B0604020202020204" pitchFamily="34" charset="0"/>
+              <a:buNone/>
+              <a:defRPr sz="1600" kern="1200">
+                <a:solidFill>
+                  <a:schemeClr val="tx1"/>
+                </a:solidFill>
+                <a:latin typeface="+mn-lt"/>
+                <a:ea typeface="+mn-ea"/>
+                <a:cs typeface="+mn-cs"/>
+              </a:defRPr>
+            </a:lvl4pPr>
+            <a:lvl5pPr marL="1828800" indent="0" algn="ctr" defTabSz="914400" rtl="0" eaLnBrk="1" latinLnBrk="1" hangingPunct="1">
+              <a:lnSpc>
+                <a:spcPct val="90000"/>
+              </a:lnSpc>
+              <a:spcBef>
+                <a:spcPts val="500"/>
+              </a:spcBef>
+              <a:buFont typeface="Arial" panose="020B0604020202020204" pitchFamily="34" charset="0"/>
+              <a:buNone/>
+              <a:defRPr sz="1600" kern="1200">
+                <a:solidFill>
+                  <a:schemeClr val="tx1"/>
+                </a:solidFill>
+                <a:latin typeface="+mn-lt"/>
+                <a:ea typeface="+mn-ea"/>
+                <a:cs typeface="+mn-cs"/>
+              </a:defRPr>
+            </a:lvl5pPr>
+            <a:lvl6pPr marL="2286000" indent="0" algn="ctr" defTabSz="914400" rtl="0" eaLnBrk="1" latinLnBrk="1" hangingPunct="1">
+              <a:lnSpc>
+                <a:spcPct val="90000"/>
+              </a:lnSpc>
+              <a:spcBef>
+                <a:spcPts val="500"/>
+              </a:spcBef>
+              <a:buFont typeface="Arial" panose="020B0604020202020204" pitchFamily="34" charset="0"/>
+              <a:buNone/>
+              <a:defRPr sz="1600" kern="1200">
+                <a:solidFill>
+                  <a:schemeClr val="tx1"/>
+                </a:solidFill>
+                <a:latin typeface="+mn-lt"/>
+                <a:ea typeface="+mn-ea"/>
+                <a:cs typeface="+mn-cs"/>
+              </a:defRPr>
+            </a:lvl6pPr>
+            <a:lvl7pPr marL="2743200" indent="0" algn="ctr" defTabSz="914400" rtl="0" eaLnBrk="1" latinLnBrk="1" hangingPunct="1">
+              <a:lnSpc>
+                <a:spcPct val="90000"/>
+              </a:lnSpc>
+              <a:spcBef>
+                <a:spcPts val="500"/>
+              </a:spcBef>
+              <a:buFont typeface="Arial" panose="020B0604020202020204" pitchFamily="34" charset="0"/>
+              <a:buNone/>
+              <a:defRPr sz="1600" kern="1200">
+                <a:solidFill>
+                  <a:schemeClr val="tx1"/>
+                </a:solidFill>
+                <a:latin typeface="+mn-lt"/>
+                <a:ea typeface="+mn-ea"/>
+                <a:cs typeface="+mn-cs"/>
+              </a:defRPr>
+            </a:lvl7pPr>
+            <a:lvl8pPr marL="3200400" indent="0" algn="ctr" defTabSz="914400" rtl="0" eaLnBrk="1" latinLnBrk="1" hangingPunct="1">
+              <a:lnSpc>
+                <a:spcPct val="90000"/>
+              </a:lnSpc>
+              <a:spcBef>
+                <a:spcPts val="500"/>
+              </a:spcBef>
+              <a:buFont typeface="Arial" panose="020B0604020202020204" pitchFamily="34" charset="0"/>
+              <a:buNone/>
+              <a:defRPr sz="1600" kern="1200">
+                <a:solidFill>
+                  <a:schemeClr val="tx1"/>
+                </a:solidFill>
+                <a:latin typeface="+mn-lt"/>
+                <a:ea typeface="+mn-ea"/>
+                <a:cs typeface="+mn-cs"/>
+              </a:defRPr>
+            </a:lvl8pPr>
+            <a:lvl9pPr marL="3657600" indent="0" algn="ctr" defTabSz="914400" rtl="0" eaLnBrk="1" latinLnBrk="1" hangingPunct="1">
+              <a:lnSpc>
+                <a:spcPct val="90000"/>
+              </a:lnSpc>
+              <a:spcBef>
+                <a:spcPts val="500"/>
+              </a:spcBef>
+              <a:buFont typeface="Arial" panose="020B0604020202020204" pitchFamily="34" charset="0"/>
+              <a:buNone/>
+              <a:defRPr sz="1600" kern="1200">
+                <a:solidFill>
+                  <a:schemeClr val="tx1"/>
+                </a:solidFill>
+                <a:latin typeface="+mn-lt"/>
+                <a:ea typeface="+mn-ea"/>
+                <a:cs typeface="+mn-cs"/>
+              </a:defRPr>
+            </a:lvl9pPr>
+          </a:lstStyle>
+          <a:p>
+            <a:pPr algn="l"/>
+            <a:r>
+              <a:rPr lang="ko-KR" altLang="en-US" sz="1800" dirty="0"/>
+              <a:t>가장 많은 이용률을 보인 시간은 </a:t>
+            </a:r>
+            <a:r>
+              <a:rPr lang="en-US" altLang="ko-KR" sz="1800" dirty="0"/>
+              <a:t>7~9</a:t>
+            </a:r>
+            <a:r>
+              <a:rPr lang="ko-KR" altLang="en-US" sz="1800" dirty="0"/>
+              <a:t>시와 </a:t>
+            </a:r>
+            <a:r>
+              <a:rPr lang="en-US" altLang="ko-KR" sz="1800" dirty="0"/>
+              <a:t>17~19</a:t>
+            </a:r>
+            <a:r>
+              <a:rPr lang="ko-KR" altLang="en-US" sz="1800" dirty="0"/>
+              <a:t>시이다</a:t>
+            </a:r>
+            <a:r>
+              <a:rPr lang="en-US" altLang="ko-KR" sz="1800" dirty="0"/>
+              <a:t>.</a:t>
+            </a:r>
+          </a:p>
+          <a:p>
+            <a:pPr algn="l"/>
+            <a:r>
+              <a:rPr lang="ko-KR" altLang="en-US" sz="1800" dirty="0"/>
+              <a:t>시간대별도 마찬가지로 강서구에서 가장 많은 이용건수를 확인할 수 있다</a:t>
+            </a:r>
+            <a:r>
+              <a:rPr lang="en-US" altLang="ko-KR" sz="1800" dirty="0"/>
+              <a:t>.</a:t>
+            </a:r>
+            <a:endParaRPr lang="ko-KR" altLang="en-US" sz="1800" dirty="0"/>
+          </a:p>
+        </p:txBody>
+      </p:sp>
     </p:spTree>
     <p:extLst>
       <p:ext uri="{BB962C8B-B14F-4D97-AF65-F5344CB8AC3E}">
-        <p14:creationId xmlns:p14="http://schemas.microsoft.com/office/powerpoint/2010/main" val="3894632396"/>
+        <p14:creationId xmlns:p14="http://schemas.microsoft.com/office/powerpoint/2010/main" val="1803266372"/>
       </p:ext>
     </p:extLst>
   </p:cSld>

--- a/FinalProject.pptx
+++ b/FinalProject.pptx
@@ -15,19 +15,20 @@
     <p:sldId id="258" r:id="rId9"/>
     <p:sldId id="259" r:id="rId10"/>
     <p:sldId id="260" r:id="rId11"/>
-    <p:sldId id="278" r:id="rId12"/>
-    <p:sldId id="263" r:id="rId13"/>
-    <p:sldId id="261" r:id="rId14"/>
-    <p:sldId id="262" r:id="rId15"/>
-    <p:sldId id="268" r:id="rId16"/>
-    <p:sldId id="269" r:id="rId17"/>
-    <p:sldId id="270" r:id="rId18"/>
-    <p:sldId id="271" r:id="rId19"/>
-    <p:sldId id="272" r:id="rId20"/>
-    <p:sldId id="273" r:id="rId21"/>
-    <p:sldId id="265" r:id="rId22"/>
-    <p:sldId id="266" r:id="rId23"/>
-    <p:sldId id="267" r:id="rId24"/>
+    <p:sldId id="279" r:id="rId12"/>
+    <p:sldId id="278" r:id="rId13"/>
+    <p:sldId id="263" r:id="rId14"/>
+    <p:sldId id="261" r:id="rId15"/>
+    <p:sldId id="262" r:id="rId16"/>
+    <p:sldId id="268" r:id="rId17"/>
+    <p:sldId id="269" r:id="rId18"/>
+    <p:sldId id="270" r:id="rId19"/>
+    <p:sldId id="271" r:id="rId20"/>
+    <p:sldId id="272" r:id="rId21"/>
+    <p:sldId id="273" r:id="rId22"/>
+    <p:sldId id="265" r:id="rId23"/>
+    <p:sldId id="266" r:id="rId24"/>
+    <p:sldId id="267" r:id="rId25"/>
   </p:sldIdLst>
   <p:sldSz cx="12192000" cy="6858000"/>
   <p:notesSz cx="6858000" cy="9144000"/>
@@ -281,7 +282,7 @@
           <a:p>
             <a:fld id="{CCE54938-5037-4CCC-A278-D5BF715F523B}" type="datetimeFigureOut">
               <a:rPr lang="ko-KR" altLang="en-US" smtClean="0"/>
-              <a:t>2021-12-24</a:t>
+              <a:t>2021. 12. 24.</a:t>
             </a:fld>
             <a:endParaRPr lang="ko-KR" altLang="en-US"/>
           </a:p>
@@ -479,7 +480,7 @@
           <a:p>
             <a:fld id="{CCE54938-5037-4CCC-A278-D5BF715F523B}" type="datetimeFigureOut">
               <a:rPr lang="ko-KR" altLang="en-US" smtClean="0"/>
-              <a:t>2021-12-24</a:t>
+              <a:t>2021. 12. 24.</a:t>
             </a:fld>
             <a:endParaRPr lang="ko-KR" altLang="en-US"/>
           </a:p>
@@ -687,7 +688,7 @@
           <a:p>
             <a:fld id="{CCE54938-5037-4CCC-A278-D5BF715F523B}" type="datetimeFigureOut">
               <a:rPr lang="ko-KR" altLang="en-US" smtClean="0"/>
-              <a:t>2021-12-24</a:t>
+              <a:t>2021. 12. 24.</a:t>
             </a:fld>
             <a:endParaRPr lang="ko-KR" altLang="en-US"/>
           </a:p>
@@ -885,7 +886,7 @@
           <a:p>
             <a:fld id="{CCE54938-5037-4CCC-A278-D5BF715F523B}" type="datetimeFigureOut">
               <a:rPr lang="ko-KR" altLang="en-US" smtClean="0"/>
-              <a:t>2021-12-24</a:t>
+              <a:t>2021. 12. 24.</a:t>
             </a:fld>
             <a:endParaRPr lang="ko-KR" altLang="en-US"/>
           </a:p>
@@ -1160,7 +1161,7 @@
           <a:p>
             <a:fld id="{CCE54938-5037-4CCC-A278-D5BF715F523B}" type="datetimeFigureOut">
               <a:rPr lang="ko-KR" altLang="en-US" smtClean="0"/>
-              <a:t>2021-12-24</a:t>
+              <a:t>2021. 12. 24.</a:t>
             </a:fld>
             <a:endParaRPr lang="ko-KR" altLang="en-US"/>
           </a:p>
@@ -1425,7 +1426,7 @@
           <a:p>
             <a:fld id="{CCE54938-5037-4CCC-A278-D5BF715F523B}" type="datetimeFigureOut">
               <a:rPr lang="ko-KR" altLang="en-US" smtClean="0"/>
-              <a:t>2021-12-24</a:t>
+              <a:t>2021. 12. 24.</a:t>
             </a:fld>
             <a:endParaRPr lang="ko-KR" altLang="en-US"/>
           </a:p>
@@ -1837,7 +1838,7 @@
           <a:p>
             <a:fld id="{CCE54938-5037-4CCC-A278-D5BF715F523B}" type="datetimeFigureOut">
               <a:rPr lang="ko-KR" altLang="en-US" smtClean="0"/>
-              <a:t>2021-12-24</a:t>
+              <a:t>2021. 12. 24.</a:t>
             </a:fld>
             <a:endParaRPr lang="ko-KR" altLang="en-US"/>
           </a:p>
@@ -1978,7 +1979,7 @@
           <a:p>
             <a:fld id="{CCE54938-5037-4CCC-A278-D5BF715F523B}" type="datetimeFigureOut">
               <a:rPr lang="ko-KR" altLang="en-US" smtClean="0"/>
-              <a:t>2021-12-24</a:t>
+              <a:t>2021. 12. 24.</a:t>
             </a:fld>
             <a:endParaRPr lang="ko-KR" altLang="en-US"/>
           </a:p>
@@ -2091,7 +2092,7 @@
           <a:p>
             <a:fld id="{CCE54938-5037-4CCC-A278-D5BF715F523B}" type="datetimeFigureOut">
               <a:rPr lang="ko-KR" altLang="en-US" smtClean="0"/>
-              <a:t>2021-12-24</a:t>
+              <a:t>2021. 12. 24.</a:t>
             </a:fld>
             <a:endParaRPr lang="ko-KR" altLang="en-US"/>
           </a:p>
@@ -2402,7 +2403,7 @@
           <a:p>
             <a:fld id="{CCE54938-5037-4CCC-A278-D5BF715F523B}" type="datetimeFigureOut">
               <a:rPr lang="ko-KR" altLang="en-US" smtClean="0"/>
-              <a:t>2021-12-24</a:t>
+              <a:t>2021. 12. 24.</a:t>
             </a:fld>
             <a:endParaRPr lang="ko-KR" altLang="en-US"/>
           </a:p>
@@ -2690,7 +2691,7 @@
           <a:p>
             <a:fld id="{CCE54938-5037-4CCC-A278-D5BF715F523B}" type="datetimeFigureOut">
               <a:rPr lang="ko-KR" altLang="en-US" smtClean="0"/>
-              <a:t>2021-12-24</a:t>
+              <a:t>2021. 12. 24.</a:t>
             </a:fld>
             <a:endParaRPr lang="ko-KR" altLang="en-US"/>
           </a:p>
@@ -2931,7 +2932,7 @@
           <a:p>
             <a:fld id="{CCE54938-5037-4CCC-A278-D5BF715F523B}" type="datetimeFigureOut">
               <a:rPr lang="ko-KR" altLang="en-US" smtClean="0"/>
-              <a:t>2021-12-24</a:t>
+              <a:t>2021. 12. 24.</a:t>
             </a:fld>
             <a:endParaRPr lang="ko-KR" altLang="en-US"/>
           </a:p>
@@ -3508,7 +3509,7 @@
         </p:blipFill>
         <p:spPr>
           <a:xfrm>
-            <a:off x="2365695" y="397484"/>
+            <a:off x="-176783" y="402672"/>
             <a:ext cx="7949718" cy="6460515"/>
           </a:xfrm>
           <a:prstGeom prst="rect">
@@ -3566,6 +3567,131 @@
             <a:r>
               <a:rPr lang="ko-KR" altLang="en-US" sz="1800" dirty="0"/>
               <a:t>출근시간과 퇴근시간 강서구의 이용현황</a:t>
+            </a:r>
+          </a:p>
+        </p:txBody>
+      </p:sp>
+      <p:sp>
+        <p:nvSpPr>
+          <p:cNvPr id="2" name="TextBox 1">
+            <a:extLst>
+              <a:ext uri="{FF2B5EF4-FFF2-40B4-BE49-F238E27FC236}">
+                <a16:creationId xmlns:a16="http://schemas.microsoft.com/office/drawing/2014/main" id="{D0D107C7-504C-6D43-AEF7-0C7491977302}"/>
+              </a:ext>
+            </a:extLst>
+          </p:cNvPr>
+          <p:cNvSpPr txBox="1"/>
+          <p:nvPr/>
+        </p:nvSpPr>
+        <p:spPr>
+          <a:xfrm>
+            <a:off x="6900167" y="4668963"/>
+            <a:ext cx="5291833" cy="1754326"/>
+          </a:xfrm>
+          <a:prstGeom prst="rect">
+            <a:avLst/>
+          </a:prstGeom>
+          <a:noFill/>
+        </p:spPr>
+        <p:txBody>
+          <a:bodyPr wrap="none" rtlCol="0">
+            <a:spAutoFit/>
+          </a:bodyPr>
+          <a:lstStyle/>
+          <a:p>
+            <a:r>
+              <a:rPr kumimoji="1" lang="ko-US" altLang="en-US" dirty="0"/>
+              <a:t>빨간색</a:t>
+            </a:r>
+            <a:r>
+              <a:rPr kumimoji="1" lang="ko-KR" altLang="en-US" dirty="0"/>
+              <a:t> 삼각형이 오전의 </a:t>
+            </a:r>
+            <a:r>
+              <a:rPr kumimoji="1" lang="ko-KR" altLang="en-US" dirty="0" err="1"/>
+              <a:t>이용건수를</a:t>
+            </a:r>
+            <a:r>
+              <a:rPr kumimoji="1" lang="ko-KR" altLang="en-US" dirty="0"/>
+              <a:t> 나타내며</a:t>
+            </a:r>
+            <a:endParaRPr kumimoji="1" lang="en-US" altLang="ko-KR" dirty="0"/>
+          </a:p>
+          <a:p>
+            <a:r>
+              <a:rPr kumimoji="1" lang="ko-KR" altLang="en-US" dirty="0"/>
+              <a:t>파란색 원이 오후의 </a:t>
+            </a:r>
+            <a:r>
+              <a:rPr kumimoji="1" lang="ko-KR" altLang="en-US" dirty="0" err="1"/>
+              <a:t>이용건수를</a:t>
+            </a:r>
+            <a:r>
+              <a:rPr kumimoji="1" lang="ko-KR" altLang="en-US" dirty="0"/>
+              <a:t> 나타낸다</a:t>
+            </a:r>
+            <a:r>
+              <a:rPr kumimoji="1" lang="en-US" altLang="ko-KR" dirty="0"/>
+              <a:t>.</a:t>
+            </a:r>
+          </a:p>
+          <a:p>
+            <a:r>
+              <a:rPr kumimoji="1" lang="ko-KR" altLang="en-US" dirty="0"/>
+              <a:t>역 근처에 위치한 대여소들의 </a:t>
+            </a:r>
+            <a:r>
+              <a:rPr kumimoji="1" lang="ko-KR" altLang="en-US" dirty="0" err="1"/>
+              <a:t>이용건수가</a:t>
+            </a:r>
+            <a:endParaRPr kumimoji="1" lang="en-US" altLang="ko-KR" dirty="0"/>
+          </a:p>
+          <a:p>
+            <a:r>
+              <a:rPr kumimoji="1" lang="ko-KR" altLang="en-US" dirty="0"/>
+              <a:t>가장 많은 것을 확인할 수 있으며</a:t>
+            </a:r>
+            <a:r>
+              <a:rPr kumimoji="1" lang="en-US" altLang="ko-KR" dirty="0"/>
+              <a:t>,</a:t>
+            </a:r>
+            <a:r>
+              <a:rPr kumimoji="1" lang="ko-KR" altLang="en-US" dirty="0"/>
+              <a:t> </a:t>
+            </a:r>
+            <a:r>
+              <a:rPr kumimoji="1" lang="ko-US" altLang="en-US" dirty="0"/>
+              <a:t>아파트</a:t>
+            </a:r>
+            <a:r>
+              <a:rPr kumimoji="1" lang="ko-KR" altLang="en-US" dirty="0"/>
+              <a:t> 주위의</a:t>
+            </a:r>
+            <a:endParaRPr kumimoji="1" lang="en-US" altLang="ko-KR" dirty="0"/>
+          </a:p>
+          <a:p>
+            <a:r>
+              <a:rPr kumimoji="1" lang="ko-KR" altLang="en-US" dirty="0"/>
+              <a:t>정류소들에서 오후의 </a:t>
+            </a:r>
+            <a:r>
+              <a:rPr kumimoji="1" lang="ko-KR" altLang="en-US" dirty="0" err="1"/>
+              <a:t>이용건수가</a:t>
+            </a:r>
+            <a:r>
+              <a:rPr kumimoji="1" lang="ko-KR" altLang="en-US" dirty="0"/>
+              <a:t> 더 큰 것을 확인</a:t>
+            </a:r>
+            <a:endParaRPr kumimoji="1" lang="en-US" altLang="ko-KR" dirty="0"/>
+          </a:p>
+          <a:p>
+            <a:r>
+              <a:rPr kumimoji="1" lang="ko-KR" altLang="en-US" dirty="0"/>
+              <a:t>할 수 있다</a:t>
+            </a:r>
+            <a:r>
+              <a:rPr kumimoji="1" lang="en-US" altLang="ko-KR" dirty="0"/>
+              <a:t>.</a:t>
             </a:r>
           </a:p>
         </p:txBody>
@@ -3600,482 +3726,383 @@
           <a:chExt cx="0" cy="0"/>
         </a:xfrm>
       </p:grpSpPr>
-      <p:sp>
-        <p:nvSpPr>
-          <p:cNvPr id="2" name="제목 1">
-            <a:extLst>
-              <a:ext uri="{FF2B5EF4-FFF2-40B4-BE49-F238E27FC236}">
-                <a16:creationId xmlns:a16="http://schemas.microsoft.com/office/drawing/2014/main" id="{51CDFE0C-9717-4219-8184-E8317CC9B340}"/>
-              </a:ext>
-            </a:extLst>
-          </p:cNvPr>
-          <p:cNvSpPr>
-            <a:spLocks noGrp="1"/>
-          </p:cNvSpPr>
-          <p:nvPr>
-            <p:ph type="title"/>
-          </p:nvPr>
-        </p:nvSpPr>
-        <p:spPr>
-          <a:xfrm>
-            <a:off x="261487" y="159391"/>
-            <a:ext cx="10515600" cy="831158"/>
-          </a:xfrm>
-        </p:spPr>
-        <p:txBody>
-          <a:bodyPr>
-            <a:normAutofit/>
+      <p:pic>
+        <p:nvPicPr>
+          <p:cNvPr id="4" name="그림 3">
+            <a:extLst>
+              <a:ext uri="{FF2B5EF4-FFF2-40B4-BE49-F238E27FC236}">
+                <a16:creationId xmlns:a16="http://schemas.microsoft.com/office/drawing/2014/main" id="{7C9D9B7A-3AD4-9A4F-96F7-BEB968F4EBCA}"/>
+              </a:ext>
+            </a:extLst>
+          </p:cNvPr>
+          <p:cNvPicPr>
+            <a:picLocks noChangeAspect="1"/>
+          </p:cNvPicPr>
+          <p:nvPr/>
+        </p:nvPicPr>
+        <p:blipFill>
+          <a:blip r:embed="rId2"/>
+          <a:stretch>
+            <a:fillRect/>
+          </a:stretch>
+        </p:blipFill>
+        <p:spPr>
+          <a:xfrm>
+            <a:off x="30996" y="-21422"/>
+            <a:ext cx="3923330" cy="3144329"/>
+          </a:xfrm>
+          <a:prstGeom prst="rect">
+            <a:avLst/>
+          </a:prstGeom>
+        </p:spPr>
+      </p:pic>
+      <p:pic>
+        <p:nvPicPr>
+          <p:cNvPr id="5" name="그림 4">
+            <a:extLst>
+              <a:ext uri="{FF2B5EF4-FFF2-40B4-BE49-F238E27FC236}">
+                <a16:creationId xmlns:a16="http://schemas.microsoft.com/office/drawing/2014/main" id="{6CAE3D74-5081-3945-8DBF-84C9F8946AD2}"/>
+              </a:ext>
+            </a:extLst>
+          </p:cNvPr>
+          <p:cNvPicPr>
+            <a:picLocks noChangeAspect="1"/>
+          </p:cNvPicPr>
+          <p:nvPr/>
+        </p:nvPicPr>
+        <p:blipFill>
+          <a:blip r:embed="rId3"/>
+          <a:stretch>
+            <a:fillRect/>
+          </a:stretch>
+        </p:blipFill>
+        <p:spPr>
+          <a:xfrm>
+            <a:off x="3892334" y="170058"/>
+            <a:ext cx="4322625" cy="2952849"/>
+          </a:xfrm>
+          <a:prstGeom prst="rect">
+            <a:avLst/>
+          </a:prstGeom>
+        </p:spPr>
+      </p:pic>
+      <p:pic>
+        <p:nvPicPr>
+          <p:cNvPr id="6" name="그림 5">
+            <a:extLst>
+              <a:ext uri="{FF2B5EF4-FFF2-40B4-BE49-F238E27FC236}">
+                <a16:creationId xmlns:a16="http://schemas.microsoft.com/office/drawing/2014/main" id="{944B1EAA-71C8-C548-9425-618B9BE72A8D}"/>
+              </a:ext>
+            </a:extLst>
+          </p:cNvPr>
+          <p:cNvPicPr>
+            <a:picLocks noChangeAspect="1"/>
+          </p:cNvPicPr>
+          <p:nvPr/>
+        </p:nvPicPr>
+        <p:blipFill>
+          <a:blip r:embed="rId4"/>
+          <a:stretch>
+            <a:fillRect/>
+          </a:stretch>
+        </p:blipFill>
+        <p:spPr>
+          <a:xfrm>
+            <a:off x="8309141" y="100223"/>
+            <a:ext cx="3805369" cy="3092518"/>
+          </a:xfrm>
+          <a:prstGeom prst="rect">
+            <a:avLst/>
+          </a:prstGeom>
+        </p:spPr>
+      </p:pic>
+      <p:sp>
+        <p:nvSpPr>
+          <p:cNvPr id="7" name="TextBox 6">
+            <a:extLst>
+              <a:ext uri="{FF2B5EF4-FFF2-40B4-BE49-F238E27FC236}">
+                <a16:creationId xmlns:a16="http://schemas.microsoft.com/office/drawing/2014/main" id="{5EEB400D-BCB3-7349-B1C0-C56B233BD125}"/>
+              </a:ext>
+            </a:extLst>
+          </p:cNvPr>
+          <p:cNvSpPr txBox="1"/>
+          <p:nvPr/>
+        </p:nvSpPr>
+        <p:spPr>
+          <a:xfrm>
+            <a:off x="7309996" y="3122907"/>
+            <a:ext cx="4851008" cy="3693319"/>
+          </a:xfrm>
+          <a:prstGeom prst="rect">
+            <a:avLst/>
+          </a:prstGeom>
+          <a:noFill/>
+        </p:spPr>
+        <p:txBody>
+          <a:bodyPr wrap="none" rtlCol="0">
+            <a:spAutoFit/>
           </a:bodyPr>
           <a:lstStyle/>
           <a:p>
             <a:r>
-              <a:rPr lang="ko-KR" altLang="en-US" sz="4000" dirty="0"/>
-              <a:t>데이터 모델링</a:t>
-            </a:r>
-          </a:p>
-        </p:txBody>
-      </p:sp>
-      <p:sp>
-        <p:nvSpPr>
-          <p:cNvPr id="3" name="텍스트 개체 틀 2">
-            <a:extLst>
-              <a:ext uri="{FF2B5EF4-FFF2-40B4-BE49-F238E27FC236}">
-                <a16:creationId xmlns:a16="http://schemas.microsoft.com/office/drawing/2014/main" id="{1214D45E-DC01-4186-B63A-4C2163AC45D5}"/>
-              </a:ext>
-            </a:extLst>
-          </p:cNvPr>
-          <p:cNvSpPr>
-            <a:spLocks noGrp="1"/>
-          </p:cNvSpPr>
-          <p:nvPr>
-            <p:ph type="body" idx="1"/>
-          </p:nvPr>
-        </p:nvSpPr>
-        <p:spPr>
-          <a:xfrm>
-            <a:off x="261487" y="1086029"/>
-            <a:ext cx="11038484" cy="5423827"/>
-          </a:xfrm>
-        </p:spPr>
-        <p:txBody>
-          <a:bodyPr>
-            <a:normAutofit lnSpcReduction="10000"/>
-          </a:bodyPr>
-          <a:lstStyle/>
-          <a:p>
-            <a:pPr marL="457200" indent="-457200">
-              <a:buAutoNum type="arabicPeriod"/>
-            </a:pPr>
-            <a:r>
-              <a:rPr lang="ko-KR" altLang="en-US" dirty="0" err="1"/>
-              <a:t>나이브</a:t>
-            </a:r>
-            <a:r>
-              <a:rPr lang="ko-KR" altLang="en-US" dirty="0"/>
+              <a:rPr kumimoji="1" lang="ko-US" altLang="en-US" dirty="0"/>
+              <a:t>시각화를</a:t>
+            </a:r>
+            <a:r>
+              <a:rPr kumimoji="1" lang="ko-KR" altLang="en-US" dirty="0"/>
+              <a:t> 통해 </a:t>
+            </a:r>
+            <a:r>
+              <a:rPr kumimoji="1" lang="ko-KR" altLang="en-US" dirty="0" err="1"/>
+              <a:t>따릉이</a:t>
+            </a:r>
+            <a:r>
+              <a:rPr kumimoji="1" lang="ko-KR" altLang="en-US" dirty="0"/>
+              <a:t> 대여소의 위치가</a:t>
+            </a:r>
+            <a:endParaRPr kumimoji="1" lang="en-US" altLang="ko-KR" dirty="0"/>
+          </a:p>
+          <a:p>
+            <a:r>
+              <a:rPr kumimoji="1" lang="ko-KR" altLang="en-US" dirty="0"/>
+              <a:t>역 근처에 많이 분포한다는 것과</a:t>
+            </a:r>
+            <a:endParaRPr kumimoji="1" lang="en-US" altLang="ko-KR" dirty="0"/>
+          </a:p>
+          <a:p>
+            <a:r>
+              <a:rPr kumimoji="1" lang="ko-KR" altLang="en-US" dirty="0"/>
+              <a:t>역 근처 대여소의 </a:t>
+            </a:r>
+            <a:r>
+              <a:rPr kumimoji="1" lang="ko-KR" altLang="en-US" dirty="0" err="1"/>
+              <a:t>이용량이</a:t>
+            </a:r>
+            <a:r>
+              <a:rPr kumimoji="1" lang="ko-KR" altLang="en-US" dirty="0"/>
+              <a:t> 가장 많은</a:t>
+            </a:r>
+            <a:endParaRPr kumimoji="1" lang="en-US" altLang="ko-KR" dirty="0"/>
+          </a:p>
+          <a:p>
+            <a:r>
+              <a:rPr kumimoji="1" lang="ko-KR" altLang="en-US" dirty="0"/>
+              <a:t>것을 알 수 있었으며</a:t>
+            </a:r>
+            <a:r>
+              <a:rPr kumimoji="1" lang="en-US" altLang="ko-KR" dirty="0"/>
+              <a:t>,</a:t>
+            </a:r>
+          </a:p>
+          <a:p>
+            <a:r>
+              <a:rPr kumimoji="1" lang="ko-KR" altLang="en-US" dirty="0"/>
+              <a:t>시간대도 출근</a:t>
+            </a:r>
+            <a:r>
+              <a:rPr kumimoji="1" lang="en-US" altLang="ko-KR" dirty="0"/>
+              <a:t>,</a:t>
+            </a:r>
+            <a:r>
+              <a:rPr kumimoji="1" lang="ko-KR" altLang="en-US" dirty="0"/>
+              <a:t> 등교 시간인 오전과</a:t>
+            </a:r>
+            <a:endParaRPr kumimoji="1" lang="en-US" altLang="ko-KR" dirty="0"/>
+          </a:p>
+          <a:p>
+            <a:r>
+              <a:rPr kumimoji="1" lang="ko-KR" altLang="en-US" dirty="0"/>
+              <a:t>퇴근</a:t>
+            </a:r>
+            <a:r>
+              <a:rPr kumimoji="1" lang="en-US" altLang="ko-KR" dirty="0"/>
+              <a:t>,</a:t>
+            </a:r>
+            <a:r>
+              <a:rPr kumimoji="1" lang="ko-KR" altLang="en-US" dirty="0"/>
+              <a:t> 하교 시간인 오후에 가장 </a:t>
+            </a:r>
+            <a:r>
+              <a:rPr kumimoji="1" lang="ko-KR" altLang="en-US" dirty="0" err="1"/>
+              <a:t>이용건수가</a:t>
+            </a:r>
+            <a:endParaRPr kumimoji="1" lang="en-US" altLang="ko-KR" dirty="0"/>
+          </a:p>
+          <a:p>
+            <a:r>
+              <a:rPr kumimoji="1" lang="ko-KR" altLang="en-US" dirty="0"/>
+              <a:t>많음을 알 수 있었다</a:t>
+            </a:r>
+            <a:r>
+              <a:rPr kumimoji="1" lang="en-US" altLang="ko-KR" dirty="0"/>
+              <a:t>.</a:t>
+            </a:r>
+          </a:p>
+          <a:p>
+            <a:r>
+              <a:rPr kumimoji="1" lang="ko-KR" altLang="en-US" dirty="0"/>
+              <a:t>또한 각 구별</a:t>
+            </a:r>
+            <a:r>
+              <a:rPr kumimoji="1" lang="en-US" altLang="ko-KR" dirty="0"/>
+              <a:t>,</a:t>
+            </a:r>
+            <a:r>
+              <a:rPr kumimoji="1" lang="ko-KR" altLang="en-US" dirty="0"/>
+              <a:t> 연령별 </a:t>
+            </a:r>
+            <a:r>
+              <a:rPr kumimoji="1" lang="ko-KR" altLang="en-US" dirty="0" err="1"/>
+              <a:t>이용건수를</a:t>
+            </a:r>
+            <a:r>
+              <a:rPr kumimoji="1" lang="ko-KR" altLang="en-US" dirty="0"/>
+              <a:t> 그래프로</a:t>
+            </a:r>
+            <a:endParaRPr kumimoji="1" lang="en-US" altLang="ko-KR" dirty="0"/>
+          </a:p>
+          <a:p>
+            <a:r>
+              <a:rPr kumimoji="1" lang="ko-KR" altLang="en-US" dirty="0"/>
+              <a:t>쉽게 확인해볼 수 있었다</a:t>
+            </a:r>
+            <a:r>
+              <a:rPr kumimoji="1" lang="en-US" altLang="ko-KR" dirty="0"/>
+              <a:t>.</a:t>
+            </a:r>
+          </a:p>
+          <a:p>
+            <a:r>
+              <a:rPr kumimoji="1" lang="ko-KR" altLang="en-US" dirty="0"/>
+              <a:t>이를 통해 </a:t>
+            </a:r>
+            <a:r>
+              <a:rPr kumimoji="1" lang="ko-KR" altLang="en-US" dirty="0" err="1"/>
+              <a:t>춭퇴근과</a:t>
+            </a:r>
+            <a:r>
+              <a:rPr kumimoji="1" lang="ko-KR" altLang="en-US" dirty="0"/>
               <a:t> </a:t>
             </a:r>
             <a:r>
-              <a:rPr lang="ko-KR" altLang="en-US" dirty="0" err="1"/>
-              <a:t>베이즈</a:t>
-            </a:r>
-            <a:r>
-              <a:rPr lang="ko-KR" altLang="en-US" dirty="0"/>
-              <a:t> 분류기</a:t>
-            </a:r>
-            <a:endParaRPr lang="en-US" altLang="ko-KR" dirty="0"/>
-          </a:p>
-          <a:p>
-            <a:pPr marL="914400" lvl="1" indent="-457200">
-              <a:buAutoNum type="arabicPeriod"/>
-            </a:pPr>
-            <a:r>
-              <a:rPr lang="ko-KR" altLang="en-US" dirty="0"/>
-              <a:t>사용 목적</a:t>
-            </a:r>
-            <a:r>
-              <a:rPr lang="en-US" altLang="ko-KR" dirty="0"/>
-              <a:t>: </a:t>
-            </a:r>
-            <a:r>
-              <a:rPr lang="ko-KR" altLang="en-US" dirty="0"/>
-              <a:t>대여소의 위치</a:t>
-            </a:r>
-            <a:r>
-              <a:rPr lang="en-US" altLang="ko-KR" dirty="0"/>
-              <a:t>(</a:t>
-            </a:r>
-            <a:r>
-              <a:rPr lang="ko-KR" altLang="en-US" dirty="0"/>
-              <a:t>자치구</a:t>
-            </a:r>
-            <a:r>
-              <a:rPr lang="en-US" altLang="ko-KR" dirty="0"/>
-              <a:t>)</a:t>
-            </a:r>
-            <a:r>
-              <a:rPr lang="ko-KR" altLang="en-US" dirty="0"/>
-              <a:t>와 이용건수를 바탕으로 해당 대여소가 지하철 인근에 위치해 있는가를 살펴보기 위함이다</a:t>
-            </a:r>
-            <a:r>
-              <a:rPr lang="en-US" altLang="ko-KR" dirty="0"/>
+              <a:rPr kumimoji="1" lang="ko-KR" altLang="en-US" dirty="0" err="1"/>
+              <a:t>등하교를</a:t>
+            </a:r>
+            <a:r>
+              <a:rPr kumimoji="1" lang="ko-KR" altLang="en-US" dirty="0"/>
+              <a:t> 하는 사람들이</a:t>
+            </a:r>
+            <a:endParaRPr kumimoji="1" lang="en-US" altLang="ko-KR" dirty="0"/>
+          </a:p>
+          <a:p>
+            <a:r>
+              <a:rPr kumimoji="1" lang="ko-KR" altLang="en-US" dirty="0"/>
+              <a:t>이용할 대여소를 회사와 학교 근처로 보고</a:t>
+            </a:r>
+            <a:r>
+              <a:rPr kumimoji="1" lang="en-US" altLang="ko-KR" dirty="0"/>
+              <a:t>,</a:t>
+            </a:r>
+          </a:p>
+          <a:p>
+            <a:r>
+              <a:rPr kumimoji="1" lang="ko-KR" altLang="en-US" dirty="0"/>
+              <a:t>역</a:t>
+            </a:r>
+            <a:r>
+              <a:rPr kumimoji="1" lang="en-US" altLang="ko-KR" dirty="0"/>
+              <a:t>,</a:t>
+            </a:r>
+            <a:r>
+              <a:rPr kumimoji="1" lang="ko-KR" altLang="en-US" dirty="0"/>
+              <a:t> 학교</a:t>
+            </a:r>
+            <a:r>
+              <a:rPr kumimoji="1" lang="en-US" altLang="ko-KR" dirty="0"/>
+              <a:t>,</a:t>
+            </a:r>
+            <a:r>
+              <a:rPr kumimoji="1" lang="ko-KR" altLang="en-US" dirty="0"/>
+              <a:t> 회사를 모델링에 사용할 독립변수로</a:t>
+            </a:r>
+            <a:endParaRPr kumimoji="1" lang="en-US" altLang="ko-KR" dirty="0"/>
+          </a:p>
+          <a:p>
+            <a:r>
+              <a:rPr kumimoji="1" lang="ko-KR" altLang="en-US" dirty="0"/>
+              <a:t>추출하였다</a:t>
+            </a:r>
+            <a:r>
+              <a:rPr kumimoji="1" lang="en-US" altLang="ko-KR" dirty="0"/>
               <a:t>.</a:t>
             </a:r>
           </a:p>
-          <a:p>
-            <a:pPr marL="914400" lvl="1" indent="-457200">
-              <a:buAutoNum type="arabicPeriod"/>
-            </a:pPr>
-            <a:r>
-              <a:rPr lang="ko-KR" altLang="en-US" dirty="0"/>
-              <a:t>종속 변수</a:t>
-            </a:r>
-            <a:r>
-              <a:rPr lang="en-US" altLang="ko-KR" dirty="0"/>
-              <a:t>: </a:t>
-            </a:r>
-            <a:r>
-              <a:rPr lang="ko-KR" altLang="en-US" dirty="0"/>
-              <a:t>지하철 인근 여부</a:t>
-            </a:r>
-            <a:endParaRPr lang="en-US" altLang="ko-KR" dirty="0"/>
-          </a:p>
-          <a:p>
-            <a:pPr marL="457200" indent="-457200">
-              <a:buAutoNum type="arabicPeriod"/>
-            </a:pPr>
-            <a:r>
-              <a:rPr lang="ko-KR" altLang="en-US" dirty="0"/>
-              <a:t>다중선형회귀모델</a:t>
-            </a:r>
-            <a:endParaRPr lang="en-US" altLang="ko-KR" dirty="0"/>
-          </a:p>
-          <a:p>
-            <a:pPr marL="914400" lvl="1" indent="-457200">
-              <a:buAutoNum type="arabicPeriod"/>
-            </a:pPr>
-            <a:r>
-              <a:rPr lang="ko-KR" altLang="en-US" dirty="0"/>
-              <a:t>사용 목적</a:t>
-            </a:r>
-            <a:r>
-              <a:rPr lang="en-US" altLang="ko-KR" dirty="0"/>
-              <a:t>: </a:t>
-            </a:r>
-            <a:r>
-              <a:rPr lang="ko-KR" altLang="en-US" dirty="0"/>
-              <a:t>타 지역에서 공공자전거 도입 시</a:t>
-            </a:r>
-            <a:r>
-              <a:rPr lang="en-US" altLang="ko-KR" dirty="0"/>
-              <a:t>, </a:t>
-            </a:r>
-            <a:r>
-              <a:rPr lang="ko-KR" altLang="en-US" dirty="0"/>
-              <a:t>고려해야 할 특징과 그에 따른 수요 예측</a:t>
-            </a:r>
-            <a:endParaRPr lang="en-US" altLang="ko-KR" dirty="0"/>
-          </a:p>
-          <a:p>
-            <a:pPr marL="914400" lvl="1" indent="-457200">
-              <a:buAutoNum type="arabicPeriod"/>
-            </a:pPr>
-            <a:r>
-              <a:rPr lang="ko-KR" altLang="en-US" dirty="0"/>
-              <a:t>모델</a:t>
-            </a:r>
-            <a:r>
-              <a:rPr lang="en-US" altLang="ko-KR" dirty="0"/>
-              <a:t>(1)</a:t>
-            </a:r>
-          </a:p>
-          <a:p>
-            <a:pPr marL="1371600" lvl="2" indent="-457200">
-              <a:buAutoNum type="arabicPeriod"/>
-            </a:pPr>
-            <a:r>
-              <a:rPr lang="ko-KR" altLang="en-US" dirty="0"/>
-              <a:t>독립 변수</a:t>
-            </a:r>
-            <a:r>
-              <a:rPr lang="en-US" altLang="ko-KR" dirty="0"/>
-              <a:t>: </a:t>
-            </a:r>
-            <a:r>
-              <a:rPr lang="ko-KR" altLang="en-US" dirty="0"/>
-              <a:t>자치구별 지하철 역 개수</a:t>
-            </a:r>
-            <a:r>
-              <a:rPr lang="en-US" altLang="ko-KR" dirty="0"/>
-              <a:t>, </a:t>
-            </a:r>
-            <a:r>
-              <a:rPr lang="ko-KR" altLang="en-US" dirty="0"/>
-              <a:t>자치구별</a:t>
-            </a:r>
-            <a:r>
-              <a:rPr lang="en-US" altLang="ko-KR" dirty="0"/>
-              <a:t> </a:t>
-            </a:r>
-            <a:r>
-              <a:rPr lang="ko-KR" altLang="en-US" dirty="0"/>
-              <a:t>학교</a:t>
-            </a:r>
-            <a:r>
-              <a:rPr lang="en-US" altLang="ko-KR" dirty="0"/>
-              <a:t>(</a:t>
-            </a:r>
-            <a:r>
-              <a:rPr lang="ko-KR" altLang="en-US" dirty="0"/>
-              <a:t>초중고</a:t>
-            </a:r>
-            <a:r>
-              <a:rPr lang="en-US" altLang="ko-KR" dirty="0"/>
-              <a:t>) </a:t>
-            </a:r>
-            <a:r>
-              <a:rPr lang="ko-KR" altLang="en-US" dirty="0"/>
-              <a:t>수</a:t>
-            </a:r>
-            <a:r>
-              <a:rPr lang="en-US" altLang="ko-KR" dirty="0"/>
-              <a:t>, </a:t>
-            </a:r>
-            <a:r>
-              <a:rPr lang="ko-KR" altLang="en-US" dirty="0"/>
-              <a:t>자치구별 대학교 수</a:t>
-            </a:r>
-            <a:endParaRPr lang="en-US" altLang="ko-KR" dirty="0"/>
-          </a:p>
-          <a:p>
-            <a:pPr marL="1371600" lvl="2" indent="-457200">
-              <a:buAutoNum type="arabicPeriod"/>
-            </a:pPr>
-            <a:r>
-              <a:rPr lang="ko-KR" altLang="en-US" dirty="0"/>
-              <a:t>종속 변수</a:t>
-            </a:r>
-            <a:r>
-              <a:rPr lang="en-US" altLang="ko-KR" dirty="0"/>
-              <a:t>: </a:t>
-            </a:r>
-            <a:r>
-              <a:rPr lang="ko-KR" altLang="en-US" dirty="0"/>
-              <a:t>이용 건수</a:t>
-            </a:r>
-            <a:endParaRPr lang="en-US" altLang="ko-KR" dirty="0"/>
-          </a:p>
-          <a:p>
-            <a:pPr marL="914400" lvl="1" indent="-457200">
-              <a:buAutoNum type="arabicPeriod"/>
-            </a:pPr>
-            <a:r>
-              <a:rPr lang="ko-KR" altLang="en-US" dirty="0"/>
-              <a:t>모델</a:t>
-            </a:r>
-            <a:r>
-              <a:rPr lang="en-US" altLang="ko-KR" dirty="0"/>
-              <a:t>(2)</a:t>
-            </a:r>
-          </a:p>
-          <a:p>
-            <a:pPr marL="1371600" lvl="2" indent="-457200">
-              <a:buAutoNum type="arabicPeriod"/>
-            </a:pPr>
-            <a:r>
-              <a:rPr lang="ko-KR" altLang="en-US" dirty="0"/>
-              <a:t>독립 변수</a:t>
-            </a:r>
-            <a:r>
-              <a:rPr lang="en-US" altLang="ko-KR" dirty="0"/>
-              <a:t>: </a:t>
-            </a:r>
-            <a:r>
-              <a:rPr lang="ko-KR" altLang="en-US" dirty="0"/>
-              <a:t>자치구별 지하철 역 개수</a:t>
-            </a:r>
-            <a:r>
-              <a:rPr lang="en-US" altLang="ko-KR" dirty="0"/>
-              <a:t>, </a:t>
-            </a:r>
-            <a:r>
-              <a:rPr lang="ko-KR" altLang="en-US" dirty="0"/>
-              <a:t>자치구별</a:t>
-            </a:r>
-            <a:r>
-              <a:rPr lang="en-US" altLang="ko-KR" dirty="0"/>
-              <a:t> </a:t>
-            </a:r>
-            <a:r>
-              <a:rPr lang="ko-KR" altLang="en-US" dirty="0"/>
-              <a:t>학교</a:t>
-            </a:r>
-            <a:r>
-              <a:rPr lang="en-US" altLang="ko-KR" dirty="0"/>
-              <a:t>(</a:t>
-            </a:r>
-            <a:r>
-              <a:rPr lang="ko-KR" altLang="en-US" dirty="0"/>
-              <a:t>초중고</a:t>
-            </a:r>
-            <a:r>
-              <a:rPr lang="en-US" altLang="ko-KR" dirty="0"/>
-              <a:t>) </a:t>
-            </a:r>
-            <a:r>
-              <a:rPr lang="ko-KR" altLang="en-US" dirty="0"/>
-              <a:t>수</a:t>
-            </a:r>
-            <a:r>
-              <a:rPr lang="en-US" altLang="ko-KR" dirty="0"/>
-              <a:t>, </a:t>
-            </a:r>
-            <a:r>
-              <a:rPr lang="ko-KR" altLang="en-US" dirty="0"/>
-              <a:t>자치구별 대학교 수</a:t>
-            </a:r>
-            <a:r>
-              <a:rPr lang="en-US" altLang="ko-KR" dirty="0"/>
-              <a:t>, </a:t>
-            </a:r>
-            <a:r>
-              <a:rPr lang="ko-KR" altLang="en-US" dirty="0"/>
-              <a:t>자치구별 대기업 종사자수</a:t>
-            </a:r>
-            <a:endParaRPr lang="en-US" altLang="ko-KR" dirty="0"/>
-          </a:p>
-          <a:p>
-            <a:pPr marL="1371600" lvl="2" indent="-457200">
-              <a:buAutoNum type="arabicPeriod"/>
-            </a:pPr>
-            <a:r>
-              <a:rPr lang="ko-KR" altLang="en-US" dirty="0"/>
-              <a:t>종속 변수</a:t>
-            </a:r>
-            <a:r>
-              <a:rPr lang="en-US" altLang="ko-KR" dirty="0"/>
-              <a:t>: </a:t>
-            </a:r>
-            <a:r>
-              <a:rPr lang="ko-KR" altLang="en-US" dirty="0"/>
-              <a:t>이용 건수</a:t>
-            </a:r>
-            <a:endParaRPr lang="en-US" altLang="ko-KR" dirty="0"/>
-          </a:p>
-          <a:p>
-            <a:pPr marL="914400" lvl="1" indent="-457200">
-              <a:buAutoNum type="arabicPeriod"/>
-            </a:pPr>
-            <a:r>
-              <a:rPr lang="ko-KR" altLang="en-US" dirty="0"/>
-              <a:t>모델</a:t>
-            </a:r>
-            <a:r>
-              <a:rPr lang="en-US" altLang="ko-KR" dirty="0"/>
-              <a:t>(3)</a:t>
-            </a:r>
-          </a:p>
-          <a:p>
-            <a:pPr marL="1371600" lvl="2" indent="-457200">
-              <a:buAutoNum type="arabicPeriod"/>
-            </a:pPr>
-            <a:r>
-              <a:rPr lang="ko-KR" altLang="en-US" dirty="0"/>
-              <a:t>독립 변수</a:t>
-            </a:r>
-            <a:r>
-              <a:rPr lang="en-US" altLang="ko-KR" dirty="0"/>
-              <a:t>: </a:t>
-            </a:r>
-            <a:r>
-              <a:rPr lang="ko-KR" altLang="en-US" dirty="0"/>
-              <a:t>자치구별 지하철 역 개수</a:t>
-            </a:r>
-            <a:r>
-              <a:rPr lang="en-US" altLang="ko-KR" dirty="0"/>
-              <a:t>, </a:t>
-            </a:r>
-            <a:r>
-              <a:rPr lang="ko-KR" altLang="en-US" dirty="0"/>
-              <a:t>자치구별</a:t>
-            </a:r>
-            <a:r>
-              <a:rPr lang="en-US" altLang="ko-KR" dirty="0"/>
-              <a:t> </a:t>
-            </a:r>
-            <a:r>
-              <a:rPr lang="ko-KR" altLang="en-US" dirty="0"/>
-              <a:t>학교</a:t>
-            </a:r>
-            <a:r>
-              <a:rPr lang="en-US" altLang="ko-KR" dirty="0"/>
-              <a:t>(</a:t>
-            </a:r>
-            <a:r>
-              <a:rPr lang="ko-KR" altLang="en-US" dirty="0"/>
-              <a:t>초중고</a:t>
-            </a:r>
-            <a:r>
-              <a:rPr lang="en-US" altLang="ko-KR" dirty="0"/>
-              <a:t>) </a:t>
-            </a:r>
-            <a:r>
-              <a:rPr lang="ko-KR" altLang="en-US" dirty="0"/>
-              <a:t>수</a:t>
-            </a:r>
-            <a:r>
-              <a:rPr lang="en-US" altLang="ko-KR" dirty="0"/>
-              <a:t>, </a:t>
-            </a:r>
-            <a:r>
-              <a:rPr lang="ko-KR" altLang="en-US" dirty="0"/>
-              <a:t>자치구별 대학교 수</a:t>
-            </a:r>
-            <a:r>
-              <a:rPr lang="en-US" altLang="ko-KR" dirty="0"/>
-              <a:t>, </a:t>
-            </a:r>
-            <a:r>
-              <a:rPr lang="ko-KR" altLang="en-US" dirty="0"/>
-              <a:t>자치구별 중소기업 종사자수</a:t>
-            </a:r>
-            <a:endParaRPr lang="en-US" altLang="ko-KR" dirty="0"/>
-          </a:p>
-          <a:p>
-            <a:pPr marL="1371600" lvl="2" indent="-457200">
-              <a:buAutoNum type="arabicPeriod"/>
-            </a:pPr>
-            <a:r>
-              <a:rPr lang="ko-KR" altLang="en-US" dirty="0"/>
-              <a:t>종속 변수</a:t>
-            </a:r>
-            <a:r>
-              <a:rPr lang="en-US" altLang="ko-KR" dirty="0"/>
-              <a:t>: </a:t>
-            </a:r>
-            <a:r>
-              <a:rPr lang="ko-KR" altLang="en-US" dirty="0"/>
-              <a:t>이용 건수</a:t>
-            </a:r>
-            <a:endParaRPr lang="en-US" altLang="ko-KR" dirty="0"/>
-          </a:p>
-          <a:p>
-            <a:pPr marL="914400" lvl="1" indent="-457200">
-              <a:buAutoNum type="arabicPeriod"/>
-            </a:pPr>
-            <a:endParaRPr lang="en-US" altLang="ko-KR" dirty="0"/>
-          </a:p>
-          <a:p>
-            <a:pPr marL="914400" lvl="1" indent="-457200">
-              <a:buAutoNum type="arabicPeriod"/>
-            </a:pPr>
-            <a:endParaRPr lang="ko-KR" altLang="en-US" dirty="0"/>
-          </a:p>
-        </p:txBody>
-      </p:sp>
+        </p:txBody>
+      </p:sp>
+      <p:pic>
+        <p:nvPicPr>
+          <p:cNvPr id="8" name="그림 7">
+            <a:extLst>
+              <a:ext uri="{FF2B5EF4-FFF2-40B4-BE49-F238E27FC236}">
+                <a16:creationId xmlns:a16="http://schemas.microsoft.com/office/drawing/2014/main" id="{C7A75D8B-6077-E44F-A7C9-F756A39B7FE9}"/>
+              </a:ext>
+            </a:extLst>
+          </p:cNvPr>
+          <p:cNvPicPr>
+            <a:picLocks noChangeAspect="1"/>
+          </p:cNvPicPr>
+          <p:nvPr/>
+        </p:nvPicPr>
+        <p:blipFill>
+          <a:blip r:embed="rId5"/>
+          <a:stretch>
+            <a:fillRect/>
+          </a:stretch>
+        </p:blipFill>
+        <p:spPr>
+          <a:xfrm>
+            <a:off x="63609" y="3790321"/>
+            <a:ext cx="3303743" cy="2236962"/>
+          </a:xfrm>
+          <a:prstGeom prst="rect">
+            <a:avLst/>
+          </a:prstGeom>
+        </p:spPr>
+      </p:pic>
+      <p:pic>
+        <p:nvPicPr>
+          <p:cNvPr id="9" name="그림 8">
+            <a:extLst>
+              <a:ext uri="{FF2B5EF4-FFF2-40B4-BE49-F238E27FC236}">
+                <a16:creationId xmlns:a16="http://schemas.microsoft.com/office/drawing/2014/main" id="{222E6A70-423D-7544-9330-1A7F5639D0CC}"/>
+              </a:ext>
+            </a:extLst>
+          </p:cNvPr>
+          <p:cNvPicPr>
+            <a:picLocks noChangeAspect="1"/>
+          </p:cNvPicPr>
+          <p:nvPr/>
+        </p:nvPicPr>
+        <p:blipFill>
+          <a:blip r:embed="rId6"/>
+          <a:stretch>
+            <a:fillRect/>
+          </a:stretch>
+        </p:blipFill>
+        <p:spPr>
+          <a:xfrm>
+            <a:off x="3547163" y="3790321"/>
+            <a:ext cx="3674707" cy="2455385"/>
+          </a:xfrm>
+          <a:prstGeom prst="rect">
+            <a:avLst/>
+          </a:prstGeom>
+        </p:spPr>
+      </p:pic>
     </p:spTree>
     <p:extLst>
       <p:ext uri="{BB962C8B-B14F-4D97-AF65-F5344CB8AC3E}">
-        <p14:creationId xmlns:p14="http://schemas.microsoft.com/office/powerpoint/2010/main" val="1762662325"/>
+        <p14:creationId xmlns:p14="http://schemas.microsoft.com/office/powerpoint/2010/main" val="4178348598"/>
       </p:ext>
     </p:extLst>
   </p:cSld>
@@ -4104,33 +4131,71 @@
       </p:grpSpPr>
       <p:sp>
         <p:nvSpPr>
-          <p:cNvPr id="2" name="TextBox 1">
-            <a:extLst>
-              <a:ext uri="{FF2B5EF4-FFF2-40B4-BE49-F238E27FC236}">
-                <a16:creationId xmlns:a16="http://schemas.microsoft.com/office/drawing/2014/main" id="{9F67D46F-81C5-4AFF-A1C3-8BE1E9B125BE}"/>
-              </a:ext>
-            </a:extLst>
-          </p:cNvPr>
-          <p:cNvSpPr txBox="1"/>
-          <p:nvPr/>
-        </p:nvSpPr>
-        <p:spPr>
-          <a:xfrm>
-            <a:off x="252382" y="277586"/>
-            <a:ext cx="6317755" cy="369332"/>
-          </a:xfrm>
-          <a:prstGeom prst="rect">
-            <a:avLst/>
-          </a:prstGeom>
-          <a:noFill/>
-        </p:spPr>
-        <p:txBody>
-          <a:bodyPr wrap="none" rtlCol="0">
-            <a:spAutoFit/>
+          <p:cNvPr id="2" name="제목 1">
+            <a:extLst>
+              <a:ext uri="{FF2B5EF4-FFF2-40B4-BE49-F238E27FC236}">
+                <a16:creationId xmlns:a16="http://schemas.microsoft.com/office/drawing/2014/main" id="{51CDFE0C-9717-4219-8184-E8317CC9B340}"/>
+              </a:ext>
+            </a:extLst>
+          </p:cNvPr>
+          <p:cNvSpPr>
+            <a:spLocks noGrp="1"/>
+          </p:cNvSpPr>
+          <p:nvPr>
+            <p:ph type="title"/>
+          </p:nvPr>
+        </p:nvSpPr>
+        <p:spPr>
+          <a:xfrm>
+            <a:off x="261487" y="159391"/>
+            <a:ext cx="10515600" cy="831158"/>
+          </a:xfrm>
+        </p:spPr>
+        <p:txBody>
+          <a:bodyPr>
+            <a:normAutofit/>
           </a:bodyPr>
           <a:lstStyle/>
           <a:p>
             <a:r>
+              <a:rPr lang="ko-KR" altLang="en-US" sz="4000" dirty="0"/>
+              <a:t>데이터 모델링</a:t>
+            </a:r>
+          </a:p>
+        </p:txBody>
+      </p:sp>
+      <p:sp>
+        <p:nvSpPr>
+          <p:cNvPr id="3" name="텍스트 개체 틀 2">
+            <a:extLst>
+              <a:ext uri="{FF2B5EF4-FFF2-40B4-BE49-F238E27FC236}">
+                <a16:creationId xmlns:a16="http://schemas.microsoft.com/office/drawing/2014/main" id="{1214D45E-DC01-4186-B63A-4C2163AC45D5}"/>
+              </a:ext>
+            </a:extLst>
+          </p:cNvPr>
+          <p:cNvSpPr>
+            <a:spLocks noGrp="1"/>
+          </p:cNvSpPr>
+          <p:nvPr>
+            <p:ph type="body" idx="1"/>
+          </p:nvPr>
+        </p:nvSpPr>
+        <p:spPr>
+          <a:xfrm>
+            <a:off x="261487" y="1086029"/>
+            <a:ext cx="11038484" cy="5423827"/>
+          </a:xfrm>
+        </p:spPr>
+        <p:txBody>
+          <a:bodyPr>
+            <a:normAutofit lnSpcReduction="10000"/>
+          </a:bodyPr>
+          <a:lstStyle/>
+          <a:p>
+            <a:pPr marL="457200" indent="-457200">
+              <a:buAutoNum type="arabicPeriod"/>
+            </a:pPr>
+            <a:r>
               <a:rPr lang="ko-KR" altLang="en-US" dirty="0" err="1"/>
               <a:t>나이브</a:t>
             </a:r>
@@ -4146,13 +4211,88 @@
               <a:rPr lang="ko-KR" altLang="en-US" dirty="0"/>
               <a:t> 분류기</a:t>
             </a:r>
-            <a:r>
-              <a:rPr lang="en-US" altLang="ko-KR" dirty="0"/>
-              <a:t> – </a:t>
-            </a:r>
-            <a:r>
-              <a:rPr lang="ko-KR" altLang="en-US" dirty="0"/>
-              <a:t>지하철 인접 여부</a:t>
+            <a:endParaRPr lang="en-US" altLang="ko-KR" dirty="0"/>
+          </a:p>
+          <a:p>
+            <a:pPr marL="914400" lvl="1" indent="-457200">
+              <a:buAutoNum type="arabicPeriod"/>
+            </a:pPr>
+            <a:r>
+              <a:rPr lang="ko-KR" altLang="en-US" dirty="0"/>
+              <a:t>사용 목적</a:t>
+            </a:r>
+            <a:r>
+              <a:rPr lang="en-US" altLang="ko-KR" dirty="0"/>
+              <a:t>: </a:t>
+            </a:r>
+            <a:r>
+              <a:rPr lang="ko-KR" altLang="en-US" dirty="0"/>
+              <a:t>대여소의 위치</a:t>
+            </a:r>
+            <a:r>
+              <a:rPr lang="en-US" altLang="ko-KR" dirty="0"/>
+              <a:t>(</a:t>
+            </a:r>
+            <a:r>
+              <a:rPr lang="ko-KR" altLang="en-US" dirty="0"/>
+              <a:t>자치구</a:t>
+            </a:r>
+            <a:r>
+              <a:rPr lang="en-US" altLang="ko-KR" dirty="0"/>
+              <a:t>)</a:t>
+            </a:r>
+            <a:r>
+              <a:rPr lang="ko-KR" altLang="en-US" dirty="0"/>
+              <a:t>와 이용건수를 바탕으로 해당 대여소가 지하철 인근에 위치해 있는가를 살펴보기 위함이다</a:t>
+            </a:r>
+            <a:r>
+              <a:rPr lang="en-US" altLang="ko-KR" dirty="0"/>
+              <a:t>.</a:t>
+            </a:r>
+          </a:p>
+          <a:p>
+            <a:pPr marL="914400" lvl="1" indent="-457200">
+              <a:buAutoNum type="arabicPeriod"/>
+            </a:pPr>
+            <a:r>
+              <a:rPr lang="ko-KR" altLang="en-US" dirty="0"/>
+              <a:t>종속 변수</a:t>
+            </a:r>
+            <a:r>
+              <a:rPr lang="en-US" altLang="ko-KR" dirty="0"/>
+              <a:t>: </a:t>
+            </a:r>
+            <a:r>
+              <a:rPr lang="ko-KR" altLang="en-US" dirty="0"/>
+              <a:t>지하철 인근 여부</a:t>
+            </a:r>
+            <a:endParaRPr lang="en-US" altLang="ko-KR" dirty="0"/>
+          </a:p>
+          <a:p>
+            <a:pPr marL="457200" indent="-457200">
+              <a:buAutoNum type="arabicPeriod"/>
+            </a:pPr>
+            <a:r>
+              <a:rPr lang="ko-KR" altLang="en-US" dirty="0"/>
+              <a:t>다중선형회귀모델</a:t>
+            </a:r>
+            <a:endParaRPr lang="en-US" altLang="ko-KR" dirty="0"/>
+          </a:p>
+          <a:p>
+            <a:pPr marL="914400" lvl="1" indent="-457200">
+              <a:buAutoNum type="arabicPeriod"/>
+            </a:pPr>
+            <a:r>
+              <a:rPr lang="ko-KR" altLang="en-US" dirty="0"/>
+              <a:t>사용 목적</a:t>
+            </a:r>
+            <a:r>
+              <a:rPr lang="en-US" altLang="ko-KR" dirty="0"/>
+              <a:t>: </a:t>
+            </a:r>
+            <a:r>
+              <a:rPr lang="ko-KR" altLang="en-US" dirty="0"/>
+              <a:t>타 지역에서 공공자전거 도입 시</a:t>
             </a:r>
             <a:r>
               <a:rPr lang="en-US" altLang="ko-KR" dirty="0"/>
@@ -4160,163 +4300,303 @@
             </a:r>
             <a:r>
               <a:rPr lang="ko-KR" altLang="en-US" dirty="0"/>
-              <a:t>이용건수 분류기</a:t>
-            </a:r>
-          </a:p>
-        </p:txBody>
-      </p:sp>
-      <p:pic>
-        <p:nvPicPr>
-          <p:cNvPr id="4" name="그림 3">
-            <a:extLst>
-              <a:ext uri="{FF2B5EF4-FFF2-40B4-BE49-F238E27FC236}">
-                <a16:creationId xmlns:a16="http://schemas.microsoft.com/office/drawing/2014/main" id="{7C4A0A6C-BD71-4966-869E-A453A05FDC8A}"/>
-              </a:ext>
-            </a:extLst>
-          </p:cNvPr>
-          <p:cNvPicPr>
-            <a:picLocks noChangeAspect="1"/>
-          </p:cNvPicPr>
-          <p:nvPr/>
-        </p:nvPicPr>
-        <p:blipFill>
-          <a:blip r:embed="rId2"/>
-          <a:stretch>
-            <a:fillRect/>
-          </a:stretch>
-        </p:blipFill>
-        <p:spPr>
-          <a:xfrm>
-            <a:off x="5938294" y="646918"/>
-            <a:ext cx="6253706" cy="4045999"/>
-          </a:xfrm>
-          <a:prstGeom prst="rect">
-            <a:avLst/>
-          </a:prstGeom>
-        </p:spPr>
-      </p:pic>
-      <p:pic>
-        <p:nvPicPr>
-          <p:cNvPr id="6" name="그림 5">
-            <a:extLst>
-              <a:ext uri="{FF2B5EF4-FFF2-40B4-BE49-F238E27FC236}">
-                <a16:creationId xmlns:a16="http://schemas.microsoft.com/office/drawing/2014/main" id="{21AB06DE-1EE9-4CDC-9604-179C085F2E0A}"/>
-              </a:ext>
-            </a:extLst>
-          </p:cNvPr>
-          <p:cNvPicPr>
-            <a:picLocks noChangeAspect="1"/>
-          </p:cNvPicPr>
-          <p:nvPr/>
-        </p:nvPicPr>
-        <p:blipFill>
-          <a:blip r:embed="rId3"/>
-          <a:stretch>
-            <a:fillRect/>
-          </a:stretch>
-        </p:blipFill>
-        <p:spPr>
-          <a:xfrm>
-            <a:off x="252382" y="1191000"/>
-            <a:ext cx="5334744" cy="4134427"/>
-          </a:xfrm>
-          <a:prstGeom prst="rect">
-            <a:avLst/>
-          </a:prstGeom>
-        </p:spPr>
-      </p:pic>
-      <p:sp>
-        <p:nvSpPr>
-          <p:cNvPr id="7" name="TextBox 6">
-            <a:extLst>
-              <a:ext uri="{FF2B5EF4-FFF2-40B4-BE49-F238E27FC236}">
-                <a16:creationId xmlns:a16="http://schemas.microsoft.com/office/drawing/2014/main" id="{6602C029-6D24-4177-8B34-7E632F978BF0}"/>
-              </a:ext>
-            </a:extLst>
-          </p:cNvPr>
-          <p:cNvSpPr txBox="1"/>
-          <p:nvPr/>
-        </p:nvSpPr>
-        <p:spPr>
-          <a:xfrm>
-            <a:off x="252382" y="709833"/>
-            <a:ext cx="2189767" cy="369332"/>
-          </a:xfrm>
-          <a:prstGeom prst="rect">
-            <a:avLst/>
-          </a:prstGeom>
-          <a:noFill/>
-        </p:spPr>
-        <p:txBody>
-          <a:bodyPr wrap="none" rtlCol="0">
-            <a:spAutoFit/>
-          </a:bodyPr>
-          <a:lstStyle/>
-          <a:p>
-            <a:r>
-              <a:rPr lang="en-US" altLang="ko-KR" dirty="0"/>
-              <a:t>Validation</a:t>
-            </a:r>
-            <a:r>
-              <a:rPr lang="ko-KR" altLang="en-US" dirty="0"/>
+              <a:t>고려해야 할 특징과 그에 따른 수요 예측</a:t>
+            </a:r>
+            <a:endParaRPr lang="en-US" altLang="ko-KR" dirty="0"/>
+          </a:p>
+          <a:p>
+            <a:pPr marL="914400" lvl="1" indent="-457200">
+              <a:buAutoNum type="arabicPeriod"/>
+            </a:pPr>
+            <a:r>
+              <a:rPr lang="ko-KR" altLang="en-US" dirty="0"/>
+              <a:t>모델</a:t>
+            </a:r>
+            <a:r>
+              <a:rPr lang="en-US" altLang="ko-KR" dirty="0"/>
+              <a:t>(1)</a:t>
+            </a:r>
+          </a:p>
+          <a:p>
+            <a:pPr marL="1371600" lvl="2" indent="-457200">
+              <a:buAutoNum type="arabicPeriod"/>
+            </a:pPr>
+            <a:r>
+              <a:rPr lang="ko-KR" altLang="en-US" dirty="0"/>
+              <a:t>독립 변수</a:t>
+            </a:r>
+            <a:r>
+              <a:rPr lang="en-US" altLang="ko-KR" dirty="0"/>
+              <a:t>: </a:t>
+            </a:r>
+            <a:r>
+              <a:rPr lang="ko-KR" altLang="en-US" dirty="0"/>
+              <a:t>자치구별 지하철 역 개수</a:t>
+            </a:r>
+            <a:r>
+              <a:rPr lang="en-US" altLang="ko-KR" dirty="0"/>
+              <a:t>, </a:t>
+            </a:r>
+            <a:r>
+              <a:rPr lang="ko-KR" altLang="en-US" dirty="0"/>
+              <a:t>자치구별</a:t>
+            </a:r>
+            <a:r>
+              <a:rPr lang="en-US" altLang="ko-KR" dirty="0"/>
               <a:t> </a:t>
             </a:r>
             <a:r>
-              <a:rPr lang="en-US" altLang="ko-KR" dirty="0"/>
-              <a:t>Data</a:t>
-            </a:r>
-            <a:r>
-              <a:rPr lang="ko-KR" altLang="en-US" dirty="0"/>
+              <a:rPr lang="ko-KR" altLang="en-US" dirty="0"/>
+              <a:t>학교</a:t>
+            </a:r>
+            <a:r>
+              <a:rPr lang="en-US" altLang="ko-KR" dirty="0"/>
+              <a:t>(</a:t>
+            </a:r>
+            <a:r>
+              <a:rPr lang="ko-KR" altLang="en-US" dirty="0"/>
+              <a:t>초중고</a:t>
+            </a:r>
+            <a:r>
+              <a:rPr lang="en-US" altLang="ko-KR" dirty="0"/>
+              <a:t>) </a:t>
+            </a:r>
+            <a:r>
+              <a:rPr lang="ko-KR" altLang="en-US" dirty="0"/>
+              <a:t>수</a:t>
+            </a:r>
+            <a:r>
+              <a:rPr lang="en-US" altLang="ko-KR" dirty="0"/>
+              <a:t>, </a:t>
+            </a:r>
+            <a:r>
+              <a:rPr lang="ko-KR" altLang="en-US" dirty="0"/>
+              <a:t>자치구별 대학교 수</a:t>
+            </a:r>
+            <a:endParaRPr lang="en-US" altLang="ko-KR" dirty="0"/>
+          </a:p>
+          <a:p>
+            <a:pPr marL="1371600" lvl="2" indent="-457200">
+              <a:buAutoNum type="arabicPeriod"/>
+            </a:pPr>
+            <a:r>
+              <a:rPr lang="ko-KR" altLang="en-US" dirty="0"/>
+              <a:t>종속 변수</a:t>
+            </a:r>
+            <a:r>
+              <a:rPr lang="en-US" altLang="ko-KR" dirty="0"/>
+              <a:t>: </a:t>
+            </a:r>
+            <a:r>
+              <a:rPr lang="ko-KR" altLang="en-US" dirty="0"/>
+              <a:t>이용 건수</a:t>
+            </a:r>
+            <a:endParaRPr lang="en-US" altLang="ko-KR" dirty="0"/>
+          </a:p>
+          <a:p>
+            <a:pPr marL="914400" lvl="1" indent="-457200">
+              <a:buAutoNum type="arabicPeriod"/>
+            </a:pPr>
+            <a:r>
+              <a:rPr lang="ko-KR" altLang="en-US" dirty="0"/>
+              <a:t>모델</a:t>
+            </a:r>
+            <a:r>
+              <a:rPr lang="en-US" altLang="ko-KR" dirty="0"/>
+              <a:t>(2)</a:t>
+            </a:r>
+          </a:p>
+          <a:p>
+            <a:pPr marL="1371600" lvl="2" indent="-457200">
+              <a:buAutoNum type="arabicPeriod"/>
+            </a:pPr>
+            <a:r>
+              <a:rPr lang="ko-KR" altLang="en-US" dirty="0"/>
+              <a:t>독립 변수</a:t>
+            </a:r>
+            <a:r>
+              <a:rPr lang="en-US" altLang="ko-KR" dirty="0"/>
+              <a:t>: </a:t>
+            </a:r>
+            <a:r>
+              <a:rPr lang="ko-KR" altLang="en-US" dirty="0"/>
+              <a:t>자치구별 지하철 역 개수</a:t>
+            </a:r>
+            <a:r>
+              <a:rPr lang="en-US" altLang="ko-KR" dirty="0"/>
+              <a:t>, </a:t>
+            </a:r>
+            <a:r>
+              <a:rPr lang="ko-KR" altLang="en-US" dirty="0"/>
+              <a:t>자치구별</a:t>
+            </a:r>
+            <a:r>
+              <a:rPr lang="en-US" altLang="ko-KR" dirty="0"/>
               <a:t> </a:t>
             </a:r>
             <a:r>
-              <a:rPr lang="en-US" altLang="ko-KR" dirty="0"/>
-              <a:t>Set</a:t>
-            </a:r>
-            <a:endParaRPr lang="ko-KR" altLang="en-US" dirty="0"/>
-          </a:p>
-        </p:txBody>
-      </p:sp>
-      <p:sp>
-        <p:nvSpPr>
-          <p:cNvPr id="8" name="TextBox 7">
-            <a:extLst>
-              <a:ext uri="{FF2B5EF4-FFF2-40B4-BE49-F238E27FC236}">
-                <a16:creationId xmlns:a16="http://schemas.microsoft.com/office/drawing/2014/main" id="{9564AB04-1721-4C3B-A8D4-5871693E7DEB}"/>
-              </a:ext>
-            </a:extLst>
-          </p:cNvPr>
-          <p:cNvSpPr txBox="1"/>
-          <p:nvPr/>
-        </p:nvSpPr>
-        <p:spPr>
-          <a:xfrm>
-            <a:off x="6436467" y="5140761"/>
-            <a:ext cx="4730782" cy="369332"/>
-          </a:xfrm>
-          <a:prstGeom prst="rect">
-            <a:avLst/>
-          </a:prstGeom>
-          <a:noFill/>
-        </p:spPr>
-        <p:txBody>
-          <a:bodyPr wrap="none" rtlCol="0">
-            <a:spAutoFit/>
-          </a:bodyPr>
-          <a:lstStyle/>
-          <a:p>
-            <a:r>
-              <a:rPr lang="en-US" altLang="ko-KR" dirty="0"/>
-              <a:t>..</a:t>
-            </a:r>
-            <a:r>
-              <a:rPr lang="ko-KR" altLang="en-US" dirty="0"/>
-              <a:t>결과를 뭐라고 쓰죠</a:t>
-            </a:r>
-            <a:r>
-              <a:rPr lang="en-US" altLang="ko-KR" dirty="0"/>
-              <a:t>???????????????????????</a:t>
-            </a:r>
+              <a:rPr lang="ko-KR" altLang="en-US" dirty="0"/>
+              <a:t>학교</a:t>
+            </a:r>
+            <a:r>
+              <a:rPr lang="en-US" altLang="ko-KR" dirty="0"/>
+              <a:t>(</a:t>
+            </a:r>
+            <a:r>
+              <a:rPr lang="ko-KR" altLang="en-US" dirty="0"/>
+              <a:t>초중고</a:t>
+            </a:r>
+            <a:r>
+              <a:rPr lang="en-US" altLang="ko-KR" dirty="0"/>
+              <a:t>) </a:t>
+            </a:r>
+            <a:r>
+              <a:rPr lang="ko-KR" altLang="en-US" dirty="0"/>
+              <a:t>수</a:t>
+            </a:r>
+            <a:r>
+              <a:rPr lang="en-US" altLang="ko-KR" dirty="0"/>
+              <a:t>, </a:t>
+            </a:r>
+            <a:r>
+              <a:rPr lang="ko-KR" altLang="en-US" dirty="0"/>
+              <a:t>자치구별 대학교 수</a:t>
+            </a:r>
+            <a:r>
+              <a:rPr lang="en-US" altLang="ko-KR" dirty="0"/>
+              <a:t>, </a:t>
+            </a:r>
+            <a:r>
+              <a:rPr lang="ko-KR" altLang="en-US" dirty="0"/>
+              <a:t>자치구별 대기업 종사자수</a:t>
+            </a:r>
+            <a:endParaRPr lang="en-US" altLang="ko-KR" dirty="0"/>
+          </a:p>
+          <a:p>
+            <a:pPr marL="1371600" lvl="2" indent="-457200">
+              <a:buAutoNum type="arabicPeriod"/>
+            </a:pPr>
+            <a:r>
+              <a:rPr lang="ko-KR" altLang="en-US" dirty="0"/>
+              <a:t>종속 변수</a:t>
+            </a:r>
+            <a:r>
+              <a:rPr lang="en-US" altLang="ko-KR" dirty="0"/>
+              <a:t>: </a:t>
+            </a:r>
+            <a:r>
+              <a:rPr lang="ko-KR" altLang="en-US" dirty="0"/>
+              <a:t>이용 건수</a:t>
+            </a:r>
+            <a:endParaRPr lang="en-US" altLang="ko-KR" dirty="0"/>
+          </a:p>
+          <a:p>
+            <a:pPr marL="914400" lvl="1" indent="-457200">
+              <a:buAutoNum type="arabicPeriod"/>
+            </a:pPr>
+            <a:r>
+              <a:rPr lang="ko-KR" altLang="en-US" dirty="0"/>
+              <a:t>모델</a:t>
+            </a:r>
+            <a:r>
+              <a:rPr lang="en-US" altLang="ko-KR" dirty="0"/>
+              <a:t>(3)</a:t>
+            </a:r>
+          </a:p>
+          <a:p>
+            <a:pPr marL="1371600" lvl="2" indent="-457200">
+              <a:buAutoNum type="arabicPeriod"/>
+            </a:pPr>
+            <a:r>
+              <a:rPr lang="ko-KR" altLang="en-US" dirty="0"/>
+              <a:t>독립 변수</a:t>
+            </a:r>
+            <a:r>
+              <a:rPr lang="en-US" altLang="ko-KR" dirty="0"/>
+              <a:t>: </a:t>
+            </a:r>
+            <a:r>
+              <a:rPr lang="ko-KR" altLang="en-US" dirty="0"/>
+              <a:t>자치구별 지하철 역 개수</a:t>
+            </a:r>
+            <a:r>
+              <a:rPr lang="en-US" altLang="ko-KR" dirty="0"/>
+              <a:t>, </a:t>
+            </a:r>
+            <a:r>
+              <a:rPr lang="ko-KR" altLang="en-US" dirty="0"/>
+              <a:t>자치구별</a:t>
+            </a:r>
+            <a:r>
+              <a:rPr lang="en-US" altLang="ko-KR" dirty="0"/>
+              <a:t> </a:t>
+            </a:r>
+            <a:r>
+              <a:rPr lang="ko-KR" altLang="en-US" dirty="0"/>
+              <a:t>학교</a:t>
+            </a:r>
+            <a:r>
+              <a:rPr lang="en-US" altLang="ko-KR" dirty="0"/>
+              <a:t>(</a:t>
+            </a:r>
+            <a:r>
+              <a:rPr lang="ko-KR" altLang="en-US" dirty="0"/>
+              <a:t>초중고</a:t>
+            </a:r>
+            <a:r>
+              <a:rPr lang="en-US" altLang="ko-KR" dirty="0"/>
+              <a:t>) </a:t>
+            </a:r>
+            <a:r>
+              <a:rPr lang="ko-KR" altLang="en-US" dirty="0"/>
+              <a:t>수</a:t>
+            </a:r>
+            <a:r>
+              <a:rPr lang="en-US" altLang="ko-KR" dirty="0"/>
+              <a:t>, </a:t>
+            </a:r>
+            <a:r>
+              <a:rPr lang="ko-KR" altLang="en-US" dirty="0"/>
+              <a:t>자치구별 대학교 수</a:t>
+            </a:r>
+            <a:r>
+              <a:rPr lang="en-US" altLang="ko-KR" dirty="0"/>
+              <a:t>, </a:t>
+            </a:r>
+            <a:r>
+              <a:rPr lang="ko-KR" altLang="en-US" dirty="0"/>
+              <a:t>자치구별 중소기업 종사자수</a:t>
+            </a:r>
+            <a:endParaRPr lang="en-US" altLang="ko-KR" dirty="0"/>
+          </a:p>
+          <a:p>
+            <a:pPr marL="1371600" lvl="2" indent="-457200">
+              <a:buAutoNum type="arabicPeriod"/>
+            </a:pPr>
+            <a:r>
+              <a:rPr lang="ko-KR" altLang="en-US" dirty="0"/>
+              <a:t>종속 변수</a:t>
+            </a:r>
+            <a:r>
+              <a:rPr lang="en-US" altLang="ko-KR" dirty="0"/>
+              <a:t>: </a:t>
+            </a:r>
+            <a:r>
+              <a:rPr lang="ko-KR" altLang="en-US" dirty="0"/>
+              <a:t>이용 건수</a:t>
+            </a:r>
+            <a:endParaRPr lang="en-US" altLang="ko-KR" dirty="0"/>
+          </a:p>
+          <a:p>
+            <a:pPr marL="914400" lvl="1" indent="-457200">
+              <a:buAutoNum type="arabicPeriod"/>
+            </a:pPr>
+            <a:endParaRPr lang="en-US" altLang="ko-KR" dirty="0"/>
+          </a:p>
+          <a:p>
+            <a:pPr marL="914400" lvl="1" indent="-457200">
+              <a:buAutoNum type="arabicPeriod"/>
+            </a:pPr>
             <a:endParaRPr lang="ko-KR" altLang="en-US" dirty="0"/>
           </a:p>
         </p:txBody>
@@ -4324,7 +4604,7 @@
     </p:spTree>
     <p:extLst>
       <p:ext uri="{BB962C8B-B14F-4D97-AF65-F5344CB8AC3E}">
-        <p14:creationId xmlns:p14="http://schemas.microsoft.com/office/powerpoint/2010/main" val="947133303"/>
+        <p14:creationId xmlns:p14="http://schemas.microsoft.com/office/powerpoint/2010/main" val="1762662325"/>
       </p:ext>
     </p:extLst>
   </p:cSld>
@@ -4351,12 +4631,75 @@
           <a:chExt cx="0" cy="0"/>
         </a:xfrm>
       </p:grpSpPr>
+      <p:sp>
+        <p:nvSpPr>
+          <p:cNvPr id="2" name="TextBox 1">
+            <a:extLst>
+              <a:ext uri="{FF2B5EF4-FFF2-40B4-BE49-F238E27FC236}">
+                <a16:creationId xmlns:a16="http://schemas.microsoft.com/office/drawing/2014/main" id="{9F67D46F-81C5-4AFF-A1C3-8BE1E9B125BE}"/>
+              </a:ext>
+            </a:extLst>
+          </p:cNvPr>
+          <p:cNvSpPr txBox="1"/>
+          <p:nvPr/>
+        </p:nvSpPr>
+        <p:spPr>
+          <a:xfrm>
+            <a:off x="252382" y="277586"/>
+            <a:ext cx="6317755" cy="369332"/>
+          </a:xfrm>
+          <a:prstGeom prst="rect">
+            <a:avLst/>
+          </a:prstGeom>
+          <a:noFill/>
+        </p:spPr>
+        <p:txBody>
+          <a:bodyPr wrap="none" rtlCol="0">
+            <a:spAutoFit/>
+          </a:bodyPr>
+          <a:lstStyle/>
+          <a:p>
+            <a:r>
+              <a:rPr lang="ko-KR" altLang="en-US" dirty="0" err="1"/>
+              <a:t>나이브</a:t>
+            </a:r>
+            <a:r>
+              <a:rPr lang="ko-KR" altLang="en-US" dirty="0"/>
+              <a:t> </a:t>
+            </a:r>
+            <a:r>
+              <a:rPr lang="ko-KR" altLang="en-US" dirty="0" err="1"/>
+              <a:t>베이즈</a:t>
+            </a:r>
+            <a:r>
+              <a:rPr lang="ko-KR" altLang="en-US" dirty="0"/>
+              <a:t> 분류기</a:t>
+            </a:r>
+            <a:r>
+              <a:rPr lang="en-US" altLang="ko-KR" dirty="0"/>
+              <a:t> – </a:t>
+            </a:r>
+            <a:r>
+              <a:rPr lang="ko-KR" altLang="en-US" dirty="0"/>
+              <a:t>지하철 인접 여부</a:t>
+            </a:r>
+            <a:r>
+              <a:rPr lang="en-US" altLang="ko-KR" dirty="0"/>
+              <a:t>, </a:t>
+            </a:r>
+            <a:r>
+              <a:rPr lang="ko-KR" altLang="en-US" dirty="0"/>
+              <a:t>이용건수 분류기</a:t>
+            </a:r>
+          </a:p>
+        </p:txBody>
+      </p:sp>
       <p:pic>
         <p:nvPicPr>
-          <p:cNvPr id="3" name="그림 2">
-            <a:extLst>
-              <a:ext uri="{FF2B5EF4-FFF2-40B4-BE49-F238E27FC236}">
-                <a16:creationId xmlns:a16="http://schemas.microsoft.com/office/drawing/2014/main" id="{0249A3F0-F856-4730-9269-99EC31B8A65B}"/>
+          <p:cNvPr id="4" name="그림 3">
+            <a:extLst>
+              <a:ext uri="{FF2B5EF4-FFF2-40B4-BE49-F238E27FC236}">
+                <a16:creationId xmlns:a16="http://schemas.microsoft.com/office/drawing/2014/main" id="{7C4A0A6C-BD71-4966-869E-A453A05FDC8A}"/>
               </a:ext>
             </a:extLst>
           </p:cNvPr>
@@ -4373,79 +4716,20 @@
         </p:blipFill>
         <p:spPr>
           <a:xfrm>
-            <a:off x="453118" y="890587"/>
-            <a:ext cx="4819650" cy="3248025"/>
+            <a:off x="5938294" y="646918"/>
+            <a:ext cx="6253706" cy="4045999"/>
           </a:xfrm>
           <a:prstGeom prst="rect">
             <a:avLst/>
           </a:prstGeom>
         </p:spPr>
       </p:pic>
-      <p:sp>
-        <p:nvSpPr>
-          <p:cNvPr id="4" name="TextBox 3">
-            <a:extLst>
-              <a:ext uri="{FF2B5EF4-FFF2-40B4-BE49-F238E27FC236}">
-                <a16:creationId xmlns:a16="http://schemas.microsoft.com/office/drawing/2014/main" id="{10D75921-CD8E-4C85-90CC-4B046F37C46F}"/>
-              </a:ext>
-            </a:extLst>
-          </p:cNvPr>
-          <p:cNvSpPr txBox="1"/>
-          <p:nvPr/>
-        </p:nvSpPr>
-        <p:spPr>
-          <a:xfrm>
-            <a:off x="252382" y="277586"/>
-            <a:ext cx="6867586" cy="369332"/>
-          </a:xfrm>
-          <a:prstGeom prst="rect">
-            <a:avLst/>
-          </a:prstGeom>
-          <a:noFill/>
-        </p:spPr>
-        <p:txBody>
-          <a:bodyPr wrap="none" rtlCol="0">
-            <a:spAutoFit/>
-          </a:bodyPr>
-          <a:lstStyle/>
-          <a:p>
-            <a:r>
-              <a:rPr lang="ko-KR" altLang="en-US" dirty="0"/>
-              <a:t>다중회귀모델</a:t>
-            </a:r>
-            <a:r>
-              <a:rPr lang="en-US" altLang="ko-KR" dirty="0"/>
-              <a:t>(1) – </a:t>
-            </a:r>
-            <a:r>
-              <a:rPr lang="ko-KR" altLang="en-US" dirty="0"/>
-              <a:t>지하철</a:t>
-            </a:r>
-            <a:r>
-              <a:rPr lang="en-US" altLang="ko-KR" dirty="0"/>
-              <a:t>, </a:t>
-            </a:r>
-            <a:r>
-              <a:rPr lang="ko-KR" altLang="en-US" dirty="0"/>
-              <a:t>초중고</a:t>
-            </a:r>
-            <a:r>
-              <a:rPr lang="en-US" altLang="ko-KR" dirty="0"/>
-              <a:t>, </a:t>
-            </a:r>
-            <a:r>
-              <a:rPr lang="ko-KR" altLang="en-US" dirty="0"/>
-              <a:t>학교 수에 따른 이용건수 예측</a:t>
-            </a:r>
-          </a:p>
-        </p:txBody>
-      </p:sp>
       <p:pic>
         <p:nvPicPr>
           <p:cNvPr id="6" name="그림 5">
             <a:extLst>
               <a:ext uri="{FF2B5EF4-FFF2-40B4-BE49-F238E27FC236}">
-                <a16:creationId xmlns:a16="http://schemas.microsoft.com/office/drawing/2014/main" id="{820C3986-7AB6-4803-A775-366AF742D2FE}"/>
+                <a16:creationId xmlns:a16="http://schemas.microsoft.com/office/drawing/2014/main" id="{21AB06DE-1EE9-4CDC-9604-179C085F2E0A}"/>
               </a:ext>
             </a:extLst>
           </p:cNvPr>
@@ -4462,8 +4746,8 @@
         </p:blipFill>
         <p:spPr>
           <a:xfrm>
-            <a:off x="453118" y="4561896"/>
-            <a:ext cx="7896225" cy="2133600"/>
+            <a:off x="252382" y="1191000"/>
+            <a:ext cx="5334744" cy="4134427"/>
           </a:xfrm>
           <a:prstGeom prst="rect">
             <a:avLst/>
@@ -4475,7 +4759,7 @@
           <p:cNvPr id="7" name="TextBox 6">
             <a:extLst>
               <a:ext uri="{FF2B5EF4-FFF2-40B4-BE49-F238E27FC236}">
-                <a16:creationId xmlns:a16="http://schemas.microsoft.com/office/drawing/2014/main" id="{F21128A4-8959-4B58-965C-62BD9C603B8D}"/>
+                <a16:creationId xmlns:a16="http://schemas.microsoft.com/office/drawing/2014/main" id="{6602C029-6D24-4177-8B34-7E632F978BF0}"/>
               </a:ext>
             </a:extLst>
           </p:cNvPr>
@@ -4484,7 +4768,7 @@
         </p:nvSpPr>
         <p:spPr>
           <a:xfrm>
-            <a:off x="453118" y="4138612"/>
+            <a:off x="252382" y="709833"/>
             <a:ext cx="2189767" cy="369332"/>
           </a:xfrm>
           <a:prstGeom prst="rect">
@@ -4522,10 +4806,54 @@
           </a:p>
         </p:txBody>
       </p:sp>
+      <p:sp>
+        <p:nvSpPr>
+          <p:cNvPr id="8" name="TextBox 7">
+            <a:extLst>
+              <a:ext uri="{FF2B5EF4-FFF2-40B4-BE49-F238E27FC236}">
+                <a16:creationId xmlns:a16="http://schemas.microsoft.com/office/drawing/2014/main" id="{9564AB04-1721-4C3B-A8D4-5871693E7DEB}"/>
+              </a:ext>
+            </a:extLst>
+          </p:cNvPr>
+          <p:cNvSpPr txBox="1"/>
+          <p:nvPr/>
+        </p:nvSpPr>
+        <p:spPr>
+          <a:xfrm>
+            <a:off x="6436467" y="5140761"/>
+            <a:ext cx="4730782" cy="369332"/>
+          </a:xfrm>
+          <a:prstGeom prst="rect">
+            <a:avLst/>
+          </a:prstGeom>
+          <a:noFill/>
+        </p:spPr>
+        <p:txBody>
+          <a:bodyPr wrap="none" rtlCol="0">
+            <a:spAutoFit/>
+          </a:bodyPr>
+          <a:lstStyle/>
+          <a:p>
+            <a:r>
+              <a:rPr lang="en-US" altLang="ko-KR" dirty="0"/>
+              <a:t>..</a:t>
+            </a:r>
+            <a:r>
+              <a:rPr lang="ko-KR" altLang="en-US" dirty="0"/>
+              <a:t>결과를 뭐라고 쓰죠</a:t>
+            </a:r>
+            <a:r>
+              <a:rPr lang="en-US" altLang="ko-KR" dirty="0"/>
+              <a:t>???????????????????????</a:t>
+            </a:r>
+            <a:endParaRPr lang="ko-KR" altLang="en-US" dirty="0"/>
+          </a:p>
+        </p:txBody>
+      </p:sp>
     </p:spTree>
     <p:extLst>
       <p:ext uri="{BB962C8B-B14F-4D97-AF65-F5344CB8AC3E}">
-        <p14:creationId xmlns:p14="http://schemas.microsoft.com/office/powerpoint/2010/main" val="1026053927"/>
+        <p14:creationId xmlns:p14="http://schemas.microsoft.com/office/powerpoint/2010/main" val="947133303"/>
       </p:ext>
     </p:extLst>
   </p:cSld>
@@ -4557,7 +4885,7 @@
           <p:cNvPr id="3" name="그림 2">
             <a:extLst>
               <a:ext uri="{FF2B5EF4-FFF2-40B4-BE49-F238E27FC236}">
-                <a16:creationId xmlns:a16="http://schemas.microsoft.com/office/drawing/2014/main" id="{D2026394-8571-4BF7-9333-319BF0B6386F}"/>
+                <a16:creationId xmlns:a16="http://schemas.microsoft.com/office/drawing/2014/main" id="{0249A3F0-F856-4730-9269-99EC31B8A65B}"/>
               </a:ext>
             </a:extLst>
           </p:cNvPr>
@@ -4574,8 +4902,8 @@
         </p:blipFill>
         <p:spPr>
           <a:xfrm>
-            <a:off x="283708" y="808265"/>
-            <a:ext cx="7934325" cy="1943100"/>
+            <a:off x="453118" y="890587"/>
+            <a:ext cx="4819650" cy="3248025"/>
           </a:xfrm>
           <a:prstGeom prst="rect">
             <a:avLst/>
@@ -4587,7 +4915,7 @@
           <p:cNvPr id="4" name="TextBox 3">
             <a:extLst>
               <a:ext uri="{FF2B5EF4-FFF2-40B4-BE49-F238E27FC236}">
-                <a16:creationId xmlns:a16="http://schemas.microsoft.com/office/drawing/2014/main" id="{D042CEA9-21C3-462F-82B2-FAEA23D288FF}"/>
+                <a16:creationId xmlns:a16="http://schemas.microsoft.com/office/drawing/2014/main" id="{10D75921-CD8E-4C85-90CC-4B046F37C46F}"/>
               </a:ext>
             </a:extLst>
           </p:cNvPr>
@@ -4596,8 +4924,8 @@
         </p:nvSpPr>
         <p:spPr>
           <a:xfrm>
-            <a:off x="283708" y="438933"/>
-            <a:ext cx="1655390" cy="369332"/>
+            <a:off x="252382" y="277586"/>
+            <a:ext cx="6867586" cy="369332"/>
           </a:xfrm>
           <a:prstGeom prst="rect">
             <a:avLst/>
@@ -4611,26 +4939,33 @@
           <a:lstStyle/>
           <a:p>
             <a:r>
-              <a:rPr lang="en-US" altLang="ko-KR" dirty="0"/>
-              <a:t>Train</a:t>
-            </a:r>
-            <a:r>
-              <a:rPr lang="ko-KR" altLang="en-US" dirty="0"/>
-              <a:t> </a:t>
-            </a:r>
-            <a:r>
-              <a:rPr lang="en-US" altLang="ko-KR" dirty="0"/>
-              <a:t>Data</a:t>
-            </a:r>
-            <a:r>
-              <a:rPr lang="ko-KR" altLang="en-US" dirty="0"/>
-              <a:t> </a:t>
-            </a:r>
-            <a:r>
-              <a:rPr lang="en-US" altLang="ko-KR" dirty="0"/>
-              <a:t>Set</a:t>
-            </a:r>
-            <a:endParaRPr lang="ko-KR" altLang="en-US" dirty="0"/>
+              <a:rPr lang="ko-KR" altLang="en-US" dirty="0"/>
+              <a:t>다중회귀모델</a:t>
+            </a:r>
+            <a:r>
+              <a:rPr lang="en-US" altLang="ko-KR" dirty="0"/>
+              <a:t>(1) – </a:t>
+            </a:r>
+            <a:r>
+              <a:rPr lang="ko-KR" altLang="en-US" dirty="0"/>
+              <a:t>지하철</a:t>
+            </a:r>
+            <a:r>
+              <a:rPr lang="en-US" altLang="ko-KR" dirty="0"/>
+              <a:t>, </a:t>
+            </a:r>
+            <a:r>
+              <a:rPr lang="ko-KR" altLang="en-US" dirty="0"/>
+              <a:t>초중고</a:t>
+            </a:r>
+            <a:r>
+              <a:rPr lang="en-US" altLang="ko-KR" dirty="0"/>
+              <a:t>, </a:t>
+            </a:r>
+            <a:r>
+              <a:rPr lang="ko-KR" altLang="en-US" dirty="0"/>
+              <a:t>학교 수에 따른 이용건수 예측</a:t>
+            </a:r>
           </a:p>
         </p:txBody>
       </p:sp>
@@ -4639,7 +4974,7 @@
           <p:cNvPr id="6" name="그림 5">
             <a:extLst>
               <a:ext uri="{FF2B5EF4-FFF2-40B4-BE49-F238E27FC236}">
-                <a16:creationId xmlns:a16="http://schemas.microsoft.com/office/drawing/2014/main" id="{334BF8AC-3E92-444F-9CD1-F451D8F8993D}"/>
+                <a16:creationId xmlns:a16="http://schemas.microsoft.com/office/drawing/2014/main" id="{820C3986-7AB6-4803-A775-366AF742D2FE}"/>
               </a:ext>
             </a:extLst>
           </p:cNvPr>
@@ -4656,50 +4991,20 @@
         </p:blipFill>
         <p:spPr>
           <a:xfrm>
-            <a:off x="464003" y="3820886"/>
-            <a:ext cx="5810250" cy="285750"/>
+            <a:off x="453118" y="4561896"/>
+            <a:ext cx="7896225" cy="2133600"/>
           </a:xfrm>
           <a:prstGeom prst="rect">
             <a:avLst/>
           </a:prstGeom>
         </p:spPr>
       </p:pic>
-      <p:pic>
-        <p:nvPicPr>
-          <p:cNvPr id="8" name="그림 7">
-            <a:extLst>
-              <a:ext uri="{FF2B5EF4-FFF2-40B4-BE49-F238E27FC236}">
-                <a16:creationId xmlns:a16="http://schemas.microsoft.com/office/drawing/2014/main" id="{5606040D-A99E-46BA-A894-27D0BEA2DB3D}"/>
-              </a:ext>
-            </a:extLst>
-          </p:cNvPr>
-          <p:cNvPicPr>
-            <a:picLocks noChangeAspect="1"/>
-          </p:cNvPicPr>
-          <p:nvPr/>
-        </p:nvPicPr>
-        <p:blipFill>
-          <a:blip r:embed="rId4"/>
-          <a:stretch>
-            <a:fillRect/>
-          </a:stretch>
-        </p:blipFill>
-        <p:spPr>
-          <a:xfrm>
-            <a:off x="464003" y="4211411"/>
-            <a:ext cx="4257675" cy="981075"/>
-          </a:xfrm>
-          <a:prstGeom prst="rect">
-            <a:avLst/>
-          </a:prstGeom>
-        </p:spPr>
-      </p:pic>
-      <p:sp>
-        <p:nvSpPr>
-          <p:cNvPr id="9" name="TextBox 8">
-            <a:extLst>
-              <a:ext uri="{FF2B5EF4-FFF2-40B4-BE49-F238E27FC236}">
-                <a16:creationId xmlns:a16="http://schemas.microsoft.com/office/drawing/2014/main" id="{596F50DA-952A-452D-BA73-D1DDDC9DB276}"/>
+      <p:sp>
+        <p:nvSpPr>
+          <p:cNvPr id="7" name="TextBox 6">
+            <a:extLst>
+              <a:ext uri="{FF2B5EF4-FFF2-40B4-BE49-F238E27FC236}">
+                <a16:creationId xmlns:a16="http://schemas.microsoft.com/office/drawing/2014/main" id="{F21128A4-8959-4B58-965C-62BD9C603B8D}"/>
               </a:ext>
             </a:extLst>
           </p:cNvPr>
@@ -4708,8 +5013,8 @@
         </p:nvSpPr>
         <p:spPr>
           <a:xfrm>
-            <a:off x="283708" y="3296722"/>
-            <a:ext cx="3199915" cy="369332"/>
+            <a:off x="453118" y="4138612"/>
+            <a:ext cx="2189767" cy="369332"/>
           </a:xfrm>
           <a:prstGeom prst="rect">
             <a:avLst/>
@@ -4723,16 +5028,33 @@
           <a:lstStyle/>
           <a:p>
             <a:r>
-              <a:rPr lang="ko-KR" altLang="en-US" dirty="0"/>
-              <a:t>새로운 데이터를 이용한 예측</a:t>
-            </a:r>
+              <a:rPr lang="en-US" altLang="ko-KR" dirty="0"/>
+              <a:t>Validation</a:t>
+            </a:r>
+            <a:r>
+              <a:rPr lang="ko-KR" altLang="en-US" dirty="0"/>
+              <a:t> </a:t>
+            </a:r>
+            <a:r>
+              <a:rPr lang="en-US" altLang="ko-KR" dirty="0"/>
+              <a:t>Data</a:t>
+            </a:r>
+            <a:r>
+              <a:rPr lang="ko-KR" altLang="en-US" dirty="0"/>
+              <a:t> </a:t>
+            </a:r>
+            <a:r>
+              <a:rPr lang="en-US" altLang="ko-KR" dirty="0"/>
+              <a:t>Set</a:t>
+            </a:r>
+            <a:endParaRPr lang="ko-KR" altLang="en-US" dirty="0"/>
           </a:p>
         </p:txBody>
       </p:sp>
     </p:spTree>
     <p:extLst>
       <p:ext uri="{BB962C8B-B14F-4D97-AF65-F5344CB8AC3E}">
-        <p14:creationId xmlns:p14="http://schemas.microsoft.com/office/powerpoint/2010/main" val="2285756010"/>
+        <p14:creationId xmlns:p14="http://schemas.microsoft.com/office/powerpoint/2010/main" val="1026053927"/>
       </p:ext>
     </p:extLst>
   </p:cSld>
@@ -4764,7 +5086,7 @@
           <p:cNvPr id="3" name="그림 2">
             <a:extLst>
               <a:ext uri="{FF2B5EF4-FFF2-40B4-BE49-F238E27FC236}">
-                <a16:creationId xmlns:a16="http://schemas.microsoft.com/office/drawing/2014/main" id="{0249A3F0-F856-4730-9269-99EC31B8A65B}"/>
+                <a16:creationId xmlns:a16="http://schemas.microsoft.com/office/drawing/2014/main" id="{D2026394-8571-4BF7-9333-319BF0B6386F}"/>
               </a:ext>
             </a:extLst>
           </p:cNvPr>
@@ -4781,8 +5103,8 @@
         </p:blipFill>
         <p:spPr>
           <a:xfrm>
-            <a:off x="453118" y="890587"/>
-            <a:ext cx="4819650" cy="3248025"/>
+            <a:off x="283708" y="808265"/>
+            <a:ext cx="7934325" cy="1943100"/>
           </a:xfrm>
           <a:prstGeom prst="rect">
             <a:avLst/>
@@ -4794,7 +5116,7 @@
           <p:cNvPr id="4" name="TextBox 3">
             <a:extLst>
               <a:ext uri="{FF2B5EF4-FFF2-40B4-BE49-F238E27FC236}">
-                <a16:creationId xmlns:a16="http://schemas.microsoft.com/office/drawing/2014/main" id="{10D75921-CD8E-4C85-90CC-4B046F37C46F}"/>
+                <a16:creationId xmlns:a16="http://schemas.microsoft.com/office/drawing/2014/main" id="{D042CEA9-21C3-462F-82B2-FAEA23D288FF}"/>
               </a:ext>
             </a:extLst>
           </p:cNvPr>
@@ -4803,8 +5125,8 @@
         </p:nvSpPr>
         <p:spPr>
           <a:xfrm>
-            <a:off x="252382" y="277586"/>
-            <a:ext cx="6867586" cy="369332"/>
+            <a:off x="283708" y="438933"/>
+            <a:ext cx="1655390" cy="369332"/>
           </a:xfrm>
           <a:prstGeom prst="rect">
             <a:avLst/>
@@ -4818,33 +5140,26 @@
           <a:lstStyle/>
           <a:p>
             <a:r>
-              <a:rPr lang="ko-KR" altLang="en-US" dirty="0"/>
-              <a:t>다중회귀모델</a:t>
-            </a:r>
-            <a:r>
-              <a:rPr lang="en-US" altLang="ko-KR" dirty="0"/>
-              <a:t>(1) – </a:t>
-            </a:r>
-            <a:r>
-              <a:rPr lang="ko-KR" altLang="en-US" dirty="0"/>
-              <a:t>지하철</a:t>
-            </a:r>
-            <a:r>
-              <a:rPr lang="en-US" altLang="ko-KR" dirty="0"/>
-              <a:t>, </a:t>
-            </a:r>
-            <a:r>
-              <a:rPr lang="ko-KR" altLang="en-US" dirty="0"/>
-              <a:t>초중고</a:t>
-            </a:r>
-            <a:r>
-              <a:rPr lang="en-US" altLang="ko-KR" dirty="0"/>
-              <a:t>, </a:t>
-            </a:r>
-            <a:r>
-              <a:rPr lang="ko-KR" altLang="en-US" dirty="0"/>
-              <a:t>학교 수에 따른 이용건수 예측</a:t>
-            </a:r>
+              <a:rPr lang="en-US" altLang="ko-KR" dirty="0"/>
+              <a:t>Train</a:t>
+            </a:r>
+            <a:r>
+              <a:rPr lang="ko-KR" altLang="en-US" dirty="0"/>
+              <a:t> </a:t>
+            </a:r>
+            <a:r>
+              <a:rPr lang="en-US" altLang="ko-KR" dirty="0"/>
+              <a:t>Data</a:t>
+            </a:r>
+            <a:r>
+              <a:rPr lang="ko-KR" altLang="en-US" dirty="0"/>
+              <a:t> </a:t>
+            </a:r>
+            <a:r>
+              <a:rPr lang="en-US" altLang="ko-KR" dirty="0"/>
+              <a:t>Set</a:t>
+            </a:r>
+            <a:endParaRPr lang="ko-KR" altLang="en-US" dirty="0"/>
           </a:p>
         </p:txBody>
       </p:sp>
@@ -4853,7 +5168,7 @@
           <p:cNvPr id="6" name="그림 5">
             <a:extLst>
               <a:ext uri="{FF2B5EF4-FFF2-40B4-BE49-F238E27FC236}">
-                <a16:creationId xmlns:a16="http://schemas.microsoft.com/office/drawing/2014/main" id="{820C3986-7AB6-4803-A775-366AF742D2FE}"/>
+                <a16:creationId xmlns:a16="http://schemas.microsoft.com/office/drawing/2014/main" id="{334BF8AC-3E92-444F-9CD1-F451D8F8993D}"/>
               </a:ext>
             </a:extLst>
           </p:cNvPr>
@@ -4870,20 +5185,50 @@
         </p:blipFill>
         <p:spPr>
           <a:xfrm>
-            <a:off x="453118" y="4561896"/>
-            <a:ext cx="7896225" cy="2133600"/>
+            <a:off x="464003" y="3820886"/>
+            <a:ext cx="5810250" cy="285750"/>
           </a:xfrm>
           <a:prstGeom prst="rect">
             <a:avLst/>
           </a:prstGeom>
         </p:spPr>
       </p:pic>
-      <p:sp>
-        <p:nvSpPr>
-          <p:cNvPr id="7" name="TextBox 6">
-            <a:extLst>
-              <a:ext uri="{FF2B5EF4-FFF2-40B4-BE49-F238E27FC236}">
-                <a16:creationId xmlns:a16="http://schemas.microsoft.com/office/drawing/2014/main" id="{F21128A4-8959-4B58-965C-62BD9C603B8D}"/>
+      <p:pic>
+        <p:nvPicPr>
+          <p:cNvPr id="8" name="그림 7">
+            <a:extLst>
+              <a:ext uri="{FF2B5EF4-FFF2-40B4-BE49-F238E27FC236}">
+                <a16:creationId xmlns:a16="http://schemas.microsoft.com/office/drawing/2014/main" id="{5606040D-A99E-46BA-A894-27D0BEA2DB3D}"/>
+              </a:ext>
+            </a:extLst>
+          </p:cNvPr>
+          <p:cNvPicPr>
+            <a:picLocks noChangeAspect="1"/>
+          </p:cNvPicPr>
+          <p:nvPr/>
+        </p:nvPicPr>
+        <p:blipFill>
+          <a:blip r:embed="rId4"/>
+          <a:stretch>
+            <a:fillRect/>
+          </a:stretch>
+        </p:blipFill>
+        <p:spPr>
+          <a:xfrm>
+            <a:off x="464003" y="4211411"/>
+            <a:ext cx="4257675" cy="981075"/>
+          </a:xfrm>
+          <a:prstGeom prst="rect">
+            <a:avLst/>
+          </a:prstGeom>
+        </p:spPr>
+      </p:pic>
+      <p:sp>
+        <p:nvSpPr>
+          <p:cNvPr id="9" name="TextBox 8">
+            <a:extLst>
+              <a:ext uri="{FF2B5EF4-FFF2-40B4-BE49-F238E27FC236}">
+                <a16:creationId xmlns:a16="http://schemas.microsoft.com/office/drawing/2014/main" id="{596F50DA-952A-452D-BA73-D1DDDC9DB276}"/>
               </a:ext>
             </a:extLst>
           </p:cNvPr>
@@ -4892,8 +5237,8 @@
         </p:nvSpPr>
         <p:spPr>
           <a:xfrm>
-            <a:off x="453118" y="4138612"/>
-            <a:ext cx="2189767" cy="369332"/>
+            <a:off x="283708" y="3296722"/>
+            <a:ext cx="3199915" cy="369332"/>
           </a:xfrm>
           <a:prstGeom prst="rect">
             <a:avLst/>
@@ -4907,33 +5252,16 @@
           <a:lstStyle/>
           <a:p>
             <a:r>
-              <a:rPr lang="en-US" altLang="ko-KR" dirty="0"/>
-              <a:t>Validation</a:t>
-            </a:r>
-            <a:r>
-              <a:rPr lang="ko-KR" altLang="en-US" dirty="0"/>
-              <a:t> </a:t>
-            </a:r>
-            <a:r>
-              <a:rPr lang="en-US" altLang="ko-KR" dirty="0"/>
-              <a:t>Data</a:t>
-            </a:r>
-            <a:r>
-              <a:rPr lang="ko-KR" altLang="en-US" dirty="0"/>
-              <a:t> </a:t>
-            </a:r>
-            <a:r>
-              <a:rPr lang="en-US" altLang="ko-KR" dirty="0"/>
-              <a:t>Set</a:t>
-            </a:r>
-            <a:endParaRPr lang="ko-KR" altLang="en-US" dirty="0"/>
+              <a:rPr lang="ko-KR" altLang="en-US" dirty="0"/>
+              <a:t>새로운 데이터를 이용한 예측</a:t>
+            </a:r>
           </a:p>
         </p:txBody>
       </p:sp>
     </p:spTree>
     <p:extLst>
       <p:ext uri="{BB962C8B-B14F-4D97-AF65-F5344CB8AC3E}">
-        <p14:creationId xmlns:p14="http://schemas.microsoft.com/office/powerpoint/2010/main" val="998940151"/>
+        <p14:creationId xmlns:p14="http://schemas.microsoft.com/office/powerpoint/2010/main" val="2285756010"/>
       </p:ext>
     </p:extLst>
   </p:cSld>
@@ -4965,7 +5293,7 @@
           <p:cNvPr id="3" name="그림 2">
             <a:extLst>
               <a:ext uri="{FF2B5EF4-FFF2-40B4-BE49-F238E27FC236}">
-                <a16:creationId xmlns:a16="http://schemas.microsoft.com/office/drawing/2014/main" id="{D2026394-8571-4BF7-9333-319BF0B6386F}"/>
+                <a16:creationId xmlns:a16="http://schemas.microsoft.com/office/drawing/2014/main" id="{0249A3F0-F856-4730-9269-99EC31B8A65B}"/>
               </a:ext>
             </a:extLst>
           </p:cNvPr>
@@ -4982,8 +5310,8 @@
         </p:blipFill>
         <p:spPr>
           <a:xfrm>
-            <a:off x="283708" y="808265"/>
-            <a:ext cx="7934325" cy="1943100"/>
+            <a:off x="453118" y="890587"/>
+            <a:ext cx="4819650" cy="3248025"/>
           </a:xfrm>
           <a:prstGeom prst="rect">
             <a:avLst/>
@@ -4995,7 +5323,7 @@
           <p:cNvPr id="4" name="TextBox 3">
             <a:extLst>
               <a:ext uri="{FF2B5EF4-FFF2-40B4-BE49-F238E27FC236}">
-                <a16:creationId xmlns:a16="http://schemas.microsoft.com/office/drawing/2014/main" id="{D042CEA9-21C3-462F-82B2-FAEA23D288FF}"/>
+                <a16:creationId xmlns:a16="http://schemas.microsoft.com/office/drawing/2014/main" id="{10D75921-CD8E-4C85-90CC-4B046F37C46F}"/>
               </a:ext>
             </a:extLst>
           </p:cNvPr>
@@ -5004,8 +5332,8 @@
         </p:nvSpPr>
         <p:spPr>
           <a:xfrm>
-            <a:off x="283708" y="438933"/>
-            <a:ext cx="1655390" cy="369332"/>
+            <a:off x="252382" y="277586"/>
+            <a:ext cx="6867586" cy="369332"/>
           </a:xfrm>
           <a:prstGeom prst="rect">
             <a:avLst/>
@@ -5019,35 +5347,42 @@
           <a:lstStyle/>
           <a:p>
             <a:r>
-              <a:rPr lang="en-US" altLang="ko-KR" dirty="0"/>
-              <a:t>Train</a:t>
-            </a:r>
-            <a:r>
-              <a:rPr lang="ko-KR" altLang="en-US" dirty="0"/>
-              <a:t> </a:t>
-            </a:r>
-            <a:r>
-              <a:rPr lang="en-US" altLang="ko-KR" dirty="0"/>
-              <a:t>Data</a:t>
-            </a:r>
-            <a:r>
-              <a:rPr lang="ko-KR" altLang="en-US" dirty="0"/>
-              <a:t> </a:t>
-            </a:r>
-            <a:r>
-              <a:rPr lang="en-US" altLang="ko-KR" dirty="0"/>
-              <a:t>Set</a:t>
-            </a:r>
-            <a:endParaRPr lang="ko-KR" altLang="en-US" dirty="0"/>
+              <a:rPr lang="ko-KR" altLang="en-US" dirty="0"/>
+              <a:t>다중회귀모델</a:t>
+            </a:r>
+            <a:r>
+              <a:rPr lang="en-US" altLang="ko-KR" dirty="0"/>
+              <a:t>(1) – </a:t>
+            </a:r>
+            <a:r>
+              <a:rPr lang="ko-KR" altLang="en-US" dirty="0"/>
+              <a:t>지하철</a:t>
+            </a:r>
+            <a:r>
+              <a:rPr lang="en-US" altLang="ko-KR" dirty="0"/>
+              <a:t>, </a:t>
+            </a:r>
+            <a:r>
+              <a:rPr lang="ko-KR" altLang="en-US" dirty="0"/>
+              <a:t>초중고</a:t>
+            </a:r>
+            <a:r>
+              <a:rPr lang="en-US" altLang="ko-KR" dirty="0"/>
+              <a:t>, </a:t>
+            </a:r>
+            <a:r>
+              <a:rPr lang="ko-KR" altLang="en-US" dirty="0"/>
+              <a:t>학교 수에 따른 이용건수 예측</a:t>
+            </a:r>
           </a:p>
         </p:txBody>
       </p:sp>
       <p:pic>
         <p:nvPicPr>
-          <p:cNvPr id="8" name="그림 7">
-            <a:extLst>
-              <a:ext uri="{FF2B5EF4-FFF2-40B4-BE49-F238E27FC236}">
-                <a16:creationId xmlns:a16="http://schemas.microsoft.com/office/drawing/2014/main" id="{5606040D-A99E-46BA-A894-27D0BEA2DB3D}"/>
+          <p:cNvPr id="6" name="그림 5">
+            <a:extLst>
+              <a:ext uri="{FF2B5EF4-FFF2-40B4-BE49-F238E27FC236}">
+                <a16:creationId xmlns:a16="http://schemas.microsoft.com/office/drawing/2014/main" id="{820C3986-7AB6-4803-A775-366AF742D2FE}"/>
               </a:ext>
             </a:extLst>
           </p:cNvPr>
@@ -5064,8 +5399,8 @@
         </p:blipFill>
         <p:spPr>
           <a:xfrm>
-            <a:off x="464003" y="4211411"/>
-            <a:ext cx="4257675" cy="981075"/>
+            <a:off x="453118" y="4561896"/>
+            <a:ext cx="7896225" cy="2133600"/>
           </a:xfrm>
           <a:prstGeom prst="rect">
             <a:avLst/>
@@ -5074,10 +5409,10 @@
       </p:pic>
       <p:sp>
         <p:nvSpPr>
-          <p:cNvPr id="9" name="TextBox 8">
-            <a:extLst>
-              <a:ext uri="{FF2B5EF4-FFF2-40B4-BE49-F238E27FC236}">
-                <a16:creationId xmlns:a16="http://schemas.microsoft.com/office/drawing/2014/main" id="{596F50DA-952A-452D-BA73-D1DDDC9DB276}"/>
+          <p:cNvPr id="7" name="TextBox 6">
+            <a:extLst>
+              <a:ext uri="{FF2B5EF4-FFF2-40B4-BE49-F238E27FC236}">
+                <a16:creationId xmlns:a16="http://schemas.microsoft.com/office/drawing/2014/main" id="{F21128A4-8959-4B58-965C-62BD9C603B8D}"/>
               </a:ext>
             </a:extLst>
           </p:cNvPr>
@@ -5086,8 +5421,8 @@
         </p:nvSpPr>
         <p:spPr>
           <a:xfrm>
-            <a:off x="283708" y="3296722"/>
-            <a:ext cx="3199915" cy="369332"/>
+            <a:off x="453118" y="4138612"/>
+            <a:ext cx="2189767" cy="369332"/>
           </a:xfrm>
           <a:prstGeom prst="rect">
             <a:avLst/>
@@ -5101,46 +5436,33 @@
           <a:lstStyle/>
           <a:p>
             <a:r>
-              <a:rPr lang="ko-KR" altLang="en-US" dirty="0"/>
-              <a:t>새로운 데이터를 이용한 예측</a:t>
-            </a:r>
-          </a:p>
-        </p:txBody>
-      </p:sp>
-      <p:pic>
-        <p:nvPicPr>
-          <p:cNvPr id="5" name="그림 4">
-            <a:extLst>
-              <a:ext uri="{FF2B5EF4-FFF2-40B4-BE49-F238E27FC236}">
-                <a16:creationId xmlns:a16="http://schemas.microsoft.com/office/drawing/2014/main" id="{DCFE24CB-6E1F-4A9C-A65E-BB5ED9BC0551}"/>
-              </a:ext>
-            </a:extLst>
-          </p:cNvPr>
-          <p:cNvPicPr>
-            <a:picLocks noChangeAspect="1"/>
-          </p:cNvPicPr>
-          <p:nvPr/>
-        </p:nvPicPr>
-        <p:blipFill>
-          <a:blip r:embed="rId4"/>
-          <a:stretch>
-            <a:fillRect/>
-          </a:stretch>
-        </p:blipFill>
-        <p:spPr>
-          <a:xfrm>
-            <a:off x="5087815" y="2751957"/>
-            <a:ext cx="5896708" cy="3721301"/>
-          </a:xfrm>
-          <a:prstGeom prst="rect">
-            <a:avLst/>
-          </a:prstGeom>
-        </p:spPr>
-      </p:pic>
+              <a:rPr lang="en-US" altLang="ko-KR" dirty="0"/>
+              <a:t>Validation</a:t>
+            </a:r>
+            <a:r>
+              <a:rPr lang="ko-KR" altLang="en-US" dirty="0"/>
+              <a:t> </a:t>
+            </a:r>
+            <a:r>
+              <a:rPr lang="en-US" altLang="ko-KR" dirty="0"/>
+              <a:t>Data</a:t>
+            </a:r>
+            <a:r>
+              <a:rPr lang="ko-KR" altLang="en-US" dirty="0"/>
+              <a:t> </a:t>
+            </a:r>
+            <a:r>
+              <a:rPr lang="en-US" altLang="ko-KR" dirty="0"/>
+              <a:t>Set</a:t>
+            </a:r>
+            <a:endParaRPr lang="ko-KR" altLang="en-US" dirty="0"/>
+          </a:p>
+        </p:txBody>
+      </p:sp>
     </p:spTree>
     <p:extLst>
       <p:ext uri="{BB962C8B-B14F-4D97-AF65-F5344CB8AC3E}">
-        <p14:creationId xmlns:p14="http://schemas.microsoft.com/office/powerpoint/2010/main" val="3894632396"/>
+        <p14:creationId xmlns:p14="http://schemas.microsoft.com/office/powerpoint/2010/main" val="998940151"/>
       </p:ext>
     </p:extLst>
   </p:cSld>
@@ -5167,139 +5489,12 @@
           <a:chExt cx="0" cy="0"/>
         </a:xfrm>
       </p:grpSpPr>
-      <p:sp>
-        <p:nvSpPr>
-          <p:cNvPr id="4" name="TextBox 3">
-            <a:extLst>
-              <a:ext uri="{FF2B5EF4-FFF2-40B4-BE49-F238E27FC236}">
-                <a16:creationId xmlns:a16="http://schemas.microsoft.com/office/drawing/2014/main" id="{10D75921-CD8E-4C85-90CC-4B046F37C46F}"/>
-              </a:ext>
-            </a:extLst>
-          </p:cNvPr>
-          <p:cNvSpPr txBox="1"/>
-          <p:nvPr/>
-        </p:nvSpPr>
-        <p:spPr>
-          <a:xfrm>
-            <a:off x="252382" y="277586"/>
-            <a:ext cx="8444941" cy="369332"/>
-          </a:xfrm>
-          <a:prstGeom prst="rect">
-            <a:avLst/>
-          </a:prstGeom>
-          <a:noFill/>
-        </p:spPr>
-        <p:txBody>
-          <a:bodyPr wrap="none" rtlCol="0">
-            <a:spAutoFit/>
-          </a:bodyPr>
-          <a:lstStyle/>
-          <a:p>
-            <a:r>
-              <a:rPr lang="ko-KR" altLang="en-US" dirty="0"/>
-              <a:t>다중회귀모델</a:t>
-            </a:r>
-            <a:r>
-              <a:rPr lang="en-US" altLang="ko-KR" dirty="0"/>
-              <a:t>(2) – </a:t>
-            </a:r>
-            <a:r>
-              <a:rPr lang="ko-KR" altLang="en-US" dirty="0"/>
-              <a:t>사업체</a:t>
-            </a:r>
-            <a:r>
-              <a:rPr lang="en-US" altLang="ko-KR" dirty="0"/>
-              <a:t>(</a:t>
-            </a:r>
-            <a:r>
-              <a:rPr lang="ko-KR" altLang="en-US" dirty="0"/>
-              <a:t>대기업</a:t>
-            </a:r>
-            <a:r>
-              <a:rPr lang="en-US" altLang="ko-KR" dirty="0"/>
-              <a:t>), </a:t>
-            </a:r>
-            <a:r>
-              <a:rPr lang="ko-KR" altLang="en-US" dirty="0"/>
-              <a:t>지하철</a:t>
-            </a:r>
-            <a:r>
-              <a:rPr lang="en-US" altLang="ko-KR" dirty="0"/>
-              <a:t>, </a:t>
-            </a:r>
-            <a:r>
-              <a:rPr lang="ko-KR" altLang="en-US" dirty="0"/>
-              <a:t>초중고</a:t>
-            </a:r>
-            <a:r>
-              <a:rPr lang="en-US" altLang="ko-KR" dirty="0"/>
-              <a:t>, </a:t>
-            </a:r>
-            <a:r>
-              <a:rPr lang="ko-KR" altLang="en-US" dirty="0"/>
-              <a:t>학교 수에 따른 이용건수 예측</a:t>
-            </a:r>
-          </a:p>
-        </p:txBody>
-      </p:sp>
-      <p:sp>
-        <p:nvSpPr>
-          <p:cNvPr id="7" name="TextBox 6">
-            <a:extLst>
-              <a:ext uri="{FF2B5EF4-FFF2-40B4-BE49-F238E27FC236}">
-                <a16:creationId xmlns:a16="http://schemas.microsoft.com/office/drawing/2014/main" id="{F21128A4-8959-4B58-965C-62BD9C603B8D}"/>
-              </a:ext>
-            </a:extLst>
-          </p:cNvPr>
-          <p:cNvSpPr txBox="1"/>
-          <p:nvPr/>
-        </p:nvSpPr>
-        <p:spPr>
-          <a:xfrm>
-            <a:off x="453118" y="4138612"/>
-            <a:ext cx="2189767" cy="369332"/>
-          </a:xfrm>
-          <a:prstGeom prst="rect">
-            <a:avLst/>
-          </a:prstGeom>
-          <a:noFill/>
-        </p:spPr>
-        <p:txBody>
-          <a:bodyPr wrap="none" rtlCol="0">
-            <a:spAutoFit/>
-          </a:bodyPr>
-          <a:lstStyle/>
-          <a:p>
-            <a:r>
-              <a:rPr lang="en-US" altLang="ko-KR" dirty="0"/>
-              <a:t>Validation</a:t>
-            </a:r>
-            <a:r>
-              <a:rPr lang="ko-KR" altLang="en-US" dirty="0"/>
-              <a:t> </a:t>
-            </a:r>
-            <a:r>
-              <a:rPr lang="en-US" altLang="ko-KR" dirty="0"/>
-              <a:t>Data</a:t>
-            </a:r>
-            <a:r>
-              <a:rPr lang="ko-KR" altLang="en-US" dirty="0"/>
-              <a:t> </a:t>
-            </a:r>
-            <a:r>
-              <a:rPr lang="en-US" altLang="ko-KR" dirty="0"/>
-              <a:t>Set</a:t>
-            </a:r>
-            <a:endParaRPr lang="ko-KR" altLang="en-US" dirty="0"/>
-          </a:p>
-        </p:txBody>
-      </p:sp>
       <p:pic>
         <p:nvPicPr>
-          <p:cNvPr id="5" name="그림 4">
-            <a:extLst>
-              <a:ext uri="{FF2B5EF4-FFF2-40B4-BE49-F238E27FC236}">
-                <a16:creationId xmlns:a16="http://schemas.microsoft.com/office/drawing/2014/main" id="{99722A03-11A1-453A-9562-A3AAE14F4A13}"/>
+          <p:cNvPr id="3" name="그림 2">
+            <a:extLst>
+              <a:ext uri="{FF2B5EF4-FFF2-40B4-BE49-F238E27FC236}">
+                <a16:creationId xmlns:a16="http://schemas.microsoft.com/office/drawing/2014/main" id="{D2026394-8571-4BF7-9333-319BF0B6386F}"/>
               </a:ext>
             </a:extLst>
           </p:cNvPr>
@@ -5316,20 +5511,72 @@
         </p:blipFill>
         <p:spPr>
           <a:xfrm>
-            <a:off x="453118" y="854477"/>
-            <a:ext cx="5229225" cy="3076575"/>
+            <a:off x="283708" y="808265"/>
+            <a:ext cx="7934325" cy="1943100"/>
           </a:xfrm>
           <a:prstGeom prst="rect">
             <a:avLst/>
           </a:prstGeom>
         </p:spPr>
       </p:pic>
+      <p:sp>
+        <p:nvSpPr>
+          <p:cNvPr id="4" name="TextBox 3">
+            <a:extLst>
+              <a:ext uri="{FF2B5EF4-FFF2-40B4-BE49-F238E27FC236}">
+                <a16:creationId xmlns:a16="http://schemas.microsoft.com/office/drawing/2014/main" id="{D042CEA9-21C3-462F-82B2-FAEA23D288FF}"/>
+              </a:ext>
+            </a:extLst>
+          </p:cNvPr>
+          <p:cNvSpPr txBox="1"/>
+          <p:nvPr/>
+        </p:nvSpPr>
+        <p:spPr>
+          <a:xfrm>
+            <a:off x="283708" y="438933"/>
+            <a:ext cx="1655390" cy="369332"/>
+          </a:xfrm>
+          <a:prstGeom prst="rect">
+            <a:avLst/>
+          </a:prstGeom>
+          <a:noFill/>
+        </p:spPr>
+        <p:txBody>
+          <a:bodyPr wrap="none" rtlCol="0">
+            <a:spAutoFit/>
+          </a:bodyPr>
+          <a:lstStyle/>
+          <a:p>
+            <a:r>
+              <a:rPr lang="en-US" altLang="ko-KR" dirty="0"/>
+              <a:t>Train</a:t>
+            </a:r>
+            <a:r>
+              <a:rPr lang="ko-KR" altLang="en-US" dirty="0"/>
+              <a:t> </a:t>
+            </a:r>
+            <a:r>
+              <a:rPr lang="en-US" altLang="ko-KR" dirty="0"/>
+              <a:t>Data</a:t>
+            </a:r>
+            <a:r>
+              <a:rPr lang="ko-KR" altLang="en-US" dirty="0"/>
+              <a:t> </a:t>
+            </a:r>
+            <a:r>
+              <a:rPr lang="en-US" altLang="ko-KR" dirty="0"/>
+              <a:t>Set</a:t>
+            </a:r>
+            <a:endParaRPr lang="ko-KR" altLang="en-US" dirty="0"/>
+          </a:p>
+        </p:txBody>
+      </p:sp>
       <p:pic>
         <p:nvPicPr>
-          <p:cNvPr id="9" name="그림 8">
-            <a:extLst>
-              <a:ext uri="{FF2B5EF4-FFF2-40B4-BE49-F238E27FC236}">
-                <a16:creationId xmlns:a16="http://schemas.microsoft.com/office/drawing/2014/main" id="{78AC69EE-2C0C-4D64-9186-7CEF6A5711CA}"/>
+          <p:cNvPr id="8" name="그림 7">
+            <a:extLst>
+              <a:ext uri="{FF2B5EF4-FFF2-40B4-BE49-F238E27FC236}">
+                <a16:creationId xmlns:a16="http://schemas.microsoft.com/office/drawing/2014/main" id="{5606040D-A99E-46BA-A894-27D0BEA2DB3D}"/>
               </a:ext>
             </a:extLst>
           </p:cNvPr>
@@ -5346,8 +5593,73 @@
         </p:blipFill>
         <p:spPr>
           <a:xfrm>
-            <a:off x="453118" y="4570639"/>
-            <a:ext cx="7924800" cy="2009775"/>
+            <a:off x="464003" y="4211411"/>
+            <a:ext cx="4257675" cy="981075"/>
+          </a:xfrm>
+          <a:prstGeom prst="rect">
+            <a:avLst/>
+          </a:prstGeom>
+        </p:spPr>
+      </p:pic>
+      <p:sp>
+        <p:nvSpPr>
+          <p:cNvPr id="9" name="TextBox 8">
+            <a:extLst>
+              <a:ext uri="{FF2B5EF4-FFF2-40B4-BE49-F238E27FC236}">
+                <a16:creationId xmlns:a16="http://schemas.microsoft.com/office/drawing/2014/main" id="{596F50DA-952A-452D-BA73-D1DDDC9DB276}"/>
+              </a:ext>
+            </a:extLst>
+          </p:cNvPr>
+          <p:cNvSpPr txBox="1"/>
+          <p:nvPr/>
+        </p:nvSpPr>
+        <p:spPr>
+          <a:xfrm>
+            <a:off x="283708" y="3296722"/>
+            <a:ext cx="3199915" cy="369332"/>
+          </a:xfrm>
+          <a:prstGeom prst="rect">
+            <a:avLst/>
+          </a:prstGeom>
+          <a:noFill/>
+        </p:spPr>
+        <p:txBody>
+          <a:bodyPr wrap="none" rtlCol="0">
+            <a:spAutoFit/>
+          </a:bodyPr>
+          <a:lstStyle/>
+          <a:p>
+            <a:r>
+              <a:rPr lang="ko-KR" altLang="en-US" dirty="0"/>
+              <a:t>새로운 데이터를 이용한 예측</a:t>
+            </a:r>
+          </a:p>
+        </p:txBody>
+      </p:sp>
+      <p:pic>
+        <p:nvPicPr>
+          <p:cNvPr id="5" name="그림 4">
+            <a:extLst>
+              <a:ext uri="{FF2B5EF4-FFF2-40B4-BE49-F238E27FC236}">
+                <a16:creationId xmlns:a16="http://schemas.microsoft.com/office/drawing/2014/main" id="{DCFE24CB-6E1F-4A9C-A65E-BB5ED9BC0551}"/>
+              </a:ext>
+            </a:extLst>
+          </p:cNvPr>
+          <p:cNvPicPr>
+            <a:picLocks noChangeAspect="1"/>
+          </p:cNvPicPr>
+          <p:nvPr/>
+        </p:nvPicPr>
+        <p:blipFill>
+          <a:blip r:embed="rId4"/>
+          <a:stretch>
+            <a:fillRect/>
+          </a:stretch>
+        </p:blipFill>
+        <p:spPr>
+          <a:xfrm>
+            <a:off x="5087815" y="2751957"/>
+            <a:ext cx="5896708" cy="3721301"/>
           </a:xfrm>
           <a:prstGeom prst="rect">
             <a:avLst/>
@@ -5357,7 +5669,7 @@
     </p:spTree>
     <p:extLst>
       <p:ext uri="{BB962C8B-B14F-4D97-AF65-F5344CB8AC3E}">
-        <p14:creationId xmlns:p14="http://schemas.microsoft.com/office/powerpoint/2010/main" val="2371106402"/>
+        <p14:creationId xmlns:p14="http://schemas.microsoft.com/office/powerpoint/2010/main" val="3894632396"/>
       </p:ext>
     </p:extLst>
   </p:cSld>
@@ -5389,7 +5701,7 @@
           <p:cNvPr id="4" name="TextBox 3">
             <a:extLst>
               <a:ext uri="{FF2B5EF4-FFF2-40B4-BE49-F238E27FC236}">
-                <a16:creationId xmlns:a16="http://schemas.microsoft.com/office/drawing/2014/main" id="{D042CEA9-21C3-462F-82B2-FAEA23D288FF}"/>
+                <a16:creationId xmlns:a16="http://schemas.microsoft.com/office/drawing/2014/main" id="{10D75921-CD8E-4C85-90CC-4B046F37C46F}"/>
               </a:ext>
             </a:extLst>
           </p:cNvPr>
@@ -5398,8 +5710,8 @@
         </p:nvSpPr>
         <p:spPr>
           <a:xfrm>
-            <a:off x="283708" y="438933"/>
-            <a:ext cx="1655390" cy="369332"/>
+            <a:off x="252382" y="277586"/>
+            <a:ext cx="8444941" cy="369332"/>
           </a:xfrm>
           <a:prstGeom prst="rect">
             <a:avLst/>
@@ -5413,8 +5725,83 @@
           <a:lstStyle/>
           <a:p>
             <a:r>
-              <a:rPr lang="en-US" altLang="ko-KR" dirty="0"/>
-              <a:t>Train</a:t>
+              <a:rPr lang="ko-KR" altLang="en-US" dirty="0"/>
+              <a:t>다중회귀모델</a:t>
+            </a:r>
+            <a:r>
+              <a:rPr lang="en-US" altLang="ko-KR" dirty="0"/>
+              <a:t>(2) – </a:t>
+            </a:r>
+            <a:r>
+              <a:rPr lang="ko-KR" altLang="en-US" dirty="0"/>
+              <a:t>사업체</a:t>
+            </a:r>
+            <a:r>
+              <a:rPr lang="en-US" altLang="ko-KR" dirty="0"/>
+              <a:t>(</a:t>
+            </a:r>
+            <a:r>
+              <a:rPr lang="ko-KR" altLang="en-US" dirty="0"/>
+              <a:t>대기업</a:t>
+            </a:r>
+            <a:r>
+              <a:rPr lang="en-US" altLang="ko-KR" dirty="0"/>
+              <a:t>), </a:t>
+            </a:r>
+            <a:r>
+              <a:rPr lang="ko-KR" altLang="en-US" dirty="0"/>
+              <a:t>지하철</a:t>
+            </a:r>
+            <a:r>
+              <a:rPr lang="en-US" altLang="ko-KR" dirty="0"/>
+              <a:t>, </a:t>
+            </a:r>
+            <a:r>
+              <a:rPr lang="ko-KR" altLang="en-US" dirty="0"/>
+              <a:t>초중고</a:t>
+            </a:r>
+            <a:r>
+              <a:rPr lang="en-US" altLang="ko-KR" dirty="0"/>
+              <a:t>, </a:t>
+            </a:r>
+            <a:r>
+              <a:rPr lang="ko-KR" altLang="en-US" dirty="0"/>
+              <a:t>학교 수에 따른 이용건수 예측</a:t>
+            </a:r>
+          </a:p>
+        </p:txBody>
+      </p:sp>
+      <p:sp>
+        <p:nvSpPr>
+          <p:cNvPr id="7" name="TextBox 6">
+            <a:extLst>
+              <a:ext uri="{FF2B5EF4-FFF2-40B4-BE49-F238E27FC236}">
+                <a16:creationId xmlns:a16="http://schemas.microsoft.com/office/drawing/2014/main" id="{F21128A4-8959-4B58-965C-62BD9C603B8D}"/>
+              </a:ext>
+            </a:extLst>
+          </p:cNvPr>
+          <p:cNvSpPr txBox="1"/>
+          <p:nvPr/>
+        </p:nvSpPr>
+        <p:spPr>
+          <a:xfrm>
+            <a:off x="453118" y="4138612"/>
+            <a:ext cx="2189767" cy="369332"/>
+          </a:xfrm>
+          <a:prstGeom prst="rect">
+            <a:avLst/>
+          </a:prstGeom>
+          <a:noFill/>
+        </p:spPr>
+        <p:txBody>
+          <a:bodyPr wrap="none" rtlCol="0">
+            <a:spAutoFit/>
+          </a:bodyPr>
+          <a:lstStyle/>
+          <a:p>
+            <a:r>
+              <a:rPr lang="en-US" altLang="ko-KR" dirty="0"/>
+              <a:t>Validation</a:t>
             </a:r>
             <a:r>
               <a:rPr lang="ko-KR" altLang="en-US" dirty="0"/>
@@ -5438,10 +5825,10 @@
       </p:sp>
       <p:pic>
         <p:nvPicPr>
-          <p:cNvPr id="6" name="그림 5">
-            <a:extLst>
-              <a:ext uri="{FF2B5EF4-FFF2-40B4-BE49-F238E27FC236}">
-                <a16:creationId xmlns:a16="http://schemas.microsoft.com/office/drawing/2014/main" id="{334BF8AC-3E92-444F-9CD1-F451D8F8993D}"/>
+          <p:cNvPr id="5" name="그림 4">
+            <a:extLst>
+              <a:ext uri="{FF2B5EF4-FFF2-40B4-BE49-F238E27FC236}">
+                <a16:creationId xmlns:a16="http://schemas.microsoft.com/office/drawing/2014/main" id="{99722A03-11A1-453A-9562-A3AAE14F4A13}"/>
               </a:ext>
             </a:extLst>
           </p:cNvPr>
@@ -5458,55 +5845,20 @@
         </p:blipFill>
         <p:spPr>
           <a:xfrm>
-            <a:off x="464003" y="3820886"/>
-            <a:ext cx="5810250" cy="285750"/>
+            <a:off x="453118" y="854477"/>
+            <a:ext cx="5229225" cy="3076575"/>
           </a:xfrm>
           <a:prstGeom prst="rect">
             <a:avLst/>
           </a:prstGeom>
         </p:spPr>
       </p:pic>
-      <p:sp>
-        <p:nvSpPr>
-          <p:cNvPr id="9" name="TextBox 8">
-            <a:extLst>
-              <a:ext uri="{FF2B5EF4-FFF2-40B4-BE49-F238E27FC236}">
-                <a16:creationId xmlns:a16="http://schemas.microsoft.com/office/drawing/2014/main" id="{596F50DA-952A-452D-BA73-D1DDDC9DB276}"/>
-              </a:ext>
-            </a:extLst>
-          </p:cNvPr>
-          <p:cNvSpPr txBox="1"/>
-          <p:nvPr/>
-        </p:nvSpPr>
-        <p:spPr>
-          <a:xfrm>
-            <a:off x="283708" y="3296722"/>
-            <a:ext cx="3199915" cy="369332"/>
-          </a:xfrm>
-          <a:prstGeom prst="rect">
-            <a:avLst/>
-          </a:prstGeom>
-          <a:noFill/>
-        </p:spPr>
-        <p:txBody>
-          <a:bodyPr wrap="none" rtlCol="0">
-            <a:spAutoFit/>
-          </a:bodyPr>
-          <a:lstStyle/>
-          <a:p>
-            <a:r>
-              <a:rPr lang="ko-KR" altLang="en-US" dirty="0"/>
-              <a:t>새로운 데이터를 이용한 예측</a:t>
-            </a:r>
-          </a:p>
-        </p:txBody>
-      </p:sp>
       <p:pic>
         <p:nvPicPr>
-          <p:cNvPr id="5" name="그림 4">
-            <a:extLst>
-              <a:ext uri="{FF2B5EF4-FFF2-40B4-BE49-F238E27FC236}">
-                <a16:creationId xmlns:a16="http://schemas.microsoft.com/office/drawing/2014/main" id="{277E37F8-4A11-4465-B868-369DEA91CFD6}"/>
+          <p:cNvPr id="9" name="그림 8">
+            <a:extLst>
+              <a:ext uri="{FF2B5EF4-FFF2-40B4-BE49-F238E27FC236}">
+                <a16:creationId xmlns:a16="http://schemas.microsoft.com/office/drawing/2014/main" id="{78AC69EE-2C0C-4D64-9186-7CEF6A5711CA}"/>
               </a:ext>
             </a:extLst>
           </p:cNvPr>
@@ -5523,68 +5875,8 @@
         </p:blipFill>
         <p:spPr>
           <a:xfrm>
-            <a:off x="283708" y="844271"/>
-            <a:ext cx="8124825" cy="1990725"/>
-          </a:xfrm>
-          <a:prstGeom prst="rect">
-            <a:avLst/>
-          </a:prstGeom>
-        </p:spPr>
-      </p:pic>
-      <p:pic>
-        <p:nvPicPr>
-          <p:cNvPr id="10" name="그림 9">
-            <a:extLst>
-              <a:ext uri="{FF2B5EF4-FFF2-40B4-BE49-F238E27FC236}">
-                <a16:creationId xmlns:a16="http://schemas.microsoft.com/office/drawing/2014/main" id="{D5BC004A-CA19-42BC-BF86-0D38250BF06B}"/>
-              </a:ext>
-            </a:extLst>
-          </p:cNvPr>
-          <p:cNvPicPr>
-            <a:picLocks noChangeAspect="1"/>
-          </p:cNvPicPr>
-          <p:nvPr/>
-        </p:nvPicPr>
-        <p:blipFill>
-          <a:blip r:embed="rId4"/>
-          <a:stretch>
-            <a:fillRect/>
-          </a:stretch>
-        </p:blipFill>
-        <p:spPr>
-          <a:xfrm>
-            <a:off x="6274253" y="2860432"/>
-            <a:ext cx="5072429" cy="3462778"/>
-          </a:xfrm>
-          <a:prstGeom prst="rect">
-            <a:avLst/>
-          </a:prstGeom>
-        </p:spPr>
-      </p:pic>
-      <p:pic>
-        <p:nvPicPr>
-          <p:cNvPr id="12" name="그림 11">
-            <a:extLst>
-              <a:ext uri="{FF2B5EF4-FFF2-40B4-BE49-F238E27FC236}">
-                <a16:creationId xmlns:a16="http://schemas.microsoft.com/office/drawing/2014/main" id="{38A1890D-D6ED-4848-80C9-C4AA21A78FAC}"/>
-              </a:ext>
-            </a:extLst>
-          </p:cNvPr>
-          <p:cNvPicPr>
-            <a:picLocks noChangeAspect="1"/>
-          </p:cNvPicPr>
-          <p:nvPr/>
-        </p:nvPicPr>
-        <p:blipFill>
-          <a:blip r:embed="rId5"/>
-          <a:stretch>
-            <a:fillRect/>
-          </a:stretch>
-        </p:blipFill>
-        <p:spPr>
-          <a:xfrm>
-            <a:off x="464003" y="4255228"/>
-            <a:ext cx="5248275" cy="1038225"/>
+            <a:off x="453118" y="4570639"/>
+            <a:ext cx="7924800" cy="2009775"/>
           </a:xfrm>
           <a:prstGeom prst="rect">
             <a:avLst/>
@@ -5594,7 +5886,7 @@
     </p:spTree>
     <p:extLst>
       <p:ext uri="{BB962C8B-B14F-4D97-AF65-F5344CB8AC3E}">
-        <p14:creationId xmlns:p14="http://schemas.microsoft.com/office/powerpoint/2010/main" val="1036602053"/>
+        <p14:creationId xmlns:p14="http://schemas.microsoft.com/office/powerpoint/2010/main" val="2371106402"/>
       </p:ext>
     </p:extLst>
   </p:cSld>
@@ -5626,7 +5918,7 @@
           <p:cNvPr id="4" name="TextBox 3">
             <a:extLst>
               <a:ext uri="{FF2B5EF4-FFF2-40B4-BE49-F238E27FC236}">
-                <a16:creationId xmlns:a16="http://schemas.microsoft.com/office/drawing/2014/main" id="{10D75921-CD8E-4C85-90CC-4B046F37C46F}"/>
+                <a16:creationId xmlns:a16="http://schemas.microsoft.com/office/drawing/2014/main" id="{D042CEA9-21C3-462F-82B2-FAEA23D288FF}"/>
               </a:ext>
             </a:extLst>
           </p:cNvPr>
@@ -5635,8 +5927,8 @@
         </p:nvSpPr>
         <p:spPr>
           <a:xfrm>
-            <a:off x="252382" y="277586"/>
-            <a:ext cx="8757526" cy="369332"/>
+            <a:off x="283708" y="438933"/>
+            <a:ext cx="1655390" cy="369332"/>
           </a:xfrm>
           <a:prstGeom prst="rect">
             <a:avLst/>
@@ -5650,83 +5942,8 @@
           <a:lstStyle/>
           <a:p>
             <a:r>
-              <a:rPr lang="ko-KR" altLang="en-US" dirty="0"/>
-              <a:t>다중회귀모델</a:t>
-            </a:r>
-            <a:r>
-              <a:rPr lang="en-US" altLang="ko-KR" dirty="0"/>
-              <a:t>(3) – </a:t>
-            </a:r>
-            <a:r>
-              <a:rPr lang="ko-KR" altLang="en-US" dirty="0"/>
-              <a:t>사업체</a:t>
-            </a:r>
-            <a:r>
-              <a:rPr lang="en-US" altLang="ko-KR" dirty="0"/>
-              <a:t>(</a:t>
-            </a:r>
-            <a:r>
-              <a:rPr lang="ko-KR" altLang="en-US" dirty="0"/>
-              <a:t>중소기업</a:t>
-            </a:r>
-            <a:r>
-              <a:rPr lang="en-US" altLang="ko-KR" dirty="0"/>
-              <a:t>), </a:t>
-            </a:r>
-            <a:r>
-              <a:rPr lang="ko-KR" altLang="en-US" dirty="0"/>
-              <a:t>지하철</a:t>
-            </a:r>
-            <a:r>
-              <a:rPr lang="en-US" altLang="ko-KR" dirty="0"/>
-              <a:t>, </a:t>
-            </a:r>
-            <a:r>
-              <a:rPr lang="ko-KR" altLang="en-US" dirty="0"/>
-              <a:t>초중고</a:t>
-            </a:r>
-            <a:r>
-              <a:rPr lang="en-US" altLang="ko-KR" dirty="0"/>
-              <a:t>, </a:t>
-            </a:r>
-            <a:r>
-              <a:rPr lang="ko-KR" altLang="en-US" dirty="0"/>
-              <a:t>학교 수에 따른 이용건수 예측</a:t>
-            </a:r>
-          </a:p>
-        </p:txBody>
-      </p:sp>
-      <p:sp>
-        <p:nvSpPr>
-          <p:cNvPr id="7" name="TextBox 6">
-            <a:extLst>
-              <a:ext uri="{FF2B5EF4-FFF2-40B4-BE49-F238E27FC236}">
-                <a16:creationId xmlns:a16="http://schemas.microsoft.com/office/drawing/2014/main" id="{F21128A4-8959-4B58-965C-62BD9C603B8D}"/>
-              </a:ext>
-            </a:extLst>
-          </p:cNvPr>
-          <p:cNvSpPr txBox="1"/>
-          <p:nvPr/>
-        </p:nvSpPr>
-        <p:spPr>
-          <a:xfrm>
-            <a:off x="453118" y="4138612"/>
-            <a:ext cx="2189767" cy="369332"/>
-          </a:xfrm>
-          <a:prstGeom prst="rect">
-            <a:avLst/>
-          </a:prstGeom>
-          <a:noFill/>
-        </p:spPr>
-        <p:txBody>
-          <a:bodyPr wrap="none" rtlCol="0">
-            <a:spAutoFit/>
-          </a:bodyPr>
-          <a:lstStyle/>
-          <a:p>
-            <a:r>
-              <a:rPr lang="en-US" altLang="ko-KR" dirty="0"/>
-              <a:t>Validation</a:t>
+              <a:rPr lang="en-US" altLang="ko-KR" dirty="0"/>
+              <a:t>Train</a:t>
             </a:r>
             <a:r>
               <a:rPr lang="ko-KR" altLang="en-US" dirty="0"/>
@@ -5750,10 +5967,10 @@
       </p:sp>
       <p:pic>
         <p:nvPicPr>
-          <p:cNvPr id="3" name="그림 2">
-            <a:extLst>
-              <a:ext uri="{FF2B5EF4-FFF2-40B4-BE49-F238E27FC236}">
-                <a16:creationId xmlns:a16="http://schemas.microsoft.com/office/drawing/2014/main" id="{BDC166F9-7159-41BF-A04D-4EA8060817AB}"/>
+          <p:cNvPr id="6" name="그림 5">
+            <a:extLst>
+              <a:ext uri="{FF2B5EF4-FFF2-40B4-BE49-F238E27FC236}">
+                <a16:creationId xmlns:a16="http://schemas.microsoft.com/office/drawing/2014/main" id="{334BF8AC-3E92-444F-9CD1-F451D8F8993D}"/>
               </a:ext>
             </a:extLst>
           </p:cNvPr>
@@ -5770,20 +5987,55 @@
         </p:blipFill>
         <p:spPr>
           <a:xfrm>
-            <a:off x="453118" y="859240"/>
-            <a:ext cx="5610225" cy="3067050"/>
+            <a:off x="464003" y="3820886"/>
+            <a:ext cx="5810250" cy="285750"/>
           </a:xfrm>
           <a:prstGeom prst="rect">
             <a:avLst/>
           </a:prstGeom>
         </p:spPr>
       </p:pic>
+      <p:sp>
+        <p:nvSpPr>
+          <p:cNvPr id="9" name="TextBox 8">
+            <a:extLst>
+              <a:ext uri="{FF2B5EF4-FFF2-40B4-BE49-F238E27FC236}">
+                <a16:creationId xmlns:a16="http://schemas.microsoft.com/office/drawing/2014/main" id="{596F50DA-952A-452D-BA73-D1DDDC9DB276}"/>
+              </a:ext>
+            </a:extLst>
+          </p:cNvPr>
+          <p:cNvSpPr txBox="1"/>
+          <p:nvPr/>
+        </p:nvSpPr>
+        <p:spPr>
+          <a:xfrm>
+            <a:off x="283708" y="3296722"/>
+            <a:ext cx="3199915" cy="369332"/>
+          </a:xfrm>
+          <a:prstGeom prst="rect">
+            <a:avLst/>
+          </a:prstGeom>
+          <a:noFill/>
+        </p:spPr>
+        <p:txBody>
+          <a:bodyPr wrap="none" rtlCol="0">
+            <a:spAutoFit/>
+          </a:bodyPr>
+          <a:lstStyle/>
+          <a:p>
+            <a:r>
+              <a:rPr lang="ko-KR" altLang="en-US" dirty="0"/>
+              <a:t>새로운 데이터를 이용한 예측</a:t>
+            </a:r>
+          </a:p>
+        </p:txBody>
+      </p:sp>
       <p:pic>
         <p:nvPicPr>
-          <p:cNvPr id="8" name="그림 7">
-            <a:extLst>
-              <a:ext uri="{FF2B5EF4-FFF2-40B4-BE49-F238E27FC236}">
-                <a16:creationId xmlns:a16="http://schemas.microsoft.com/office/drawing/2014/main" id="{3BF85C5F-0D06-46E8-AA67-383F98380F51}"/>
+          <p:cNvPr id="5" name="그림 4">
+            <a:extLst>
+              <a:ext uri="{FF2B5EF4-FFF2-40B4-BE49-F238E27FC236}">
+                <a16:creationId xmlns:a16="http://schemas.microsoft.com/office/drawing/2014/main" id="{277E37F8-4A11-4465-B868-369DEA91CFD6}"/>
               </a:ext>
             </a:extLst>
           </p:cNvPr>
@@ -5800,8 +6052,68 @@
         </p:blipFill>
         <p:spPr>
           <a:xfrm>
-            <a:off x="453118" y="4589689"/>
-            <a:ext cx="7896225" cy="1990725"/>
+            <a:off x="283708" y="844271"/>
+            <a:ext cx="8124825" cy="1990725"/>
+          </a:xfrm>
+          <a:prstGeom prst="rect">
+            <a:avLst/>
+          </a:prstGeom>
+        </p:spPr>
+      </p:pic>
+      <p:pic>
+        <p:nvPicPr>
+          <p:cNvPr id="10" name="그림 9">
+            <a:extLst>
+              <a:ext uri="{FF2B5EF4-FFF2-40B4-BE49-F238E27FC236}">
+                <a16:creationId xmlns:a16="http://schemas.microsoft.com/office/drawing/2014/main" id="{D5BC004A-CA19-42BC-BF86-0D38250BF06B}"/>
+              </a:ext>
+            </a:extLst>
+          </p:cNvPr>
+          <p:cNvPicPr>
+            <a:picLocks noChangeAspect="1"/>
+          </p:cNvPicPr>
+          <p:nvPr/>
+        </p:nvPicPr>
+        <p:blipFill>
+          <a:blip r:embed="rId4"/>
+          <a:stretch>
+            <a:fillRect/>
+          </a:stretch>
+        </p:blipFill>
+        <p:spPr>
+          <a:xfrm>
+            <a:off x="6274253" y="2860432"/>
+            <a:ext cx="5072429" cy="3462778"/>
+          </a:xfrm>
+          <a:prstGeom prst="rect">
+            <a:avLst/>
+          </a:prstGeom>
+        </p:spPr>
+      </p:pic>
+      <p:pic>
+        <p:nvPicPr>
+          <p:cNvPr id="12" name="그림 11">
+            <a:extLst>
+              <a:ext uri="{FF2B5EF4-FFF2-40B4-BE49-F238E27FC236}">
+                <a16:creationId xmlns:a16="http://schemas.microsoft.com/office/drawing/2014/main" id="{38A1890D-D6ED-4848-80C9-C4AA21A78FAC}"/>
+              </a:ext>
+            </a:extLst>
+          </p:cNvPr>
+          <p:cNvPicPr>
+            <a:picLocks noChangeAspect="1"/>
+          </p:cNvPicPr>
+          <p:nvPr/>
+        </p:nvPicPr>
+        <p:blipFill>
+          <a:blip r:embed="rId5"/>
+          <a:stretch>
+            <a:fillRect/>
+          </a:stretch>
+        </p:blipFill>
+        <p:spPr>
+          <a:xfrm>
+            <a:off x="464003" y="4255228"/>
+            <a:ext cx="5248275" cy="1038225"/>
           </a:xfrm>
           <a:prstGeom prst="rect">
             <a:avLst/>
@@ -5811,7 +6123,7 @@
     </p:spTree>
     <p:extLst>
       <p:ext uri="{BB962C8B-B14F-4D97-AF65-F5344CB8AC3E}">
-        <p14:creationId xmlns:p14="http://schemas.microsoft.com/office/powerpoint/2010/main" val="714430964"/>
+        <p14:creationId xmlns:p14="http://schemas.microsoft.com/office/powerpoint/2010/main" val="1036602053"/>
       </p:ext>
     </p:extLst>
   </p:cSld>
@@ -5961,6 +6273,223 @@
           <p:cNvPr id="4" name="TextBox 3">
             <a:extLst>
               <a:ext uri="{FF2B5EF4-FFF2-40B4-BE49-F238E27FC236}">
+                <a16:creationId xmlns:a16="http://schemas.microsoft.com/office/drawing/2014/main" id="{10D75921-CD8E-4C85-90CC-4B046F37C46F}"/>
+              </a:ext>
+            </a:extLst>
+          </p:cNvPr>
+          <p:cNvSpPr txBox="1"/>
+          <p:nvPr/>
+        </p:nvSpPr>
+        <p:spPr>
+          <a:xfrm>
+            <a:off x="252382" y="277586"/>
+            <a:ext cx="8757526" cy="369332"/>
+          </a:xfrm>
+          <a:prstGeom prst="rect">
+            <a:avLst/>
+          </a:prstGeom>
+          <a:noFill/>
+        </p:spPr>
+        <p:txBody>
+          <a:bodyPr wrap="none" rtlCol="0">
+            <a:spAutoFit/>
+          </a:bodyPr>
+          <a:lstStyle/>
+          <a:p>
+            <a:r>
+              <a:rPr lang="ko-KR" altLang="en-US" dirty="0"/>
+              <a:t>다중회귀모델</a:t>
+            </a:r>
+            <a:r>
+              <a:rPr lang="en-US" altLang="ko-KR" dirty="0"/>
+              <a:t>(3) – </a:t>
+            </a:r>
+            <a:r>
+              <a:rPr lang="ko-KR" altLang="en-US" dirty="0"/>
+              <a:t>사업체</a:t>
+            </a:r>
+            <a:r>
+              <a:rPr lang="en-US" altLang="ko-KR" dirty="0"/>
+              <a:t>(</a:t>
+            </a:r>
+            <a:r>
+              <a:rPr lang="ko-KR" altLang="en-US" dirty="0"/>
+              <a:t>중소기업</a:t>
+            </a:r>
+            <a:r>
+              <a:rPr lang="en-US" altLang="ko-KR" dirty="0"/>
+              <a:t>), </a:t>
+            </a:r>
+            <a:r>
+              <a:rPr lang="ko-KR" altLang="en-US" dirty="0"/>
+              <a:t>지하철</a:t>
+            </a:r>
+            <a:r>
+              <a:rPr lang="en-US" altLang="ko-KR" dirty="0"/>
+              <a:t>, </a:t>
+            </a:r>
+            <a:r>
+              <a:rPr lang="ko-KR" altLang="en-US" dirty="0"/>
+              <a:t>초중고</a:t>
+            </a:r>
+            <a:r>
+              <a:rPr lang="en-US" altLang="ko-KR" dirty="0"/>
+              <a:t>, </a:t>
+            </a:r>
+            <a:r>
+              <a:rPr lang="ko-KR" altLang="en-US" dirty="0"/>
+              <a:t>학교 수에 따른 이용건수 예측</a:t>
+            </a:r>
+          </a:p>
+        </p:txBody>
+      </p:sp>
+      <p:sp>
+        <p:nvSpPr>
+          <p:cNvPr id="7" name="TextBox 6">
+            <a:extLst>
+              <a:ext uri="{FF2B5EF4-FFF2-40B4-BE49-F238E27FC236}">
+                <a16:creationId xmlns:a16="http://schemas.microsoft.com/office/drawing/2014/main" id="{F21128A4-8959-4B58-965C-62BD9C603B8D}"/>
+              </a:ext>
+            </a:extLst>
+          </p:cNvPr>
+          <p:cNvSpPr txBox="1"/>
+          <p:nvPr/>
+        </p:nvSpPr>
+        <p:spPr>
+          <a:xfrm>
+            <a:off x="453118" y="4138612"/>
+            <a:ext cx="2189767" cy="369332"/>
+          </a:xfrm>
+          <a:prstGeom prst="rect">
+            <a:avLst/>
+          </a:prstGeom>
+          <a:noFill/>
+        </p:spPr>
+        <p:txBody>
+          <a:bodyPr wrap="none" rtlCol="0">
+            <a:spAutoFit/>
+          </a:bodyPr>
+          <a:lstStyle/>
+          <a:p>
+            <a:r>
+              <a:rPr lang="en-US" altLang="ko-KR" dirty="0"/>
+              <a:t>Validation</a:t>
+            </a:r>
+            <a:r>
+              <a:rPr lang="ko-KR" altLang="en-US" dirty="0"/>
+              <a:t> </a:t>
+            </a:r>
+            <a:r>
+              <a:rPr lang="en-US" altLang="ko-KR" dirty="0"/>
+              <a:t>Data</a:t>
+            </a:r>
+            <a:r>
+              <a:rPr lang="ko-KR" altLang="en-US" dirty="0"/>
+              <a:t> </a:t>
+            </a:r>
+            <a:r>
+              <a:rPr lang="en-US" altLang="ko-KR" dirty="0"/>
+              <a:t>Set</a:t>
+            </a:r>
+            <a:endParaRPr lang="ko-KR" altLang="en-US" dirty="0"/>
+          </a:p>
+        </p:txBody>
+      </p:sp>
+      <p:pic>
+        <p:nvPicPr>
+          <p:cNvPr id="3" name="그림 2">
+            <a:extLst>
+              <a:ext uri="{FF2B5EF4-FFF2-40B4-BE49-F238E27FC236}">
+                <a16:creationId xmlns:a16="http://schemas.microsoft.com/office/drawing/2014/main" id="{BDC166F9-7159-41BF-A04D-4EA8060817AB}"/>
+              </a:ext>
+            </a:extLst>
+          </p:cNvPr>
+          <p:cNvPicPr>
+            <a:picLocks noChangeAspect="1"/>
+          </p:cNvPicPr>
+          <p:nvPr/>
+        </p:nvPicPr>
+        <p:blipFill>
+          <a:blip r:embed="rId2"/>
+          <a:stretch>
+            <a:fillRect/>
+          </a:stretch>
+        </p:blipFill>
+        <p:spPr>
+          <a:xfrm>
+            <a:off x="453118" y="859240"/>
+            <a:ext cx="5610225" cy="3067050"/>
+          </a:xfrm>
+          <a:prstGeom prst="rect">
+            <a:avLst/>
+          </a:prstGeom>
+        </p:spPr>
+      </p:pic>
+      <p:pic>
+        <p:nvPicPr>
+          <p:cNvPr id="8" name="그림 7">
+            <a:extLst>
+              <a:ext uri="{FF2B5EF4-FFF2-40B4-BE49-F238E27FC236}">
+                <a16:creationId xmlns:a16="http://schemas.microsoft.com/office/drawing/2014/main" id="{3BF85C5F-0D06-46E8-AA67-383F98380F51}"/>
+              </a:ext>
+            </a:extLst>
+          </p:cNvPr>
+          <p:cNvPicPr>
+            <a:picLocks noChangeAspect="1"/>
+          </p:cNvPicPr>
+          <p:nvPr/>
+        </p:nvPicPr>
+        <p:blipFill>
+          <a:blip r:embed="rId3"/>
+          <a:stretch>
+            <a:fillRect/>
+          </a:stretch>
+        </p:blipFill>
+        <p:spPr>
+          <a:xfrm>
+            <a:off x="453118" y="4589689"/>
+            <a:ext cx="7896225" cy="1990725"/>
+          </a:xfrm>
+          <a:prstGeom prst="rect">
+            <a:avLst/>
+          </a:prstGeom>
+        </p:spPr>
+      </p:pic>
+    </p:spTree>
+    <p:extLst>
+      <p:ext uri="{BB962C8B-B14F-4D97-AF65-F5344CB8AC3E}">
+        <p14:creationId xmlns:p14="http://schemas.microsoft.com/office/powerpoint/2010/main" val="714430964"/>
+      </p:ext>
+    </p:extLst>
+  </p:cSld>
+  <p:clrMapOvr>
+    <a:masterClrMapping/>
+  </p:clrMapOvr>
+</p:sld>
+</file>
+
+<file path=ppt/slides/slide21.xml><?xml version="1.0" encoding="utf-8"?>
+<p:sld xmlns:a="http://schemas.openxmlformats.org/drawingml/2006/main" xmlns:r="http://schemas.openxmlformats.org/officeDocument/2006/relationships" xmlns:p="http://schemas.openxmlformats.org/presentationml/2006/main">
+  <p:cSld>
+    <p:spTree>
+      <p:nvGrpSpPr>
+        <p:cNvPr id="1" name=""/>
+        <p:cNvGrpSpPr/>
+        <p:nvPr/>
+      </p:nvGrpSpPr>
+      <p:grpSpPr>
+        <a:xfrm>
+          <a:off x="0" y="0"/>
+          <a:ext cx="0" cy="0"/>
+          <a:chOff x="0" y="0"/>
+          <a:chExt cx="0" cy="0"/>
+        </a:xfrm>
+      </p:grpSpPr>
+      <p:sp>
+        <p:nvSpPr>
+          <p:cNvPr id="4" name="TextBox 3">
+            <a:extLst>
+              <a:ext uri="{FF2B5EF4-FFF2-40B4-BE49-F238E27FC236}">
                 <a16:creationId xmlns:a16="http://schemas.microsoft.com/office/drawing/2014/main" id="{D042CEA9-21C3-462F-82B2-FAEA23D288FF}"/>
               </a:ext>
             </a:extLst>
@@ -6176,7 +6705,7 @@
 </p:sld>
 </file>
 
-<file path=ppt/slides/slide21.xml><?xml version="1.0" encoding="utf-8"?>
+<file path=ppt/slides/slide22.xml><?xml version="1.0" encoding="utf-8"?>
 <p:sld xmlns:a="http://schemas.openxmlformats.org/drawingml/2006/main" xmlns:r="http://schemas.openxmlformats.org/officeDocument/2006/relationships" xmlns:p="http://schemas.openxmlformats.org/presentationml/2006/main">
   <p:cSld>
     <p:spTree>
@@ -6206,7 +6735,7 @@
 </p:sld>
 </file>
 
-<file path=ppt/slides/slide22.xml><?xml version="1.0" encoding="utf-8"?>
+<file path=ppt/slides/slide23.xml><?xml version="1.0" encoding="utf-8"?>
 <p:sld xmlns:a="http://schemas.openxmlformats.org/drawingml/2006/main" xmlns:r="http://schemas.openxmlformats.org/officeDocument/2006/relationships" xmlns:p="http://schemas.openxmlformats.org/presentationml/2006/main">
   <p:cSld>
     <p:spTree>
@@ -6236,7 +6765,7 @@
 </p:sld>
 </file>
 
-<file path=ppt/slides/slide23.xml><?xml version="1.0" encoding="utf-8"?>
+<file path=ppt/slides/slide24.xml><?xml version="1.0" encoding="utf-8"?>
 <p:sld xmlns:a="http://schemas.openxmlformats.org/drawingml/2006/main" xmlns:r="http://schemas.openxmlformats.org/officeDocument/2006/relationships" xmlns:p="http://schemas.openxmlformats.org/presentationml/2006/main">
   <p:cSld>
     <p:spTree>
@@ -7244,6 +7773,106 @@
               <a:rPr lang="ko-KR" altLang="en-US" sz="4000" dirty="0"/>
               <a:t>데이터 탐색</a:t>
             </a:r>
+          </a:p>
+        </p:txBody>
+      </p:sp>
+      <p:sp>
+        <p:nvSpPr>
+          <p:cNvPr id="2" name="TextBox 1">
+            <a:extLst>
+              <a:ext uri="{FF2B5EF4-FFF2-40B4-BE49-F238E27FC236}">
+                <a16:creationId xmlns:a16="http://schemas.microsoft.com/office/drawing/2014/main" id="{B4260A49-BFB4-8F49-AAF7-603EC5125576}"/>
+              </a:ext>
+            </a:extLst>
+          </p:cNvPr>
+          <p:cNvSpPr txBox="1"/>
+          <p:nvPr/>
+        </p:nvSpPr>
+        <p:spPr>
+          <a:xfrm>
+            <a:off x="23572" y="4727786"/>
+            <a:ext cx="4650632" cy="1200329"/>
+          </a:xfrm>
+          <a:prstGeom prst="rect">
+            <a:avLst/>
+          </a:prstGeom>
+          <a:noFill/>
+        </p:spPr>
+        <p:txBody>
+          <a:bodyPr wrap="none" rtlCol="0">
+            <a:spAutoFit/>
+          </a:bodyPr>
+          <a:lstStyle/>
+          <a:p>
+            <a:r>
+              <a:rPr kumimoji="1" lang="ko-US" altLang="en-US" dirty="0"/>
+              <a:t>전체적으로</a:t>
+            </a:r>
+            <a:r>
+              <a:rPr kumimoji="1" lang="ko-KR" altLang="en-US" dirty="0"/>
+              <a:t> </a:t>
+            </a:r>
+            <a:r>
+              <a:rPr kumimoji="1" lang="ko-KR" altLang="en-US" dirty="0" err="1"/>
+              <a:t>따릉이</a:t>
+            </a:r>
+            <a:r>
+              <a:rPr kumimoji="1" lang="ko-KR" altLang="en-US" dirty="0"/>
+              <a:t> 대여소가 어디에</a:t>
+            </a:r>
+            <a:endParaRPr kumimoji="1" lang="en-US" altLang="ko-KR" dirty="0"/>
+          </a:p>
+          <a:p>
+            <a:r>
+              <a:rPr kumimoji="1" lang="ko-KR" altLang="en-US" dirty="0"/>
+              <a:t>설치 되어 </a:t>
+            </a:r>
+            <a:r>
+              <a:rPr kumimoji="1" lang="ko-KR" altLang="en-US" dirty="0" err="1"/>
+              <a:t>있는지와</a:t>
+            </a:r>
+            <a:r>
+              <a:rPr kumimoji="1" lang="ko-KR" altLang="en-US" dirty="0"/>
+              <a:t> 역</a:t>
+            </a:r>
+            <a:r>
+              <a:rPr kumimoji="1" lang="en-US" altLang="ko-KR" dirty="0"/>
+              <a:t>(</a:t>
+            </a:r>
+            <a:r>
+              <a:rPr kumimoji="1" lang="ko-KR" altLang="en-US" dirty="0"/>
+              <a:t>검정색 점</a:t>
+            </a:r>
+            <a:r>
+              <a:rPr kumimoji="1" lang="en-US" altLang="ko-KR" dirty="0"/>
+              <a:t>)</a:t>
+            </a:r>
+          </a:p>
+          <a:p>
+            <a:r>
+              <a:rPr kumimoji="1" lang="ko-KR" altLang="en-US" dirty="0"/>
+              <a:t>주변에 </a:t>
+            </a:r>
+            <a:r>
+              <a:rPr kumimoji="1" lang="ko-KR" altLang="en-US" dirty="0" err="1"/>
+              <a:t>따릉이</a:t>
+            </a:r>
+            <a:r>
+              <a:rPr kumimoji="1" lang="ko-KR" altLang="en-US" dirty="0"/>
+              <a:t> 대여소가 설치되어 있으며</a:t>
+            </a:r>
+            <a:endParaRPr kumimoji="1" lang="en-US" altLang="ko-KR" dirty="0"/>
+          </a:p>
+          <a:p>
+            <a:r>
+              <a:rPr kumimoji="1" lang="ko-KR" altLang="en-US" dirty="0"/>
+              <a:t>대여소의 개수가 많은 것을 확인할 수 있다</a:t>
+            </a:r>
+            <a:r>
+              <a:rPr kumimoji="1" lang="en-US" altLang="ko-KR" dirty="0"/>
+              <a:t>.</a:t>
+            </a:r>
+            <a:endParaRPr kumimoji="1" lang="ko-US" altLang="en-US" dirty="0"/>
           </a:p>
         </p:txBody>
       </p:sp>

--- a/FinalProject.pptx
+++ b/FinalProject.pptx
@@ -18,17 +18,15 @@
     <p:sldId id="279" r:id="rId12"/>
     <p:sldId id="278" r:id="rId13"/>
     <p:sldId id="263" r:id="rId14"/>
-    <p:sldId id="261" r:id="rId15"/>
-    <p:sldId id="262" r:id="rId16"/>
-    <p:sldId id="268" r:id="rId17"/>
-    <p:sldId id="269" r:id="rId18"/>
-    <p:sldId id="270" r:id="rId19"/>
-    <p:sldId id="271" r:id="rId20"/>
-    <p:sldId id="272" r:id="rId21"/>
-    <p:sldId id="273" r:id="rId22"/>
-    <p:sldId id="265" r:id="rId23"/>
-    <p:sldId id="266" r:id="rId24"/>
-    <p:sldId id="267" r:id="rId25"/>
+    <p:sldId id="268" r:id="rId15"/>
+    <p:sldId id="269" r:id="rId16"/>
+    <p:sldId id="270" r:id="rId17"/>
+    <p:sldId id="271" r:id="rId18"/>
+    <p:sldId id="272" r:id="rId19"/>
+    <p:sldId id="273" r:id="rId20"/>
+    <p:sldId id="265" r:id="rId21"/>
+    <p:sldId id="266" r:id="rId22"/>
+    <p:sldId id="280" r:id="rId23"/>
   </p:sldIdLst>
   <p:sldSz cx="12192000" cy="6858000"/>
   <p:notesSz cx="6858000" cy="9144000"/>
@@ -282,7 +280,7 @@
           <a:p>
             <a:fld id="{CCE54938-5037-4CCC-A278-D5BF715F523B}" type="datetimeFigureOut">
               <a:rPr lang="ko-KR" altLang="en-US" smtClean="0"/>
-              <a:t>2021. 12. 24.</a:t>
+              <a:t>2021-12-24</a:t>
             </a:fld>
             <a:endParaRPr lang="ko-KR" altLang="en-US"/>
           </a:p>
@@ -480,7 +478,7 @@
           <a:p>
             <a:fld id="{CCE54938-5037-4CCC-A278-D5BF715F523B}" type="datetimeFigureOut">
               <a:rPr lang="ko-KR" altLang="en-US" smtClean="0"/>
-              <a:t>2021. 12. 24.</a:t>
+              <a:t>2021-12-24</a:t>
             </a:fld>
             <a:endParaRPr lang="ko-KR" altLang="en-US"/>
           </a:p>
@@ -688,7 +686,7 @@
           <a:p>
             <a:fld id="{CCE54938-5037-4CCC-A278-D5BF715F523B}" type="datetimeFigureOut">
               <a:rPr lang="ko-KR" altLang="en-US" smtClean="0"/>
-              <a:t>2021. 12. 24.</a:t>
+              <a:t>2021-12-24</a:t>
             </a:fld>
             <a:endParaRPr lang="ko-KR" altLang="en-US"/>
           </a:p>
@@ -886,7 +884,7 @@
           <a:p>
             <a:fld id="{CCE54938-5037-4CCC-A278-D5BF715F523B}" type="datetimeFigureOut">
               <a:rPr lang="ko-KR" altLang="en-US" smtClean="0"/>
-              <a:t>2021. 12. 24.</a:t>
+              <a:t>2021-12-24</a:t>
             </a:fld>
             <a:endParaRPr lang="ko-KR" altLang="en-US"/>
           </a:p>
@@ -1161,7 +1159,7 @@
           <a:p>
             <a:fld id="{CCE54938-5037-4CCC-A278-D5BF715F523B}" type="datetimeFigureOut">
               <a:rPr lang="ko-KR" altLang="en-US" smtClean="0"/>
-              <a:t>2021. 12. 24.</a:t>
+              <a:t>2021-12-24</a:t>
             </a:fld>
             <a:endParaRPr lang="ko-KR" altLang="en-US"/>
           </a:p>
@@ -1426,7 +1424,7 @@
           <a:p>
             <a:fld id="{CCE54938-5037-4CCC-A278-D5BF715F523B}" type="datetimeFigureOut">
               <a:rPr lang="ko-KR" altLang="en-US" smtClean="0"/>
-              <a:t>2021. 12. 24.</a:t>
+              <a:t>2021-12-24</a:t>
             </a:fld>
             <a:endParaRPr lang="ko-KR" altLang="en-US"/>
           </a:p>
@@ -1838,7 +1836,7 @@
           <a:p>
             <a:fld id="{CCE54938-5037-4CCC-A278-D5BF715F523B}" type="datetimeFigureOut">
               <a:rPr lang="ko-KR" altLang="en-US" smtClean="0"/>
-              <a:t>2021. 12. 24.</a:t>
+              <a:t>2021-12-24</a:t>
             </a:fld>
             <a:endParaRPr lang="ko-KR" altLang="en-US"/>
           </a:p>
@@ -1979,7 +1977,7 @@
           <a:p>
             <a:fld id="{CCE54938-5037-4CCC-A278-D5BF715F523B}" type="datetimeFigureOut">
               <a:rPr lang="ko-KR" altLang="en-US" smtClean="0"/>
-              <a:t>2021. 12. 24.</a:t>
+              <a:t>2021-12-24</a:t>
             </a:fld>
             <a:endParaRPr lang="ko-KR" altLang="en-US"/>
           </a:p>
@@ -2092,7 +2090,7 @@
           <a:p>
             <a:fld id="{CCE54938-5037-4CCC-A278-D5BF715F523B}" type="datetimeFigureOut">
               <a:rPr lang="ko-KR" altLang="en-US" smtClean="0"/>
-              <a:t>2021. 12. 24.</a:t>
+              <a:t>2021-12-24</a:t>
             </a:fld>
             <a:endParaRPr lang="ko-KR" altLang="en-US"/>
           </a:p>
@@ -2403,7 +2401,7 @@
           <a:p>
             <a:fld id="{CCE54938-5037-4CCC-A278-D5BF715F523B}" type="datetimeFigureOut">
               <a:rPr lang="ko-KR" altLang="en-US" smtClean="0"/>
-              <a:t>2021. 12. 24.</a:t>
+              <a:t>2021-12-24</a:t>
             </a:fld>
             <a:endParaRPr lang="ko-KR" altLang="en-US"/>
           </a:p>
@@ -2691,7 +2689,7 @@
           <a:p>
             <a:fld id="{CCE54938-5037-4CCC-A278-D5BF715F523B}" type="datetimeFigureOut">
               <a:rPr lang="ko-KR" altLang="en-US" smtClean="0"/>
-              <a:t>2021. 12. 24.</a:t>
+              <a:t>2021-12-24</a:t>
             </a:fld>
             <a:endParaRPr lang="ko-KR" altLang="en-US"/>
           </a:p>
@@ -2932,7 +2930,7 @@
           <a:p>
             <a:fld id="{CCE54938-5037-4CCC-A278-D5BF715F523B}" type="datetimeFigureOut">
               <a:rPr lang="ko-KR" altLang="en-US" smtClean="0"/>
-              <a:t>2021. 12. 24.</a:t>
+              <a:t>2021-12-24</a:t>
             </a:fld>
             <a:endParaRPr lang="ko-KR" altLang="en-US"/>
           </a:p>
@@ -3974,23 +3972,7 @@
           <a:p>
             <a:r>
               <a:rPr kumimoji="1" lang="ko-KR" altLang="en-US" dirty="0"/>
-              <a:t>이를 통해 </a:t>
-            </a:r>
-            <a:r>
-              <a:rPr kumimoji="1" lang="ko-KR" altLang="en-US" dirty="0" err="1"/>
-              <a:t>춭퇴근과</a:t>
-            </a:r>
-            <a:r>
-              <a:rPr kumimoji="1" lang="ko-KR" altLang="en-US" dirty="0"/>
-              <a:t> </a:t>
-            </a:r>
-            <a:r>
-              <a:rPr kumimoji="1" lang="ko-KR" altLang="en-US" dirty="0" err="1"/>
-              <a:t>등하교를</a:t>
-            </a:r>
-            <a:r>
-              <a:rPr kumimoji="1" lang="ko-KR" altLang="en-US" dirty="0"/>
-              <a:t> 하는 사람들이</a:t>
+              <a:t>이를 통해 출퇴근과 등하교를 하는 사람들이</a:t>
             </a:r>
             <a:endParaRPr kumimoji="1" lang="en-US" altLang="ko-KR" dirty="0"/>
           </a:p>
@@ -4159,7 +4141,7 @@
           <a:p>
             <a:r>
               <a:rPr lang="ko-KR" altLang="en-US" sz="4000" dirty="0"/>
-              <a:t>데이터 모델링</a:t>
+              <a:t>데이터 모델링 및 성능 평가</a:t>
             </a:r>
           </a:p>
         </p:txBody>
@@ -4227,23 +4209,51 @@
             </a:r>
             <a:r>
               <a:rPr lang="ko-KR" altLang="en-US" dirty="0"/>
-              <a:t>대여소의 위치</a:t>
-            </a:r>
-            <a:r>
-              <a:rPr lang="en-US" altLang="ko-KR" dirty="0"/>
-              <a:t>(</a:t>
-            </a:r>
-            <a:r>
-              <a:rPr lang="ko-KR" altLang="en-US" dirty="0"/>
-              <a:t>자치구</a:t>
-            </a:r>
-            <a:r>
-              <a:rPr lang="en-US" altLang="ko-KR" dirty="0"/>
-              <a:t>)</a:t>
-            </a:r>
-            <a:r>
-              <a:rPr lang="ko-KR" altLang="en-US" dirty="0"/>
-              <a:t>와 이용건수를 바탕으로 해당 대여소가 지하철 인근에 위치해 있는가를 살펴보기 위함이다</a:t>
+              <a:t>데이터 탐색 단계에서 지도에 대여소 위치의 분포를 </a:t>
+            </a:r>
+            <a:r>
+              <a:rPr lang="ko-KR" altLang="en-US" dirty="0" err="1"/>
+              <a:t>시각화해보니</a:t>
+            </a:r>
+            <a:r>
+              <a:rPr lang="en-US" altLang="ko-KR" dirty="0"/>
+              <a:t>, </a:t>
+            </a:r>
+            <a:r>
+              <a:rPr lang="ko-KR" altLang="en-US" dirty="0"/>
+              <a:t>지하철역인지 </a:t>
+            </a:r>
+            <a:r>
+              <a:rPr lang="ko-KR" altLang="en-US" dirty="0" err="1"/>
+              <a:t>아닌지로</a:t>
+            </a:r>
+            <a:r>
+              <a:rPr lang="ko-KR" altLang="en-US" dirty="0"/>
+              <a:t> 구분하기가 가장 분명했다</a:t>
+            </a:r>
+            <a:r>
+              <a:rPr lang="en-US" altLang="ko-KR" dirty="0"/>
+              <a:t>. </a:t>
+            </a:r>
+            <a:r>
+              <a:rPr lang="ko-KR" altLang="en-US" dirty="0"/>
+              <a:t>그래서 지하철역 인근인지 </a:t>
+            </a:r>
+            <a:r>
+              <a:rPr lang="ko-KR" altLang="en-US" dirty="0" err="1"/>
+              <a:t>아닌지로</a:t>
+            </a:r>
+            <a:r>
+              <a:rPr lang="ko-KR" altLang="en-US" dirty="0"/>
+              <a:t> 분류하여 이용건수가 많으면</a:t>
+            </a:r>
+            <a:r>
+              <a:rPr lang="en-US" altLang="ko-KR" dirty="0"/>
+              <a:t>, </a:t>
+            </a:r>
+            <a:r>
+              <a:rPr lang="ko-KR" altLang="en-US" dirty="0"/>
+              <a:t>대여소의 위치가 지하철역 인근인지 확인하기 위해서이다</a:t>
             </a:r>
             <a:r>
               <a:rPr lang="en-US" altLang="ko-KR" dirty="0"/>
@@ -4468,7 +4478,7 @@
             </a:r>
             <a:r>
               <a:rPr lang="ko-KR" altLang="en-US" dirty="0"/>
-              <a:t>자치구별 대기업 종사자수</a:t>
+              <a:t>자치구별 대기업 수</a:t>
             </a:r>
             <a:endParaRPr lang="en-US" altLang="ko-KR" dirty="0"/>
           </a:p>
@@ -4565,7 +4575,7 @@
             </a:r>
             <a:r>
               <a:rPr lang="ko-KR" altLang="en-US" dirty="0"/>
-              <a:t>자치구별 중소기업 종사자수</a:t>
+              <a:t>자치구별 중소기업 수</a:t>
             </a:r>
             <a:endParaRPr lang="en-US" altLang="ko-KR" dirty="0"/>
           </a:p>
@@ -4631,75 +4641,12 @@
           <a:chExt cx="0" cy="0"/>
         </a:xfrm>
       </p:grpSpPr>
-      <p:sp>
-        <p:nvSpPr>
-          <p:cNvPr id="2" name="TextBox 1">
-            <a:extLst>
-              <a:ext uri="{FF2B5EF4-FFF2-40B4-BE49-F238E27FC236}">
-                <a16:creationId xmlns:a16="http://schemas.microsoft.com/office/drawing/2014/main" id="{9F67D46F-81C5-4AFF-A1C3-8BE1E9B125BE}"/>
-              </a:ext>
-            </a:extLst>
-          </p:cNvPr>
-          <p:cNvSpPr txBox="1"/>
-          <p:nvPr/>
-        </p:nvSpPr>
-        <p:spPr>
-          <a:xfrm>
-            <a:off x="252382" y="277586"/>
-            <a:ext cx="6317755" cy="369332"/>
-          </a:xfrm>
-          <a:prstGeom prst="rect">
-            <a:avLst/>
-          </a:prstGeom>
-          <a:noFill/>
-        </p:spPr>
-        <p:txBody>
-          <a:bodyPr wrap="none" rtlCol="0">
-            <a:spAutoFit/>
-          </a:bodyPr>
-          <a:lstStyle/>
-          <a:p>
-            <a:r>
-              <a:rPr lang="ko-KR" altLang="en-US" dirty="0" err="1"/>
-              <a:t>나이브</a:t>
-            </a:r>
-            <a:r>
-              <a:rPr lang="ko-KR" altLang="en-US" dirty="0"/>
-              <a:t> </a:t>
-            </a:r>
-            <a:r>
-              <a:rPr lang="ko-KR" altLang="en-US" dirty="0" err="1"/>
-              <a:t>베이즈</a:t>
-            </a:r>
-            <a:r>
-              <a:rPr lang="ko-KR" altLang="en-US" dirty="0"/>
-              <a:t> 분류기</a:t>
-            </a:r>
-            <a:r>
-              <a:rPr lang="en-US" altLang="ko-KR" dirty="0"/>
-              <a:t> – </a:t>
-            </a:r>
-            <a:r>
-              <a:rPr lang="ko-KR" altLang="en-US" dirty="0"/>
-              <a:t>지하철 인접 여부</a:t>
-            </a:r>
-            <a:r>
-              <a:rPr lang="en-US" altLang="ko-KR" dirty="0"/>
-              <a:t>, </a:t>
-            </a:r>
-            <a:r>
-              <a:rPr lang="ko-KR" altLang="en-US" dirty="0"/>
-              <a:t>이용건수 분류기</a:t>
-            </a:r>
-          </a:p>
-        </p:txBody>
-      </p:sp>
       <p:pic>
         <p:nvPicPr>
-          <p:cNvPr id="4" name="그림 3">
-            <a:extLst>
-              <a:ext uri="{FF2B5EF4-FFF2-40B4-BE49-F238E27FC236}">
-                <a16:creationId xmlns:a16="http://schemas.microsoft.com/office/drawing/2014/main" id="{7C4A0A6C-BD71-4966-869E-A453A05FDC8A}"/>
+          <p:cNvPr id="5" name="그림 4">
+            <a:extLst>
+              <a:ext uri="{FF2B5EF4-FFF2-40B4-BE49-F238E27FC236}">
+                <a16:creationId xmlns:a16="http://schemas.microsoft.com/office/drawing/2014/main" id="{BF0BAB63-458C-4693-B227-BDD2E51041EB}"/>
               </a:ext>
             </a:extLst>
           </p:cNvPr>
@@ -4716,8 +4663,8 @@
         </p:blipFill>
         <p:spPr>
           <a:xfrm>
-            <a:off x="5938294" y="646918"/>
-            <a:ext cx="6253706" cy="4045999"/>
+            <a:off x="252382" y="1074037"/>
+            <a:ext cx="5020376" cy="4029637"/>
           </a:xfrm>
           <a:prstGeom prst="rect">
             <a:avLst/>
@@ -4726,10 +4673,10 @@
       </p:pic>
       <p:pic>
         <p:nvPicPr>
-          <p:cNvPr id="6" name="그림 5">
-            <a:extLst>
-              <a:ext uri="{FF2B5EF4-FFF2-40B4-BE49-F238E27FC236}">
-                <a16:creationId xmlns:a16="http://schemas.microsoft.com/office/drawing/2014/main" id="{21AB06DE-1EE9-4CDC-9604-179C085F2E0A}"/>
+          <p:cNvPr id="10" name="그림 9">
+            <a:extLst>
+              <a:ext uri="{FF2B5EF4-FFF2-40B4-BE49-F238E27FC236}">
+                <a16:creationId xmlns:a16="http://schemas.microsoft.com/office/drawing/2014/main" id="{4622074F-C440-43D6-A43D-67366FFB324E}"/>
               </a:ext>
             </a:extLst>
           </p:cNvPr>
@@ -4746,8 +4693,8 @@
         </p:blipFill>
         <p:spPr>
           <a:xfrm>
-            <a:off x="252382" y="1191000"/>
-            <a:ext cx="5334744" cy="4134427"/>
+            <a:off x="5272758" y="761026"/>
+            <a:ext cx="6887536" cy="4410691"/>
           </a:xfrm>
           <a:prstGeom prst="rect">
             <a:avLst/>
@@ -4756,10 +4703,10 @@
       </p:pic>
       <p:sp>
         <p:nvSpPr>
-          <p:cNvPr id="7" name="TextBox 6">
-            <a:extLst>
-              <a:ext uri="{FF2B5EF4-FFF2-40B4-BE49-F238E27FC236}">
-                <a16:creationId xmlns:a16="http://schemas.microsoft.com/office/drawing/2014/main" id="{6602C029-6D24-4177-8B34-7E632F978BF0}"/>
+          <p:cNvPr id="2" name="TextBox 1">
+            <a:extLst>
+              <a:ext uri="{FF2B5EF4-FFF2-40B4-BE49-F238E27FC236}">
+                <a16:creationId xmlns:a16="http://schemas.microsoft.com/office/drawing/2014/main" id="{9F67D46F-81C5-4AFF-A1C3-8BE1E9B125BE}"/>
               </a:ext>
             </a:extLst>
           </p:cNvPr>
@@ -4768,8 +4715,8 @@
         </p:nvSpPr>
         <p:spPr>
           <a:xfrm>
-            <a:off x="252382" y="709833"/>
-            <a:ext cx="2189767" cy="369332"/>
+            <a:off x="252382" y="277586"/>
+            <a:ext cx="6317755" cy="369332"/>
           </a:xfrm>
           <a:prstGeom prst="rect">
             <a:avLst/>
@@ -4783,35 +4730,46 @@
           <a:lstStyle/>
           <a:p>
             <a:r>
-              <a:rPr lang="en-US" altLang="ko-KR" dirty="0"/>
-              <a:t>Validation</a:t>
+              <a:rPr lang="ko-KR" altLang="en-US" dirty="0" err="1"/>
+              <a:t>나이브</a:t>
             </a:r>
             <a:r>
               <a:rPr lang="ko-KR" altLang="en-US" dirty="0"/>
               <a:t> </a:t>
             </a:r>
             <a:r>
-              <a:rPr lang="en-US" altLang="ko-KR" dirty="0"/>
-              <a:t>Data</a:t>
-            </a:r>
-            <a:r>
-              <a:rPr lang="ko-KR" altLang="en-US" dirty="0"/>
-              <a:t> </a:t>
-            </a:r>
-            <a:r>
-              <a:rPr lang="en-US" altLang="ko-KR" dirty="0"/>
-              <a:t>Set</a:t>
-            </a:r>
-            <a:endParaRPr lang="ko-KR" altLang="en-US" dirty="0"/>
-          </a:p>
-        </p:txBody>
-      </p:sp>
-      <p:sp>
-        <p:nvSpPr>
-          <p:cNvPr id="8" name="TextBox 7">
-            <a:extLst>
-              <a:ext uri="{FF2B5EF4-FFF2-40B4-BE49-F238E27FC236}">
-                <a16:creationId xmlns:a16="http://schemas.microsoft.com/office/drawing/2014/main" id="{9564AB04-1721-4C3B-A8D4-5871693E7DEB}"/>
+              <a:rPr lang="ko-KR" altLang="en-US" dirty="0" err="1"/>
+              <a:t>베이즈</a:t>
+            </a:r>
+            <a:r>
+              <a:rPr lang="ko-KR" altLang="en-US" dirty="0"/>
+              <a:t> 분류기</a:t>
+            </a:r>
+            <a:r>
+              <a:rPr lang="en-US" altLang="ko-KR" dirty="0"/>
+              <a:t> – </a:t>
+            </a:r>
+            <a:r>
+              <a:rPr lang="ko-KR" altLang="en-US" dirty="0"/>
+              <a:t>지하철 인접 여부</a:t>
+            </a:r>
+            <a:r>
+              <a:rPr lang="en-US" altLang="ko-KR" dirty="0"/>
+              <a:t>, </a:t>
+            </a:r>
+            <a:r>
+              <a:rPr lang="ko-KR" altLang="en-US" dirty="0"/>
+              <a:t>이용건수 분류기</a:t>
+            </a:r>
+          </a:p>
+        </p:txBody>
+      </p:sp>
+      <p:sp>
+        <p:nvSpPr>
+          <p:cNvPr id="7" name="TextBox 6">
+            <a:extLst>
+              <a:ext uri="{FF2B5EF4-FFF2-40B4-BE49-F238E27FC236}">
+                <a16:creationId xmlns:a16="http://schemas.microsoft.com/office/drawing/2014/main" id="{6602C029-6D24-4177-8B34-7E632F978BF0}"/>
               </a:ext>
             </a:extLst>
           </p:cNvPr>
@@ -4820,8 +4778,8 @@
         </p:nvSpPr>
         <p:spPr>
           <a:xfrm>
-            <a:off x="6436467" y="5140761"/>
-            <a:ext cx="4730782" cy="369332"/>
+            <a:off x="252382" y="709833"/>
+            <a:ext cx="2189767" cy="369332"/>
           </a:xfrm>
           <a:prstGeom prst="rect">
             <a:avLst/>
@@ -4836,15 +4794,145 @@
           <a:p>
             <a:r>
               <a:rPr lang="en-US" altLang="ko-KR" dirty="0"/>
-              <a:t>..</a:t>
-            </a:r>
-            <a:r>
-              <a:rPr lang="ko-KR" altLang="en-US" dirty="0"/>
-              <a:t>결과를 뭐라고 쓰죠</a:t>
-            </a:r>
-            <a:r>
-              <a:rPr lang="en-US" altLang="ko-KR" dirty="0"/>
-              <a:t>???????????????????????</a:t>
+              <a:t>Validation</a:t>
+            </a:r>
+            <a:r>
+              <a:rPr lang="ko-KR" altLang="en-US" dirty="0"/>
+              <a:t> </a:t>
+            </a:r>
+            <a:r>
+              <a:rPr lang="en-US" altLang="ko-KR" dirty="0"/>
+              <a:t>Data</a:t>
+            </a:r>
+            <a:r>
+              <a:rPr lang="ko-KR" altLang="en-US" dirty="0"/>
+              <a:t> </a:t>
+            </a:r>
+            <a:r>
+              <a:rPr lang="en-US" altLang="ko-KR" dirty="0"/>
+              <a:t>Set</a:t>
+            </a:r>
+            <a:endParaRPr lang="ko-KR" altLang="en-US" dirty="0"/>
+          </a:p>
+        </p:txBody>
+      </p:sp>
+      <p:sp>
+        <p:nvSpPr>
+          <p:cNvPr id="8" name="TextBox 7">
+            <a:extLst>
+              <a:ext uri="{FF2B5EF4-FFF2-40B4-BE49-F238E27FC236}">
+                <a16:creationId xmlns:a16="http://schemas.microsoft.com/office/drawing/2014/main" id="{9564AB04-1721-4C3B-A8D4-5871693E7DEB}"/>
+              </a:ext>
+            </a:extLst>
+          </p:cNvPr>
+          <p:cNvSpPr txBox="1"/>
+          <p:nvPr/>
+        </p:nvSpPr>
+        <p:spPr>
+          <a:xfrm>
+            <a:off x="3173339" y="5271475"/>
+            <a:ext cx="8138766" cy="1477328"/>
+          </a:xfrm>
+          <a:prstGeom prst="rect">
+            <a:avLst/>
+          </a:prstGeom>
+          <a:noFill/>
+        </p:spPr>
+        <p:txBody>
+          <a:bodyPr wrap="none" rtlCol="0">
+            <a:spAutoFit/>
+          </a:bodyPr>
+          <a:lstStyle/>
+          <a:p>
+            <a:r>
+              <a:rPr lang="en-US" altLang="ko-KR" dirty="0"/>
+              <a:t>Yes: </a:t>
+            </a:r>
+            <a:r>
+              <a:rPr lang="ko-KR" altLang="en-US" dirty="0"/>
+              <a:t>지하철역 인근이다</a:t>
+            </a:r>
+            <a:r>
+              <a:rPr lang="en-US" altLang="ko-KR" dirty="0"/>
+              <a:t>.</a:t>
+            </a:r>
+            <a:br>
+              <a:rPr lang="en-US" altLang="ko-KR" dirty="0"/>
+            </a:br>
+            <a:r>
+              <a:rPr lang="en-US" altLang="ko-KR" dirty="0"/>
+              <a:t>No: </a:t>
+            </a:r>
+            <a:r>
+              <a:rPr lang="ko-KR" altLang="en-US" dirty="0"/>
+              <a:t>지하철역 인근이 아니다</a:t>
+            </a:r>
+            <a:r>
+              <a:rPr lang="en-US" altLang="ko-KR" dirty="0"/>
+              <a:t>.</a:t>
+            </a:r>
+            <a:br>
+              <a:rPr lang="en-US" altLang="ko-KR" dirty="0"/>
+            </a:br>
+            <a:r>
+              <a:rPr lang="en-US" altLang="ko-KR" dirty="0"/>
+              <a:t>Confusion Matrix</a:t>
+            </a:r>
+            <a:r>
+              <a:rPr lang="ko-KR" altLang="en-US" dirty="0"/>
+              <a:t>를 통해 </a:t>
+            </a:r>
+            <a:r>
+              <a:rPr lang="en-US" altLang="ko-KR" dirty="0"/>
+              <a:t>accuracy </a:t>
+            </a:r>
+            <a:r>
+              <a:rPr lang="ko-KR" altLang="en-US" dirty="0"/>
+              <a:t>값을 확인해보니</a:t>
+            </a:r>
+            <a:r>
+              <a:rPr lang="en-US" altLang="ko-KR" dirty="0"/>
+              <a:t>, 1</a:t>
+            </a:r>
+            <a:r>
+              <a:rPr lang="ko-KR" altLang="en-US" dirty="0"/>
+              <a:t>에 가까운 값이 나왔다</a:t>
+            </a:r>
+            <a:r>
+              <a:rPr lang="en-US" altLang="ko-KR" dirty="0"/>
+              <a:t>.</a:t>
+            </a:r>
+          </a:p>
+          <a:p>
+            <a:r>
+              <a:rPr lang="en-US" altLang="ko-KR" dirty="0"/>
+              <a:t>Lift Chart</a:t>
+            </a:r>
+            <a:r>
+              <a:rPr lang="ko-KR" altLang="en-US" dirty="0"/>
+              <a:t>를 통해 </a:t>
+            </a:r>
+            <a:r>
+              <a:rPr lang="en-US" altLang="ko-KR" dirty="0"/>
+              <a:t>baseline</a:t>
+            </a:r>
+            <a:r>
+              <a:rPr lang="ko-KR" altLang="en-US" dirty="0"/>
+              <a:t>과 함께 시각화를 했다</a:t>
+            </a:r>
+            <a:r>
+              <a:rPr lang="en-US" altLang="ko-KR" dirty="0"/>
+              <a:t>.</a:t>
+            </a:r>
+          </a:p>
+          <a:p>
+            <a:r>
+              <a:rPr lang="ko-KR" altLang="en-US" dirty="0"/>
+              <a:t>지하철역 인근이 아닌 대여소를 맞추는 정확성이 높은 것을 알 수 있다</a:t>
+            </a:r>
+            <a:r>
+              <a:rPr lang="en-US" altLang="ko-KR" dirty="0"/>
+              <a:t>.</a:t>
             </a:r>
             <a:endParaRPr lang="ko-KR" altLang="en-US" dirty="0"/>
           </a:p>
@@ -4960,7 +5048,7 @@
             </a:r>
             <a:r>
               <a:rPr lang="en-US" altLang="ko-KR" dirty="0"/>
-              <a:t>, </a:t>
+              <a:t> </a:t>
             </a:r>
             <a:r>
               <a:rPr lang="ko-KR" altLang="en-US" dirty="0"/>
@@ -5051,10 +5139,181 @@
           </a:p>
         </p:txBody>
       </p:sp>
+      <p:sp>
+        <p:nvSpPr>
+          <p:cNvPr id="8" name="TextBox 7">
+            <a:extLst>
+              <a:ext uri="{FF2B5EF4-FFF2-40B4-BE49-F238E27FC236}">
+                <a16:creationId xmlns:a16="http://schemas.microsoft.com/office/drawing/2014/main" id="{62A3E31A-1B9B-427B-BB31-1C34A056516A}"/>
+              </a:ext>
+            </a:extLst>
+          </p:cNvPr>
+          <p:cNvSpPr txBox="1"/>
+          <p:nvPr/>
+        </p:nvSpPr>
+        <p:spPr>
+          <a:xfrm>
+            <a:off x="5928549" y="2296104"/>
+            <a:ext cx="5884759" cy="923330"/>
+          </a:xfrm>
+          <a:prstGeom prst="rect">
+            <a:avLst/>
+          </a:prstGeom>
+          <a:noFill/>
+        </p:spPr>
+        <p:txBody>
+          <a:bodyPr wrap="square" rtlCol="0">
+            <a:spAutoFit/>
+          </a:bodyPr>
+          <a:lstStyle/>
+          <a:p>
+            <a:r>
+              <a:rPr lang="ko-KR" altLang="en-US" dirty="0"/>
+              <a:t>이 모델에서 종속 변수를 구하는데</a:t>
+            </a:r>
+            <a:r>
+              <a:rPr lang="en-US" altLang="ko-KR" dirty="0"/>
+              <a:t>, </a:t>
+            </a:r>
+            <a:r>
+              <a:rPr lang="ko-KR" altLang="en-US" dirty="0"/>
+              <a:t>영향력이 있는</a:t>
+            </a:r>
+            <a:br>
+              <a:rPr lang="en-US" altLang="ko-KR" dirty="0"/>
+            </a:br>
+            <a:r>
+              <a:rPr lang="ko-KR" altLang="en-US" dirty="0"/>
+              <a:t>변수 중 가장 큰 </a:t>
+            </a:r>
+            <a:r>
+              <a:rPr lang="en-US" altLang="ko-KR" dirty="0"/>
+              <a:t>t-value </a:t>
+            </a:r>
+            <a:r>
+              <a:rPr lang="ko-KR" altLang="en-US" dirty="0"/>
+              <a:t>값을 갖는 </a:t>
+            </a:r>
+            <a:r>
+              <a:rPr lang="en-US" altLang="ko-KR" dirty="0" err="1"/>
+              <a:t>schoolCnt</a:t>
+            </a:r>
+            <a:r>
+              <a:rPr lang="ko-KR" altLang="en-US" dirty="0"/>
+              <a:t>는 초중고 학교 수이다</a:t>
+            </a:r>
+            <a:r>
+              <a:rPr lang="en-US" altLang="ko-KR" dirty="0"/>
+              <a:t>. </a:t>
+            </a:r>
+            <a:endParaRPr lang="ko-KR" altLang="en-US" dirty="0"/>
+          </a:p>
+        </p:txBody>
+      </p:sp>
+      <p:sp>
+        <p:nvSpPr>
+          <p:cNvPr id="9" name="액자 8">
+            <a:extLst>
+              <a:ext uri="{FF2B5EF4-FFF2-40B4-BE49-F238E27FC236}">
+                <a16:creationId xmlns:a16="http://schemas.microsoft.com/office/drawing/2014/main" id="{B8E8B3B2-3FE0-4B73-9A66-7E895844DEB7}"/>
+              </a:ext>
+            </a:extLst>
+          </p:cNvPr>
+          <p:cNvSpPr/>
+          <p:nvPr/>
+        </p:nvSpPr>
+        <p:spPr>
+          <a:xfrm>
+            <a:off x="323274" y="2586181"/>
+            <a:ext cx="4359562" cy="203201"/>
+          </a:xfrm>
+          <a:prstGeom prst="frame">
+            <a:avLst/>
+          </a:prstGeom>
+        </p:spPr>
+        <p:style>
+          <a:lnRef idx="2">
+            <a:schemeClr val="accent2">
+              <a:shade val="50000"/>
+            </a:schemeClr>
+          </a:lnRef>
+          <a:fillRef idx="1">
+            <a:schemeClr val="accent2"/>
+          </a:fillRef>
+          <a:effectRef idx="0">
+            <a:schemeClr val="accent2"/>
+          </a:effectRef>
+          <a:fontRef idx="minor">
+            <a:schemeClr val="lt1"/>
+          </a:fontRef>
+        </p:style>
+        <p:txBody>
+          <a:bodyPr rtlCol="0" anchor="ctr"/>
+          <a:lstStyle/>
+          <a:p>
+            <a:pPr algn="ctr"/>
+            <a:endParaRPr lang="ko-KR" altLang="en-US">
+              <a:solidFill>
+                <a:schemeClr val="tx1"/>
+              </a:solidFill>
+            </a:endParaRPr>
+          </a:p>
+        </p:txBody>
+      </p:sp>
+      <p:sp>
+        <p:nvSpPr>
+          <p:cNvPr id="10" name="액자 9">
+            <a:extLst>
+              <a:ext uri="{FF2B5EF4-FFF2-40B4-BE49-F238E27FC236}">
+                <a16:creationId xmlns:a16="http://schemas.microsoft.com/office/drawing/2014/main" id="{F1430E28-E644-456A-94DA-703AE319BBA8}"/>
+              </a:ext>
+            </a:extLst>
+          </p:cNvPr>
+          <p:cNvSpPr/>
+          <p:nvPr/>
+        </p:nvSpPr>
+        <p:spPr>
+          <a:xfrm>
+            <a:off x="1717964" y="6192980"/>
+            <a:ext cx="513471" cy="387433"/>
+          </a:xfrm>
+          <a:prstGeom prst="frame">
+            <a:avLst/>
+          </a:prstGeom>
+        </p:spPr>
+        <p:style>
+          <a:lnRef idx="2">
+            <a:schemeClr val="accent2">
+              <a:shade val="50000"/>
+            </a:schemeClr>
+          </a:lnRef>
+          <a:fillRef idx="1">
+            <a:schemeClr val="accent2"/>
+          </a:fillRef>
+          <a:effectRef idx="0">
+            <a:schemeClr val="accent2"/>
+          </a:effectRef>
+          <a:fontRef idx="minor">
+            <a:schemeClr val="lt1"/>
+          </a:fontRef>
+        </p:style>
+        <p:txBody>
+          <a:bodyPr rtlCol="0" anchor="ctr"/>
+          <a:lstStyle/>
+          <a:p>
+            <a:pPr algn="ctr"/>
+            <a:endParaRPr lang="ko-KR" altLang="en-US">
+              <a:solidFill>
+                <a:schemeClr val="tx1"/>
+              </a:solidFill>
+            </a:endParaRPr>
+          </a:p>
+        </p:txBody>
+      </p:sp>
     </p:spTree>
     <p:extLst>
       <p:ext uri="{BB962C8B-B14F-4D97-AF65-F5344CB8AC3E}">
-        <p14:creationId xmlns:p14="http://schemas.microsoft.com/office/powerpoint/2010/main" val="1026053927"/>
+        <p14:creationId xmlns:p14="http://schemas.microsoft.com/office/powerpoint/2010/main" val="998940151"/>
       </p:ext>
     </p:extLst>
   </p:cSld>
@@ -5165,10 +5424,10 @@
       </p:sp>
       <p:pic>
         <p:nvPicPr>
-          <p:cNvPr id="6" name="그림 5">
-            <a:extLst>
-              <a:ext uri="{FF2B5EF4-FFF2-40B4-BE49-F238E27FC236}">
-                <a16:creationId xmlns:a16="http://schemas.microsoft.com/office/drawing/2014/main" id="{334BF8AC-3E92-444F-9CD1-F451D8F8993D}"/>
+          <p:cNvPr id="8" name="그림 7">
+            <a:extLst>
+              <a:ext uri="{FF2B5EF4-FFF2-40B4-BE49-F238E27FC236}">
+                <a16:creationId xmlns:a16="http://schemas.microsoft.com/office/drawing/2014/main" id="{5606040D-A99E-46BA-A894-27D0BEA2DB3D}"/>
               </a:ext>
             </a:extLst>
           </p:cNvPr>
@@ -5185,20 +5444,55 @@
         </p:blipFill>
         <p:spPr>
           <a:xfrm>
-            <a:off x="464003" y="3820886"/>
-            <a:ext cx="5810250" cy="285750"/>
+            <a:off x="464003" y="4211411"/>
+            <a:ext cx="4257675" cy="981075"/>
           </a:xfrm>
           <a:prstGeom prst="rect">
             <a:avLst/>
           </a:prstGeom>
         </p:spPr>
       </p:pic>
+      <p:sp>
+        <p:nvSpPr>
+          <p:cNvPr id="9" name="TextBox 8">
+            <a:extLst>
+              <a:ext uri="{FF2B5EF4-FFF2-40B4-BE49-F238E27FC236}">
+                <a16:creationId xmlns:a16="http://schemas.microsoft.com/office/drawing/2014/main" id="{596F50DA-952A-452D-BA73-D1DDDC9DB276}"/>
+              </a:ext>
+            </a:extLst>
+          </p:cNvPr>
+          <p:cNvSpPr txBox="1"/>
+          <p:nvPr/>
+        </p:nvSpPr>
+        <p:spPr>
+          <a:xfrm>
+            <a:off x="283708" y="3296722"/>
+            <a:ext cx="3199915" cy="369332"/>
+          </a:xfrm>
+          <a:prstGeom prst="rect">
+            <a:avLst/>
+          </a:prstGeom>
+          <a:noFill/>
+        </p:spPr>
+        <p:txBody>
+          <a:bodyPr wrap="none" rtlCol="0">
+            <a:spAutoFit/>
+          </a:bodyPr>
+          <a:lstStyle/>
+          <a:p>
+            <a:r>
+              <a:rPr lang="ko-KR" altLang="en-US" dirty="0"/>
+              <a:t>새로운 데이터를 이용한 예측</a:t>
+            </a:r>
+          </a:p>
+        </p:txBody>
+      </p:sp>
       <p:pic>
         <p:nvPicPr>
-          <p:cNvPr id="8" name="그림 7">
-            <a:extLst>
-              <a:ext uri="{FF2B5EF4-FFF2-40B4-BE49-F238E27FC236}">
-                <a16:creationId xmlns:a16="http://schemas.microsoft.com/office/drawing/2014/main" id="{5606040D-A99E-46BA-A894-27D0BEA2DB3D}"/>
+          <p:cNvPr id="5" name="그림 4">
+            <a:extLst>
+              <a:ext uri="{FF2B5EF4-FFF2-40B4-BE49-F238E27FC236}">
+                <a16:creationId xmlns:a16="http://schemas.microsoft.com/office/drawing/2014/main" id="{DCFE24CB-6E1F-4A9C-A65E-BB5ED9BC0551}"/>
               </a:ext>
             </a:extLst>
           </p:cNvPr>
@@ -5215,8 +5509,8 @@
         </p:blipFill>
         <p:spPr>
           <a:xfrm>
-            <a:off x="464003" y="4211411"/>
-            <a:ext cx="4257675" cy="981075"/>
+            <a:off x="6096000" y="3002295"/>
+            <a:ext cx="5896708" cy="3721301"/>
           </a:xfrm>
           <a:prstGeom prst="rect">
             <a:avLst/>
@@ -5225,10 +5519,112 @@
       </p:pic>
       <p:sp>
         <p:nvSpPr>
-          <p:cNvPr id="9" name="TextBox 8">
-            <a:extLst>
-              <a:ext uri="{FF2B5EF4-FFF2-40B4-BE49-F238E27FC236}">
-                <a16:creationId xmlns:a16="http://schemas.microsoft.com/office/drawing/2014/main" id="{596F50DA-952A-452D-BA73-D1DDDC9DB276}"/>
+          <p:cNvPr id="7" name="액자 6">
+            <a:extLst>
+              <a:ext uri="{FF2B5EF4-FFF2-40B4-BE49-F238E27FC236}">
+                <a16:creationId xmlns:a16="http://schemas.microsoft.com/office/drawing/2014/main" id="{4C497095-1640-4745-AFC7-91049B48FCBA}"/>
+              </a:ext>
+            </a:extLst>
+          </p:cNvPr>
+          <p:cNvSpPr/>
+          <p:nvPr/>
+        </p:nvSpPr>
+        <p:spPr>
+          <a:xfrm>
+            <a:off x="2216727" y="2363932"/>
+            <a:ext cx="513471" cy="387433"/>
+          </a:xfrm>
+          <a:prstGeom prst="frame">
+            <a:avLst/>
+          </a:prstGeom>
+        </p:spPr>
+        <p:style>
+          <a:lnRef idx="2">
+            <a:schemeClr val="accent2">
+              <a:shade val="50000"/>
+            </a:schemeClr>
+          </a:lnRef>
+          <a:fillRef idx="1">
+            <a:schemeClr val="accent2"/>
+          </a:fillRef>
+          <a:effectRef idx="0">
+            <a:schemeClr val="accent2"/>
+          </a:effectRef>
+          <a:fontRef idx="minor">
+            <a:schemeClr val="lt1"/>
+          </a:fontRef>
+        </p:style>
+        <p:txBody>
+          <a:bodyPr rtlCol="0" anchor="ctr"/>
+          <a:lstStyle/>
+          <a:p>
+            <a:pPr algn="ctr"/>
+            <a:endParaRPr lang="ko-KR" altLang="en-US">
+              <a:solidFill>
+                <a:schemeClr val="tx1"/>
+              </a:solidFill>
+            </a:endParaRPr>
+          </a:p>
+        </p:txBody>
+      </p:sp>
+      <p:sp>
+        <p:nvSpPr>
+          <p:cNvPr id="10" name="액자 9">
+            <a:extLst>
+              <a:ext uri="{FF2B5EF4-FFF2-40B4-BE49-F238E27FC236}">
+                <a16:creationId xmlns:a16="http://schemas.microsoft.com/office/drawing/2014/main" id="{8FB79B2E-21F6-4BBF-968C-9649B4BDEA8A}"/>
+              </a:ext>
+            </a:extLst>
+          </p:cNvPr>
+          <p:cNvSpPr/>
+          <p:nvPr/>
+        </p:nvSpPr>
+        <p:spPr>
+          <a:xfrm>
+            <a:off x="464003" y="4636655"/>
+            <a:ext cx="736724" cy="452582"/>
+          </a:xfrm>
+          <a:prstGeom prst="frame">
+            <a:avLst>
+              <a:gd name="adj1" fmla="val 7340"/>
+            </a:avLst>
+          </a:prstGeom>
+        </p:spPr>
+        <p:style>
+          <a:lnRef idx="2">
+            <a:schemeClr val="accent2">
+              <a:shade val="50000"/>
+            </a:schemeClr>
+          </a:lnRef>
+          <a:fillRef idx="1">
+            <a:schemeClr val="accent2"/>
+          </a:fillRef>
+          <a:effectRef idx="0">
+            <a:schemeClr val="accent2"/>
+          </a:effectRef>
+          <a:fontRef idx="minor">
+            <a:schemeClr val="lt1"/>
+          </a:fontRef>
+        </p:style>
+        <p:txBody>
+          <a:bodyPr rtlCol="0" anchor="ctr"/>
+          <a:lstStyle/>
+          <a:p>
+            <a:pPr algn="ctr"/>
+            <a:endParaRPr lang="ko-KR" altLang="en-US">
+              <a:solidFill>
+                <a:schemeClr val="tx1"/>
+              </a:solidFill>
+            </a:endParaRPr>
+          </a:p>
+        </p:txBody>
+      </p:sp>
+      <p:sp>
+        <p:nvSpPr>
+          <p:cNvPr id="11" name="TextBox 10">
+            <a:extLst>
+              <a:ext uri="{FF2B5EF4-FFF2-40B4-BE49-F238E27FC236}">
+                <a16:creationId xmlns:a16="http://schemas.microsoft.com/office/drawing/2014/main" id="{A22AAD90-E021-4671-AA6A-AE3B77F23127}"/>
               </a:ext>
             </a:extLst>
           </p:cNvPr>
@@ -5237,8 +5633,8 @@
         </p:nvSpPr>
         <p:spPr>
           <a:xfrm>
-            <a:off x="283708" y="3296722"/>
-            <a:ext cx="3199915" cy="369332"/>
+            <a:off x="6023533" y="1779815"/>
+            <a:ext cx="5884759" cy="923330"/>
           </a:xfrm>
           <a:prstGeom prst="rect">
             <a:avLst/>
@@ -5246,22 +5642,101 @@
           <a:noFill/>
         </p:spPr>
         <p:txBody>
-          <a:bodyPr wrap="none" rtlCol="0">
+          <a:bodyPr wrap="square" rtlCol="0">
             <a:spAutoFit/>
           </a:bodyPr>
           <a:lstStyle/>
           <a:p>
             <a:r>
-              <a:rPr lang="ko-KR" altLang="en-US" dirty="0"/>
-              <a:t>새로운 데이터를 이용한 예측</a:t>
-            </a:r>
-          </a:p>
-        </p:txBody>
-      </p:sp>
+              <a:rPr lang="en-US" altLang="ko-KR" dirty="0"/>
+              <a:t>Training set</a:t>
+            </a:r>
+            <a:r>
+              <a:rPr lang="ko-KR" altLang="en-US" dirty="0"/>
+              <a:t>과 </a:t>
+            </a:r>
+            <a:r>
+              <a:rPr lang="en-US" altLang="ko-KR" dirty="0"/>
+              <a:t>validation set</a:t>
+            </a:r>
+            <a:r>
+              <a:rPr lang="ko-KR" altLang="en-US" dirty="0"/>
+              <a:t>에서의 </a:t>
+            </a:r>
+            <a:r>
+              <a:rPr lang="en-US" altLang="ko-KR" dirty="0"/>
+              <a:t>accuracy</a:t>
+            </a:r>
+            <a:r>
+              <a:rPr lang="ko-KR" altLang="en-US" dirty="0"/>
+              <a:t>를 보면</a:t>
+            </a:r>
+            <a:r>
+              <a:rPr lang="en-US" altLang="ko-KR" dirty="0"/>
+              <a:t>, RMSE </a:t>
+            </a:r>
+            <a:r>
+              <a:rPr lang="ko-KR" altLang="en-US" dirty="0"/>
+              <a:t>값이 </a:t>
+            </a:r>
+            <a:r>
+              <a:rPr lang="en-US" altLang="ko-KR" dirty="0"/>
+              <a:t>training set</a:t>
+            </a:r>
+            <a:r>
+              <a:rPr lang="ko-KR" altLang="en-US" dirty="0"/>
+              <a:t>에서 더 크게 나왔으므로 </a:t>
+            </a:r>
+            <a:r>
+              <a:rPr lang="en-US" altLang="ko-KR" dirty="0"/>
+              <a:t>overfitting</a:t>
+            </a:r>
+            <a:r>
+              <a:rPr lang="ko-KR" altLang="en-US" dirty="0"/>
+              <a:t>은 아니다</a:t>
+            </a:r>
+            <a:r>
+              <a:rPr lang="en-US" altLang="ko-KR" dirty="0"/>
+              <a:t>.</a:t>
+            </a:r>
+            <a:endParaRPr lang="ko-KR" altLang="en-US" dirty="0"/>
+          </a:p>
+        </p:txBody>
+      </p:sp>
+      <p:pic>
+        <p:nvPicPr>
+          <p:cNvPr id="12" name="그림 11">
+            <a:extLst>
+              <a:ext uri="{FF2B5EF4-FFF2-40B4-BE49-F238E27FC236}">
+                <a16:creationId xmlns:a16="http://schemas.microsoft.com/office/drawing/2014/main" id="{CC3EDFA8-B8F3-4081-9934-E20451209994}"/>
+              </a:ext>
+            </a:extLst>
+          </p:cNvPr>
+          <p:cNvPicPr>
+            <a:picLocks noChangeAspect="1"/>
+          </p:cNvPicPr>
+          <p:nvPr/>
+        </p:nvPicPr>
+        <p:blipFill>
+          <a:blip r:embed="rId5"/>
+          <a:stretch>
+            <a:fillRect/>
+          </a:stretch>
+        </p:blipFill>
+        <p:spPr>
+          <a:xfrm>
+            <a:off x="464003" y="3820886"/>
+            <a:ext cx="5810250" cy="285750"/>
+          </a:xfrm>
+          <a:prstGeom prst="rect">
+            <a:avLst/>
+          </a:prstGeom>
+        </p:spPr>
+      </p:pic>
     </p:spTree>
     <p:extLst>
       <p:ext uri="{BB962C8B-B14F-4D97-AF65-F5344CB8AC3E}">
-        <p14:creationId xmlns:p14="http://schemas.microsoft.com/office/powerpoint/2010/main" val="2285756010"/>
+        <p14:creationId xmlns:p14="http://schemas.microsoft.com/office/powerpoint/2010/main" val="3894632396"/>
       </p:ext>
     </p:extLst>
   </p:cSld>
@@ -5288,12 +5763,139 @@
           <a:chExt cx="0" cy="0"/>
         </a:xfrm>
       </p:grpSpPr>
+      <p:sp>
+        <p:nvSpPr>
+          <p:cNvPr id="4" name="TextBox 3">
+            <a:extLst>
+              <a:ext uri="{FF2B5EF4-FFF2-40B4-BE49-F238E27FC236}">
+                <a16:creationId xmlns:a16="http://schemas.microsoft.com/office/drawing/2014/main" id="{10D75921-CD8E-4C85-90CC-4B046F37C46F}"/>
+              </a:ext>
+            </a:extLst>
+          </p:cNvPr>
+          <p:cNvSpPr txBox="1"/>
+          <p:nvPr/>
+        </p:nvSpPr>
+        <p:spPr>
+          <a:xfrm>
+            <a:off x="252382" y="277586"/>
+            <a:ext cx="8444941" cy="369332"/>
+          </a:xfrm>
+          <a:prstGeom prst="rect">
+            <a:avLst/>
+          </a:prstGeom>
+          <a:noFill/>
+        </p:spPr>
+        <p:txBody>
+          <a:bodyPr wrap="none" rtlCol="0">
+            <a:spAutoFit/>
+          </a:bodyPr>
+          <a:lstStyle/>
+          <a:p>
+            <a:r>
+              <a:rPr lang="ko-KR" altLang="en-US" dirty="0"/>
+              <a:t>다중회귀모델</a:t>
+            </a:r>
+            <a:r>
+              <a:rPr lang="en-US" altLang="ko-KR" dirty="0"/>
+              <a:t>(2) – </a:t>
+            </a:r>
+            <a:r>
+              <a:rPr lang="ko-KR" altLang="en-US" dirty="0"/>
+              <a:t>사업체</a:t>
+            </a:r>
+            <a:r>
+              <a:rPr lang="en-US" altLang="ko-KR" dirty="0"/>
+              <a:t>(</a:t>
+            </a:r>
+            <a:r>
+              <a:rPr lang="ko-KR" altLang="en-US" dirty="0"/>
+              <a:t>대기업</a:t>
+            </a:r>
+            <a:r>
+              <a:rPr lang="en-US" altLang="ko-KR" dirty="0"/>
+              <a:t>), </a:t>
+            </a:r>
+            <a:r>
+              <a:rPr lang="ko-KR" altLang="en-US" dirty="0"/>
+              <a:t>지하철</a:t>
+            </a:r>
+            <a:r>
+              <a:rPr lang="en-US" altLang="ko-KR" dirty="0"/>
+              <a:t>, </a:t>
+            </a:r>
+            <a:r>
+              <a:rPr lang="ko-KR" altLang="en-US" dirty="0"/>
+              <a:t>초중고</a:t>
+            </a:r>
+            <a:r>
+              <a:rPr lang="en-US" altLang="ko-KR" dirty="0"/>
+              <a:t>, </a:t>
+            </a:r>
+            <a:r>
+              <a:rPr lang="ko-KR" altLang="en-US" dirty="0"/>
+              <a:t>학교 수에 따른 이용건수 예측</a:t>
+            </a:r>
+          </a:p>
+        </p:txBody>
+      </p:sp>
+      <p:sp>
+        <p:nvSpPr>
+          <p:cNvPr id="7" name="TextBox 6">
+            <a:extLst>
+              <a:ext uri="{FF2B5EF4-FFF2-40B4-BE49-F238E27FC236}">
+                <a16:creationId xmlns:a16="http://schemas.microsoft.com/office/drawing/2014/main" id="{F21128A4-8959-4B58-965C-62BD9C603B8D}"/>
+              </a:ext>
+            </a:extLst>
+          </p:cNvPr>
+          <p:cNvSpPr txBox="1"/>
+          <p:nvPr/>
+        </p:nvSpPr>
+        <p:spPr>
+          <a:xfrm>
+            <a:off x="453118" y="4138612"/>
+            <a:ext cx="2189767" cy="369332"/>
+          </a:xfrm>
+          <a:prstGeom prst="rect">
+            <a:avLst/>
+          </a:prstGeom>
+          <a:noFill/>
+        </p:spPr>
+        <p:txBody>
+          <a:bodyPr wrap="none" rtlCol="0">
+            <a:spAutoFit/>
+          </a:bodyPr>
+          <a:lstStyle/>
+          <a:p>
+            <a:r>
+              <a:rPr lang="en-US" altLang="ko-KR" dirty="0"/>
+              <a:t>Validation</a:t>
+            </a:r>
+            <a:r>
+              <a:rPr lang="ko-KR" altLang="en-US" dirty="0"/>
+              <a:t> </a:t>
+            </a:r>
+            <a:r>
+              <a:rPr lang="en-US" altLang="ko-KR" dirty="0"/>
+              <a:t>Data</a:t>
+            </a:r>
+            <a:r>
+              <a:rPr lang="ko-KR" altLang="en-US" dirty="0"/>
+              <a:t> </a:t>
+            </a:r>
+            <a:r>
+              <a:rPr lang="en-US" altLang="ko-KR" dirty="0"/>
+              <a:t>Set</a:t>
+            </a:r>
+            <a:endParaRPr lang="ko-KR" altLang="en-US" dirty="0"/>
+          </a:p>
+        </p:txBody>
+      </p:sp>
       <p:pic>
         <p:nvPicPr>
-          <p:cNvPr id="3" name="그림 2">
-            <a:extLst>
-              <a:ext uri="{FF2B5EF4-FFF2-40B4-BE49-F238E27FC236}">
-                <a16:creationId xmlns:a16="http://schemas.microsoft.com/office/drawing/2014/main" id="{0249A3F0-F856-4730-9269-99EC31B8A65B}"/>
+          <p:cNvPr id="5" name="그림 4">
+            <a:extLst>
+              <a:ext uri="{FF2B5EF4-FFF2-40B4-BE49-F238E27FC236}">
+                <a16:creationId xmlns:a16="http://schemas.microsoft.com/office/drawing/2014/main" id="{99722A03-11A1-453A-9562-A3AAE14F4A13}"/>
               </a:ext>
             </a:extLst>
           </p:cNvPr>
@@ -5310,79 +5912,20 @@
         </p:blipFill>
         <p:spPr>
           <a:xfrm>
-            <a:off x="453118" y="890587"/>
-            <a:ext cx="4819650" cy="3248025"/>
+            <a:off x="453118" y="854477"/>
+            <a:ext cx="5229225" cy="3076575"/>
           </a:xfrm>
           <a:prstGeom prst="rect">
             <a:avLst/>
           </a:prstGeom>
         </p:spPr>
       </p:pic>
-      <p:sp>
-        <p:nvSpPr>
-          <p:cNvPr id="4" name="TextBox 3">
-            <a:extLst>
-              <a:ext uri="{FF2B5EF4-FFF2-40B4-BE49-F238E27FC236}">
-                <a16:creationId xmlns:a16="http://schemas.microsoft.com/office/drawing/2014/main" id="{10D75921-CD8E-4C85-90CC-4B046F37C46F}"/>
-              </a:ext>
-            </a:extLst>
-          </p:cNvPr>
-          <p:cNvSpPr txBox="1"/>
-          <p:nvPr/>
-        </p:nvSpPr>
-        <p:spPr>
-          <a:xfrm>
-            <a:off x="252382" y="277586"/>
-            <a:ext cx="6867586" cy="369332"/>
-          </a:xfrm>
-          <a:prstGeom prst="rect">
-            <a:avLst/>
-          </a:prstGeom>
-          <a:noFill/>
-        </p:spPr>
-        <p:txBody>
-          <a:bodyPr wrap="none" rtlCol="0">
-            <a:spAutoFit/>
-          </a:bodyPr>
-          <a:lstStyle/>
-          <a:p>
-            <a:r>
-              <a:rPr lang="ko-KR" altLang="en-US" dirty="0"/>
-              <a:t>다중회귀모델</a:t>
-            </a:r>
-            <a:r>
-              <a:rPr lang="en-US" altLang="ko-KR" dirty="0"/>
-              <a:t>(1) – </a:t>
-            </a:r>
-            <a:r>
-              <a:rPr lang="ko-KR" altLang="en-US" dirty="0"/>
-              <a:t>지하철</a:t>
-            </a:r>
-            <a:r>
-              <a:rPr lang="en-US" altLang="ko-KR" dirty="0"/>
-              <a:t>, </a:t>
-            </a:r>
-            <a:r>
-              <a:rPr lang="ko-KR" altLang="en-US" dirty="0"/>
-              <a:t>초중고</a:t>
-            </a:r>
-            <a:r>
-              <a:rPr lang="en-US" altLang="ko-KR" dirty="0"/>
-              <a:t>, </a:t>
-            </a:r>
-            <a:r>
-              <a:rPr lang="ko-KR" altLang="en-US" dirty="0"/>
-              <a:t>학교 수에 따른 이용건수 예측</a:t>
-            </a:r>
-          </a:p>
-        </p:txBody>
-      </p:sp>
       <p:pic>
         <p:nvPicPr>
-          <p:cNvPr id="6" name="그림 5">
-            <a:extLst>
-              <a:ext uri="{FF2B5EF4-FFF2-40B4-BE49-F238E27FC236}">
-                <a16:creationId xmlns:a16="http://schemas.microsoft.com/office/drawing/2014/main" id="{820C3986-7AB6-4803-A775-366AF742D2FE}"/>
+          <p:cNvPr id="9" name="그림 8">
+            <a:extLst>
+              <a:ext uri="{FF2B5EF4-FFF2-40B4-BE49-F238E27FC236}">
+                <a16:creationId xmlns:a16="http://schemas.microsoft.com/office/drawing/2014/main" id="{78AC69EE-2C0C-4D64-9186-7CEF6A5711CA}"/>
               </a:ext>
             </a:extLst>
           </p:cNvPr>
@@ -5399,8 +5942,8 @@
         </p:blipFill>
         <p:spPr>
           <a:xfrm>
-            <a:off x="453118" y="4561896"/>
-            <a:ext cx="7896225" cy="2133600"/>
+            <a:off x="497943" y="4615464"/>
+            <a:ext cx="7924800" cy="2009775"/>
           </a:xfrm>
           <a:prstGeom prst="rect">
             <a:avLst/>
@@ -5409,10 +5952,10 @@
       </p:pic>
       <p:sp>
         <p:nvSpPr>
-          <p:cNvPr id="7" name="TextBox 6">
-            <a:extLst>
-              <a:ext uri="{FF2B5EF4-FFF2-40B4-BE49-F238E27FC236}">
-                <a16:creationId xmlns:a16="http://schemas.microsoft.com/office/drawing/2014/main" id="{F21128A4-8959-4B58-965C-62BD9C603B8D}"/>
+          <p:cNvPr id="6" name="TextBox 5">
+            <a:extLst>
+              <a:ext uri="{FF2B5EF4-FFF2-40B4-BE49-F238E27FC236}">
+                <a16:creationId xmlns:a16="http://schemas.microsoft.com/office/drawing/2014/main" id="{40F8AE96-341E-466F-BD78-9C14FF7BEF97}"/>
               </a:ext>
             </a:extLst>
           </p:cNvPr>
@@ -5421,8 +5964,8 @@
         </p:nvSpPr>
         <p:spPr>
           <a:xfrm>
-            <a:off x="453118" y="4138612"/>
-            <a:ext cx="2189767" cy="369332"/>
+            <a:off x="5928549" y="2296104"/>
+            <a:ext cx="5884759" cy="923330"/>
           </a:xfrm>
           <a:prstGeom prst="rect">
             <a:avLst/>
@@ -5430,39 +5973,158 @@
           <a:noFill/>
         </p:spPr>
         <p:txBody>
-          <a:bodyPr wrap="none" rtlCol="0">
+          <a:bodyPr wrap="square" rtlCol="0">
             <a:spAutoFit/>
           </a:bodyPr>
           <a:lstStyle/>
           <a:p>
             <a:r>
-              <a:rPr lang="en-US" altLang="ko-KR" dirty="0"/>
-              <a:t>Validation</a:t>
-            </a:r>
-            <a:r>
-              <a:rPr lang="ko-KR" altLang="en-US" dirty="0"/>
-              <a:t> </a:t>
-            </a:r>
-            <a:r>
-              <a:rPr lang="en-US" altLang="ko-KR" dirty="0"/>
-              <a:t>Data</a:t>
-            </a:r>
-            <a:r>
-              <a:rPr lang="ko-KR" altLang="en-US" dirty="0"/>
-              <a:t> </a:t>
-            </a:r>
-            <a:r>
-              <a:rPr lang="en-US" altLang="ko-KR" dirty="0"/>
-              <a:t>Set</a:t>
+              <a:rPr lang="ko-KR" altLang="en-US" dirty="0"/>
+              <a:t>이 모델에서 종속 변수를 구하는데</a:t>
+            </a:r>
+            <a:r>
+              <a:rPr lang="en-US" altLang="ko-KR" dirty="0"/>
+              <a:t>, </a:t>
+            </a:r>
+            <a:r>
+              <a:rPr lang="ko-KR" altLang="en-US" dirty="0"/>
+              <a:t>영향력이 있는</a:t>
+            </a:r>
+            <a:br>
+              <a:rPr lang="en-US" altLang="ko-KR" dirty="0"/>
+            </a:br>
+            <a:r>
+              <a:rPr lang="ko-KR" altLang="en-US" dirty="0"/>
+              <a:t>변수 중 가장 큰 </a:t>
+            </a:r>
+            <a:r>
+              <a:rPr lang="en-US" altLang="ko-KR" dirty="0"/>
+              <a:t>t-value </a:t>
+            </a:r>
+            <a:r>
+              <a:rPr lang="ko-KR" altLang="en-US" dirty="0"/>
+              <a:t>값을 갖는 </a:t>
+            </a:r>
+            <a:r>
+              <a:rPr lang="en-US" altLang="ko-KR" dirty="0" err="1"/>
+              <a:t>stationCnt</a:t>
+            </a:r>
+            <a:r>
+              <a:rPr lang="ko-KR" altLang="en-US" dirty="0"/>
+              <a:t>는 지하철역 수이다</a:t>
+            </a:r>
+            <a:r>
+              <a:rPr lang="en-US" altLang="ko-KR" dirty="0"/>
+              <a:t>. </a:t>
             </a:r>
             <a:endParaRPr lang="ko-KR" altLang="en-US" dirty="0"/>
+          </a:p>
+        </p:txBody>
+      </p:sp>
+      <p:sp>
+        <p:nvSpPr>
+          <p:cNvPr id="8" name="액자 7">
+            <a:extLst>
+              <a:ext uri="{FF2B5EF4-FFF2-40B4-BE49-F238E27FC236}">
+                <a16:creationId xmlns:a16="http://schemas.microsoft.com/office/drawing/2014/main" id="{C0026A19-5D8A-41B3-84B3-D4ACCBB475D6}"/>
+              </a:ext>
+            </a:extLst>
+          </p:cNvPr>
+          <p:cNvSpPr/>
+          <p:nvPr/>
+        </p:nvSpPr>
+        <p:spPr>
+          <a:xfrm>
+            <a:off x="323274" y="2438400"/>
+            <a:ext cx="4359562" cy="189614"/>
+          </a:xfrm>
+          <a:prstGeom prst="frame">
+            <a:avLst/>
+          </a:prstGeom>
+        </p:spPr>
+        <p:style>
+          <a:lnRef idx="2">
+            <a:schemeClr val="accent2">
+              <a:shade val="50000"/>
+            </a:schemeClr>
+          </a:lnRef>
+          <a:fillRef idx="1">
+            <a:schemeClr val="accent2"/>
+          </a:fillRef>
+          <a:effectRef idx="0">
+            <a:schemeClr val="accent2"/>
+          </a:effectRef>
+          <a:fontRef idx="minor">
+            <a:schemeClr val="lt1"/>
+          </a:fontRef>
+        </p:style>
+        <p:txBody>
+          <a:bodyPr rtlCol="0" anchor="ctr"/>
+          <a:lstStyle/>
+          <a:p>
+            <a:pPr algn="ctr"/>
+            <a:endParaRPr lang="ko-KR" altLang="en-US">
+              <a:solidFill>
+                <a:schemeClr val="tx1"/>
+              </a:solidFill>
+            </a:endParaRPr>
+          </a:p>
+        </p:txBody>
+      </p:sp>
+      <p:sp>
+        <p:nvSpPr>
+          <p:cNvPr id="10" name="액자 9">
+            <a:extLst>
+              <a:ext uri="{FF2B5EF4-FFF2-40B4-BE49-F238E27FC236}">
+                <a16:creationId xmlns:a16="http://schemas.microsoft.com/office/drawing/2014/main" id="{CC3BC1D6-1FEE-427A-AA9B-A32D2D820EF0}"/>
+              </a:ext>
+            </a:extLst>
+          </p:cNvPr>
+          <p:cNvSpPr/>
+          <p:nvPr/>
+        </p:nvSpPr>
+        <p:spPr>
+          <a:xfrm>
+            <a:off x="1717964" y="6192980"/>
+            <a:ext cx="513471" cy="387433"/>
+          </a:xfrm>
+          <a:prstGeom prst="frame">
+            <a:avLst/>
+          </a:prstGeom>
+        </p:spPr>
+        <p:style>
+          <a:lnRef idx="2">
+            <a:schemeClr val="accent2">
+              <a:shade val="50000"/>
+            </a:schemeClr>
+          </a:lnRef>
+          <a:fillRef idx="1">
+            <a:schemeClr val="accent2"/>
+          </a:fillRef>
+          <a:effectRef idx="0">
+            <a:schemeClr val="accent2"/>
+          </a:effectRef>
+          <a:fontRef idx="minor">
+            <a:schemeClr val="lt1"/>
+          </a:fontRef>
+        </p:style>
+        <p:txBody>
+          <a:bodyPr rtlCol="0" anchor="ctr"/>
+          <a:lstStyle/>
+          <a:p>
+            <a:pPr algn="ctr"/>
+            <a:endParaRPr lang="ko-KR" altLang="en-US">
+              <a:solidFill>
+                <a:schemeClr val="tx1"/>
+              </a:solidFill>
+            </a:endParaRPr>
           </a:p>
         </p:txBody>
       </p:sp>
     </p:spTree>
     <p:extLst>
       <p:ext uri="{BB962C8B-B14F-4D97-AF65-F5344CB8AC3E}">
-        <p14:creationId xmlns:p14="http://schemas.microsoft.com/office/powerpoint/2010/main" val="998940151"/>
+        <p14:creationId xmlns:p14="http://schemas.microsoft.com/office/powerpoint/2010/main" val="2371106402"/>
       </p:ext>
     </p:extLst>
   </p:cSld>
@@ -5489,12 +6151,64 @@
           <a:chExt cx="0" cy="0"/>
         </a:xfrm>
       </p:grpSpPr>
+      <p:sp>
+        <p:nvSpPr>
+          <p:cNvPr id="4" name="TextBox 3">
+            <a:extLst>
+              <a:ext uri="{FF2B5EF4-FFF2-40B4-BE49-F238E27FC236}">
+                <a16:creationId xmlns:a16="http://schemas.microsoft.com/office/drawing/2014/main" id="{D042CEA9-21C3-462F-82B2-FAEA23D288FF}"/>
+              </a:ext>
+            </a:extLst>
+          </p:cNvPr>
+          <p:cNvSpPr txBox="1"/>
+          <p:nvPr/>
+        </p:nvSpPr>
+        <p:spPr>
+          <a:xfrm>
+            <a:off x="283708" y="438933"/>
+            <a:ext cx="1655390" cy="369332"/>
+          </a:xfrm>
+          <a:prstGeom prst="rect">
+            <a:avLst/>
+          </a:prstGeom>
+          <a:noFill/>
+        </p:spPr>
+        <p:txBody>
+          <a:bodyPr wrap="none" rtlCol="0">
+            <a:spAutoFit/>
+          </a:bodyPr>
+          <a:lstStyle/>
+          <a:p>
+            <a:r>
+              <a:rPr lang="en-US" altLang="ko-KR" dirty="0"/>
+              <a:t>Train</a:t>
+            </a:r>
+            <a:r>
+              <a:rPr lang="ko-KR" altLang="en-US" dirty="0"/>
+              <a:t> </a:t>
+            </a:r>
+            <a:r>
+              <a:rPr lang="en-US" altLang="ko-KR" dirty="0"/>
+              <a:t>Data</a:t>
+            </a:r>
+            <a:r>
+              <a:rPr lang="ko-KR" altLang="en-US" dirty="0"/>
+              <a:t> </a:t>
+            </a:r>
+            <a:r>
+              <a:rPr lang="en-US" altLang="ko-KR" dirty="0"/>
+              <a:t>Set</a:t>
+            </a:r>
+            <a:endParaRPr lang="ko-KR" altLang="en-US" dirty="0"/>
+          </a:p>
+        </p:txBody>
+      </p:sp>
       <p:pic>
         <p:nvPicPr>
-          <p:cNvPr id="3" name="그림 2">
-            <a:extLst>
-              <a:ext uri="{FF2B5EF4-FFF2-40B4-BE49-F238E27FC236}">
-                <a16:creationId xmlns:a16="http://schemas.microsoft.com/office/drawing/2014/main" id="{D2026394-8571-4BF7-9333-319BF0B6386F}"/>
+          <p:cNvPr id="6" name="그림 5">
+            <a:extLst>
+              <a:ext uri="{FF2B5EF4-FFF2-40B4-BE49-F238E27FC236}">
+                <a16:creationId xmlns:a16="http://schemas.microsoft.com/office/drawing/2014/main" id="{334BF8AC-3E92-444F-9CD1-F451D8F8993D}"/>
               </a:ext>
             </a:extLst>
           </p:cNvPr>
@@ -5511,8 +6225,8 @@
         </p:blipFill>
         <p:spPr>
           <a:xfrm>
-            <a:off x="283708" y="808265"/>
-            <a:ext cx="7934325" cy="1943100"/>
+            <a:off x="464003" y="3820886"/>
+            <a:ext cx="5810250" cy="285750"/>
           </a:xfrm>
           <a:prstGeom prst="rect">
             <a:avLst/>
@@ -5521,10 +6235,10 @@
       </p:pic>
       <p:sp>
         <p:nvSpPr>
-          <p:cNvPr id="4" name="TextBox 3">
-            <a:extLst>
-              <a:ext uri="{FF2B5EF4-FFF2-40B4-BE49-F238E27FC236}">
-                <a16:creationId xmlns:a16="http://schemas.microsoft.com/office/drawing/2014/main" id="{D042CEA9-21C3-462F-82B2-FAEA23D288FF}"/>
+          <p:cNvPr id="9" name="TextBox 8">
+            <a:extLst>
+              <a:ext uri="{FF2B5EF4-FFF2-40B4-BE49-F238E27FC236}">
+                <a16:creationId xmlns:a16="http://schemas.microsoft.com/office/drawing/2014/main" id="{596F50DA-952A-452D-BA73-D1DDDC9DB276}"/>
               </a:ext>
             </a:extLst>
           </p:cNvPr>
@@ -5533,8 +6247,8 @@
         </p:nvSpPr>
         <p:spPr>
           <a:xfrm>
-            <a:off x="283708" y="438933"/>
-            <a:ext cx="1655390" cy="369332"/>
+            <a:off x="283708" y="3296722"/>
+            <a:ext cx="3199915" cy="369332"/>
           </a:xfrm>
           <a:prstGeom prst="rect">
             <a:avLst/>
@@ -5548,35 +6262,18 @@
           <a:lstStyle/>
           <a:p>
             <a:r>
-              <a:rPr lang="en-US" altLang="ko-KR" dirty="0"/>
-              <a:t>Train</a:t>
-            </a:r>
-            <a:r>
-              <a:rPr lang="ko-KR" altLang="en-US" dirty="0"/>
-              <a:t> </a:t>
-            </a:r>
-            <a:r>
-              <a:rPr lang="en-US" altLang="ko-KR" dirty="0"/>
-              <a:t>Data</a:t>
-            </a:r>
-            <a:r>
-              <a:rPr lang="ko-KR" altLang="en-US" dirty="0"/>
-              <a:t> </a:t>
-            </a:r>
-            <a:r>
-              <a:rPr lang="en-US" altLang="ko-KR" dirty="0"/>
-              <a:t>Set</a:t>
-            </a:r>
-            <a:endParaRPr lang="ko-KR" altLang="en-US" dirty="0"/>
+              <a:rPr lang="ko-KR" altLang="en-US" dirty="0"/>
+              <a:t>새로운 데이터를 이용한 예측</a:t>
+            </a:r>
           </a:p>
         </p:txBody>
       </p:sp>
       <p:pic>
         <p:nvPicPr>
-          <p:cNvPr id="8" name="그림 7">
-            <a:extLst>
-              <a:ext uri="{FF2B5EF4-FFF2-40B4-BE49-F238E27FC236}">
-                <a16:creationId xmlns:a16="http://schemas.microsoft.com/office/drawing/2014/main" id="{5606040D-A99E-46BA-A894-27D0BEA2DB3D}"/>
+          <p:cNvPr id="5" name="그림 4">
+            <a:extLst>
+              <a:ext uri="{FF2B5EF4-FFF2-40B4-BE49-F238E27FC236}">
+                <a16:creationId xmlns:a16="http://schemas.microsoft.com/office/drawing/2014/main" id="{277E37F8-4A11-4465-B868-369DEA91CFD6}"/>
               </a:ext>
             </a:extLst>
           </p:cNvPr>
@@ -5593,55 +6290,20 @@
         </p:blipFill>
         <p:spPr>
           <a:xfrm>
-            <a:off x="464003" y="4211411"/>
-            <a:ext cx="4257675" cy="981075"/>
+            <a:off x="283708" y="844271"/>
+            <a:ext cx="8124825" cy="1990725"/>
           </a:xfrm>
           <a:prstGeom prst="rect">
             <a:avLst/>
           </a:prstGeom>
         </p:spPr>
       </p:pic>
-      <p:sp>
-        <p:nvSpPr>
-          <p:cNvPr id="9" name="TextBox 8">
-            <a:extLst>
-              <a:ext uri="{FF2B5EF4-FFF2-40B4-BE49-F238E27FC236}">
-                <a16:creationId xmlns:a16="http://schemas.microsoft.com/office/drawing/2014/main" id="{596F50DA-952A-452D-BA73-D1DDDC9DB276}"/>
-              </a:ext>
-            </a:extLst>
-          </p:cNvPr>
-          <p:cNvSpPr txBox="1"/>
-          <p:nvPr/>
-        </p:nvSpPr>
-        <p:spPr>
-          <a:xfrm>
-            <a:off x="283708" y="3296722"/>
-            <a:ext cx="3199915" cy="369332"/>
-          </a:xfrm>
-          <a:prstGeom prst="rect">
-            <a:avLst/>
-          </a:prstGeom>
-          <a:noFill/>
-        </p:spPr>
-        <p:txBody>
-          <a:bodyPr wrap="none" rtlCol="0">
-            <a:spAutoFit/>
-          </a:bodyPr>
-          <a:lstStyle/>
-          <a:p>
-            <a:r>
-              <a:rPr lang="ko-KR" altLang="en-US" dirty="0"/>
-              <a:t>새로운 데이터를 이용한 예측</a:t>
-            </a:r>
-          </a:p>
-        </p:txBody>
-      </p:sp>
       <p:pic>
         <p:nvPicPr>
-          <p:cNvPr id="5" name="그림 4">
-            <a:extLst>
-              <a:ext uri="{FF2B5EF4-FFF2-40B4-BE49-F238E27FC236}">
-                <a16:creationId xmlns:a16="http://schemas.microsoft.com/office/drawing/2014/main" id="{DCFE24CB-6E1F-4A9C-A65E-BB5ED9BC0551}"/>
+          <p:cNvPr id="10" name="그림 9">
+            <a:extLst>
+              <a:ext uri="{FF2B5EF4-FFF2-40B4-BE49-F238E27FC236}">
+                <a16:creationId xmlns:a16="http://schemas.microsoft.com/office/drawing/2014/main" id="{D5BC004A-CA19-42BC-BF86-0D38250BF06B}"/>
               </a:ext>
             </a:extLst>
           </p:cNvPr>
@@ -5658,18 +6320,250 @@
         </p:blipFill>
         <p:spPr>
           <a:xfrm>
-            <a:off x="5087815" y="2751957"/>
-            <a:ext cx="5896708" cy="3721301"/>
+            <a:off x="6552159" y="3193359"/>
+            <a:ext cx="5072429" cy="3462778"/>
           </a:xfrm>
           <a:prstGeom prst="rect">
             <a:avLst/>
           </a:prstGeom>
         </p:spPr>
       </p:pic>
+      <p:pic>
+        <p:nvPicPr>
+          <p:cNvPr id="12" name="그림 11">
+            <a:extLst>
+              <a:ext uri="{FF2B5EF4-FFF2-40B4-BE49-F238E27FC236}">
+                <a16:creationId xmlns:a16="http://schemas.microsoft.com/office/drawing/2014/main" id="{38A1890D-D6ED-4848-80C9-C4AA21A78FAC}"/>
+              </a:ext>
+            </a:extLst>
+          </p:cNvPr>
+          <p:cNvPicPr>
+            <a:picLocks noChangeAspect="1"/>
+          </p:cNvPicPr>
+          <p:nvPr/>
+        </p:nvPicPr>
+        <p:blipFill>
+          <a:blip r:embed="rId5"/>
+          <a:stretch>
+            <a:fillRect/>
+          </a:stretch>
+        </p:blipFill>
+        <p:spPr>
+          <a:xfrm>
+            <a:off x="464003" y="4255228"/>
+            <a:ext cx="5248275" cy="1038225"/>
+          </a:xfrm>
+          <a:prstGeom prst="rect">
+            <a:avLst/>
+          </a:prstGeom>
+        </p:spPr>
+      </p:pic>
+      <p:sp>
+        <p:nvSpPr>
+          <p:cNvPr id="8" name="액자 7">
+            <a:extLst>
+              <a:ext uri="{FF2B5EF4-FFF2-40B4-BE49-F238E27FC236}">
+                <a16:creationId xmlns:a16="http://schemas.microsoft.com/office/drawing/2014/main" id="{31A244B5-86EF-4BF1-9D61-790FAE2A433D}"/>
+              </a:ext>
+            </a:extLst>
+          </p:cNvPr>
+          <p:cNvSpPr/>
+          <p:nvPr/>
+        </p:nvSpPr>
+        <p:spPr>
+          <a:xfrm>
+            <a:off x="2216727" y="2402541"/>
+            <a:ext cx="513471" cy="348824"/>
+          </a:xfrm>
+          <a:prstGeom prst="frame">
+            <a:avLst/>
+          </a:prstGeom>
+        </p:spPr>
+        <p:style>
+          <a:lnRef idx="2">
+            <a:schemeClr val="accent2">
+              <a:shade val="50000"/>
+            </a:schemeClr>
+          </a:lnRef>
+          <a:fillRef idx="1">
+            <a:schemeClr val="accent2"/>
+          </a:fillRef>
+          <a:effectRef idx="0">
+            <a:schemeClr val="accent2"/>
+          </a:effectRef>
+          <a:fontRef idx="minor">
+            <a:schemeClr val="lt1"/>
+          </a:fontRef>
+        </p:style>
+        <p:txBody>
+          <a:bodyPr rtlCol="0" anchor="ctr"/>
+          <a:lstStyle/>
+          <a:p>
+            <a:pPr algn="ctr"/>
+            <a:endParaRPr lang="ko-KR" altLang="en-US">
+              <a:solidFill>
+                <a:schemeClr val="tx1"/>
+              </a:solidFill>
+            </a:endParaRPr>
+          </a:p>
+        </p:txBody>
+      </p:sp>
+      <p:sp>
+        <p:nvSpPr>
+          <p:cNvPr id="11" name="액자 10">
+            <a:extLst>
+              <a:ext uri="{FF2B5EF4-FFF2-40B4-BE49-F238E27FC236}">
+                <a16:creationId xmlns:a16="http://schemas.microsoft.com/office/drawing/2014/main" id="{409D1334-2578-4948-B148-99418335C492}"/>
+              </a:ext>
+            </a:extLst>
+          </p:cNvPr>
+          <p:cNvSpPr/>
+          <p:nvPr/>
+        </p:nvSpPr>
+        <p:spPr>
+          <a:xfrm>
+            <a:off x="464003" y="4760259"/>
+            <a:ext cx="736724" cy="328978"/>
+          </a:xfrm>
+          <a:prstGeom prst="frame">
+            <a:avLst>
+              <a:gd name="adj1" fmla="val 7340"/>
+            </a:avLst>
+          </a:prstGeom>
+        </p:spPr>
+        <p:style>
+          <a:lnRef idx="2">
+            <a:schemeClr val="accent2">
+              <a:shade val="50000"/>
+            </a:schemeClr>
+          </a:lnRef>
+          <a:fillRef idx="1">
+            <a:schemeClr val="accent2"/>
+          </a:fillRef>
+          <a:effectRef idx="0">
+            <a:schemeClr val="accent2"/>
+          </a:effectRef>
+          <a:fontRef idx="minor">
+            <a:schemeClr val="lt1"/>
+          </a:fontRef>
+        </p:style>
+        <p:txBody>
+          <a:bodyPr rtlCol="0" anchor="ctr"/>
+          <a:lstStyle/>
+          <a:p>
+            <a:pPr algn="ctr"/>
+            <a:endParaRPr lang="ko-KR" altLang="en-US">
+              <a:solidFill>
+                <a:schemeClr val="tx1"/>
+              </a:solidFill>
+            </a:endParaRPr>
+          </a:p>
+        </p:txBody>
+      </p:sp>
+      <p:sp>
+        <p:nvSpPr>
+          <p:cNvPr id="14" name="TextBox 13">
+            <a:extLst>
+              <a:ext uri="{FF2B5EF4-FFF2-40B4-BE49-F238E27FC236}">
+                <a16:creationId xmlns:a16="http://schemas.microsoft.com/office/drawing/2014/main" id="{325EEBB2-4D53-4BB5-90C7-3D9321D1BC88}"/>
+              </a:ext>
+            </a:extLst>
+          </p:cNvPr>
+          <p:cNvSpPr txBox="1"/>
+          <p:nvPr/>
+        </p:nvSpPr>
+        <p:spPr>
+          <a:xfrm>
+            <a:off x="6023533" y="1779815"/>
+            <a:ext cx="5884759" cy="1200329"/>
+          </a:xfrm>
+          <a:prstGeom prst="rect">
+            <a:avLst/>
+          </a:prstGeom>
+          <a:noFill/>
+        </p:spPr>
+        <p:txBody>
+          <a:bodyPr wrap="square" rtlCol="0">
+            <a:spAutoFit/>
+          </a:bodyPr>
+          <a:lstStyle/>
+          <a:p>
+            <a:r>
+              <a:rPr lang="en-US" altLang="ko-KR" dirty="0"/>
+              <a:t>Training set</a:t>
+            </a:r>
+            <a:r>
+              <a:rPr lang="ko-KR" altLang="en-US" dirty="0"/>
+              <a:t>과 </a:t>
+            </a:r>
+            <a:r>
+              <a:rPr lang="en-US" altLang="ko-KR" dirty="0"/>
+              <a:t>validation set</a:t>
+            </a:r>
+            <a:r>
+              <a:rPr lang="ko-KR" altLang="en-US" dirty="0"/>
+              <a:t>에서의 </a:t>
+            </a:r>
+            <a:r>
+              <a:rPr lang="en-US" altLang="ko-KR" dirty="0"/>
+              <a:t>accuracy</a:t>
+            </a:r>
+            <a:r>
+              <a:rPr lang="ko-KR" altLang="en-US" dirty="0"/>
+              <a:t>를 보면</a:t>
+            </a:r>
+            <a:r>
+              <a:rPr lang="en-US" altLang="ko-KR" dirty="0"/>
+              <a:t>, RMSE </a:t>
+            </a:r>
+            <a:r>
+              <a:rPr lang="ko-KR" altLang="en-US" dirty="0"/>
+              <a:t>값이 </a:t>
+            </a:r>
+            <a:r>
+              <a:rPr lang="en-US" altLang="ko-KR" dirty="0"/>
+              <a:t>validation set</a:t>
+            </a:r>
+            <a:r>
+              <a:rPr lang="ko-KR" altLang="en-US" dirty="0"/>
+              <a:t>에서 더 크게 나왔으므로 </a:t>
+            </a:r>
+            <a:r>
+              <a:rPr lang="en-US" altLang="ko-KR" dirty="0"/>
+              <a:t>overfitting</a:t>
+            </a:r>
+            <a:r>
+              <a:rPr lang="ko-KR" altLang="en-US" dirty="0"/>
+              <a:t>이다</a:t>
+            </a:r>
+            <a:r>
+              <a:rPr lang="en-US" altLang="ko-KR" dirty="0"/>
+              <a:t>. Overfitting</a:t>
+            </a:r>
+            <a:r>
+              <a:rPr lang="ko-KR" altLang="en-US" dirty="0"/>
+              <a:t>은 모델에 사용되는 변수가 많아서 발생한다</a:t>
+            </a:r>
+            <a:r>
+              <a:rPr lang="en-US" altLang="ko-KR" dirty="0"/>
+              <a:t>. </a:t>
+            </a:r>
+            <a:r>
+              <a:rPr lang="ko-KR" altLang="en-US" dirty="0"/>
+              <a:t>따라서 이 모델은 적합하지 않다</a:t>
+            </a:r>
+            <a:r>
+              <a:rPr lang="en-US" altLang="ko-KR" dirty="0"/>
+              <a:t>.</a:t>
+            </a:r>
+            <a:endParaRPr lang="ko-KR" altLang="en-US" dirty="0"/>
+          </a:p>
+        </p:txBody>
+      </p:sp>
     </p:spTree>
     <p:extLst>
       <p:ext uri="{BB962C8B-B14F-4D97-AF65-F5344CB8AC3E}">
-        <p14:creationId xmlns:p14="http://schemas.microsoft.com/office/powerpoint/2010/main" val="3894632396"/>
+        <p14:creationId xmlns:p14="http://schemas.microsoft.com/office/powerpoint/2010/main" val="1036602053"/>
       </p:ext>
     </p:extLst>
   </p:cSld>
@@ -5711,7 +6605,7 @@
         <p:spPr>
           <a:xfrm>
             <a:off x="252382" y="277586"/>
-            <a:ext cx="8444941" cy="369332"/>
+            <a:ext cx="8757526" cy="369332"/>
           </a:xfrm>
           <a:prstGeom prst="rect">
             <a:avLst/>
@@ -5730,7 +6624,7 @@
             </a:r>
             <a:r>
               <a:rPr lang="en-US" altLang="ko-KR" dirty="0"/>
-              <a:t>(2) – </a:t>
+              <a:t>(3) – </a:t>
             </a:r>
             <a:r>
               <a:rPr lang="ko-KR" altLang="en-US" dirty="0"/>
@@ -5742,7 +6636,7 @@
             </a:r>
             <a:r>
               <a:rPr lang="ko-KR" altLang="en-US" dirty="0"/>
-              <a:t>대기업</a:t>
+              <a:t>중소기업</a:t>
             </a:r>
             <a:r>
               <a:rPr lang="en-US" altLang="ko-KR" dirty="0"/>
@@ -5825,10 +6719,10 @@
       </p:sp>
       <p:pic>
         <p:nvPicPr>
-          <p:cNvPr id="5" name="그림 4">
-            <a:extLst>
-              <a:ext uri="{FF2B5EF4-FFF2-40B4-BE49-F238E27FC236}">
-                <a16:creationId xmlns:a16="http://schemas.microsoft.com/office/drawing/2014/main" id="{99722A03-11A1-453A-9562-A3AAE14F4A13}"/>
+          <p:cNvPr id="3" name="그림 2">
+            <a:extLst>
+              <a:ext uri="{FF2B5EF4-FFF2-40B4-BE49-F238E27FC236}">
+                <a16:creationId xmlns:a16="http://schemas.microsoft.com/office/drawing/2014/main" id="{BDC166F9-7159-41BF-A04D-4EA8060817AB}"/>
               </a:ext>
             </a:extLst>
           </p:cNvPr>
@@ -5845,8 +6739,8 @@
         </p:blipFill>
         <p:spPr>
           <a:xfrm>
-            <a:off x="453118" y="854477"/>
-            <a:ext cx="5229225" cy="3076575"/>
+            <a:off x="453118" y="859240"/>
+            <a:ext cx="5610225" cy="3067050"/>
           </a:xfrm>
           <a:prstGeom prst="rect">
             <a:avLst/>
@@ -5855,10 +6749,10 @@
       </p:pic>
       <p:pic>
         <p:nvPicPr>
-          <p:cNvPr id="9" name="그림 8">
-            <a:extLst>
-              <a:ext uri="{FF2B5EF4-FFF2-40B4-BE49-F238E27FC236}">
-                <a16:creationId xmlns:a16="http://schemas.microsoft.com/office/drawing/2014/main" id="{78AC69EE-2C0C-4D64-9186-7CEF6A5711CA}"/>
+          <p:cNvPr id="8" name="그림 7">
+            <a:extLst>
+              <a:ext uri="{FF2B5EF4-FFF2-40B4-BE49-F238E27FC236}">
+                <a16:creationId xmlns:a16="http://schemas.microsoft.com/office/drawing/2014/main" id="{3BF85C5F-0D06-46E8-AA67-383F98380F51}"/>
               </a:ext>
             </a:extLst>
           </p:cNvPr>
@@ -5875,18 +6769,189 @@
         </p:blipFill>
         <p:spPr>
           <a:xfrm>
-            <a:off x="453118" y="4570639"/>
-            <a:ext cx="7924800" cy="2009775"/>
+            <a:off x="453118" y="4589689"/>
+            <a:ext cx="7896225" cy="1990725"/>
           </a:xfrm>
           <a:prstGeom prst="rect">
             <a:avLst/>
           </a:prstGeom>
         </p:spPr>
       </p:pic>
+      <p:sp>
+        <p:nvSpPr>
+          <p:cNvPr id="9" name="TextBox 8">
+            <a:extLst>
+              <a:ext uri="{FF2B5EF4-FFF2-40B4-BE49-F238E27FC236}">
+                <a16:creationId xmlns:a16="http://schemas.microsoft.com/office/drawing/2014/main" id="{3FDD8E88-E238-4297-8366-D6BB0D0BB0DE}"/>
+              </a:ext>
+            </a:extLst>
+          </p:cNvPr>
+          <p:cNvSpPr txBox="1"/>
+          <p:nvPr/>
+        </p:nvSpPr>
+        <p:spPr>
+          <a:xfrm>
+            <a:off x="5928549" y="2296104"/>
+            <a:ext cx="5884759" cy="923330"/>
+          </a:xfrm>
+          <a:prstGeom prst="rect">
+            <a:avLst/>
+          </a:prstGeom>
+          <a:noFill/>
+        </p:spPr>
+        <p:txBody>
+          <a:bodyPr wrap="square" rtlCol="0">
+            <a:spAutoFit/>
+          </a:bodyPr>
+          <a:lstStyle/>
+          <a:p>
+            <a:r>
+              <a:rPr lang="ko-KR" altLang="en-US" dirty="0"/>
+              <a:t>이 모델에서 종속 변수를 구하는데</a:t>
+            </a:r>
+            <a:r>
+              <a:rPr lang="en-US" altLang="ko-KR" dirty="0"/>
+              <a:t>, </a:t>
+            </a:r>
+            <a:r>
+              <a:rPr lang="ko-KR" altLang="en-US" dirty="0"/>
+              <a:t>영향력이 있는</a:t>
+            </a:r>
+            <a:br>
+              <a:rPr lang="en-US" altLang="ko-KR" dirty="0"/>
+            </a:br>
+            <a:r>
+              <a:rPr lang="ko-KR" altLang="en-US" dirty="0"/>
+              <a:t>변수 중 가장 큰 </a:t>
+            </a:r>
+            <a:r>
+              <a:rPr lang="en-US" altLang="ko-KR" dirty="0"/>
+              <a:t>t-value </a:t>
+            </a:r>
+            <a:r>
+              <a:rPr lang="ko-KR" altLang="en-US" dirty="0"/>
+              <a:t>값을 갖는 </a:t>
+            </a:r>
+            <a:r>
+              <a:rPr lang="en-US" altLang="ko-KR" dirty="0" err="1"/>
+              <a:t>schoolCnt</a:t>
+            </a:r>
+            <a:r>
+              <a:rPr lang="ko-KR" altLang="en-US" dirty="0"/>
+              <a:t>는 초중고 학교 수이다</a:t>
+            </a:r>
+            <a:r>
+              <a:rPr lang="en-US" altLang="ko-KR" dirty="0"/>
+              <a:t>. </a:t>
+            </a:r>
+            <a:endParaRPr lang="ko-KR" altLang="en-US" dirty="0"/>
+          </a:p>
+        </p:txBody>
+      </p:sp>
+      <p:sp>
+        <p:nvSpPr>
+          <p:cNvPr id="10" name="액자 9">
+            <a:extLst>
+              <a:ext uri="{FF2B5EF4-FFF2-40B4-BE49-F238E27FC236}">
+                <a16:creationId xmlns:a16="http://schemas.microsoft.com/office/drawing/2014/main" id="{61834AD0-1FF6-45DE-A3A5-AA48DF581290}"/>
+              </a:ext>
+            </a:extLst>
+          </p:cNvPr>
+          <p:cNvSpPr/>
+          <p:nvPr/>
+        </p:nvSpPr>
+        <p:spPr>
+          <a:xfrm>
+            <a:off x="378692" y="2624581"/>
+            <a:ext cx="4359562" cy="189614"/>
+          </a:xfrm>
+          <a:prstGeom prst="frame">
+            <a:avLst/>
+          </a:prstGeom>
+        </p:spPr>
+        <p:style>
+          <a:lnRef idx="2">
+            <a:schemeClr val="accent2">
+              <a:shade val="50000"/>
+            </a:schemeClr>
+          </a:lnRef>
+          <a:fillRef idx="1">
+            <a:schemeClr val="accent2"/>
+          </a:fillRef>
+          <a:effectRef idx="0">
+            <a:schemeClr val="accent2"/>
+          </a:effectRef>
+          <a:fontRef idx="minor">
+            <a:schemeClr val="lt1"/>
+          </a:fontRef>
+        </p:style>
+        <p:txBody>
+          <a:bodyPr rtlCol="0" anchor="ctr"/>
+          <a:lstStyle/>
+          <a:p>
+            <a:pPr algn="ctr"/>
+            <a:endParaRPr lang="ko-KR" altLang="en-US">
+              <a:solidFill>
+                <a:schemeClr val="tx1"/>
+              </a:solidFill>
+            </a:endParaRPr>
+          </a:p>
+        </p:txBody>
+      </p:sp>
+      <p:sp>
+        <p:nvSpPr>
+          <p:cNvPr id="11" name="액자 10">
+            <a:extLst>
+              <a:ext uri="{FF2B5EF4-FFF2-40B4-BE49-F238E27FC236}">
+                <a16:creationId xmlns:a16="http://schemas.microsoft.com/office/drawing/2014/main" id="{97AABDF6-DE7A-4A3C-A3F8-87B5C7035AFB}"/>
+              </a:ext>
+            </a:extLst>
+          </p:cNvPr>
+          <p:cNvSpPr/>
+          <p:nvPr/>
+        </p:nvSpPr>
+        <p:spPr>
+          <a:xfrm>
+            <a:off x="1709000" y="6192981"/>
+            <a:ext cx="513471" cy="387433"/>
+          </a:xfrm>
+          <a:prstGeom prst="frame">
+            <a:avLst/>
+          </a:prstGeom>
+        </p:spPr>
+        <p:style>
+          <a:lnRef idx="2">
+            <a:schemeClr val="accent2">
+              <a:shade val="50000"/>
+            </a:schemeClr>
+          </a:lnRef>
+          <a:fillRef idx="1">
+            <a:schemeClr val="accent2"/>
+          </a:fillRef>
+          <a:effectRef idx="0">
+            <a:schemeClr val="accent2"/>
+          </a:effectRef>
+          <a:fontRef idx="minor">
+            <a:schemeClr val="lt1"/>
+          </a:fontRef>
+        </p:style>
+        <p:txBody>
+          <a:bodyPr rtlCol="0" anchor="ctr"/>
+          <a:lstStyle/>
+          <a:p>
+            <a:pPr algn="ctr"/>
+            <a:endParaRPr lang="ko-KR" altLang="en-US">
+              <a:solidFill>
+                <a:schemeClr val="tx1"/>
+              </a:solidFill>
+            </a:endParaRPr>
+          </a:p>
+        </p:txBody>
+      </p:sp>
     </p:spTree>
     <p:extLst>
       <p:ext uri="{BB962C8B-B14F-4D97-AF65-F5344CB8AC3E}">
-        <p14:creationId xmlns:p14="http://schemas.microsoft.com/office/powerpoint/2010/main" val="2371106402"/>
+        <p14:creationId xmlns:p14="http://schemas.microsoft.com/office/powerpoint/2010/main" val="714430964"/>
       </p:ext>
     </p:extLst>
   </p:cSld>
@@ -5965,12 +7030,47 @@
           </a:p>
         </p:txBody>
       </p:sp>
+      <p:sp>
+        <p:nvSpPr>
+          <p:cNvPr id="9" name="TextBox 8">
+            <a:extLst>
+              <a:ext uri="{FF2B5EF4-FFF2-40B4-BE49-F238E27FC236}">
+                <a16:creationId xmlns:a16="http://schemas.microsoft.com/office/drawing/2014/main" id="{596F50DA-952A-452D-BA73-D1DDDC9DB276}"/>
+              </a:ext>
+            </a:extLst>
+          </p:cNvPr>
+          <p:cNvSpPr txBox="1"/>
+          <p:nvPr/>
+        </p:nvSpPr>
+        <p:spPr>
+          <a:xfrm>
+            <a:off x="283708" y="3296722"/>
+            <a:ext cx="3199915" cy="369332"/>
+          </a:xfrm>
+          <a:prstGeom prst="rect">
+            <a:avLst/>
+          </a:prstGeom>
+          <a:noFill/>
+        </p:spPr>
+        <p:txBody>
+          <a:bodyPr wrap="none" rtlCol="0">
+            <a:spAutoFit/>
+          </a:bodyPr>
+          <a:lstStyle/>
+          <a:p>
+            <a:r>
+              <a:rPr lang="ko-KR" altLang="en-US" dirty="0"/>
+              <a:t>새로운 데이터를 이용한 예측</a:t>
+            </a:r>
+          </a:p>
+        </p:txBody>
+      </p:sp>
       <p:pic>
         <p:nvPicPr>
-          <p:cNvPr id="6" name="그림 5">
-            <a:extLst>
-              <a:ext uri="{FF2B5EF4-FFF2-40B4-BE49-F238E27FC236}">
-                <a16:creationId xmlns:a16="http://schemas.microsoft.com/office/drawing/2014/main" id="{334BF8AC-3E92-444F-9CD1-F451D8F8993D}"/>
+          <p:cNvPr id="3" name="그림 2">
+            <a:extLst>
+              <a:ext uri="{FF2B5EF4-FFF2-40B4-BE49-F238E27FC236}">
+                <a16:creationId xmlns:a16="http://schemas.microsoft.com/office/drawing/2014/main" id="{3C647293-A2F6-457E-9FA7-7F59C0251E01}"/>
               </a:ext>
             </a:extLst>
           </p:cNvPr>
@@ -5987,55 +7087,20 @@
         </p:blipFill>
         <p:spPr>
           <a:xfrm>
-            <a:off x="464003" y="3820886"/>
-            <a:ext cx="5810250" cy="285750"/>
+            <a:off x="283708" y="3757246"/>
+            <a:ext cx="6743700" cy="304800"/>
           </a:xfrm>
           <a:prstGeom prst="rect">
             <a:avLst/>
           </a:prstGeom>
         </p:spPr>
       </p:pic>
-      <p:sp>
-        <p:nvSpPr>
-          <p:cNvPr id="9" name="TextBox 8">
-            <a:extLst>
-              <a:ext uri="{FF2B5EF4-FFF2-40B4-BE49-F238E27FC236}">
-                <a16:creationId xmlns:a16="http://schemas.microsoft.com/office/drawing/2014/main" id="{596F50DA-952A-452D-BA73-D1DDDC9DB276}"/>
-              </a:ext>
-            </a:extLst>
-          </p:cNvPr>
-          <p:cNvSpPr txBox="1"/>
-          <p:nvPr/>
-        </p:nvSpPr>
-        <p:spPr>
-          <a:xfrm>
-            <a:off x="283708" y="3296722"/>
-            <a:ext cx="3199915" cy="369332"/>
-          </a:xfrm>
-          <a:prstGeom prst="rect">
-            <a:avLst/>
-          </a:prstGeom>
-          <a:noFill/>
-        </p:spPr>
-        <p:txBody>
-          <a:bodyPr wrap="none" rtlCol="0">
-            <a:spAutoFit/>
-          </a:bodyPr>
-          <a:lstStyle/>
-          <a:p>
-            <a:r>
-              <a:rPr lang="ko-KR" altLang="en-US" dirty="0"/>
-              <a:t>새로운 데이터를 이용한 예측</a:t>
-            </a:r>
-          </a:p>
-        </p:txBody>
-      </p:sp>
       <p:pic>
         <p:nvPicPr>
-          <p:cNvPr id="5" name="그림 4">
-            <a:extLst>
-              <a:ext uri="{FF2B5EF4-FFF2-40B4-BE49-F238E27FC236}">
-                <a16:creationId xmlns:a16="http://schemas.microsoft.com/office/drawing/2014/main" id="{277E37F8-4A11-4465-B868-369DEA91CFD6}"/>
+          <p:cNvPr id="8" name="그림 7">
+            <a:extLst>
+              <a:ext uri="{FF2B5EF4-FFF2-40B4-BE49-F238E27FC236}">
+                <a16:creationId xmlns:a16="http://schemas.microsoft.com/office/drawing/2014/main" id="{F9D2CBA0-18AD-4193-8FBF-22D85668BA7E}"/>
               </a:ext>
             </a:extLst>
           </p:cNvPr>
@@ -6052,8 +7117,8 @@
         </p:blipFill>
         <p:spPr>
           <a:xfrm>
-            <a:off x="283708" y="844271"/>
-            <a:ext cx="8124825" cy="1990725"/>
+            <a:off x="283708" y="808265"/>
+            <a:ext cx="7943850" cy="2038350"/>
           </a:xfrm>
           <a:prstGeom prst="rect">
             <a:avLst/>
@@ -6062,10 +7127,10 @@
       </p:pic>
       <p:pic>
         <p:nvPicPr>
-          <p:cNvPr id="10" name="그림 9">
-            <a:extLst>
-              <a:ext uri="{FF2B5EF4-FFF2-40B4-BE49-F238E27FC236}">
-                <a16:creationId xmlns:a16="http://schemas.microsoft.com/office/drawing/2014/main" id="{D5BC004A-CA19-42BC-BF86-0D38250BF06B}"/>
+          <p:cNvPr id="13" name="그림 12">
+            <a:extLst>
+              <a:ext uri="{FF2B5EF4-FFF2-40B4-BE49-F238E27FC236}">
+                <a16:creationId xmlns:a16="http://schemas.microsoft.com/office/drawing/2014/main" id="{8FFC5848-231F-432B-9606-8EDABCFE5738}"/>
               </a:ext>
             </a:extLst>
           </p:cNvPr>
@@ -6082,8 +7147,8 @@
         </p:blipFill>
         <p:spPr>
           <a:xfrm>
-            <a:off x="6274253" y="2860432"/>
-            <a:ext cx="5072429" cy="3462778"/>
+            <a:off x="7229632" y="3481388"/>
+            <a:ext cx="4948603" cy="3356028"/>
           </a:xfrm>
           <a:prstGeom prst="rect">
             <a:avLst/>
@@ -6092,10 +7157,10 @@
       </p:pic>
       <p:pic>
         <p:nvPicPr>
-          <p:cNvPr id="12" name="그림 11">
-            <a:extLst>
-              <a:ext uri="{FF2B5EF4-FFF2-40B4-BE49-F238E27FC236}">
-                <a16:creationId xmlns:a16="http://schemas.microsoft.com/office/drawing/2014/main" id="{38A1890D-D6ED-4848-80C9-C4AA21A78FAC}"/>
+          <p:cNvPr id="15" name="그림 14">
+            <a:extLst>
+              <a:ext uri="{FF2B5EF4-FFF2-40B4-BE49-F238E27FC236}">
+                <a16:creationId xmlns:a16="http://schemas.microsoft.com/office/drawing/2014/main" id="{B9C1B9EC-4E44-4B55-A869-59B8B151A76C}"/>
               </a:ext>
             </a:extLst>
           </p:cNvPr>
@@ -6112,18 +7177,204 @@
         </p:blipFill>
         <p:spPr>
           <a:xfrm>
-            <a:off x="464003" y="4255228"/>
-            <a:ext cx="5248275" cy="1038225"/>
+            <a:off x="283708" y="4153238"/>
+            <a:ext cx="4105275" cy="914400"/>
           </a:xfrm>
           <a:prstGeom prst="rect">
             <a:avLst/>
           </a:prstGeom>
         </p:spPr>
       </p:pic>
+      <p:sp>
+        <p:nvSpPr>
+          <p:cNvPr id="10" name="액자 9">
+            <a:extLst>
+              <a:ext uri="{FF2B5EF4-FFF2-40B4-BE49-F238E27FC236}">
+                <a16:creationId xmlns:a16="http://schemas.microsoft.com/office/drawing/2014/main" id="{94369CA6-510B-4B82-9D7B-280D5CB06EA4}"/>
+              </a:ext>
+            </a:extLst>
+          </p:cNvPr>
+          <p:cNvSpPr/>
+          <p:nvPr/>
+        </p:nvSpPr>
+        <p:spPr>
+          <a:xfrm>
+            <a:off x="2153974" y="2404034"/>
+            <a:ext cx="513471" cy="348824"/>
+          </a:xfrm>
+          <a:prstGeom prst="frame">
+            <a:avLst/>
+          </a:prstGeom>
+        </p:spPr>
+        <p:style>
+          <a:lnRef idx="2">
+            <a:schemeClr val="accent2">
+              <a:shade val="50000"/>
+            </a:schemeClr>
+          </a:lnRef>
+          <a:fillRef idx="1">
+            <a:schemeClr val="accent2"/>
+          </a:fillRef>
+          <a:effectRef idx="0">
+            <a:schemeClr val="accent2"/>
+          </a:effectRef>
+          <a:fontRef idx="minor">
+            <a:schemeClr val="lt1"/>
+          </a:fontRef>
+        </p:style>
+        <p:txBody>
+          <a:bodyPr rtlCol="0" anchor="ctr"/>
+          <a:lstStyle/>
+          <a:p>
+            <a:pPr algn="ctr"/>
+            <a:endParaRPr lang="ko-KR" altLang="en-US">
+              <a:solidFill>
+                <a:schemeClr val="tx1"/>
+              </a:solidFill>
+            </a:endParaRPr>
+          </a:p>
+        </p:txBody>
+      </p:sp>
+      <p:sp>
+        <p:nvSpPr>
+          <p:cNvPr id="11" name="액자 10">
+            <a:extLst>
+              <a:ext uri="{FF2B5EF4-FFF2-40B4-BE49-F238E27FC236}">
+                <a16:creationId xmlns:a16="http://schemas.microsoft.com/office/drawing/2014/main" id="{B51D8B89-8578-4867-9251-5A26926E8C30}"/>
+              </a:ext>
+            </a:extLst>
+          </p:cNvPr>
+          <p:cNvSpPr/>
+          <p:nvPr/>
+        </p:nvSpPr>
+        <p:spPr>
+          <a:xfrm>
+            <a:off x="283708" y="4576685"/>
+            <a:ext cx="736724" cy="328978"/>
+          </a:xfrm>
+          <a:prstGeom prst="frame">
+            <a:avLst>
+              <a:gd name="adj1" fmla="val 7340"/>
+            </a:avLst>
+          </a:prstGeom>
+        </p:spPr>
+        <p:style>
+          <a:lnRef idx="2">
+            <a:schemeClr val="accent2">
+              <a:shade val="50000"/>
+            </a:schemeClr>
+          </a:lnRef>
+          <a:fillRef idx="1">
+            <a:schemeClr val="accent2"/>
+          </a:fillRef>
+          <a:effectRef idx="0">
+            <a:schemeClr val="accent2"/>
+          </a:effectRef>
+          <a:fontRef idx="minor">
+            <a:schemeClr val="lt1"/>
+          </a:fontRef>
+        </p:style>
+        <p:txBody>
+          <a:bodyPr rtlCol="0" anchor="ctr"/>
+          <a:lstStyle/>
+          <a:p>
+            <a:pPr algn="ctr"/>
+            <a:endParaRPr lang="ko-KR" altLang="en-US">
+              <a:solidFill>
+                <a:schemeClr val="tx1"/>
+              </a:solidFill>
+            </a:endParaRPr>
+          </a:p>
+        </p:txBody>
+      </p:sp>
+      <p:sp>
+        <p:nvSpPr>
+          <p:cNvPr id="12" name="TextBox 11">
+            <a:extLst>
+              <a:ext uri="{FF2B5EF4-FFF2-40B4-BE49-F238E27FC236}">
+                <a16:creationId xmlns:a16="http://schemas.microsoft.com/office/drawing/2014/main" id="{AE96714A-AF61-4701-B7B2-D41038AA8F3E}"/>
+              </a:ext>
+            </a:extLst>
+          </p:cNvPr>
+          <p:cNvSpPr txBox="1"/>
+          <p:nvPr/>
+        </p:nvSpPr>
+        <p:spPr>
+          <a:xfrm>
+            <a:off x="6023533" y="1779815"/>
+            <a:ext cx="5884759" cy="923330"/>
+          </a:xfrm>
+          <a:prstGeom prst="rect">
+            <a:avLst/>
+          </a:prstGeom>
+          <a:noFill/>
+        </p:spPr>
+        <p:txBody>
+          <a:bodyPr wrap="square" rtlCol="0">
+            <a:spAutoFit/>
+          </a:bodyPr>
+          <a:lstStyle/>
+          <a:p>
+            <a:r>
+              <a:rPr lang="en-US" altLang="ko-KR" dirty="0"/>
+              <a:t>Training set</a:t>
+            </a:r>
+            <a:r>
+              <a:rPr lang="ko-KR" altLang="en-US" dirty="0"/>
+              <a:t>과 </a:t>
+            </a:r>
+            <a:r>
+              <a:rPr lang="en-US" altLang="ko-KR" dirty="0"/>
+              <a:t>validation set</a:t>
+            </a:r>
+            <a:r>
+              <a:rPr lang="ko-KR" altLang="en-US" dirty="0"/>
+              <a:t>에서의 </a:t>
+            </a:r>
+            <a:r>
+              <a:rPr lang="en-US" altLang="ko-KR" dirty="0"/>
+              <a:t>accuracy</a:t>
+            </a:r>
+            <a:r>
+              <a:rPr lang="ko-KR" altLang="en-US" dirty="0"/>
+              <a:t>를 보면</a:t>
+            </a:r>
+            <a:r>
+              <a:rPr lang="en-US" altLang="ko-KR" dirty="0"/>
+              <a:t>, RMSE </a:t>
+            </a:r>
+            <a:r>
+              <a:rPr lang="ko-KR" altLang="en-US" dirty="0"/>
+              <a:t>값이 </a:t>
+            </a:r>
+            <a:r>
+              <a:rPr lang="en-US" altLang="ko-KR" dirty="0"/>
+              <a:t>training set</a:t>
+            </a:r>
+            <a:r>
+              <a:rPr lang="ko-KR" altLang="en-US" dirty="0"/>
+              <a:t>에서 더 크게 나왔으므로 </a:t>
+            </a:r>
+            <a:r>
+              <a:rPr lang="en-US" altLang="ko-KR" dirty="0"/>
+              <a:t>overfitting</a:t>
+            </a:r>
+            <a:r>
+              <a:rPr lang="ko-KR" altLang="en-US" dirty="0"/>
+              <a:t>아니다</a:t>
+            </a:r>
+            <a:r>
+              <a:rPr lang="en-US" altLang="ko-KR" dirty="0"/>
+              <a:t>. </a:t>
+            </a:r>
+            <a:endParaRPr lang="ko-KR" altLang="en-US" dirty="0"/>
+          </a:p>
+        </p:txBody>
+      </p:sp>
     </p:spTree>
     <p:extLst>
       <p:ext uri="{BB962C8B-B14F-4D97-AF65-F5344CB8AC3E}">
-        <p14:creationId xmlns:p14="http://schemas.microsoft.com/office/powerpoint/2010/main" val="1036602053"/>
+        <p14:creationId xmlns:p14="http://schemas.microsoft.com/office/powerpoint/2010/main" val="2924882313"/>
       </p:ext>
     </p:extLst>
   </p:cSld>
@@ -6234,6 +7485,20 @@
             <a:r>
               <a:rPr lang="ko-KR" altLang="en-US" dirty="0"/>
               <a:t>데이터 모델링 및 성능 평가</a:t>
+            </a:r>
+            <a:endParaRPr lang="en-US" altLang="ko-KR" dirty="0"/>
+          </a:p>
+          <a:p>
+            <a:r>
+              <a:rPr lang="ko-KR" altLang="en-US" dirty="0"/>
+              <a:t>결론</a:t>
+            </a:r>
+            <a:endParaRPr lang="en-US" altLang="ko-KR" dirty="0"/>
+          </a:p>
+          <a:p>
+            <a:r>
+              <a:rPr lang="ko-KR" altLang="en-US" dirty="0"/>
+              <a:t>보완점 및 향후 과제</a:t>
             </a:r>
           </a:p>
         </p:txBody>
@@ -6270,128 +7535,56 @@
       </p:grpSpPr>
       <p:sp>
         <p:nvSpPr>
-          <p:cNvPr id="4" name="TextBox 3">
-            <a:extLst>
-              <a:ext uri="{FF2B5EF4-FFF2-40B4-BE49-F238E27FC236}">
-                <a16:creationId xmlns:a16="http://schemas.microsoft.com/office/drawing/2014/main" id="{10D75921-CD8E-4C85-90CC-4B046F37C46F}"/>
-              </a:ext>
-            </a:extLst>
-          </p:cNvPr>
-          <p:cNvSpPr txBox="1"/>
+          <p:cNvPr id="2" name="제목 1">
+            <a:extLst>
+              <a:ext uri="{FF2B5EF4-FFF2-40B4-BE49-F238E27FC236}">
+                <a16:creationId xmlns:a16="http://schemas.microsoft.com/office/drawing/2014/main" id="{3119A3B7-D21D-4EA5-9941-2A7EFBBDF7B9}"/>
+              </a:ext>
+            </a:extLst>
+          </p:cNvPr>
+          <p:cNvSpPr txBox="1">
+            <a:spLocks/>
+          </p:cNvSpPr>
           <p:nvPr/>
         </p:nvSpPr>
         <p:spPr>
           <a:xfrm>
-            <a:off x="252382" y="277586"/>
-            <a:ext cx="8757526" cy="369332"/>
+            <a:off x="851102" y="204215"/>
+            <a:ext cx="5515349" cy="831158"/>
           </a:xfrm>
           <a:prstGeom prst="rect">
             <a:avLst/>
           </a:prstGeom>
-          <a:noFill/>
-        </p:spPr>
-        <p:txBody>
-          <a:bodyPr wrap="none" rtlCol="0">
-            <a:spAutoFit/>
+        </p:spPr>
+        <p:txBody>
+          <a:bodyPr vert="horz" lIns="91440" tIns="45720" rIns="91440" bIns="45720" rtlCol="0" anchor="b">
+            <a:normAutofit/>
           </a:bodyPr>
-          <a:lstStyle/>
-          <a:p>
-            <a:r>
-              <a:rPr lang="ko-KR" altLang="en-US" dirty="0"/>
-              <a:t>다중회귀모델</a:t>
-            </a:r>
-            <a:r>
-              <a:rPr lang="en-US" altLang="ko-KR" dirty="0"/>
-              <a:t>(3) – </a:t>
-            </a:r>
-            <a:r>
-              <a:rPr lang="ko-KR" altLang="en-US" dirty="0"/>
-              <a:t>사업체</a:t>
-            </a:r>
-            <a:r>
-              <a:rPr lang="en-US" altLang="ko-KR" dirty="0"/>
-              <a:t>(</a:t>
-            </a:r>
-            <a:r>
-              <a:rPr lang="ko-KR" altLang="en-US" dirty="0"/>
-              <a:t>중소기업</a:t>
-            </a:r>
-            <a:r>
-              <a:rPr lang="en-US" altLang="ko-KR" dirty="0"/>
-              <a:t>), </a:t>
-            </a:r>
-            <a:r>
-              <a:rPr lang="ko-KR" altLang="en-US" dirty="0"/>
-              <a:t>지하철</a:t>
-            </a:r>
-            <a:r>
-              <a:rPr lang="en-US" altLang="ko-KR" dirty="0"/>
-              <a:t>, </a:t>
-            </a:r>
-            <a:r>
-              <a:rPr lang="ko-KR" altLang="en-US" dirty="0"/>
-              <a:t>초중고</a:t>
-            </a:r>
-            <a:r>
-              <a:rPr lang="en-US" altLang="ko-KR" dirty="0"/>
-              <a:t>, </a:t>
-            </a:r>
-            <a:r>
-              <a:rPr lang="ko-KR" altLang="en-US" dirty="0"/>
-              <a:t>학교 수에 따른 이용건수 예측</a:t>
-            </a:r>
-          </a:p>
-        </p:txBody>
-      </p:sp>
-      <p:sp>
-        <p:nvSpPr>
-          <p:cNvPr id="7" name="TextBox 6">
-            <a:extLst>
-              <a:ext uri="{FF2B5EF4-FFF2-40B4-BE49-F238E27FC236}">
-                <a16:creationId xmlns:a16="http://schemas.microsoft.com/office/drawing/2014/main" id="{F21128A4-8959-4B58-965C-62BD9C603B8D}"/>
-              </a:ext>
-            </a:extLst>
-          </p:cNvPr>
-          <p:cNvSpPr txBox="1"/>
-          <p:nvPr/>
-        </p:nvSpPr>
-        <p:spPr>
-          <a:xfrm>
-            <a:off x="453118" y="4138612"/>
-            <a:ext cx="2189767" cy="369332"/>
-          </a:xfrm>
-          <a:prstGeom prst="rect">
-            <a:avLst/>
-          </a:prstGeom>
-          <a:noFill/>
-        </p:spPr>
-        <p:txBody>
-          <a:bodyPr wrap="none" rtlCol="0">
-            <a:spAutoFit/>
-          </a:bodyPr>
-          <a:lstStyle/>
-          <a:p>
-            <a:r>
-              <a:rPr lang="en-US" altLang="ko-KR" dirty="0"/>
-              <a:t>Validation</a:t>
-            </a:r>
-            <a:r>
-              <a:rPr lang="ko-KR" altLang="en-US" dirty="0"/>
-              <a:t> </a:t>
-            </a:r>
-            <a:r>
-              <a:rPr lang="en-US" altLang="ko-KR" dirty="0"/>
-              <a:t>Data</a:t>
-            </a:r>
-            <a:r>
-              <a:rPr lang="ko-KR" altLang="en-US" dirty="0"/>
-              <a:t> </a:t>
-            </a:r>
-            <a:r>
-              <a:rPr lang="en-US" altLang="ko-KR" dirty="0"/>
-              <a:t>Set</a:t>
-            </a:r>
-            <a:endParaRPr lang="ko-KR" altLang="en-US" dirty="0"/>
+          <a:lstStyle>
+            <a:lvl1pPr algn="ctr" defTabSz="914400" rtl="0" eaLnBrk="1" latinLnBrk="1" hangingPunct="1">
+              <a:lnSpc>
+                <a:spcPct val="90000"/>
+              </a:lnSpc>
+              <a:spcBef>
+                <a:spcPct val="0"/>
+              </a:spcBef>
+              <a:buNone/>
+              <a:defRPr sz="6000" kern="1200">
+                <a:solidFill>
+                  <a:schemeClr val="tx1"/>
+                </a:solidFill>
+                <a:latin typeface="+mj-lt"/>
+                <a:ea typeface="+mj-ea"/>
+                <a:cs typeface="+mj-cs"/>
+              </a:defRPr>
+            </a:lvl1pPr>
+          </a:lstStyle>
+          <a:p>
+            <a:pPr algn="l"/>
+            <a:r>
+              <a:rPr lang="ko-KR" altLang="en-US" sz="4000" dirty="0"/>
+              <a:t>결론</a:t>
+            </a:r>
           </a:p>
         </p:txBody>
       </p:sp>
@@ -6400,7 +7593,7 @@
           <p:cNvPr id="3" name="그림 2">
             <a:extLst>
               <a:ext uri="{FF2B5EF4-FFF2-40B4-BE49-F238E27FC236}">
-                <a16:creationId xmlns:a16="http://schemas.microsoft.com/office/drawing/2014/main" id="{BDC166F9-7159-41BF-A04D-4EA8060817AB}"/>
+                <a16:creationId xmlns:a16="http://schemas.microsoft.com/office/drawing/2014/main" id="{CAE92B75-B868-49AC-873E-3DF61220E4FD}"/>
               </a:ext>
             </a:extLst>
           </p:cNvPr>
@@ -6417,20 +7610,100 @@
         </p:blipFill>
         <p:spPr>
           <a:xfrm>
-            <a:off x="453118" y="859240"/>
-            <a:ext cx="5610225" cy="3067050"/>
+            <a:off x="596553" y="1630437"/>
+            <a:ext cx="7896225" cy="2133600"/>
           </a:xfrm>
           <a:prstGeom prst="rect">
             <a:avLst/>
           </a:prstGeom>
         </p:spPr>
       </p:pic>
+      <p:sp>
+        <p:nvSpPr>
+          <p:cNvPr id="4" name="TextBox 3">
+            <a:extLst>
+              <a:ext uri="{FF2B5EF4-FFF2-40B4-BE49-F238E27FC236}">
+                <a16:creationId xmlns:a16="http://schemas.microsoft.com/office/drawing/2014/main" id="{4BCF4053-E30F-41B0-A19D-CDA126152ADA}"/>
+              </a:ext>
+            </a:extLst>
+          </p:cNvPr>
+          <p:cNvSpPr txBox="1"/>
+          <p:nvPr/>
+        </p:nvSpPr>
+        <p:spPr>
+          <a:xfrm>
+            <a:off x="596553" y="1207153"/>
+            <a:ext cx="995785" cy="369332"/>
+          </a:xfrm>
+          <a:prstGeom prst="rect">
+            <a:avLst/>
+          </a:prstGeom>
+          <a:noFill/>
+        </p:spPr>
+        <p:txBody>
+          <a:bodyPr wrap="none" rtlCol="0">
+            <a:spAutoFit/>
+          </a:bodyPr>
+          <a:lstStyle/>
+          <a:p>
+            <a:r>
+              <a:rPr lang="ko-KR" altLang="en-US" dirty="0"/>
+              <a:t>모델 </a:t>
+            </a:r>
+            <a:r>
+              <a:rPr lang="en-US" altLang="ko-KR" dirty="0"/>
+              <a:t>(1)</a:t>
+            </a:r>
+            <a:endParaRPr lang="ko-KR" altLang="en-US" dirty="0"/>
+          </a:p>
+        </p:txBody>
+      </p:sp>
+      <p:sp>
+        <p:nvSpPr>
+          <p:cNvPr id="8" name="TextBox 7">
+            <a:extLst>
+              <a:ext uri="{FF2B5EF4-FFF2-40B4-BE49-F238E27FC236}">
+                <a16:creationId xmlns:a16="http://schemas.microsoft.com/office/drawing/2014/main" id="{B802C6D4-6890-4EB8-9C14-B38D2B8DF58A}"/>
+              </a:ext>
+            </a:extLst>
+          </p:cNvPr>
+          <p:cNvSpPr txBox="1"/>
+          <p:nvPr/>
+        </p:nvSpPr>
+        <p:spPr>
+          <a:xfrm>
+            <a:off x="596553" y="4031035"/>
+            <a:ext cx="914033" cy="369332"/>
+          </a:xfrm>
+          <a:prstGeom prst="rect">
+            <a:avLst/>
+          </a:prstGeom>
+          <a:noFill/>
+        </p:spPr>
+        <p:txBody>
+          <a:bodyPr wrap="none" rtlCol="0">
+            <a:spAutoFit/>
+          </a:bodyPr>
+          <a:lstStyle/>
+          <a:p>
+            <a:r>
+              <a:rPr lang="ko-KR" altLang="en-US" dirty="0"/>
+              <a:t>모델</a:t>
+            </a:r>
+            <a:r>
+              <a:rPr lang="en-US" altLang="ko-KR" dirty="0"/>
+              <a:t>(3)</a:t>
+            </a:r>
+            <a:endParaRPr lang="ko-KR" altLang="en-US" dirty="0"/>
+          </a:p>
+        </p:txBody>
+      </p:sp>
       <p:pic>
         <p:nvPicPr>
-          <p:cNvPr id="8" name="그림 7">
-            <a:extLst>
-              <a:ext uri="{FF2B5EF4-FFF2-40B4-BE49-F238E27FC236}">
-                <a16:creationId xmlns:a16="http://schemas.microsoft.com/office/drawing/2014/main" id="{3BF85C5F-0D06-46E8-AA67-383F98380F51}"/>
+          <p:cNvPr id="9" name="그림 8">
+            <a:extLst>
+              <a:ext uri="{FF2B5EF4-FFF2-40B4-BE49-F238E27FC236}">
+                <a16:creationId xmlns:a16="http://schemas.microsoft.com/office/drawing/2014/main" id="{1F824C97-D426-4B90-B149-ECADD072EAF2}"/>
               </a:ext>
             </a:extLst>
           </p:cNvPr>
@@ -6447,7 +7720,7 @@
         </p:blipFill>
         <p:spPr>
           <a:xfrm>
-            <a:off x="453118" y="4589689"/>
+            <a:off x="596553" y="4482112"/>
             <a:ext cx="7896225" cy="1990725"/>
           </a:xfrm>
           <a:prstGeom prst="rect">
@@ -6455,10 +7728,246 @@
           </a:prstGeom>
         </p:spPr>
       </p:pic>
+      <p:sp>
+        <p:nvSpPr>
+          <p:cNvPr id="10" name="액자 9">
+            <a:extLst>
+              <a:ext uri="{FF2B5EF4-FFF2-40B4-BE49-F238E27FC236}">
+                <a16:creationId xmlns:a16="http://schemas.microsoft.com/office/drawing/2014/main" id="{F861570A-7633-4CD6-839D-58CDD96436D7}"/>
+              </a:ext>
+            </a:extLst>
+          </p:cNvPr>
+          <p:cNvSpPr/>
+          <p:nvPr/>
+        </p:nvSpPr>
+        <p:spPr>
+          <a:xfrm>
+            <a:off x="1852435" y="6085404"/>
+            <a:ext cx="513471" cy="387433"/>
+          </a:xfrm>
+          <a:prstGeom prst="frame">
+            <a:avLst/>
+          </a:prstGeom>
+        </p:spPr>
+        <p:style>
+          <a:lnRef idx="2">
+            <a:schemeClr val="accent2">
+              <a:shade val="50000"/>
+            </a:schemeClr>
+          </a:lnRef>
+          <a:fillRef idx="1">
+            <a:schemeClr val="accent2"/>
+          </a:fillRef>
+          <a:effectRef idx="0">
+            <a:schemeClr val="accent2"/>
+          </a:effectRef>
+          <a:fontRef idx="minor">
+            <a:schemeClr val="lt1"/>
+          </a:fontRef>
+        </p:style>
+        <p:txBody>
+          <a:bodyPr rtlCol="0" anchor="ctr"/>
+          <a:lstStyle/>
+          <a:p>
+            <a:pPr algn="ctr"/>
+            <a:endParaRPr lang="ko-KR" altLang="en-US">
+              <a:solidFill>
+                <a:schemeClr val="tx1"/>
+              </a:solidFill>
+            </a:endParaRPr>
+          </a:p>
+        </p:txBody>
+      </p:sp>
+      <p:sp>
+        <p:nvSpPr>
+          <p:cNvPr id="11" name="액자 10">
+            <a:extLst>
+              <a:ext uri="{FF2B5EF4-FFF2-40B4-BE49-F238E27FC236}">
+                <a16:creationId xmlns:a16="http://schemas.microsoft.com/office/drawing/2014/main" id="{D32B0EE9-02AC-40FD-A8B9-A5C50F603F71}"/>
+              </a:ext>
+            </a:extLst>
+          </p:cNvPr>
+          <p:cNvSpPr/>
+          <p:nvPr/>
+        </p:nvSpPr>
+        <p:spPr>
+          <a:xfrm>
+            <a:off x="1852435" y="3235283"/>
+            <a:ext cx="513471" cy="387433"/>
+          </a:xfrm>
+          <a:prstGeom prst="frame">
+            <a:avLst/>
+          </a:prstGeom>
+        </p:spPr>
+        <p:style>
+          <a:lnRef idx="2">
+            <a:schemeClr val="accent2">
+              <a:shade val="50000"/>
+            </a:schemeClr>
+          </a:lnRef>
+          <a:fillRef idx="1">
+            <a:schemeClr val="accent2"/>
+          </a:fillRef>
+          <a:effectRef idx="0">
+            <a:schemeClr val="accent2"/>
+          </a:effectRef>
+          <a:fontRef idx="minor">
+            <a:schemeClr val="lt1"/>
+          </a:fontRef>
+        </p:style>
+        <p:txBody>
+          <a:bodyPr rtlCol="0" anchor="ctr"/>
+          <a:lstStyle/>
+          <a:p>
+            <a:pPr algn="ctr"/>
+            <a:endParaRPr lang="ko-KR" altLang="en-US">
+              <a:solidFill>
+                <a:schemeClr val="tx1"/>
+              </a:solidFill>
+            </a:endParaRPr>
+          </a:p>
+        </p:txBody>
+      </p:sp>
+      <p:sp>
+        <p:nvSpPr>
+          <p:cNvPr id="12" name="TextBox 11">
+            <a:extLst>
+              <a:ext uri="{FF2B5EF4-FFF2-40B4-BE49-F238E27FC236}">
+                <a16:creationId xmlns:a16="http://schemas.microsoft.com/office/drawing/2014/main" id="{30FF541D-9E30-4D0F-BD12-4126910F3BC5}"/>
+              </a:ext>
+            </a:extLst>
+          </p:cNvPr>
+          <p:cNvSpPr txBox="1"/>
+          <p:nvPr/>
+        </p:nvSpPr>
+        <p:spPr>
+          <a:xfrm>
+            <a:off x="6005604" y="2505669"/>
+            <a:ext cx="5884759" cy="1477328"/>
+          </a:xfrm>
+          <a:prstGeom prst="rect">
+            <a:avLst/>
+          </a:prstGeom>
+          <a:noFill/>
+        </p:spPr>
+        <p:txBody>
+          <a:bodyPr wrap="square" rtlCol="0">
+            <a:spAutoFit/>
+          </a:bodyPr>
+          <a:lstStyle/>
+          <a:p>
+            <a:r>
+              <a:rPr lang="ko-KR" altLang="en-US" dirty="0"/>
+              <a:t>모델</a:t>
+            </a:r>
+            <a:r>
+              <a:rPr lang="en-US" altLang="ko-KR" dirty="0"/>
+              <a:t>(2)</a:t>
+            </a:r>
+            <a:r>
+              <a:rPr lang="ko-KR" altLang="en-US" dirty="0"/>
+              <a:t>는</a:t>
+            </a:r>
+            <a:r>
+              <a:rPr lang="en-US" altLang="ko-KR" dirty="0"/>
+              <a:t> overfitting</a:t>
+            </a:r>
+            <a:r>
+              <a:rPr lang="ko-KR" altLang="en-US" dirty="0"/>
+              <a:t>으로 인해</a:t>
+            </a:r>
+            <a:r>
+              <a:rPr lang="en-US" altLang="ko-KR" dirty="0"/>
+              <a:t>, </a:t>
+            </a:r>
+            <a:r>
+              <a:rPr lang="ko-KR" altLang="en-US" dirty="0"/>
+              <a:t>사용에 부적합하다</a:t>
+            </a:r>
+            <a:r>
+              <a:rPr lang="en-US" altLang="ko-KR" dirty="0"/>
+              <a:t>.</a:t>
+            </a:r>
+          </a:p>
+          <a:p>
+            <a:r>
+              <a:rPr lang="ko-KR" altLang="en-US" dirty="0"/>
+              <a:t>모델 </a:t>
+            </a:r>
+            <a:r>
+              <a:rPr lang="en-US" altLang="ko-KR" dirty="0"/>
+              <a:t>(1)</a:t>
+            </a:r>
+            <a:r>
+              <a:rPr lang="ko-KR" altLang="en-US" dirty="0"/>
+              <a:t>과 모델 </a:t>
+            </a:r>
+            <a:r>
+              <a:rPr lang="en-US" altLang="ko-KR" dirty="0"/>
+              <a:t>(3)</a:t>
+            </a:r>
+            <a:r>
+              <a:rPr lang="ko-KR" altLang="en-US" dirty="0"/>
+              <a:t> 중 </a:t>
+            </a:r>
+            <a:r>
+              <a:rPr lang="en-US" altLang="ko-KR" dirty="0"/>
+              <a:t>RMSE </a:t>
+            </a:r>
+            <a:r>
+              <a:rPr lang="ko-KR" altLang="en-US" dirty="0"/>
+              <a:t>값이 더 작은 모델 </a:t>
+            </a:r>
+            <a:r>
+              <a:rPr lang="en-US" altLang="ko-KR" dirty="0"/>
+              <a:t>(1)</a:t>
+            </a:r>
+            <a:r>
+              <a:rPr lang="ko-KR" altLang="en-US" dirty="0"/>
+              <a:t>이 가장 예측력이 좋은 모델이라는 결론을 내렸다</a:t>
+            </a:r>
+            <a:r>
+              <a:rPr lang="en-US" altLang="ko-KR" dirty="0"/>
+              <a:t>.</a:t>
+            </a:r>
+          </a:p>
+          <a:p>
+            <a:r>
+              <a:rPr lang="ko-KR" altLang="en-US" dirty="0"/>
+              <a:t>더불어</a:t>
+            </a:r>
+            <a:r>
+              <a:rPr lang="en-US" altLang="ko-KR" dirty="0"/>
+              <a:t>, </a:t>
+            </a:r>
+            <a:r>
+              <a:rPr lang="ko-KR" altLang="en-US" dirty="0"/>
+              <a:t>두 모델에서 공통적으로 </a:t>
+            </a:r>
+            <a:r>
+              <a:rPr lang="en-US" altLang="ko-KR" dirty="0" err="1"/>
+              <a:t>schoolCnt</a:t>
+            </a:r>
+            <a:r>
+              <a:rPr lang="en-US" altLang="ko-KR" dirty="0"/>
+              <a:t> </a:t>
+            </a:r>
+            <a:r>
+              <a:rPr lang="ko-KR" altLang="en-US" dirty="0"/>
+              <a:t>변수가 가장 유의미했다</a:t>
+            </a:r>
+            <a:r>
+              <a:rPr lang="en-US" altLang="ko-KR" dirty="0"/>
+              <a:t>.</a:t>
+            </a:r>
+            <a:endParaRPr lang="ko-KR" altLang="en-US" dirty="0"/>
+          </a:p>
+        </p:txBody>
+      </p:sp>
     </p:spTree>
     <p:extLst>
       <p:ext uri="{BB962C8B-B14F-4D97-AF65-F5344CB8AC3E}">
-        <p14:creationId xmlns:p14="http://schemas.microsoft.com/office/powerpoint/2010/main" val="714430964"/>
+        <p14:creationId xmlns:p14="http://schemas.microsoft.com/office/powerpoint/2010/main" val="2677819029"/>
       </p:ext>
     </p:extLst>
   </p:cSld>
@@ -6487,10 +7996,10 @@
       </p:grpSpPr>
       <p:sp>
         <p:nvSpPr>
-          <p:cNvPr id="4" name="TextBox 3">
-            <a:extLst>
-              <a:ext uri="{FF2B5EF4-FFF2-40B4-BE49-F238E27FC236}">
-                <a16:creationId xmlns:a16="http://schemas.microsoft.com/office/drawing/2014/main" id="{D042CEA9-21C3-462F-82B2-FAEA23D288FF}"/>
+          <p:cNvPr id="3" name="TextBox 2">
+            <a:extLst>
+              <a:ext uri="{FF2B5EF4-FFF2-40B4-BE49-F238E27FC236}">
+                <a16:creationId xmlns:a16="http://schemas.microsoft.com/office/drawing/2014/main" id="{2FFE75CF-F44C-42E6-BBF2-6EAE243EEBEA}"/>
               </a:ext>
             </a:extLst>
           </p:cNvPr>
@@ -6499,8 +8008,8 @@
         </p:nvSpPr>
         <p:spPr>
           <a:xfrm>
-            <a:off x="283708" y="438933"/>
-            <a:ext cx="1655390" cy="369332"/>
+            <a:off x="842682" y="4374800"/>
+            <a:ext cx="10362521" cy="1754326"/>
           </a:xfrm>
           <a:prstGeom prst="rect">
             <a:avLst/>
@@ -6508,76 +8017,111 @@
           <a:noFill/>
         </p:spPr>
         <p:txBody>
-          <a:bodyPr wrap="none" rtlCol="0">
+          <a:bodyPr wrap="square" rtlCol="0">
             <a:spAutoFit/>
           </a:bodyPr>
           <a:lstStyle/>
           <a:p>
             <a:r>
-              <a:rPr lang="en-US" altLang="ko-KR" dirty="0"/>
-              <a:t>Train</a:t>
-            </a:r>
-            <a:r>
-              <a:rPr lang="ko-KR" altLang="en-US" dirty="0"/>
+              <a:rPr lang="ko-KR" altLang="en-US" dirty="0"/>
+              <a:t>회귀모델에서 </a:t>
+            </a:r>
+            <a:r>
+              <a:rPr lang="en-US" altLang="ko-KR" dirty="0" err="1"/>
+              <a:t>schoolCnt</a:t>
+            </a:r>
+            <a:r>
+              <a:rPr lang="ko-KR" altLang="en-US" dirty="0"/>
+              <a:t>가 유의미하게 작용한 이유는</a:t>
+            </a:r>
+            <a:r>
+              <a:rPr lang="en-US" altLang="ko-KR" dirty="0"/>
               <a:t> </a:t>
             </a:r>
             <a:r>
-              <a:rPr lang="en-US" altLang="ko-KR" dirty="0"/>
-              <a:t>Data</a:t>
-            </a:r>
-            <a:r>
-              <a:rPr lang="ko-KR" altLang="en-US" dirty="0"/>
-              <a:t> </a:t>
-            </a:r>
-            <a:r>
-              <a:rPr lang="en-US" altLang="ko-KR" dirty="0"/>
-              <a:t>Set</a:t>
+              <a:rPr lang="ko-KR" altLang="en-US" dirty="0"/>
+              <a:t>학교 주변에 주거 단지가 밀집되어 있으므로</a:t>
+            </a:r>
+            <a:r>
+              <a:rPr lang="en-US" altLang="ko-KR" dirty="0"/>
+              <a:t>, 10</a:t>
+            </a:r>
+            <a:r>
+              <a:rPr lang="ko-KR" altLang="en-US" dirty="0"/>
+              <a:t>대의 이용률이 낮음에도 주거 단지 거주자들의 출퇴근 이용에 많이 사용되었을 것이라 추측한다</a:t>
+            </a:r>
+            <a:r>
+              <a:rPr lang="en-US" altLang="ko-KR" dirty="0"/>
+              <a:t>. </a:t>
+            </a:r>
+            <a:r>
+              <a:rPr lang="ko-KR" altLang="en-US" dirty="0"/>
+              <a:t>다시 말해</a:t>
+            </a:r>
+            <a:r>
+              <a:rPr lang="en-US" altLang="ko-KR" dirty="0"/>
+              <a:t>, 10</a:t>
+            </a:r>
+            <a:r>
+              <a:rPr lang="ko-KR" altLang="en-US" dirty="0"/>
+              <a:t>대의 부모 세대가 주로 </a:t>
+            </a:r>
+            <a:r>
+              <a:rPr lang="en-US" altLang="ko-KR" dirty="0"/>
+              <a:t>20</a:t>
+            </a:r>
+            <a:r>
+              <a:rPr lang="ko-KR" altLang="en-US" dirty="0"/>
+              <a:t>대 후반에서 </a:t>
+            </a:r>
+            <a:r>
+              <a:rPr lang="en-US" altLang="ko-KR" dirty="0"/>
+              <a:t>40</a:t>
+            </a:r>
+            <a:r>
+              <a:rPr lang="ko-KR" altLang="en-US" dirty="0"/>
+              <a:t>대이므로 우리가 예측했던 이용건수의 주 연령대라고 볼 수 있다</a:t>
+            </a:r>
+            <a:r>
+              <a:rPr lang="en-US" altLang="ko-KR" dirty="0"/>
+              <a:t>.</a:t>
+            </a:r>
+          </a:p>
+          <a:p>
+            <a:r>
+              <a:rPr lang="ko-KR" altLang="en-US" dirty="0"/>
+              <a:t>결론적으로</a:t>
+            </a:r>
+            <a:r>
+              <a:rPr lang="en-US" altLang="ko-KR" dirty="0"/>
+              <a:t>, </a:t>
+            </a:r>
+            <a:r>
+              <a:rPr lang="ko-KR" altLang="en-US" dirty="0"/>
+              <a:t>타 지역에서 공공자전거를 도입한다고 하면</a:t>
+            </a:r>
+            <a:r>
+              <a:rPr lang="en-US" altLang="ko-KR" dirty="0"/>
+              <a:t>, </a:t>
+            </a:r>
+            <a:r>
+              <a:rPr lang="ko-KR" altLang="en-US" dirty="0"/>
+              <a:t>학교 근처와 같은 주거 단지를 중심으로 하는 것이 안정적 수요를 창출할 수 있을 것이라 예상한다</a:t>
+            </a:r>
+            <a:r>
+              <a:rPr lang="en-US" altLang="ko-KR" dirty="0"/>
+              <a:t>.</a:t>
             </a:r>
             <a:endParaRPr lang="ko-KR" altLang="en-US" dirty="0"/>
-          </a:p>
-        </p:txBody>
-      </p:sp>
-      <p:sp>
-        <p:nvSpPr>
-          <p:cNvPr id="9" name="TextBox 8">
-            <a:extLst>
-              <a:ext uri="{FF2B5EF4-FFF2-40B4-BE49-F238E27FC236}">
-                <a16:creationId xmlns:a16="http://schemas.microsoft.com/office/drawing/2014/main" id="{596F50DA-952A-452D-BA73-D1DDDC9DB276}"/>
-              </a:ext>
-            </a:extLst>
-          </p:cNvPr>
-          <p:cNvSpPr txBox="1"/>
-          <p:nvPr/>
-        </p:nvSpPr>
-        <p:spPr>
-          <a:xfrm>
-            <a:off x="283708" y="3296722"/>
-            <a:ext cx="3199915" cy="369332"/>
-          </a:xfrm>
-          <a:prstGeom prst="rect">
-            <a:avLst/>
-          </a:prstGeom>
-          <a:noFill/>
-        </p:spPr>
-        <p:txBody>
-          <a:bodyPr wrap="none" rtlCol="0">
-            <a:spAutoFit/>
-          </a:bodyPr>
-          <a:lstStyle/>
-          <a:p>
-            <a:r>
-              <a:rPr lang="ko-KR" altLang="en-US" dirty="0"/>
-              <a:t>새로운 데이터를 이용한 예측</a:t>
-            </a:r>
           </a:p>
         </p:txBody>
       </p:sp>
       <p:pic>
         <p:nvPicPr>
-          <p:cNvPr id="3" name="그림 2">
-            <a:extLst>
-              <a:ext uri="{FF2B5EF4-FFF2-40B4-BE49-F238E27FC236}">
-                <a16:creationId xmlns:a16="http://schemas.microsoft.com/office/drawing/2014/main" id="{3C647293-A2F6-457E-9FA7-7F59C0251E01}"/>
+          <p:cNvPr id="4" name="그림 3">
+            <a:extLst>
+              <a:ext uri="{FF2B5EF4-FFF2-40B4-BE49-F238E27FC236}">
+                <a16:creationId xmlns:a16="http://schemas.microsoft.com/office/drawing/2014/main" id="{1D844606-D61B-4F42-997A-B3B625E582F5}"/>
               </a:ext>
             </a:extLst>
           </p:cNvPr>
@@ -6594,8 +8138,8 @@
         </p:blipFill>
         <p:spPr>
           <a:xfrm>
-            <a:off x="283708" y="3757246"/>
-            <a:ext cx="6743700" cy="304800"/>
+            <a:off x="615293" y="697498"/>
+            <a:ext cx="3805369" cy="3092518"/>
           </a:xfrm>
           <a:prstGeom prst="rect">
             <a:avLst/>
@@ -6604,10 +8148,10 @@
       </p:pic>
       <p:pic>
         <p:nvPicPr>
-          <p:cNvPr id="8" name="그림 7">
-            <a:extLst>
-              <a:ext uri="{FF2B5EF4-FFF2-40B4-BE49-F238E27FC236}">
-                <a16:creationId xmlns:a16="http://schemas.microsoft.com/office/drawing/2014/main" id="{F9D2CBA0-18AD-4193-8FBF-22D85668BA7E}"/>
+          <p:cNvPr id="5" name="그림 4">
+            <a:extLst>
+              <a:ext uri="{FF2B5EF4-FFF2-40B4-BE49-F238E27FC236}">
+                <a16:creationId xmlns:a16="http://schemas.microsoft.com/office/drawing/2014/main" id="{C2B1BDFA-6AD6-4530-9F34-5942EB0B7A09}"/>
               </a:ext>
             </a:extLst>
           </p:cNvPr>
@@ -6624,68 +8168,8 @@
         </p:blipFill>
         <p:spPr>
           <a:xfrm>
-            <a:off x="283708" y="808265"/>
-            <a:ext cx="7943850" cy="2038350"/>
-          </a:xfrm>
-          <a:prstGeom prst="rect">
-            <a:avLst/>
-          </a:prstGeom>
-        </p:spPr>
-      </p:pic>
-      <p:pic>
-        <p:nvPicPr>
-          <p:cNvPr id="13" name="그림 12">
-            <a:extLst>
-              <a:ext uri="{FF2B5EF4-FFF2-40B4-BE49-F238E27FC236}">
-                <a16:creationId xmlns:a16="http://schemas.microsoft.com/office/drawing/2014/main" id="{8FFC5848-231F-432B-9606-8EDABCFE5738}"/>
-              </a:ext>
-            </a:extLst>
-          </p:cNvPr>
-          <p:cNvPicPr>
-            <a:picLocks noChangeAspect="1"/>
-          </p:cNvPicPr>
-          <p:nvPr/>
-        </p:nvPicPr>
-        <p:blipFill>
-          <a:blip r:embed="rId4"/>
-          <a:stretch>
-            <a:fillRect/>
-          </a:stretch>
-        </p:blipFill>
-        <p:spPr>
-          <a:xfrm>
-            <a:off x="7229632" y="3481388"/>
-            <a:ext cx="4948603" cy="3356028"/>
-          </a:xfrm>
-          <a:prstGeom prst="rect">
-            <a:avLst/>
-          </a:prstGeom>
-        </p:spPr>
-      </p:pic>
-      <p:pic>
-        <p:nvPicPr>
-          <p:cNvPr id="15" name="그림 14">
-            <a:extLst>
-              <a:ext uri="{FF2B5EF4-FFF2-40B4-BE49-F238E27FC236}">
-                <a16:creationId xmlns:a16="http://schemas.microsoft.com/office/drawing/2014/main" id="{B9C1B9EC-4E44-4B55-A869-59B8B151A76C}"/>
-              </a:ext>
-            </a:extLst>
-          </p:cNvPr>
-          <p:cNvPicPr>
-            <a:picLocks noChangeAspect="1"/>
-          </p:cNvPicPr>
-          <p:nvPr/>
-        </p:nvPicPr>
-        <p:blipFill>
-          <a:blip r:embed="rId5"/>
-          <a:stretch>
-            <a:fillRect/>
-          </a:stretch>
-        </p:blipFill>
-        <p:spPr>
-          <a:xfrm>
-            <a:off x="283708" y="4153238"/>
-            <a:ext cx="4105275" cy="914400"/>
+            <a:off x="6453144" y="728874"/>
+            <a:ext cx="4752059" cy="3175256"/>
           </a:xfrm>
           <a:prstGeom prst="rect">
             <a:avLst/>
@@ -6695,7 +8179,7 @@
     </p:spTree>
     <p:extLst>
       <p:ext uri="{BB962C8B-B14F-4D97-AF65-F5344CB8AC3E}">
-        <p14:creationId xmlns:p14="http://schemas.microsoft.com/office/powerpoint/2010/main" val="2924882313"/>
+        <p14:creationId xmlns:p14="http://schemas.microsoft.com/office/powerpoint/2010/main" val="2275981475"/>
       </p:ext>
     </p:extLst>
   </p:cSld>
@@ -6722,70 +8206,238 @@
           <a:chExt cx="0" cy="0"/>
         </a:xfrm>
       </p:grpSpPr>
+      <p:sp>
+        <p:nvSpPr>
+          <p:cNvPr id="2" name="제목 1">
+            <a:extLst>
+              <a:ext uri="{FF2B5EF4-FFF2-40B4-BE49-F238E27FC236}">
+                <a16:creationId xmlns:a16="http://schemas.microsoft.com/office/drawing/2014/main" id="{7AB147CB-B755-42D9-8D16-89FD3929F700}"/>
+              </a:ext>
+            </a:extLst>
+          </p:cNvPr>
+          <p:cNvSpPr txBox="1">
+            <a:spLocks/>
+          </p:cNvSpPr>
+          <p:nvPr/>
+        </p:nvSpPr>
+        <p:spPr>
+          <a:xfrm>
+            <a:off x="261487" y="159391"/>
+            <a:ext cx="10515600" cy="831158"/>
+          </a:xfrm>
+          <a:prstGeom prst="rect">
+            <a:avLst/>
+          </a:prstGeom>
+        </p:spPr>
+        <p:txBody>
+          <a:bodyPr>
+            <a:normAutofit/>
+          </a:bodyPr>
+          <a:lstStyle>
+            <a:lvl1pPr algn="l" defTabSz="914400" rtl="0" eaLnBrk="1" latinLnBrk="1" hangingPunct="1">
+              <a:lnSpc>
+                <a:spcPct val="90000"/>
+              </a:lnSpc>
+              <a:spcBef>
+                <a:spcPct val="0"/>
+              </a:spcBef>
+              <a:buNone/>
+              <a:defRPr sz="4400" kern="1200">
+                <a:solidFill>
+                  <a:schemeClr val="tx1"/>
+                </a:solidFill>
+                <a:latin typeface="+mj-lt"/>
+                <a:ea typeface="+mj-ea"/>
+                <a:cs typeface="+mj-cs"/>
+              </a:defRPr>
+            </a:lvl1pPr>
+          </a:lstStyle>
+          <a:p>
+            <a:r>
+              <a:rPr lang="ko-KR" altLang="en-US" sz="4000" dirty="0"/>
+              <a:t>보완점 및 향후 과제</a:t>
+            </a:r>
+          </a:p>
+        </p:txBody>
+      </p:sp>
+      <p:sp>
+        <p:nvSpPr>
+          <p:cNvPr id="4" name="TextBox 3">
+            <a:extLst>
+              <a:ext uri="{FF2B5EF4-FFF2-40B4-BE49-F238E27FC236}">
+                <a16:creationId xmlns:a16="http://schemas.microsoft.com/office/drawing/2014/main" id="{8CC787CC-2808-40C7-88F8-AB8F9C067CE7}"/>
+              </a:ext>
+            </a:extLst>
+          </p:cNvPr>
+          <p:cNvSpPr txBox="1"/>
+          <p:nvPr/>
+        </p:nvSpPr>
+        <p:spPr>
+          <a:xfrm>
+            <a:off x="261487" y="990549"/>
+            <a:ext cx="10362521" cy="2954655"/>
+          </a:xfrm>
+          <a:prstGeom prst="rect">
+            <a:avLst/>
+          </a:prstGeom>
+          <a:noFill/>
+        </p:spPr>
+        <p:txBody>
+          <a:bodyPr wrap="square" rtlCol="0">
+            <a:spAutoFit/>
+          </a:bodyPr>
+          <a:lstStyle/>
+          <a:p>
+            <a:r>
+              <a:rPr lang="ko-KR" altLang="en-US" sz="3000" dirty="0"/>
+              <a:t>보완점</a:t>
+            </a:r>
+            <a:endParaRPr lang="en-US" altLang="ko-KR" sz="3000" dirty="0"/>
+          </a:p>
+          <a:p>
+            <a:pPr marL="342900" indent="-342900">
+              <a:buAutoNum type="arabicPeriod"/>
+            </a:pPr>
+            <a:r>
+              <a:rPr lang="ko-KR" altLang="en-US" dirty="0"/>
+              <a:t>다중 선형 회귀 모델 </a:t>
+            </a:r>
+            <a:r>
+              <a:rPr lang="en-US" altLang="ko-KR" dirty="0"/>
+              <a:t>(2)</a:t>
+            </a:r>
+            <a:r>
+              <a:rPr lang="ko-KR" altLang="en-US" dirty="0"/>
+              <a:t>에서의 </a:t>
+            </a:r>
+            <a:r>
+              <a:rPr lang="ko-KR" altLang="en-US" dirty="0" err="1"/>
+              <a:t>과적합</a:t>
+            </a:r>
+            <a:r>
+              <a:rPr lang="ko-KR" altLang="en-US" dirty="0"/>
+              <a:t> 발생</a:t>
+            </a:r>
+            <a:endParaRPr lang="en-US" altLang="ko-KR" dirty="0"/>
+          </a:p>
+          <a:p>
+            <a:pPr marL="342900" indent="-342900">
+              <a:buAutoNum type="arabicPeriod"/>
+            </a:pPr>
+            <a:r>
+              <a:rPr lang="ko-KR" altLang="en-US" dirty="0"/>
+              <a:t>다중 선형 회귀 모델의 성능 평가에서 </a:t>
+            </a:r>
+            <a:r>
+              <a:rPr lang="en-US" altLang="ko-KR" dirty="0"/>
+              <a:t>3</a:t>
+            </a:r>
+            <a:r>
+              <a:rPr lang="ko-KR" altLang="en-US" dirty="0"/>
+              <a:t>가지 모델 모두 </a:t>
+            </a:r>
+            <a:r>
+              <a:rPr lang="en-US" altLang="ko-KR" dirty="0"/>
+              <a:t>RMSE</a:t>
+            </a:r>
+            <a:r>
+              <a:rPr lang="ko-KR" altLang="en-US" dirty="0"/>
+              <a:t>가 높게 측정됨</a:t>
+            </a:r>
+            <a:endParaRPr lang="en-US" altLang="ko-KR" dirty="0"/>
+          </a:p>
+          <a:p>
+            <a:pPr marL="342900" indent="-342900">
+              <a:buAutoNum type="arabicPeriod"/>
+            </a:pPr>
+            <a:r>
+              <a:rPr lang="en-US" altLang="ko-KR" dirty="0"/>
+              <a:t>2021.06 </a:t>
+            </a:r>
+            <a:r>
+              <a:rPr lang="ko-KR" altLang="en-US" dirty="0"/>
+              <a:t>기준</a:t>
+            </a:r>
+            <a:r>
+              <a:rPr lang="en-US" altLang="ko-KR" dirty="0"/>
+              <a:t>, </a:t>
+            </a:r>
+            <a:r>
+              <a:rPr lang="ko-KR" altLang="en-US" dirty="0"/>
+              <a:t>공공자전거의 수요에 주된 영향을 미치는 요인이라고 생각되는 코로나 </a:t>
+            </a:r>
+            <a:r>
+              <a:rPr lang="en-US" altLang="ko-KR" dirty="0"/>
+              <a:t>19</a:t>
+            </a:r>
+            <a:r>
+              <a:rPr lang="ko-KR" altLang="en-US" dirty="0"/>
+              <a:t>의 영향을 무시하지 못함</a:t>
+            </a:r>
+            <a:endParaRPr lang="en-US" altLang="ko-KR" dirty="0"/>
+          </a:p>
+          <a:p>
+            <a:pPr marL="342900" indent="-342900">
+              <a:buAutoNum type="arabicPeriod"/>
+            </a:pPr>
+            <a:endParaRPr lang="en-US" altLang="ko-KR" dirty="0"/>
+          </a:p>
+          <a:p>
+            <a:r>
+              <a:rPr lang="ko-KR" altLang="en-US" sz="3000" dirty="0"/>
+              <a:t>향후과제</a:t>
+            </a:r>
+            <a:endParaRPr lang="en-US" altLang="ko-KR" sz="3000" dirty="0"/>
+          </a:p>
+          <a:p>
+            <a:pPr marL="342900" indent="-342900">
+              <a:buAutoNum type="arabicPeriod"/>
+            </a:pPr>
+            <a:r>
+              <a:rPr lang="ko-KR" altLang="en-US" dirty="0"/>
+              <a:t>주거 단지 데이터를 포함한 예측 모델링</a:t>
+            </a:r>
+            <a:endParaRPr lang="en-US" altLang="ko-KR" dirty="0"/>
+          </a:p>
+          <a:p>
+            <a:pPr marL="342900" indent="-342900">
+              <a:buAutoNum type="arabicPeriod"/>
+            </a:pPr>
+            <a:r>
+              <a:rPr lang="ko-KR" altLang="en-US" dirty="0"/>
+              <a:t>데이터 사용 범위</a:t>
+            </a:r>
+            <a:r>
+              <a:rPr lang="en-US" altLang="ko-KR" dirty="0"/>
+              <a:t>(</a:t>
+            </a:r>
+            <a:r>
+              <a:rPr lang="ko-KR" altLang="en-US" dirty="0"/>
+              <a:t>기간</a:t>
+            </a:r>
+            <a:r>
+              <a:rPr lang="en-US" altLang="ko-KR" dirty="0"/>
+              <a:t>(</a:t>
+            </a:r>
+            <a:r>
+              <a:rPr lang="ko-KR" altLang="en-US" dirty="0"/>
+              <a:t>월</a:t>
+            </a:r>
+            <a:r>
+              <a:rPr lang="en-US" altLang="ko-KR" dirty="0"/>
+              <a:t>))</a:t>
+            </a:r>
+            <a:r>
+              <a:rPr lang="ko-KR" altLang="en-US" dirty="0"/>
+              <a:t>를 확장하여 모델링</a:t>
+            </a:r>
+          </a:p>
+        </p:txBody>
+      </p:sp>
     </p:spTree>
     <p:extLst>
       <p:ext uri="{BB962C8B-B14F-4D97-AF65-F5344CB8AC3E}">
-        <p14:creationId xmlns:p14="http://schemas.microsoft.com/office/powerpoint/2010/main" val="2677819029"/>
-      </p:ext>
-    </p:extLst>
-  </p:cSld>
-  <p:clrMapOvr>
-    <a:masterClrMapping/>
-  </p:clrMapOvr>
-</p:sld>
-</file>
-
-<file path=ppt/slides/slide23.xml><?xml version="1.0" encoding="utf-8"?>
-<p:sld xmlns:a="http://schemas.openxmlformats.org/drawingml/2006/main" xmlns:r="http://schemas.openxmlformats.org/officeDocument/2006/relationships" xmlns:p="http://schemas.openxmlformats.org/presentationml/2006/main">
-  <p:cSld>
-    <p:spTree>
-      <p:nvGrpSpPr>
-        <p:cNvPr id="1" name=""/>
-        <p:cNvGrpSpPr/>
-        <p:nvPr/>
-      </p:nvGrpSpPr>
-      <p:grpSpPr>
-        <a:xfrm>
-          <a:off x="0" y="0"/>
-          <a:ext cx="0" cy="0"/>
-          <a:chOff x="0" y="0"/>
-          <a:chExt cx="0" cy="0"/>
-        </a:xfrm>
-      </p:grpSpPr>
-    </p:spTree>
-    <p:extLst>
-      <p:ext uri="{BB962C8B-B14F-4D97-AF65-F5344CB8AC3E}">
-        <p14:creationId xmlns:p14="http://schemas.microsoft.com/office/powerpoint/2010/main" val="2275981475"/>
-      </p:ext>
-    </p:extLst>
-  </p:cSld>
-  <p:clrMapOvr>
-    <a:masterClrMapping/>
-  </p:clrMapOvr>
-</p:sld>
-</file>
-
-<file path=ppt/slides/slide24.xml><?xml version="1.0" encoding="utf-8"?>
-<p:sld xmlns:a="http://schemas.openxmlformats.org/drawingml/2006/main" xmlns:r="http://schemas.openxmlformats.org/officeDocument/2006/relationships" xmlns:p="http://schemas.openxmlformats.org/presentationml/2006/main">
-  <p:cSld>
-    <p:spTree>
-      <p:nvGrpSpPr>
-        <p:cNvPr id="1" name=""/>
-        <p:cNvGrpSpPr/>
-        <p:nvPr/>
-      </p:nvGrpSpPr>
-      <p:grpSpPr>
-        <a:xfrm>
-          <a:off x="0" y="0"/>
-          <a:ext cx="0" cy="0"/>
-          <a:chOff x="0" y="0"/>
-          <a:chExt cx="0" cy="0"/>
-        </a:xfrm>
-      </p:grpSpPr>
-    </p:spTree>
-    <p:extLst>
-      <p:ext uri="{BB962C8B-B14F-4D97-AF65-F5344CB8AC3E}">
-        <p14:creationId xmlns:p14="http://schemas.microsoft.com/office/powerpoint/2010/main" val="1983159619"/>
+        <p14:creationId xmlns:p14="http://schemas.microsoft.com/office/powerpoint/2010/main" val="1370572748"/>
       </p:ext>
     </p:extLst>
   </p:cSld>
